--- a/Chapter09-SpatialStatistics/Chapter9.pptx
+++ b/Chapter09-SpatialStatistics/Chapter9.pptx
@@ -104,6 +104,11 @@
       </a:defRPr>
     </a:lvl9pPr>
   </p:defaultTextStyle>
+  <p:extLst>
+    <p:ext uri="{EFAFB233-063F-42B5-8137-9DF3F51BA10A}">
+      <p15:sldGuideLst xmlns:p15="http://schemas.microsoft.com/office/powerpoint/2012/main"/>
+    </p:ext>
+  </p:extLst>
 </p:presentation>
 </file>
 
@@ -254,7 +259,7 @@
           <a:p>
             <a:fld id="{53326AB7-C146-8643-AC32-1D896C71A7F3}" type="datetimeFigureOut">
               <a:rPr lang="en-US" smtClean="0"/>
-              <a:t>7/16/18</a:t>
+              <a:t>7/21/18</a:t>
             </a:fld>
             <a:endParaRPr lang="en-US"/>
           </a:p>
@@ -452,7 +457,7 @@
           <a:p>
             <a:fld id="{53326AB7-C146-8643-AC32-1D896C71A7F3}" type="datetimeFigureOut">
               <a:rPr lang="en-US" smtClean="0"/>
-              <a:t>7/16/18</a:t>
+              <a:t>7/21/18</a:t>
             </a:fld>
             <a:endParaRPr lang="en-US"/>
           </a:p>
@@ -660,7 +665,7 @@
           <a:p>
             <a:fld id="{53326AB7-C146-8643-AC32-1D896C71A7F3}" type="datetimeFigureOut">
               <a:rPr lang="en-US" smtClean="0"/>
-              <a:t>7/16/18</a:t>
+              <a:t>7/21/18</a:t>
             </a:fld>
             <a:endParaRPr lang="en-US"/>
           </a:p>
@@ -858,7 +863,7 @@
           <a:p>
             <a:fld id="{53326AB7-C146-8643-AC32-1D896C71A7F3}" type="datetimeFigureOut">
               <a:rPr lang="en-US" smtClean="0"/>
-              <a:t>7/16/18</a:t>
+              <a:t>7/21/18</a:t>
             </a:fld>
             <a:endParaRPr lang="en-US"/>
           </a:p>
@@ -1133,7 +1138,7 @@
           <a:p>
             <a:fld id="{53326AB7-C146-8643-AC32-1D896C71A7F3}" type="datetimeFigureOut">
               <a:rPr lang="en-US" smtClean="0"/>
-              <a:t>7/16/18</a:t>
+              <a:t>7/21/18</a:t>
             </a:fld>
             <a:endParaRPr lang="en-US"/>
           </a:p>
@@ -1398,7 +1403,7 @@
           <a:p>
             <a:fld id="{53326AB7-C146-8643-AC32-1D896C71A7F3}" type="datetimeFigureOut">
               <a:rPr lang="en-US" smtClean="0"/>
-              <a:t>7/16/18</a:t>
+              <a:t>7/21/18</a:t>
             </a:fld>
             <a:endParaRPr lang="en-US"/>
           </a:p>
@@ -1810,7 +1815,7 @@
           <a:p>
             <a:fld id="{53326AB7-C146-8643-AC32-1D896C71A7F3}" type="datetimeFigureOut">
               <a:rPr lang="en-US" smtClean="0"/>
-              <a:t>7/16/18</a:t>
+              <a:t>7/21/18</a:t>
             </a:fld>
             <a:endParaRPr lang="en-US"/>
           </a:p>
@@ -1951,7 +1956,7 @@
           <a:p>
             <a:fld id="{53326AB7-C146-8643-AC32-1D896C71A7F3}" type="datetimeFigureOut">
               <a:rPr lang="en-US" smtClean="0"/>
-              <a:t>7/16/18</a:t>
+              <a:t>7/21/18</a:t>
             </a:fld>
             <a:endParaRPr lang="en-US"/>
           </a:p>
@@ -2064,7 +2069,7 @@
           <a:p>
             <a:fld id="{53326AB7-C146-8643-AC32-1D896C71A7F3}" type="datetimeFigureOut">
               <a:rPr lang="en-US" smtClean="0"/>
-              <a:t>7/16/18</a:t>
+              <a:t>7/21/18</a:t>
             </a:fld>
             <a:endParaRPr lang="en-US"/>
           </a:p>
@@ -2375,7 +2380,7 @@
           <a:p>
             <a:fld id="{53326AB7-C146-8643-AC32-1D896C71A7F3}" type="datetimeFigureOut">
               <a:rPr lang="en-US" smtClean="0"/>
-              <a:t>7/16/18</a:t>
+              <a:t>7/21/18</a:t>
             </a:fld>
             <a:endParaRPr lang="en-US"/>
           </a:p>
@@ -2663,7 +2668,7 @@
           <a:p>
             <a:fld id="{53326AB7-C146-8643-AC32-1D896C71A7F3}" type="datetimeFigureOut">
               <a:rPr lang="en-US" smtClean="0"/>
-              <a:t>7/16/18</a:t>
+              <a:t>7/21/18</a:t>
             </a:fld>
             <a:endParaRPr lang="en-US"/>
           </a:p>
@@ -2904,7 +2909,7 @@
           <a:p>
             <a:fld id="{53326AB7-C146-8643-AC32-1D896C71A7F3}" type="datetimeFigureOut">
               <a:rPr lang="en-US" smtClean="0"/>
-              <a:t>7/16/18</a:t>
+              <a:t>7/21/18</a:t>
             </a:fld>
             <a:endParaRPr lang="en-US"/>
           </a:p>
@@ -3342,7 +3347,10 @@
           <a:bodyPr/>
           <a:lstStyle/>
           <a:p>
-            <a:endParaRPr lang="en-US"/>
+            <a:r>
+              <a:rPr lang="en-US" dirty="0"/>
+              <a:t>Chapter 9</a:t>
+            </a:r>
           </a:p>
         </p:txBody>
       </p:sp>
@@ -3367,7 +3375,10 @@
           <a:bodyPr/>
           <a:lstStyle/>
           <a:p>
-            <a:endParaRPr lang="en-US"/>
+            <a:r>
+              <a:rPr lang="en-US"/>
+              <a:t>Spatial Statistics</a:t>
+            </a:r>
           </a:p>
         </p:txBody>
       </p:sp>

--- a/Chapter09-SpatialStatistics/Chapter9.pptx
+++ b/Chapter09-SpatialStatistics/Chapter9.pptx
@@ -4,8 +4,12 @@
   <p:sldMasterIdLst>
     <p:sldMasterId id="2147483648" r:id="rId1"/>
   </p:sldMasterIdLst>
+  <p:notesMasterIdLst>
+    <p:notesMasterId r:id="rId4"/>
+  </p:notesMasterIdLst>
   <p:sldIdLst>
     <p:sldId id="256" r:id="rId2"/>
+    <p:sldId id="278" r:id="rId3"/>
   </p:sldIdLst>
   <p:sldSz cx="12192000" cy="6858000"/>
   <p:notesSz cx="6858000" cy="9144000"/>
@@ -112,6 +116,453 @@
 </p:presentation>
 </file>
 
+<file path=ppt/notesMasters/notesMaster1.xml><?xml version="1.0" encoding="utf-8"?>
+<p:notesMaster xmlns:a="http://schemas.openxmlformats.org/drawingml/2006/main" xmlns:r="http://schemas.openxmlformats.org/officeDocument/2006/relationships" xmlns:p="http://schemas.openxmlformats.org/presentationml/2006/main">
+  <p:cSld>
+    <p:bg>
+      <p:bgRef idx="1001">
+        <a:schemeClr val="bg1"/>
+      </p:bgRef>
+    </p:bg>
+    <p:spTree>
+      <p:nvGrpSpPr>
+        <p:cNvPr id="1" name=""/>
+        <p:cNvGrpSpPr/>
+        <p:nvPr/>
+      </p:nvGrpSpPr>
+      <p:grpSpPr>
+        <a:xfrm>
+          <a:off x="0" y="0"/>
+          <a:ext cx="0" cy="0"/>
+          <a:chOff x="0" y="0"/>
+          <a:chExt cx="0" cy="0"/>
+        </a:xfrm>
+      </p:grpSpPr>
+      <p:sp>
+        <p:nvSpPr>
+          <p:cNvPr id="2" name="Header Placeholder 1"/>
+          <p:cNvSpPr>
+            <a:spLocks noGrp="1"/>
+          </p:cNvSpPr>
+          <p:nvPr>
+            <p:ph type="hdr" sz="quarter"/>
+          </p:nvPr>
+        </p:nvSpPr>
+        <p:spPr>
+          <a:xfrm>
+            <a:off x="0" y="0"/>
+            <a:ext cx="2971800" cy="458788"/>
+          </a:xfrm>
+          <a:prstGeom prst="rect">
+            <a:avLst/>
+          </a:prstGeom>
+        </p:spPr>
+        <p:txBody>
+          <a:bodyPr vert="horz" lIns="91440" tIns="45720" rIns="91440" bIns="45720" rtlCol="0"/>
+          <a:lstStyle>
+            <a:lvl1pPr algn="l">
+              <a:defRPr sz="1200"/>
+            </a:lvl1pPr>
+          </a:lstStyle>
+          <a:p>
+            <a:endParaRPr lang="en-US"/>
+          </a:p>
+        </p:txBody>
+      </p:sp>
+      <p:sp>
+        <p:nvSpPr>
+          <p:cNvPr id="3" name="Date Placeholder 2"/>
+          <p:cNvSpPr>
+            <a:spLocks noGrp="1"/>
+          </p:cNvSpPr>
+          <p:nvPr>
+            <p:ph type="dt" idx="1"/>
+          </p:nvPr>
+        </p:nvSpPr>
+        <p:spPr>
+          <a:xfrm>
+            <a:off x="3884613" y="0"/>
+            <a:ext cx="2971800" cy="458788"/>
+          </a:xfrm>
+          <a:prstGeom prst="rect">
+            <a:avLst/>
+          </a:prstGeom>
+        </p:spPr>
+        <p:txBody>
+          <a:bodyPr vert="horz" lIns="91440" tIns="45720" rIns="91440" bIns="45720" rtlCol="0"/>
+          <a:lstStyle>
+            <a:lvl1pPr algn="r">
+              <a:defRPr sz="1200"/>
+            </a:lvl1pPr>
+          </a:lstStyle>
+          <a:p>
+            <a:fld id="{277BE31A-CF47-1542-834B-3F84EFC65F53}" type="datetimeFigureOut">
+              <a:rPr lang="en-US" smtClean="0"/>
+              <a:t>7/23/18</a:t>
+            </a:fld>
+            <a:endParaRPr lang="en-US"/>
+          </a:p>
+        </p:txBody>
+      </p:sp>
+      <p:sp>
+        <p:nvSpPr>
+          <p:cNvPr id="4" name="Slide Image Placeholder 3"/>
+          <p:cNvSpPr>
+            <a:spLocks noGrp="1" noRot="1" noChangeAspect="1"/>
+          </p:cNvSpPr>
+          <p:nvPr>
+            <p:ph type="sldImg" idx="2"/>
+          </p:nvPr>
+        </p:nvSpPr>
+        <p:spPr>
+          <a:xfrm>
+            <a:off x="685800" y="1143000"/>
+            <a:ext cx="5486400" cy="3086100"/>
+          </a:xfrm>
+          <a:prstGeom prst="rect">
+            <a:avLst/>
+          </a:prstGeom>
+          <a:noFill/>
+          <a:ln w="12700">
+            <a:solidFill>
+              <a:prstClr val="black"/>
+            </a:solidFill>
+          </a:ln>
+        </p:spPr>
+        <p:txBody>
+          <a:bodyPr vert="horz" lIns="91440" tIns="45720" rIns="91440" bIns="45720" rtlCol="0" anchor="ctr"/>
+          <a:lstStyle/>
+          <a:p>
+            <a:endParaRPr lang="en-US"/>
+          </a:p>
+        </p:txBody>
+      </p:sp>
+      <p:sp>
+        <p:nvSpPr>
+          <p:cNvPr id="5" name="Notes Placeholder 4"/>
+          <p:cNvSpPr>
+            <a:spLocks noGrp="1"/>
+          </p:cNvSpPr>
+          <p:nvPr>
+            <p:ph type="body" sz="quarter" idx="3"/>
+          </p:nvPr>
+        </p:nvSpPr>
+        <p:spPr>
+          <a:xfrm>
+            <a:off x="685800" y="4400550"/>
+            <a:ext cx="5486400" cy="3600450"/>
+          </a:xfrm>
+          <a:prstGeom prst="rect">
+            <a:avLst/>
+          </a:prstGeom>
+        </p:spPr>
+        <p:txBody>
+          <a:bodyPr vert="horz" lIns="91440" tIns="45720" rIns="91440" bIns="45720" rtlCol="0"/>
+          <a:lstStyle/>
+          <a:p>
+            <a:pPr lvl="0"/>
+            <a:r>
+              <a:rPr lang="en-US"/>
+              <a:t>Edit Master text styles</a:t>
+            </a:r>
+          </a:p>
+          <a:p>
+            <a:pPr lvl="1"/>
+            <a:r>
+              <a:rPr lang="en-US"/>
+              <a:t>Second level</a:t>
+            </a:r>
+          </a:p>
+          <a:p>
+            <a:pPr lvl="2"/>
+            <a:r>
+              <a:rPr lang="en-US"/>
+              <a:t>Third level</a:t>
+            </a:r>
+          </a:p>
+          <a:p>
+            <a:pPr lvl="3"/>
+            <a:r>
+              <a:rPr lang="en-US"/>
+              <a:t>Fourth level</a:t>
+            </a:r>
+          </a:p>
+          <a:p>
+            <a:pPr lvl="4"/>
+            <a:r>
+              <a:rPr lang="en-US"/>
+              <a:t>Fifth level</a:t>
+            </a:r>
+          </a:p>
+        </p:txBody>
+      </p:sp>
+      <p:sp>
+        <p:nvSpPr>
+          <p:cNvPr id="6" name="Footer Placeholder 5"/>
+          <p:cNvSpPr>
+            <a:spLocks noGrp="1"/>
+          </p:cNvSpPr>
+          <p:nvPr>
+            <p:ph type="ftr" sz="quarter" idx="4"/>
+          </p:nvPr>
+        </p:nvSpPr>
+        <p:spPr>
+          <a:xfrm>
+            <a:off x="0" y="8685213"/>
+            <a:ext cx="2971800" cy="458787"/>
+          </a:xfrm>
+          <a:prstGeom prst="rect">
+            <a:avLst/>
+          </a:prstGeom>
+        </p:spPr>
+        <p:txBody>
+          <a:bodyPr vert="horz" lIns="91440" tIns="45720" rIns="91440" bIns="45720" rtlCol="0" anchor="b"/>
+          <a:lstStyle>
+            <a:lvl1pPr algn="l">
+              <a:defRPr sz="1200"/>
+            </a:lvl1pPr>
+          </a:lstStyle>
+          <a:p>
+            <a:endParaRPr lang="en-US"/>
+          </a:p>
+        </p:txBody>
+      </p:sp>
+      <p:sp>
+        <p:nvSpPr>
+          <p:cNvPr id="7" name="Slide Number Placeholder 6"/>
+          <p:cNvSpPr>
+            <a:spLocks noGrp="1"/>
+          </p:cNvSpPr>
+          <p:nvPr>
+            <p:ph type="sldNum" sz="quarter" idx="5"/>
+          </p:nvPr>
+        </p:nvSpPr>
+        <p:spPr>
+          <a:xfrm>
+            <a:off x="3884613" y="8685213"/>
+            <a:ext cx="2971800" cy="458787"/>
+          </a:xfrm>
+          <a:prstGeom prst="rect">
+            <a:avLst/>
+          </a:prstGeom>
+        </p:spPr>
+        <p:txBody>
+          <a:bodyPr vert="horz" lIns="91440" tIns="45720" rIns="91440" bIns="45720" rtlCol="0" anchor="b"/>
+          <a:lstStyle>
+            <a:lvl1pPr algn="r">
+              <a:defRPr sz="1200"/>
+            </a:lvl1pPr>
+          </a:lstStyle>
+          <a:p>
+            <a:fld id="{A5E3B634-187A-714A-9D7D-FC23E693A20E}" type="slidenum">
+              <a:rPr lang="en-US" smtClean="0"/>
+              <a:t>‹#›</a:t>
+            </a:fld>
+            <a:endParaRPr lang="en-US"/>
+          </a:p>
+        </p:txBody>
+      </p:sp>
+    </p:spTree>
+    <p:extLst>
+      <p:ext uri="{BB962C8B-B14F-4D97-AF65-F5344CB8AC3E}">
+        <p14:creationId xmlns:p14="http://schemas.microsoft.com/office/powerpoint/2010/main" val="4221703336"/>
+      </p:ext>
+    </p:extLst>
+  </p:cSld>
+  <p:clrMap bg1="lt1" tx1="dk1" bg2="lt2" tx2="dk2" accent1="accent1" accent2="accent2" accent3="accent3" accent4="accent4" accent5="accent5" accent6="accent6" hlink="hlink" folHlink="folHlink"/>
+  <p:notesStyle>
+    <a:lvl1pPr marL="0" algn="l" defTabSz="914400" rtl="0" eaLnBrk="1" latinLnBrk="0" hangingPunct="1">
+      <a:defRPr sz="1200" kern="1200">
+        <a:solidFill>
+          <a:schemeClr val="tx1"/>
+        </a:solidFill>
+        <a:latin typeface="+mn-lt"/>
+        <a:ea typeface="+mn-ea"/>
+        <a:cs typeface="+mn-cs"/>
+      </a:defRPr>
+    </a:lvl1pPr>
+    <a:lvl2pPr marL="457200" algn="l" defTabSz="914400" rtl="0" eaLnBrk="1" latinLnBrk="0" hangingPunct="1">
+      <a:defRPr sz="1200" kern="1200">
+        <a:solidFill>
+          <a:schemeClr val="tx1"/>
+        </a:solidFill>
+        <a:latin typeface="+mn-lt"/>
+        <a:ea typeface="+mn-ea"/>
+        <a:cs typeface="+mn-cs"/>
+      </a:defRPr>
+    </a:lvl2pPr>
+    <a:lvl3pPr marL="914400" algn="l" defTabSz="914400" rtl="0" eaLnBrk="1" latinLnBrk="0" hangingPunct="1">
+      <a:defRPr sz="1200" kern="1200">
+        <a:solidFill>
+          <a:schemeClr val="tx1"/>
+        </a:solidFill>
+        <a:latin typeface="+mn-lt"/>
+        <a:ea typeface="+mn-ea"/>
+        <a:cs typeface="+mn-cs"/>
+      </a:defRPr>
+    </a:lvl3pPr>
+    <a:lvl4pPr marL="1371600" algn="l" defTabSz="914400" rtl="0" eaLnBrk="1" latinLnBrk="0" hangingPunct="1">
+      <a:defRPr sz="1200" kern="1200">
+        <a:solidFill>
+          <a:schemeClr val="tx1"/>
+        </a:solidFill>
+        <a:latin typeface="+mn-lt"/>
+        <a:ea typeface="+mn-ea"/>
+        <a:cs typeface="+mn-cs"/>
+      </a:defRPr>
+    </a:lvl4pPr>
+    <a:lvl5pPr marL="1828800" algn="l" defTabSz="914400" rtl="0" eaLnBrk="1" latinLnBrk="0" hangingPunct="1">
+      <a:defRPr sz="1200" kern="1200">
+        <a:solidFill>
+          <a:schemeClr val="tx1"/>
+        </a:solidFill>
+        <a:latin typeface="+mn-lt"/>
+        <a:ea typeface="+mn-ea"/>
+        <a:cs typeface="+mn-cs"/>
+      </a:defRPr>
+    </a:lvl5pPr>
+    <a:lvl6pPr marL="2286000" algn="l" defTabSz="914400" rtl="0" eaLnBrk="1" latinLnBrk="0" hangingPunct="1">
+      <a:defRPr sz="1200" kern="1200">
+        <a:solidFill>
+          <a:schemeClr val="tx1"/>
+        </a:solidFill>
+        <a:latin typeface="+mn-lt"/>
+        <a:ea typeface="+mn-ea"/>
+        <a:cs typeface="+mn-cs"/>
+      </a:defRPr>
+    </a:lvl6pPr>
+    <a:lvl7pPr marL="2743200" algn="l" defTabSz="914400" rtl="0" eaLnBrk="1" latinLnBrk="0" hangingPunct="1">
+      <a:defRPr sz="1200" kern="1200">
+        <a:solidFill>
+          <a:schemeClr val="tx1"/>
+        </a:solidFill>
+        <a:latin typeface="+mn-lt"/>
+        <a:ea typeface="+mn-ea"/>
+        <a:cs typeface="+mn-cs"/>
+      </a:defRPr>
+    </a:lvl7pPr>
+    <a:lvl8pPr marL="3200400" algn="l" defTabSz="914400" rtl="0" eaLnBrk="1" latinLnBrk="0" hangingPunct="1">
+      <a:defRPr sz="1200" kern="1200">
+        <a:solidFill>
+          <a:schemeClr val="tx1"/>
+        </a:solidFill>
+        <a:latin typeface="+mn-lt"/>
+        <a:ea typeface="+mn-ea"/>
+        <a:cs typeface="+mn-cs"/>
+      </a:defRPr>
+    </a:lvl8pPr>
+    <a:lvl9pPr marL="3657600" algn="l" defTabSz="914400" rtl="0" eaLnBrk="1" latinLnBrk="0" hangingPunct="1">
+      <a:defRPr sz="1200" kern="1200">
+        <a:solidFill>
+          <a:schemeClr val="tx1"/>
+        </a:solidFill>
+        <a:latin typeface="+mn-lt"/>
+        <a:ea typeface="+mn-ea"/>
+        <a:cs typeface="+mn-cs"/>
+      </a:defRPr>
+    </a:lvl9pPr>
+  </p:notesStyle>
+</p:notesMaster>
+</file>
+
+<file path=ppt/notesSlides/notesSlide1.xml><?xml version="1.0" encoding="utf-8"?>
+<p:notes xmlns:a="http://schemas.openxmlformats.org/drawingml/2006/main" xmlns:r="http://schemas.openxmlformats.org/officeDocument/2006/relationships" xmlns:p="http://schemas.openxmlformats.org/presentationml/2006/main">
+  <p:cSld>
+    <p:spTree>
+      <p:nvGrpSpPr>
+        <p:cNvPr id="1" name=""/>
+        <p:cNvGrpSpPr/>
+        <p:nvPr/>
+      </p:nvGrpSpPr>
+      <p:grpSpPr>
+        <a:xfrm>
+          <a:off x="0" y="0"/>
+          <a:ext cx="0" cy="0"/>
+          <a:chOff x="0" y="0"/>
+          <a:chExt cx="0" cy="0"/>
+        </a:xfrm>
+      </p:grpSpPr>
+      <p:sp>
+        <p:nvSpPr>
+          <p:cNvPr id="2" name="Slide Image Placeholder 1"/>
+          <p:cNvSpPr>
+            <a:spLocks noGrp="1" noRot="1" noChangeAspect="1"/>
+          </p:cNvSpPr>
+          <p:nvPr>
+            <p:ph type="sldImg"/>
+          </p:nvPr>
+        </p:nvSpPr>
+        <p:spPr/>
+      </p:sp>
+      <p:sp>
+        <p:nvSpPr>
+          <p:cNvPr id="3" name="Notes Placeholder 2"/>
+          <p:cNvSpPr>
+            <a:spLocks noGrp="1"/>
+          </p:cNvSpPr>
+          <p:nvPr>
+            <p:ph type="body" idx="1"/>
+          </p:nvPr>
+        </p:nvSpPr>
+        <p:spPr/>
+        <p:txBody>
+          <a:bodyPr/>
+          <a:lstStyle/>
+          <a:p>
+            <a:r>
+              <a:rPr lang="en-US" dirty="0"/>
+              <a:t>In this Chapter we introduce the key concepts behind agent-based modelling.  What is an agent, and what are rules?  These are discussed along with a consideration of the main advantages and disadvantages for simulating spatial systems.  A range of established applications are presented to give a </a:t>
+            </a:r>
+            <a:r>
+              <a:rPr lang="en-US" dirty="0" err="1"/>
+              <a:t>flavour</a:t>
+            </a:r>
+            <a:r>
+              <a:rPr lang="en-US" dirty="0"/>
+              <a:t> of how agent-based models can be successfully applied.  The overarching aim of this chapter is to give the reader an understanding of what an agent-based model is.  This knowledge will be built upon in subsequent chapters. </a:t>
+            </a:r>
+          </a:p>
+          <a:p>
+            <a:endParaRPr lang="en-US" dirty="0"/>
+          </a:p>
+        </p:txBody>
+      </p:sp>
+      <p:sp>
+        <p:nvSpPr>
+          <p:cNvPr id="4" name="Slide Number Placeholder 3"/>
+          <p:cNvSpPr>
+            <a:spLocks noGrp="1"/>
+          </p:cNvSpPr>
+          <p:nvPr>
+            <p:ph type="sldNum" sz="quarter" idx="10"/>
+          </p:nvPr>
+        </p:nvSpPr>
+        <p:spPr/>
+        <p:txBody>
+          <a:bodyPr/>
+          <a:lstStyle/>
+          <a:p>
+            <a:fld id="{A5E3B634-187A-714A-9D7D-FC23E693A20E}" type="slidenum">
+              <a:rPr lang="en-US" smtClean="0"/>
+              <a:t>1</a:t>
+            </a:fld>
+            <a:endParaRPr lang="en-US"/>
+          </a:p>
+        </p:txBody>
+      </p:sp>
+    </p:spTree>
+    <p:extLst>
+      <p:ext uri="{BB962C8B-B14F-4D97-AF65-F5344CB8AC3E}">
+        <p14:creationId xmlns:p14="http://schemas.microsoft.com/office/powerpoint/2010/main" val="3001100337"/>
+      </p:ext>
+    </p:extLst>
+  </p:cSld>
+  <p:clrMapOvr>
+    <a:masterClrMapping/>
+  </p:clrMapOvr>
+</p:notes>
+</file>
+
 <file path=ppt/slideLayouts/slideLayout1.xml><?xml version="1.0" encoding="utf-8"?>
 <p:sldLayout xmlns:a="http://schemas.openxmlformats.org/drawingml/2006/main" xmlns:r="http://schemas.openxmlformats.org/officeDocument/2006/relationships" xmlns:p="http://schemas.openxmlformats.org/presentationml/2006/main" type="title" preserve="1">
   <p:cSld name="Title Slide">
@@ -134,7 +585,7 @@
           <p:cNvPr id="2" name="Title 1">
             <a:extLst>
               <a:ext uri="{FF2B5EF4-FFF2-40B4-BE49-F238E27FC236}">
-                <a16:creationId xmlns:a16="http://schemas.microsoft.com/office/drawing/2014/main" id="{516F7A16-E78A-BE4A-AC43-8512E7D93291}"/>
+                <a16:creationId xmlns:a16="http://schemas.microsoft.com/office/drawing/2014/main" xmlns="" id="{516F7A16-E78A-BE4A-AC43-8512E7D93291}"/>
               </a:ext>
             </a:extLst>
           </p:cNvPr>
@@ -171,7 +622,7 @@
           <p:cNvPr id="3" name="Subtitle 2">
             <a:extLst>
               <a:ext uri="{FF2B5EF4-FFF2-40B4-BE49-F238E27FC236}">
-                <a16:creationId xmlns:a16="http://schemas.microsoft.com/office/drawing/2014/main" id="{7C1F38C8-365B-CA4F-B19D-567E737B1A06}"/>
+                <a16:creationId xmlns:a16="http://schemas.microsoft.com/office/drawing/2014/main" xmlns="" id="{7C1F38C8-365B-CA4F-B19D-567E737B1A06}"/>
               </a:ext>
             </a:extLst>
           </p:cNvPr>
@@ -241,7 +692,7 @@
           <p:cNvPr id="4" name="Date Placeholder 3">
             <a:extLst>
               <a:ext uri="{FF2B5EF4-FFF2-40B4-BE49-F238E27FC236}">
-                <a16:creationId xmlns:a16="http://schemas.microsoft.com/office/drawing/2014/main" id="{16A28210-3A32-5F42-B6C1-4EC7285777A7}"/>
+                <a16:creationId xmlns:a16="http://schemas.microsoft.com/office/drawing/2014/main" xmlns="" id="{16A28210-3A32-5F42-B6C1-4EC7285777A7}"/>
               </a:ext>
             </a:extLst>
           </p:cNvPr>
@@ -259,7 +710,7 @@
           <a:p>
             <a:fld id="{53326AB7-C146-8643-AC32-1D896C71A7F3}" type="datetimeFigureOut">
               <a:rPr lang="en-US" smtClean="0"/>
-              <a:t>7/21/18</a:t>
+              <a:t>7/23/18</a:t>
             </a:fld>
             <a:endParaRPr lang="en-US"/>
           </a:p>
@@ -270,7 +721,7 @@
           <p:cNvPr id="5" name="Footer Placeholder 4">
             <a:extLst>
               <a:ext uri="{FF2B5EF4-FFF2-40B4-BE49-F238E27FC236}">
-                <a16:creationId xmlns:a16="http://schemas.microsoft.com/office/drawing/2014/main" id="{906277F9-D1A2-9843-B607-FCC14A031A43}"/>
+                <a16:creationId xmlns:a16="http://schemas.microsoft.com/office/drawing/2014/main" xmlns="" id="{906277F9-D1A2-9843-B607-FCC14A031A43}"/>
               </a:ext>
             </a:extLst>
           </p:cNvPr>
@@ -295,7 +746,7 @@
           <p:cNvPr id="6" name="Slide Number Placeholder 5">
             <a:extLst>
               <a:ext uri="{FF2B5EF4-FFF2-40B4-BE49-F238E27FC236}">
-                <a16:creationId xmlns:a16="http://schemas.microsoft.com/office/drawing/2014/main" id="{C7280A87-2C80-A64B-87FB-EF30B3D84BEC}"/>
+                <a16:creationId xmlns:a16="http://schemas.microsoft.com/office/drawing/2014/main" xmlns="" id="{C7280A87-2C80-A64B-87FB-EF30B3D84BEC}"/>
               </a:ext>
             </a:extLst>
           </p:cNvPr>
@@ -354,7 +805,7 @@
           <p:cNvPr id="2" name="Title 1">
             <a:extLst>
               <a:ext uri="{FF2B5EF4-FFF2-40B4-BE49-F238E27FC236}">
-                <a16:creationId xmlns:a16="http://schemas.microsoft.com/office/drawing/2014/main" id="{B36B44AF-4076-ED4B-B391-C5A3489C0456}"/>
+                <a16:creationId xmlns:a16="http://schemas.microsoft.com/office/drawing/2014/main" xmlns="" id="{B36B44AF-4076-ED4B-B391-C5A3489C0456}"/>
               </a:ext>
             </a:extLst>
           </p:cNvPr>
@@ -382,7 +833,7 @@
           <p:cNvPr id="3" name="Vertical Text Placeholder 2">
             <a:extLst>
               <a:ext uri="{FF2B5EF4-FFF2-40B4-BE49-F238E27FC236}">
-                <a16:creationId xmlns:a16="http://schemas.microsoft.com/office/drawing/2014/main" id="{87C2274F-54BF-764B-B515-33F41ADD7AE2}"/>
+                <a16:creationId xmlns:a16="http://schemas.microsoft.com/office/drawing/2014/main" xmlns="" id="{87C2274F-54BF-764B-B515-33F41ADD7AE2}"/>
               </a:ext>
             </a:extLst>
           </p:cNvPr>
@@ -439,7 +890,7 @@
           <p:cNvPr id="4" name="Date Placeholder 3">
             <a:extLst>
               <a:ext uri="{FF2B5EF4-FFF2-40B4-BE49-F238E27FC236}">
-                <a16:creationId xmlns:a16="http://schemas.microsoft.com/office/drawing/2014/main" id="{6423412C-0D19-274E-9402-8A7B85561B08}"/>
+                <a16:creationId xmlns:a16="http://schemas.microsoft.com/office/drawing/2014/main" xmlns="" id="{6423412C-0D19-274E-9402-8A7B85561B08}"/>
               </a:ext>
             </a:extLst>
           </p:cNvPr>
@@ -457,7 +908,7 @@
           <a:p>
             <a:fld id="{53326AB7-C146-8643-AC32-1D896C71A7F3}" type="datetimeFigureOut">
               <a:rPr lang="en-US" smtClean="0"/>
-              <a:t>7/21/18</a:t>
+              <a:t>7/23/18</a:t>
             </a:fld>
             <a:endParaRPr lang="en-US"/>
           </a:p>
@@ -468,7 +919,7 @@
           <p:cNvPr id="5" name="Footer Placeholder 4">
             <a:extLst>
               <a:ext uri="{FF2B5EF4-FFF2-40B4-BE49-F238E27FC236}">
-                <a16:creationId xmlns:a16="http://schemas.microsoft.com/office/drawing/2014/main" id="{AC034415-ED19-A445-BD68-A64A25C07F45}"/>
+                <a16:creationId xmlns:a16="http://schemas.microsoft.com/office/drawing/2014/main" xmlns="" id="{AC034415-ED19-A445-BD68-A64A25C07F45}"/>
               </a:ext>
             </a:extLst>
           </p:cNvPr>
@@ -493,7 +944,7 @@
           <p:cNvPr id="6" name="Slide Number Placeholder 5">
             <a:extLst>
               <a:ext uri="{FF2B5EF4-FFF2-40B4-BE49-F238E27FC236}">
-                <a16:creationId xmlns:a16="http://schemas.microsoft.com/office/drawing/2014/main" id="{08E3F4D4-B881-F34A-81D6-2E0313F65EEA}"/>
+                <a16:creationId xmlns:a16="http://schemas.microsoft.com/office/drawing/2014/main" xmlns="" id="{08E3F4D4-B881-F34A-81D6-2E0313F65EEA}"/>
               </a:ext>
             </a:extLst>
           </p:cNvPr>
@@ -552,7 +1003,7 @@
           <p:cNvPr id="2" name="Vertical Title 1">
             <a:extLst>
               <a:ext uri="{FF2B5EF4-FFF2-40B4-BE49-F238E27FC236}">
-                <a16:creationId xmlns:a16="http://schemas.microsoft.com/office/drawing/2014/main" id="{BDD434B5-95B9-8F45-9704-269CFCDE3CF0}"/>
+                <a16:creationId xmlns:a16="http://schemas.microsoft.com/office/drawing/2014/main" xmlns="" id="{BDD434B5-95B9-8F45-9704-269CFCDE3CF0}"/>
               </a:ext>
             </a:extLst>
           </p:cNvPr>
@@ -585,7 +1036,7 @@
           <p:cNvPr id="3" name="Vertical Text Placeholder 2">
             <a:extLst>
               <a:ext uri="{FF2B5EF4-FFF2-40B4-BE49-F238E27FC236}">
-                <a16:creationId xmlns:a16="http://schemas.microsoft.com/office/drawing/2014/main" id="{C0E99913-B6B0-7C48-9E46-20EC11E0D7B8}"/>
+                <a16:creationId xmlns:a16="http://schemas.microsoft.com/office/drawing/2014/main" xmlns="" id="{C0E99913-B6B0-7C48-9E46-20EC11E0D7B8}"/>
               </a:ext>
             </a:extLst>
           </p:cNvPr>
@@ -647,7 +1098,7 @@
           <p:cNvPr id="4" name="Date Placeholder 3">
             <a:extLst>
               <a:ext uri="{FF2B5EF4-FFF2-40B4-BE49-F238E27FC236}">
-                <a16:creationId xmlns:a16="http://schemas.microsoft.com/office/drawing/2014/main" id="{B5CE55D2-ADC8-E348-B484-18FD79F5F120}"/>
+                <a16:creationId xmlns:a16="http://schemas.microsoft.com/office/drawing/2014/main" xmlns="" id="{B5CE55D2-ADC8-E348-B484-18FD79F5F120}"/>
               </a:ext>
             </a:extLst>
           </p:cNvPr>
@@ -665,7 +1116,7 @@
           <a:p>
             <a:fld id="{53326AB7-C146-8643-AC32-1D896C71A7F3}" type="datetimeFigureOut">
               <a:rPr lang="en-US" smtClean="0"/>
-              <a:t>7/21/18</a:t>
+              <a:t>7/23/18</a:t>
             </a:fld>
             <a:endParaRPr lang="en-US"/>
           </a:p>
@@ -676,7 +1127,7 @@
           <p:cNvPr id="5" name="Footer Placeholder 4">
             <a:extLst>
               <a:ext uri="{FF2B5EF4-FFF2-40B4-BE49-F238E27FC236}">
-                <a16:creationId xmlns:a16="http://schemas.microsoft.com/office/drawing/2014/main" id="{9547F7AC-E50A-D649-85D6-DB77ADB23342}"/>
+                <a16:creationId xmlns:a16="http://schemas.microsoft.com/office/drawing/2014/main" xmlns="" id="{9547F7AC-E50A-D649-85D6-DB77ADB23342}"/>
               </a:ext>
             </a:extLst>
           </p:cNvPr>
@@ -701,7 +1152,7 @@
           <p:cNvPr id="6" name="Slide Number Placeholder 5">
             <a:extLst>
               <a:ext uri="{FF2B5EF4-FFF2-40B4-BE49-F238E27FC236}">
-                <a16:creationId xmlns:a16="http://schemas.microsoft.com/office/drawing/2014/main" id="{4BB89C60-9BE1-C544-82FC-951DBED57A52}"/>
+                <a16:creationId xmlns:a16="http://schemas.microsoft.com/office/drawing/2014/main" xmlns="" id="{4BB89C60-9BE1-C544-82FC-951DBED57A52}"/>
               </a:ext>
             </a:extLst>
           </p:cNvPr>
@@ -760,7 +1211,7 @@
           <p:cNvPr id="2" name="Title 1">
             <a:extLst>
               <a:ext uri="{FF2B5EF4-FFF2-40B4-BE49-F238E27FC236}">
-                <a16:creationId xmlns:a16="http://schemas.microsoft.com/office/drawing/2014/main" id="{0C9A72FB-6E84-2F49-8A51-0972418C72A2}"/>
+                <a16:creationId xmlns:a16="http://schemas.microsoft.com/office/drawing/2014/main" xmlns="" id="{0C9A72FB-6E84-2F49-8A51-0972418C72A2}"/>
               </a:ext>
             </a:extLst>
           </p:cNvPr>
@@ -788,7 +1239,7 @@
           <p:cNvPr id="3" name="Content Placeholder 2">
             <a:extLst>
               <a:ext uri="{FF2B5EF4-FFF2-40B4-BE49-F238E27FC236}">
-                <a16:creationId xmlns:a16="http://schemas.microsoft.com/office/drawing/2014/main" id="{5F9F1C8D-6F5A-7D47-9201-3E7B6F545192}"/>
+                <a16:creationId xmlns:a16="http://schemas.microsoft.com/office/drawing/2014/main" xmlns="" id="{5F9F1C8D-6F5A-7D47-9201-3E7B6F545192}"/>
               </a:ext>
             </a:extLst>
           </p:cNvPr>
@@ -845,7 +1296,7 @@
           <p:cNvPr id="4" name="Date Placeholder 3">
             <a:extLst>
               <a:ext uri="{FF2B5EF4-FFF2-40B4-BE49-F238E27FC236}">
-                <a16:creationId xmlns:a16="http://schemas.microsoft.com/office/drawing/2014/main" id="{CA4AB3CC-E7E0-6340-B3A4-F00DB09C83B6}"/>
+                <a16:creationId xmlns:a16="http://schemas.microsoft.com/office/drawing/2014/main" xmlns="" id="{CA4AB3CC-E7E0-6340-B3A4-F00DB09C83B6}"/>
               </a:ext>
             </a:extLst>
           </p:cNvPr>
@@ -863,7 +1314,7 @@
           <a:p>
             <a:fld id="{53326AB7-C146-8643-AC32-1D896C71A7F3}" type="datetimeFigureOut">
               <a:rPr lang="en-US" smtClean="0"/>
-              <a:t>7/21/18</a:t>
+              <a:t>7/23/18</a:t>
             </a:fld>
             <a:endParaRPr lang="en-US"/>
           </a:p>
@@ -874,7 +1325,7 @@
           <p:cNvPr id="5" name="Footer Placeholder 4">
             <a:extLst>
               <a:ext uri="{FF2B5EF4-FFF2-40B4-BE49-F238E27FC236}">
-                <a16:creationId xmlns:a16="http://schemas.microsoft.com/office/drawing/2014/main" id="{7D837D03-AC59-D14F-9507-84D846908444}"/>
+                <a16:creationId xmlns:a16="http://schemas.microsoft.com/office/drawing/2014/main" xmlns="" id="{7D837D03-AC59-D14F-9507-84D846908444}"/>
               </a:ext>
             </a:extLst>
           </p:cNvPr>
@@ -899,7 +1350,7 @@
           <p:cNvPr id="6" name="Slide Number Placeholder 5">
             <a:extLst>
               <a:ext uri="{FF2B5EF4-FFF2-40B4-BE49-F238E27FC236}">
-                <a16:creationId xmlns:a16="http://schemas.microsoft.com/office/drawing/2014/main" id="{BA139326-81CE-0942-A45E-A9A8005451CA}"/>
+                <a16:creationId xmlns:a16="http://schemas.microsoft.com/office/drawing/2014/main" xmlns="" id="{BA139326-81CE-0942-A45E-A9A8005451CA}"/>
               </a:ext>
             </a:extLst>
           </p:cNvPr>
@@ -958,7 +1409,7 @@
           <p:cNvPr id="2" name="Title 1">
             <a:extLst>
               <a:ext uri="{FF2B5EF4-FFF2-40B4-BE49-F238E27FC236}">
-                <a16:creationId xmlns:a16="http://schemas.microsoft.com/office/drawing/2014/main" id="{1D188158-F8C2-434F-AD68-D86B3031D91D}"/>
+                <a16:creationId xmlns:a16="http://schemas.microsoft.com/office/drawing/2014/main" xmlns="" id="{1D188158-F8C2-434F-AD68-D86B3031D91D}"/>
               </a:ext>
             </a:extLst>
           </p:cNvPr>
@@ -995,7 +1446,7 @@
           <p:cNvPr id="3" name="Text Placeholder 2">
             <a:extLst>
               <a:ext uri="{FF2B5EF4-FFF2-40B4-BE49-F238E27FC236}">
-                <a16:creationId xmlns:a16="http://schemas.microsoft.com/office/drawing/2014/main" id="{6BCBB0E7-5DE5-0D42-9359-2B7E8DAA3C79}"/>
+                <a16:creationId xmlns:a16="http://schemas.microsoft.com/office/drawing/2014/main" xmlns="" id="{6BCBB0E7-5DE5-0D42-9359-2B7E8DAA3C79}"/>
               </a:ext>
             </a:extLst>
           </p:cNvPr>
@@ -1120,7 +1571,7 @@
           <p:cNvPr id="4" name="Date Placeholder 3">
             <a:extLst>
               <a:ext uri="{FF2B5EF4-FFF2-40B4-BE49-F238E27FC236}">
-                <a16:creationId xmlns:a16="http://schemas.microsoft.com/office/drawing/2014/main" id="{B610A837-B060-AA46-AA08-6F233B11970D}"/>
+                <a16:creationId xmlns:a16="http://schemas.microsoft.com/office/drawing/2014/main" xmlns="" id="{B610A837-B060-AA46-AA08-6F233B11970D}"/>
               </a:ext>
             </a:extLst>
           </p:cNvPr>
@@ -1138,7 +1589,7 @@
           <a:p>
             <a:fld id="{53326AB7-C146-8643-AC32-1D896C71A7F3}" type="datetimeFigureOut">
               <a:rPr lang="en-US" smtClean="0"/>
-              <a:t>7/21/18</a:t>
+              <a:t>7/23/18</a:t>
             </a:fld>
             <a:endParaRPr lang="en-US"/>
           </a:p>
@@ -1149,7 +1600,7 @@
           <p:cNvPr id="5" name="Footer Placeholder 4">
             <a:extLst>
               <a:ext uri="{FF2B5EF4-FFF2-40B4-BE49-F238E27FC236}">
-                <a16:creationId xmlns:a16="http://schemas.microsoft.com/office/drawing/2014/main" id="{5CFEE10B-C123-1B45-B864-6B8D5BE99A92}"/>
+                <a16:creationId xmlns:a16="http://schemas.microsoft.com/office/drawing/2014/main" xmlns="" id="{5CFEE10B-C123-1B45-B864-6B8D5BE99A92}"/>
               </a:ext>
             </a:extLst>
           </p:cNvPr>
@@ -1174,7 +1625,7 @@
           <p:cNvPr id="6" name="Slide Number Placeholder 5">
             <a:extLst>
               <a:ext uri="{FF2B5EF4-FFF2-40B4-BE49-F238E27FC236}">
-                <a16:creationId xmlns:a16="http://schemas.microsoft.com/office/drawing/2014/main" id="{A0CCC4B6-2F8B-CA45-99D7-D48C1C9972FA}"/>
+                <a16:creationId xmlns:a16="http://schemas.microsoft.com/office/drawing/2014/main" xmlns="" id="{A0CCC4B6-2F8B-CA45-99D7-D48C1C9972FA}"/>
               </a:ext>
             </a:extLst>
           </p:cNvPr>
@@ -1233,7 +1684,7 @@
           <p:cNvPr id="2" name="Title 1">
             <a:extLst>
               <a:ext uri="{FF2B5EF4-FFF2-40B4-BE49-F238E27FC236}">
-                <a16:creationId xmlns:a16="http://schemas.microsoft.com/office/drawing/2014/main" id="{E7B8530F-2ABB-F741-86CD-02B983C499B4}"/>
+                <a16:creationId xmlns:a16="http://schemas.microsoft.com/office/drawing/2014/main" xmlns="" id="{E7B8530F-2ABB-F741-86CD-02B983C499B4}"/>
               </a:ext>
             </a:extLst>
           </p:cNvPr>
@@ -1261,7 +1712,7 @@
           <p:cNvPr id="3" name="Content Placeholder 2">
             <a:extLst>
               <a:ext uri="{FF2B5EF4-FFF2-40B4-BE49-F238E27FC236}">
-                <a16:creationId xmlns:a16="http://schemas.microsoft.com/office/drawing/2014/main" id="{787B270D-31DF-824D-AAC7-1A8C490EB907}"/>
+                <a16:creationId xmlns:a16="http://schemas.microsoft.com/office/drawing/2014/main" xmlns="" id="{787B270D-31DF-824D-AAC7-1A8C490EB907}"/>
               </a:ext>
             </a:extLst>
           </p:cNvPr>
@@ -1323,7 +1774,7 @@
           <p:cNvPr id="4" name="Content Placeholder 3">
             <a:extLst>
               <a:ext uri="{FF2B5EF4-FFF2-40B4-BE49-F238E27FC236}">
-                <a16:creationId xmlns:a16="http://schemas.microsoft.com/office/drawing/2014/main" id="{E0A55378-871B-074A-9340-5A273CC14711}"/>
+                <a16:creationId xmlns:a16="http://schemas.microsoft.com/office/drawing/2014/main" xmlns="" id="{E0A55378-871B-074A-9340-5A273CC14711}"/>
               </a:ext>
             </a:extLst>
           </p:cNvPr>
@@ -1385,7 +1836,7 @@
           <p:cNvPr id="5" name="Date Placeholder 4">
             <a:extLst>
               <a:ext uri="{FF2B5EF4-FFF2-40B4-BE49-F238E27FC236}">
-                <a16:creationId xmlns:a16="http://schemas.microsoft.com/office/drawing/2014/main" id="{7D61FB1B-E7C3-3547-A1B6-22B90A24B538}"/>
+                <a16:creationId xmlns:a16="http://schemas.microsoft.com/office/drawing/2014/main" xmlns="" id="{7D61FB1B-E7C3-3547-A1B6-22B90A24B538}"/>
               </a:ext>
             </a:extLst>
           </p:cNvPr>
@@ -1403,7 +1854,7 @@
           <a:p>
             <a:fld id="{53326AB7-C146-8643-AC32-1D896C71A7F3}" type="datetimeFigureOut">
               <a:rPr lang="en-US" smtClean="0"/>
-              <a:t>7/21/18</a:t>
+              <a:t>7/23/18</a:t>
             </a:fld>
             <a:endParaRPr lang="en-US"/>
           </a:p>
@@ -1414,7 +1865,7 @@
           <p:cNvPr id="6" name="Footer Placeholder 5">
             <a:extLst>
               <a:ext uri="{FF2B5EF4-FFF2-40B4-BE49-F238E27FC236}">
-                <a16:creationId xmlns:a16="http://schemas.microsoft.com/office/drawing/2014/main" id="{7F3ECCE9-7B6F-4948-8417-3E618E857711}"/>
+                <a16:creationId xmlns:a16="http://schemas.microsoft.com/office/drawing/2014/main" xmlns="" id="{7F3ECCE9-7B6F-4948-8417-3E618E857711}"/>
               </a:ext>
             </a:extLst>
           </p:cNvPr>
@@ -1439,7 +1890,7 @@
           <p:cNvPr id="7" name="Slide Number Placeholder 6">
             <a:extLst>
               <a:ext uri="{FF2B5EF4-FFF2-40B4-BE49-F238E27FC236}">
-                <a16:creationId xmlns:a16="http://schemas.microsoft.com/office/drawing/2014/main" id="{3E8C9493-26BA-D644-84CB-6514BD1933CA}"/>
+                <a16:creationId xmlns:a16="http://schemas.microsoft.com/office/drawing/2014/main" xmlns="" id="{3E8C9493-26BA-D644-84CB-6514BD1933CA}"/>
               </a:ext>
             </a:extLst>
           </p:cNvPr>
@@ -1498,7 +1949,7 @@
           <p:cNvPr id="2" name="Title 1">
             <a:extLst>
               <a:ext uri="{FF2B5EF4-FFF2-40B4-BE49-F238E27FC236}">
-                <a16:creationId xmlns:a16="http://schemas.microsoft.com/office/drawing/2014/main" id="{721BFA1D-0768-FC4F-B75B-EDE0297EB4EE}"/>
+                <a16:creationId xmlns:a16="http://schemas.microsoft.com/office/drawing/2014/main" xmlns="" id="{721BFA1D-0768-FC4F-B75B-EDE0297EB4EE}"/>
               </a:ext>
             </a:extLst>
           </p:cNvPr>
@@ -1531,7 +1982,7 @@
           <p:cNvPr id="3" name="Text Placeholder 2">
             <a:extLst>
               <a:ext uri="{FF2B5EF4-FFF2-40B4-BE49-F238E27FC236}">
-                <a16:creationId xmlns:a16="http://schemas.microsoft.com/office/drawing/2014/main" id="{9C5D8327-4932-5241-83AC-C7F223825714}"/>
+                <a16:creationId xmlns:a16="http://schemas.microsoft.com/office/drawing/2014/main" xmlns="" id="{9C5D8327-4932-5241-83AC-C7F223825714}"/>
               </a:ext>
             </a:extLst>
           </p:cNvPr>
@@ -1602,7 +2053,7 @@
           <p:cNvPr id="4" name="Content Placeholder 3">
             <a:extLst>
               <a:ext uri="{FF2B5EF4-FFF2-40B4-BE49-F238E27FC236}">
-                <a16:creationId xmlns:a16="http://schemas.microsoft.com/office/drawing/2014/main" id="{A9529289-DA97-FA4F-883B-1C08A606C7C7}"/>
+                <a16:creationId xmlns:a16="http://schemas.microsoft.com/office/drawing/2014/main" xmlns="" id="{A9529289-DA97-FA4F-883B-1C08A606C7C7}"/>
               </a:ext>
             </a:extLst>
           </p:cNvPr>
@@ -1664,7 +2115,7 @@
           <p:cNvPr id="5" name="Text Placeholder 4">
             <a:extLst>
               <a:ext uri="{FF2B5EF4-FFF2-40B4-BE49-F238E27FC236}">
-                <a16:creationId xmlns:a16="http://schemas.microsoft.com/office/drawing/2014/main" id="{55D275AA-C108-7C4D-9250-CEC009533B9E}"/>
+                <a16:creationId xmlns:a16="http://schemas.microsoft.com/office/drawing/2014/main" xmlns="" id="{55D275AA-C108-7C4D-9250-CEC009533B9E}"/>
               </a:ext>
             </a:extLst>
           </p:cNvPr>
@@ -1735,7 +2186,7 @@
           <p:cNvPr id="6" name="Content Placeholder 5">
             <a:extLst>
               <a:ext uri="{FF2B5EF4-FFF2-40B4-BE49-F238E27FC236}">
-                <a16:creationId xmlns:a16="http://schemas.microsoft.com/office/drawing/2014/main" id="{04C4C786-F911-8F45-B48E-D4C85A8F3C22}"/>
+                <a16:creationId xmlns:a16="http://schemas.microsoft.com/office/drawing/2014/main" xmlns="" id="{04C4C786-F911-8F45-B48E-D4C85A8F3C22}"/>
               </a:ext>
             </a:extLst>
           </p:cNvPr>
@@ -1797,7 +2248,7 @@
           <p:cNvPr id="7" name="Date Placeholder 6">
             <a:extLst>
               <a:ext uri="{FF2B5EF4-FFF2-40B4-BE49-F238E27FC236}">
-                <a16:creationId xmlns:a16="http://schemas.microsoft.com/office/drawing/2014/main" id="{2F578C52-1C7D-8B4B-BA4A-CE1D6F06640F}"/>
+                <a16:creationId xmlns:a16="http://schemas.microsoft.com/office/drawing/2014/main" xmlns="" id="{2F578C52-1C7D-8B4B-BA4A-CE1D6F06640F}"/>
               </a:ext>
             </a:extLst>
           </p:cNvPr>
@@ -1815,7 +2266,7 @@
           <a:p>
             <a:fld id="{53326AB7-C146-8643-AC32-1D896C71A7F3}" type="datetimeFigureOut">
               <a:rPr lang="en-US" smtClean="0"/>
-              <a:t>7/21/18</a:t>
+              <a:t>7/23/18</a:t>
             </a:fld>
             <a:endParaRPr lang="en-US"/>
           </a:p>
@@ -1826,7 +2277,7 @@
           <p:cNvPr id="8" name="Footer Placeholder 7">
             <a:extLst>
               <a:ext uri="{FF2B5EF4-FFF2-40B4-BE49-F238E27FC236}">
-                <a16:creationId xmlns:a16="http://schemas.microsoft.com/office/drawing/2014/main" id="{7E6D7468-D98E-E146-8C11-566E681496AE}"/>
+                <a16:creationId xmlns:a16="http://schemas.microsoft.com/office/drawing/2014/main" xmlns="" id="{7E6D7468-D98E-E146-8C11-566E681496AE}"/>
               </a:ext>
             </a:extLst>
           </p:cNvPr>
@@ -1851,7 +2302,7 @@
           <p:cNvPr id="9" name="Slide Number Placeholder 8">
             <a:extLst>
               <a:ext uri="{FF2B5EF4-FFF2-40B4-BE49-F238E27FC236}">
-                <a16:creationId xmlns:a16="http://schemas.microsoft.com/office/drawing/2014/main" id="{063284EF-707E-DC42-ACCE-D4654F57CD2A}"/>
+                <a16:creationId xmlns:a16="http://schemas.microsoft.com/office/drawing/2014/main" xmlns="" id="{063284EF-707E-DC42-ACCE-D4654F57CD2A}"/>
               </a:ext>
             </a:extLst>
           </p:cNvPr>
@@ -1910,7 +2361,7 @@
           <p:cNvPr id="2" name="Title 1">
             <a:extLst>
               <a:ext uri="{FF2B5EF4-FFF2-40B4-BE49-F238E27FC236}">
-                <a16:creationId xmlns:a16="http://schemas.microsoft.com/office/drawing/2014/main" id="{28A70226-982E-E240-BF1F-97AC71D0A35B}"/>
+                <a16:creationId xmlns:a16="http://schemas.microsoft.com/office/drawing/2014/main" xmlns="" id="{28A70226-982E-E240-BF1F-97AC71D0A35B}"/>
               </a:ext>
             </a:extLst>
           </p:cNvPr>
@@ -1938,7 +2389,7 @@
           <p:cNvPr id="3" name="Date Placeholder 2">
             <a:extLst>
               <a:ext uri="{FF2B5EF4-FFF2-40B4-BE49-F238E27FC236}">
-                <a16:creationId xmlns:a16="http://schemas.microsoft.com/office/drawing/2014/main" id="{63C30596-EF95-C943-9C4C-04001C8BADF1}"/>
+                <a16:creationId xmlns:a16="http://schemas.microsoft.com/office/drawing/2014/main" xmlns="" id="{63C30596-EF95-C943-9C4C-04001C8BADF1}"/>
               </a:ext>
             </a:extLst>
           </p:cNvPr>
@@ -1956,7 +2407,7 @@
           <a:p>
             <a:fld id="{53326AB7-C146-8643-AC32-1D896C71A7F3}" type="datetimeFigureOut">
               <a:rPr lang="en-US" smtClean="0"/>
-              <a:t>7/21/18</a:t>
+              <a:t>7/23/18</a:t>
             </a:fld>
             <a:endParaRPr lang="en-US"/>
           </a:p>
@@ -1967,7 +2418,7 @@
           <p:cNvPr id="4" name="Footer Placeholder 3">
             <a:extLst>
               <a:ext uri="{FF2B5EF4-FFF2-40B4-BE49-F238E27FC236}">
-                <a16:creationId xmlns:a16="http://schemas.microsoft.com/office/drawing/2014/main" id="{332BA8BC-065B-2742-86D8-3DAEEF7DC56E}"/>
+                <a16:creationId xmlns:a16="http://schemas.microsoft.com/office/drawing/2014/main" xmlns="" id="{332BA8BC-065B-2742-86D8-3DAEEF7DC56E}"/>
               </a:ext>
             </a:extLst>
           </p:cNvPr>
@@ -1992,7 +2443,7 @@
           <p:cNvPr id="5" name="Slide Number Placeholder 4">
             <a:extLst>
               <a:ext uri="{FF2B5EF4-FFF2-40B4-BE49-F238E27FC236}">
-                <a16:creationId xmlns:a16="http://schemas.microsoft.com/office/drawing/2014/main" id="{5DCD01E8-BA1E-A747-8D70-0629550712AB}"/>
+                <a16:creationId xmlns:a16="http://schemas.microsoft.com/office/drawing/2014/main" xmlns="" id="{5DCD01E8-BA1E-A747-8D70-0629550712AB}"/>
               </a:ext>
             </a:extLst>
           </p:cNvPr>
@@ -2051,7 +2502,7 @@
           <p:cNvPr id="2" name="Date Placeholder 1">
             <a:extLst>
               <a:ext uri="{FF2B5EF4-FFF2-40B4-BE49-F238E27FC236}">
-                <a16:creationId xmlns:a16="http://schemas.microsoft.com/office/drawing/2014/main" id="{8CC8AFC9-2394-FA4D-997A-E88CEA272745}"/>
+                <a16:creationId xmlns:a16="http://schemas.microsoft.com/office/drawing/2014/main" xmlns="" id="{8CC8AFC9-2394-FA4D-997A-E88CEA272745}"/>
               </a:ext>
             </a:extLst>
           </p:cNvPr>
@@ -2069,7 +2520,7 @@
           <a:p>
             <a:fld id="{53326AB7-C146-8643-AC32-1D896C71A7F3}" type="datetimeFigureOut">
               <a:rPr lang="en-US" smtClean="0"/>
-              <a:t>7/21/18</a:t>
+              <a:t>7/23/18</a:t>
             </a:fld>
             <a:endParaRPr lang="en-US"/>
           </a:p>
@@ -2080,7 +2531,7 @@
           <p:cNvPr id="3" name="Footer Placeholder 2">
             <a:extLst>
               <a:ext uri="{FF2B5EF4-FFF2-40B4-BE49-F238E27FC236}">
-                <a16:creationId xmlns:a16="http://schemas.microsoft.com/office/drawing/2014/main" id="{65E573A5-1335-AE42-BF09-1FCBDAAF3B1B}"/>
+                <a16:creationId xmlns:a16="http://schemas.microsoft.com/office/drawing/2014/main" xmlns="" id="{65E573A5-1335-AE42-BF09-1FCBDAAF3B1B}"/>
               </a:ext>
             </a:extLst>
           </p:cNvPr>
@@ -2105,7 +2556,7 @@
           <p:cNvPr id="4" name="Slide Number Placeholder 3">
             <a:extLst>
               <a:ext uri="{FF2B5EF4-FFF2-40B4-BE49-F238E27FC236}">
-                <a16:creationId xmlns:a16="http://schemas.microsoft.com/office/drawing/2014/main" id="{AFA33E51-7F7D-CE46-8B95-7568215B7AE1}"/>
+                <a16:creationId xmlns:a16="http://schemas.microsoft.com/office/drawing/2014/main" xmlns="" id="{AFA33E51-7F7D-CE46-8B95-7568215B7AE1}"/>
               </a:ext>
             </a:extLst>
           </p:cNvPr>
@@ -2164,7 +2615,7 @@
           <p:cNvPr id="2" name="Title 1">
             <a:extLst>
               <a:ext uri="{FF2B5EF4-FFF2-40B4-BE49-F238E27FC236}">
-                <a16:creationId xmlns:a16="http://schemas.microsoft.com/office/drawing/2014/main" id="{202548E5-E07D-1743-B852-D6ECD31088CD}"/>
+                <a16:creationId xmlns:a16="http://schemas.microsoft.com/office/drawing/2014/main" xmlns="" id="{202548E5-E07D-1743-B852-D6ECD31088CD}"/>
               </a:ext>
             </a:extLst>
           </p:cNvPr>
@@ -2201,7 +2652,7 @@
           <p:cNvPr id="3" name="Content Placeholder 2">
             <a:extLst>
               <a:ext uri="{FF2B5EF4-FFF2-40B4-BE49-F238E27FC236}">
-                <a16:creationId xmlns:a16="http://schemas.microsoft.com/office/drawing/2014/main" id="{75EEBEEA-F298-024B-95FB-9C751B77EB4A}"/>
+                <a16:creationId xmlns:a16="http://schemas.microsoft.com/office/drawing/2014/main" xmlns="" id="{75EEBEEA-F298-024B-95FB-9C751B77EB4A}"/>
               </a:ext>
             </a:extLst>
           </p:cNvPr>
@@ -2291,7 +2742,7 @@
           <p:cNvPr id="4" name="Text Placeholder 3">
             <a:extLst>
               <a:ext uri="{FF2B5EF4-FFF2-40B4-BE49-F238E27FC236}">
-                <a16:creationId xmlns:a16="http://schemas.microsoft.com/office/drawing/2014/main" id="{3506EB14-9D0B-2648-B3DB-11824B88BEFB}"/>
+                <a16:creationId xmlns:a16="http://schemas.microsoft.com/office/drawing/2014/main" xmlns="" id="{3506EB14-9D0B-2648-B3DB-11824B88BEFB}"/>
               </a:ext>
             </a:extLst>
           </p:cNvPr>
@@ -2362,7 +2813,7 @@
           <p:cNvPr id="5" name="Date Placeholder 4">
             <a:extLst>
               <a:ext uri="{FF2B5EF4-FFF2-40B4-BE49-F238E27FC236}">
-                <a16:creationId xmlns:a16="http://schemas.microsoft.com/office/drawing/2014/main" id="{32976687-76B2-4140-83AC-8536F4E951D6}"/>
+                <a16:creationId xmlns:a16="http://schemas.microsoft.com/office/drawing/2014/main" xmlns="" id="{32976687-76B2-4140-83AC-8536F4E951D6}"/>
               </a:ext>
             </a:extLst>
           </p:cNvPr>
@@ -2380,7 +2831,7 @@
           <a:p>
             <a:fld id="{53326AB7-C146-8643-AC32-1D896C71A7F3}" type="datetimeFigureOut">
               <a:rPr lang="en-US" smtClean="0"/>
-              <a:t>7/21/18</a:t>
+              <a:t>7/23/18</a:t>
             </a:fld>
             <a:endParaRPr lang="en-US"/>
           </a:p>
@@ -2391,7 +2842,7 @@
           <p:cNvPr id="6" name="Footer Placeholder 5">
             <a:extLst>
               <a:ext uri="{FF2B5EF4-FFF2-40B4-BE49-F238E27FC236}">
-                <a16:creationId xmlns:a16="http://schemas.microsoft.com/office/drawing/2014/main" id="{48A96F32-9D50-C041-B009-75800376ADBA}"/>
+                <a16:creationId xmlns:a16="http://schemas.microsoft.com/office/drawing/2014/main" xmlns="" id="{48A96F32-9D50-C041-B009-75800376ADBA}"/>
               </a:ext>
             </a:extLst>
           </p:cNvPr>
@@ -2416,7 +2867,7 @@
           <p:cNvPr id="7" name="Slide Number Placeholder 6">
             <a:extLst>
               <a:ext uri="{FF2B5EF4-FFF2-40B4-BE49-F238E27FC236}">
-                <a16:creationId xmlns:a16="http://schemas.microsoft.com/office/drawing/2014/main" id="{EF2142CE-848C-BD4E-8A40-32AB7BD028CF}"/>
+                <a16:creationId xmlns:a16="http://schemas.microsoft.com/office/drawing/2014/main" xmlns="" id="{EF2142CE-848C-BD4E-8A40-32AB7BD028CF}"/>
               </a:ext>
             </a:extLst>
           </p:cNvPr>
@@ -2475,7 +2926,7 @@
           <p:cNvPr id="2" name="Title 1">
             <a:extLst>
               <a:ext uri="{FF2B5EF4-FFF2-40B4-BE49-F238E27FC236}">
-                <a16:creationId xmlns:a16="http://schemas.microsoft.com/office/drawing/2014/main" id="{663299C7-4255-864E-8B0F-406D4E839B1D}"/>
+                <a16:creationId xmlns:a16="http://schemas.microsoft.com/office/drawing/2014/main" xmlns="" id="{663299C7-4255-864E-8B0F-406D4E839B1D}"/>
               </a:ext>
             </a:extLst>
           </p:cNvPr>
@@ -2512,7 +2963,7 @@
           <p:cNvPr id="3" name="Picture Placeholder 2">
             <a:extLst>
               <a:ext uri="{FF2B5EF4-FFF2-40B4-BE49-F238E27FC236}">
-                <a16:creationId xmlns:a16="http://schemas.microsoft.com/office/drawing/2014/main" id="{755CA03A-A409-8347-90BF-5F664DFFD557}"/>
+                <a16:creationId xmlns:a16="http://schemas.microsoft.com/office/drawing/2014/main" xmlns="" id="{755CA03A-A409-8347-90BF-5F664DFFD557}"/>
               </a:ext>
             </a:extLst>
           </p:cNvPr>
@@ -2579,7 +3030,7 @@
           <p:cNvPr id="4" name="Text Placeholder 3">
             <a:extLst>
               <a:ext uri="{FF2B5EF4-FFF2-40B4-BE49-F238E27FC236}">
-                <a16:creationId xmlns:a16="http://schemas.microsoft.com/office/drawing/2014/main" id="{5FB50B80-F53D-A846-921D-8A929C4D1910}"/>
+                <a16:creationId xmlns:a16="http://schemas.microsoft.com/office/drawing/2014/main" xmlns="" id="{5FB50B80-F53D-A846-921D-8A929C4D1910}"/>
               </a:ext>
             </a:extLst>
           </p:cNvPr>
@@ -2650,7 +3101,7 @@
           <p:cNvPr id="5" name="Date Placeholder 4">
             <a:extLst>
               <a:ext uri="{FF2B5EF4-FFF2-40B4-BE49-F238E27FC236}">
-                <a16:creationId xmlns:a16="http://schemas.microsoft.com/office/drawing/2014/main" id="{7256D389-B843-E349-8890-DA1714FA9731}"/>
+                <a16:creationId xmlns:a16="http://schemas.microsoft.com/office/drawing/2014/main" xmlns="" id="{7256D389-B843-E349-8890-DA1714FA9731}"/>
               </a:ext>
             </a:extLst>
           </p:cNvPr>
@@ -2668,7 +3119,7 @@
           <a:p>
             <a:fld id="{53326AB7-C146-8643-AC32-1D896C71A7F3}" type="datetimeFigureOut">
               <a:rPr lang="en-US" smtClean="0"/>
-              <a:t>7/21/18</a:t>
+              <a:t>7/23/18</a:t>
             </a:fld>
             <a:endParaRPr lang="en-US"/>
           </a:p>
@@ -2679,7 +3130,7 @@
           <p:cNvPr id="6" name="Footer Placeholder 5">
             <a:extLst>
               <a:ext uri="{FF2B5EF4-FFF2-40B4-BE49-F238E27FC236}">
-                <a16:creationId xmlns:a16="http://schemas.microsoft.com/office/drawing/2014/main" id="{3F7AB3BD-8BDF-0E40-A12B-116E42619796}"/>
+                <a16:creationId xmlns:a16="http://schemas.microsoft.com/office/drawing/2014/main" xmlns="" id="{3F7AB3BD-8BDF-0E40-A12B-116E42619796}"/>
               </a:ext>
             </a:extLst>
           </p:cNvPr>
@@ -2704,7 +3155,7 @@
           <p:cNvPr id="7" name="Slide Number Placeholder 6">
             <a:extLst>
               <a:ext uri="{FF2B5EF4-FFF2-40B4-BE49-F238E27FC236}">
-                <a16:creationId xmlns:a16="http://schemas.microsoft.com/office/drawing/2014/main" id="{43131EEB-3496-6746-BF21-5BF059F85A04}"/>
+                <a16:creationId xmlns:a16="http://schemas.microsoft.com/office/drawing/2014/main" xmlns="" id="{43131EEB-3496-6746-BF21-5BF059F85A04}"/>
               </a:ext>
             </a:extLst>
           </p:cNvPr>
@@ -2768,7 +3219,7 @@
           <p:cNvPr id="2" name="Title Placeholder 1">
             <a:extLst>
               <a:ext uri="{FF2B5EF4-FFF2-40B4-BE49-F238E27FC236}">
-                <a16:creationId xmlns:a16="http://schemas.microsoft.com/office/drawing/2014/main" id="{8D6B2A93-86B7-724F-A8E8-70A991C762E5}"/>
+                <a16:creationId xmlns:a16="http://schemas.microsoft.com/office/drawing/2014/main" xmlns="" id="{8D6B2A93-86B7-724F-A8E8-70A991C762E5}"/>
               </a:ext>
             </a:extLst>
           </p:cNvPr>
@@ -2806,7 +3257,7 @@
           <p:cNvPr id="3" name="Text Placeholder 2">
             <a:extLst>
               <a:ext uri="{FF2B5EF4-FFF2-40B4-BE49-F238E27FC236}">
-                <a16:creationId xmlns:a16="http://schemas.microsoft.com/office/drawing/2014/main" id="{C63B9F64-2C6A-CE48-AB9D-FB7CE414B3B8}"/>
+                <a16:creationId xmlns:a16="http://schemas.microsoft.com/office/drawing/2014/main" xmlns="" id="{C63B9F64-2C6A-CE48-AB9D-FB7CE414B3B8}"/>
               </a:ext>
             </a:extLst>
           </p:cNvPr>
@@ -2873,7 +3324,7 @@
           <p:cNvPr id="4" name="Date Placeholder 3">
             <a:extLst>
               <a:ext uri="{FF2B5EF4-FFF2-40B4-BE49-F238E27FC236}">
-                <a16:creationId xmlns:a16="http://schemas.microsoft.com/office/drawing/2014/main" id="{2AEB4216-D3B6-004E-8D9D-33472814619C}"/>
+                <a16:creationId xmlns:a16="http://schemas.microsoft.com/office/drawing/2014/main" xmlns="" id="{2AEB4216-D3B6-004E-8D9D-33472814619C}"/>
               </a:ext>
             </a:extLst>
           </p:cNvPr>
@@ -2909,7 +3360,7 @@
           <a:p>
             <a:fld id="{53326AB7-C146-8643-AC32-1D896C71A7F3}" type="datetimeFigureOut">
               <a:rPr lang="en-US" smtClean="0"/>
-              <a:t>7/21/18</a:t>
+              <a:t>7/23/18</a:t>
             </a:fld>
             <a:endParaRPr lang="en-US"/>
           </a:p>
@@ -2920,7 +3371,7 @@
           <p:cNvPr id="5" name="Footer Placeholder 4">
             <a:extLst>
               <a:ext uri="{FF2B5EF4-FFF2-40B4-BE49-F238E27FC236}">
-                <a16:creationId xmlns:a16="http://schemas.microsoft.com/office/drawing/2014/main" id="{6B9742FF-E815-B64D-B6D5-E2973185BE84}"/>
+                <a16:creationId xmlns:a16="http://schemas.microsoft.com/office/drawing/2014/main" xmlns="" id="{6B9742FF-E815-B64D-B6D5-E2973185BE84}"/>
               </a:ext>
             </a:extLst>
           </p:cNvPr>
@@ -2963,7 +3414,7 @@
           <p:cNvPr id="6" name="Slide Number Placeholder 5">
             <a:extLst>
               <a:ext uri="{FF2B5EF4-FFF2-40B4-BE49-F238E27FC236}">
-                <a16:creationId xmlns:a16="http://schemas.microsoft.com/office/drawing/2014/main" id="{1104E5B1-99C5-FF4A-8E8B-D292DC7708C2}"/>
+                <a16:creationId xmlns:a16="http://schemas.microsoft.com/office/drawing/2014/main" xmlns="" id="{1104E5B1-99C5-FF4A-8E8B-D292DC7708C2}"/>
               </a:ext>
             </a:extLst>
           </p:cNvPr>
@@ -3331,7 +3782,7 @@
           <p:cNvPr id="2" name="Title 1">
             <a:extLst>
               <a:ext uri="{FF2B5EF4-FFF2-40B4-BE49-F238E27FC236}">
-                <a16:creationId xmlns:a16="http://schemas.microsoft.com/office/drawing/2014/main" id="{4FC54A01-461C-1045-AC9B-35DD625CB021}"/>
+                <a16:creationId xmlns:a16="http://schemas.microsoft.com/office/drawing/2014/main" xmlns="" id="{4FC54A01-461C-1045-AC9B-35DD625CB021}"/>
               </a:ext>
             </a:extLst>
           </p:cNvPr>
@@ -3349,8 +3800,13 @@
           <a:p>
             <a:r>
               <a:rPr lang="en-US" dirty="0"/>
-              <a:t>Chapter 9</a:t>
-            </a:r>
+              <a:t>Chapter </a:t>
+            </a:r>
+            <a:r>
+              <a:rPr lang="en-US" dirty="0" smtClean="0"/>
+              <a:t>9</a:t>
+            </a:r>
+            <a:endParaRPr lang="en-US" dirty="0"/>
           </a:p>
         </p:txBody>
       </p:sp>
@@ -3359,7 +3815,7 @@
           <p:cNvPr id="3" name="Subtitle 2">
             <a:extLst>
               <a:ext uri="{FF2B5EF4-FFF2-40B4-BE49-F238E27FC236}">
-                <a16:creationId xmlns:a16="http://schemas.microsoft.com/office/drawing/2014/main" id="{1F6A411C-5F1C-D542-A211-0F0D7F10FA53}"/>
+                <a16:creationId xmlns:a16="http://schemas.microsoft.com/office/drawing/2014/main" xmlns="" id="{1F6A411C-5F1C-D542-A211-0F0D7F10FA53}"/>
               </a:ext>
             </a:extLst>
           </p:cNvPr>
@@ -3376,9 +3832,10 @@
           <a:lstStyle/>
           <a:p>
             <a:r>
-              <a:rPr lang="en-US"/>
+              <a:rPr lang="en-US" dirty="0" smtClean="0"/>
               <a:t>Spatial Statistics</a:t>
             </a:r>
+            <a:endParaRPr lang="en-US" dirty="0"/>
           </a:p>
         </p:txBody>
       </p:sp>
@@ -3386,6 +3843,86 @@
     <p:extLst>
       <p:ext uri="{BB962C8B-B14F-4D97-AF65-F5344CB8AC3E}">
         <p14:creationId xmlns:p14="http://schemas.microsoft.com/office/powerpoint/2010/main" val="27190754"/>
+      </p:ext>
+    </p:extLst>
+  </p:cSld>
+  <p:clrMapOvr>
+    <a:masterClrMapping/>
+  </p:clrMapOvr>
+</p:sld>
+</file>
+
+<file path=ppt/slides/slide2.xml><?xml version="1.0" encoding="utf-8"?>
+<p:sld xmlns:a="http://schemas.openxmlformats.org/drawingml/2006/main" xmlns:r="http://schemas.openxmlformats.org/officeDocument/2006/relationships" xmlns:p="http://schemas.openxmlformats.org/presentationml/2006/main">
+  <p:cSld>
+    <p:spTree>
+      <p:nvGrpSpPr>
+        <p:cNvPr id="1" name=""/>
+        <p:cNvGrpSpPr/>
+        <p:nvPr/>
+      </p:nvGrpSpPr>
+      <p:grpSpPr>
+        <a:xfrm>
+          <a:off x="0" y="0"/>
+          <a:ext cx="0" cy="0"/>
+          <a:chOff x="0" y="0"/>
+          <a:chExt cx="0" cy="0"/>
+        </a:xfrm>
+      </p:grpSpPr>
+      <p:sp>
+        <p:nvSpPr>
+          <p:cNvPr id="2" name="Title 1">
+            <a:extLst>
+              <a:ext uri="{FF2B5EF4-FFF2-40B4-BE49-F238E27FC236}">
+                <a16:creationId xmlns:a16="http://schemas.microsoft.com/office/drawing/2014/main" xmlns="" id="{4B2C1829-4EA1-1244-8508-CE1A389E5469}"/>
+              </a:ext>
+            </a:extLst>
+          </p:cNvPr>
+          <p:cNvSpPr>
+            <a:spLocks noGrp="1"/>
+          </p:cNvSpPr>
+          <p:nvPr>
+            <p:ph type="title"/>
+          </p:nvPr>
+        </p:nvSpPr>
+        <p:spPr/>
+        <p:txBody>
+          <a:bodyPr/>
+          <a:lstStyle/>
+          <a:p>
+            <a:endParaRPr lang="en-US"/>
+          </a:p>
+        </p:txBody>
+      </p:sp>
+      <p:sp>
+        <p:nvSpPr>
+          <p:cNvPr id="3" name="Content Placeholder 2">
+            <a:extLst>
+              <a:ext uri="{FF2B5EF4-FFF2-40B4-BE49-F238E27FC236}">
+                <a16:creationId xmlns:a16="http://schemas.microsoft.com/office/drawing/2014/main" xmlns="" id="{F10B2661-613E-4D49-8D8F-08C27398FC24}"/>
+              </a:ext>
+            </a:extLst>
+          </p:cNvPr>
+          <p:cNvSpPr>
+            <a:spLocks noGrp="1"/>
+          </p:cNvSpPr>
+          <p:nvPr>
+            <p:ph idx="1"/>
+          </p:nvPr>
+        </p:nvSpPr>
+        <p:spPr/>
+        <p:txBody>
+          <a:bodyPr/>
+          <a:lstStyle/>
+          <a:p>
+            <a:endParaRPr lang="en-US"/>
+          </a:p>
+        </p:txBody>
+      </p:sp>
+    </p:spTree>
+    <p:extLst>
+      <p:ext uri="{BB962C8B-B14F-4D97-AF65-F5344CB8AC3E}">
+        <p14:creationId xmlns:p14="http://schemas.microsoft.com/office/powerpoint/2010/main" val="1266398697"/>
       </p:ext>
     </p:extLst>
   </p:cSld>
@@ -3688,4 +4225,299 @@
     </a:ext>
   </a:extLst>
 </a:theme>
+</file>
+
+<file path=ppt/theme/theme2.xml><?xml version="1.0" encoding="utf-8"?>
+<a:theme xmlns:a="http://schemas.openxmlformats.org/drawingml/2006/main" name="Office Theme">
+  <a:themeElements>
+    <a:clrScheme name="Office">
+      <a:dk1>
+        <a:sysClr val="windowText" lastClr="000000"/>
+      </a:dk1>
+      <a:lt1>
+        <a:sysClr val="window" lastClr="FFFFFF"/>
+      </a:lt1>
+      <a:dk2>
+        <a:srgbClr val="44546A"/>
+      </a:dk2>
+      <a:lt2>
+        <a:srgbClr val="E7E6E6"/>
+      </a:lt2>
+      <a:accent1>
+        <a:srgbClr val="4472C4"/>
+      </a:accent1>
+      <a:accent2>
+        <a:srgbClr val="ED7D31"/>
+      </a:accent2>
+      <a:accent3>
+        <a:srgbClr val="A5A5A5"/>
+      </a:accent3>
+      <a:accent4>
+        <a:srgbClr val="FFC000"/>
+      </a:accent4>
+      <a:accent5>
+        <a:srgbClr val="5B9BD5"/>
+      </a:accent5>
+      <a:accent6>
+        <a:srgbClr val="70AD47"/>
+      </a:accent6>
+      <a:hlink>
+        <a:srgbClr val="0563C1"/>
+      </a:hlink>
+      <a:folHlink>
+        <a:srgbClr val="954F72"/>
+      </a:folHlink>
+    </a:clrScheme>
+    <a:fontScheme name="Office">
+      <a:majorFont>
+        <a:latin typeface="Calibri Light" panose="020F0302020204030204"/>
+        <a:ea typeface=""/>
+        <a:cs typeface=""/>
+        <a:font script="Jpan" typeface="游ゴシック Light"/>
+        <a:font script="Hang" typeface="맑은 고딕"/>
+        <a:font script="Hans" typeface="等线 Light"/>
+        <a:font script="Hant" typeface="新細明體"/>
+        <a:font script="Arab" typeface="Times New Roman"/>
+        <a:font script="Hebr" typeface="Times New Roman"/>
+        <a:font script="Thai" typeface="Angsana New"/>
+        <a:font script="Ethi" typeface="Nyala"/>
+        <a:font script="Beng" typeface="Vrinda"/>
+        <a:font script="Gujr" typeface="Shruti"/>
+        <a:font script="Khmr" typeface="MoolBoran"/>
+        <a:font script="Knda" typeface="Tunga"/>
+        <a:font script="Guru" typeface="Raavi"/>
+        <a:font script="Cans" typeface="Euphemia"/>
+        <a:font script="Cher" typeface="Plantagenet Cherokee"/>
+        <a:font script="Yiii" typeface="Microsoft Yi Baiti"/>
+        <a:font script="Tibt" typeface="Microsoft Himalaya"/>
+        <a:font script="Thaa" typeface="MV Boli"/>
+        <a:font script="Deva" typeface="Mangal"/>
+        <a:font script="Telu" typeface="Gautami"/>
+        <a:font script="Taml" typeface="Latha"/>
+        <a:font script="Syrc" typeface="Estrangelo Edessa"/>
+        <a:font script="Orya" typeface="Kalinga"/>
+        <a:font script="Mlym" typeface="Kartika"/>
+        <a:font script="Laoo" typeface="DokChampa"/>
+        <a:font script="Sinh" typeface="Iskoola Pota"/>
+        <a:font script="Mong" typeface="Mongolian Baiti"/>
+        <a:font script="Viet" typeface="Times New Roman"/>
+        <a:font script="Uigh" typeface="Microsoft Uighur"/>
+        <a:font script="Geor" typeface="Sylfaen"/>
+        <a:font script="Armn" typeface="Arial"/>
+        <a:font script="Bugi" typeface="Leelawadee UI"/>
+        <a:font script="Bopo" typeface="Microsoft JhengHei"/>
+        <a:font script="Java" typeface="Javanese Text"/>
+        <a:font script="Lisu" typeface="Segoe UI"/>
+        <a:font script="Mymr" typeface="Myanmar Text"/>
+        <a:font script="Nkoo" typeface="Ebrima"/>
+        <a:font script="Olck" typeface="Nirmala UI"/>
+        <a:font script="Osma" typeface="Ebrima"/>
+        <a:font script="Phag" typeface="Phagspa"/>
+        <a:font script="Syrn" typeface="Estrangelo Edessa"/>
+        <a:font script="Syrj" typeface="Estrangelo Edessa"/>
+        <a:font script="Syre" typeface="Estrangelo Edessa"/>
+        <a:font script="Sora" typeface="Nirmala UI"/>
+        <a:font script="Tale" typeface="Microsoft Tai Le"/>
+        <a:font script="Talu" typeface="Microsoft New Tai Lue"/>
+        <a:font script="Tfng" typeface="Ebrima"/>
+      </a:majorFont>
+      <a:minorFont>
+        <a:latin typeface="Calibri" panose="020F0502020204030204"/>
+        <a:ea typeface=""/>
+        <a:cs typeface=""/>
+        <a:font script="Jpan" typeface="游ゴシック"/>
+        <a:font script="Hang" typeface="맑은 고딕"/>
+        <a:font script="Hans" typeface="等线"/>
+        <a:font script="Hant" typeface="新細明體"/>
+        <a:font script="Arab" typeface="Arial"/>
+        <a:font script="Hebr" typeface="Arial"/>
+        <a:font script="Thai" typeface="Cordia New"/>
+        <a:font script="Ethi" typeface="Nyala"/>
+        <a:font script="Beng" typeface="Vrinda"/>
+        <a:font script="Gujr" typeface="Shruti"/>
+        <a:font script="Khmr" typeface="DaunPenh"/>
+        <a:font script="Knda" typeface="Tunga"/>
+        <a:font script="Guru" typeface="Raavi"/>
+        <a:font script="Cans" typeface="Euphemia"/>
+        <a:font script="Cher" typeface="Plantagenet Cherokee"/>
+        <a:font script="Yiii" typeface="Microsoft Yi Baiti"/>
+        <a:font script="Tibt" typeface="Microsoft Himalaya"/>
+        <a:font script="Thaa" typeface="MV Boli"/>
+        <a:font script="Deva" typeface="Mangal"/>
+        <a:font script="Telu" typeface="Gautami"/>
+        <a:font script="Taml" typeface="Latha"/>
+        <a:font script="Syrc" typeface="Estrangelo Edessa"/>
+        <a:font script="Orya" typeface="Kalinga"/>
+        <a:font script="Mlym" typeface="Kartika"/>
+        <a:font script="Laoo" typeface="DokChampa"/>
+        <a:font script="Sinh" typeface="Iskoola Pota"/>
+        <a:font script="Mong" typeface="Mongolian Baiti"/>
+        <a:font script="Viet" typeface="Arial"/>
+        <a:font script="Uigh" typeface="Microsoft Uighur"/>
+        <a:font script="Geor" typeface="Sylfaen"/>
+        <a:font script="Armn" typeface="Arial"/>
+        <a:font script="Bugi" typeface="Leelawadee UI"/>
+        <a:font script="Bopo" typeface="Microsoft JhengHei"/>
+        <a:font script="Java" typeface="Javanese Text"/>
+        <a:font script="Lisu" typeface="Segoe UI"/>
+        <a:font script="Mymr" typeface="Myanmar Text"/>
+        <a:font script="Nkoo" typeface="Ebrima"/>
+        <a:font script="Olck" typeface="Nirmala UI"/>
+        <a:font script="Osma" typeface="Ebrima"/>
+        <a:font script="Phag" typeface="Phagspa"/>
+        <a:font script="Syrn" typeface="Estrangelo Edessa"/>
+        <a:font script="Syrj" typeface="Estrangelo Edessa"/>
+        <a:font script="Syre" typeface="Estrangelo Edessa"/>
+        <a:font script="Sora" typeface="Nirmala UI"/>
+        <a:font script="Tale" typeface="Microsoft Tai Le"/>
+        <a:font script="Talu" typeface="Microsoft New Tai Lue"/>
+        <a:font script="Tfng" typeface="Ebrima"/>
+      </a:minorFont>
+    </a:fontScheme>
+    <a:fmtScheme name="Office">
+      <a:fillStyleLst>
+        <a:solidFill>
+          <a:schemeClr val="phClr"/>
+        </a:solidFill>
+        <a:gradFill rotWithShape="1">
+          <a:gsLst>
+            <a:gs pos="0">
+              <a:schemeClr val="phClr">
+                <a:lumMod val="110000"/>
+                <a:satMod val="105000"/>
+                <a:tint val="67000"/>
+              </a:schemeClr>
+            </a:gs>
+            <a:gs pos="50000">
+              <a:schemeClr val="phClr">
+                <a:lumMod val="105000"/>
+                <a:satMod val="103000"/>
+                <a:tint val="73000"/>
+              </a:schemeClr>
+            </a:gs>
+            <a:gs pos="100000">
+              <a:schemeClr val="phClr">
+                <a:lumMod val="105000"/>
+                <a:satMod val="109000"/>
+                <a:tint val="81000"/>
+              </a:schemeClr>
+            </a:gs>
+          </a:gsLst>
+          <a:lin ang="5400000" scaled="0"/>
+        </a:gradFill>
+        <a:gradFill rotWithShape="1">
+          <a:gsLst>
+            <a:gs pos="0">
+              <a:schemeClr val="phClr">
+                <a:satMod val="103000"/>
+                <a:lumMod val="102000"/>
+                <a:tint val="94000"/>
+              </a:schemeClr>
+            </a:gs>
+            <a:gs pos="50000">
+              <a:schemeClr val="phClr">
+                <a:satMod val="110000"/>
+                <a:lumMod val="100000"/>
+                <a:shade val="100000"/>
+              </a:schemeClr>
+            </a:gs>
+            <a:gs pos="100000">
+              <a:schemeClr val="phClr">
+                <a:lumMod val="99000"/>
+                <a:satMod val="120000"/>
+                <a:shade val="78000"/>
+              </a:schemeClr>
+            </a:gs>
+          </a:gsLst>
+          <a:lin ang="5400000" scaled="0"/>
+        </a:gradFill>
+      </a:fillStyleLst>
+      <a:lnStyleLst>
+        <a:ln w="6350" cap="flat" cmpd="sng" algn="ctr">
+          <a:solidFill>
+            <a:schemeClr val="phClr"/>
+          </a:solidFill>
+          <a:prstDash val="solid"/>
+          <a:miter lim="800000"/>
+        </a:ln>
+        <a:ln w="12700" cap="flat" cmpd="sng" algn="ctr">
+          <a:solidFill>
+            <a:schemeClr val="phClr"/>
+          </a:solidFill>
+          <a:prstDash val="solid"/>
+          <a:miter lim="800000"/>
+        </a:ln>
+        <a:ln w="19050" cap="flat" cmpd="sng" algn="ctr">
+          <a:solidFill>
+            <a:schemeClr val="phClr"/>
+          </a:solidFill>
+          <a:prstDash val="solid"/>
+          <a:miter lim="800000"/>
+        </a:ln>
+      </a:lnStyleLst>
+      <a:effectStyleLst>
+        <a:effectStyle>
+          <a:effectLst/>
+        </a:effectStyle>
+        <a:effectStyle>
+          <a:effectLst/>
+        </a:effectStyle>
+        <a:effectStyle>
+          <a:effectLst>
+            <a:outerShdw blurRad="57150" dist="19050" dir="5400000" algn="ctr" rotWithShape="0">
+              <a:srgbClr val="000000">
+                <a:alpha val="63000"/>
+              </a:srgbClr>
+            </a:outerShdw>
+          </a:effectLst>
+        </a:effectStyle>
+      </a:effectStyleLst>
+      <a:bgFillStyleLst>
+        <a:solidFill>
+          <a:schemeClr val="phClr"/>
+        </a:solidFill>
+        <a:solidFill>
+          <a:schemeClr val="phClr">
+            <a:tint val="95000"/>
+            <a:satMod val="170000"/>
+          </a:schemeClr>
+        </a:solidFill>
+        <a:gradFill rotWithShape="1">
+          <a:gsLst>
+            <a:gs pos="0">
+              <a:schemeClr val="phClr">
+                <a:tint val="93000"/>
+                <a:satMod val="150000"/>
+                <a:shade val="98000"/>
+                <a:lumMod val="102000"/>
+              </a:schemeClr>
+            </a:gs>
+            <a:gs pos="50000">
+              <a:schemeClr val="phClr">
+                <a:tint val="98000"/>
+                <a:satMod val="130000"/>
+                <a:shade val="90000"/>
+                <a:lumMod val="103000"/>
+              </a:schemeClr>
+            </a:gs>
+            <a:gs pos="100000">
+              <a:schemeClr val="phClr">
+                <a:shade val="63000"/>
+                <a:satMod val="120000"/>
+              </a:schemeClr>
+            </a:gs>
+          </a:gsLst>
+          <a:lin ang="5400000" scaled="0"/>
+        </a:gradFill>
+      </a:bgFillStyleLst>
+    </a:fmtScheme>
+  </a:themeElements>
+  <a:objectDefaults/>
+  <a:extraClrSchemeLst/>
+  <a:extLst>
+    <a:ext uri="{05A4C25C-085E-4340-85A3-A5531E510DB2}">
+      <thm15:themeFamily xmlns:thm15="http://schemas.microsoft.com/office/thememl/2012/main" name="Office Theme" id="{62F939B6-93AF-4DB8-9C6B-D6C7DFDC589F}" vid="{4A3C46E8-61CC-4603-A589-7422A47A8E4A}"/>
+    </a:ext>
+  </a:extLst>
+</a:theme>
 </file>
--- a/Chapter09-SpatialStatistics/Chapter9.pptx
+++ b/Chapter09-SpatialStatistics/Chapter9.pptx
@@ -5,11 +5,12 @@
     <p:sldMasterId id="2147483648" r:id="rId1"/>
   </p:sldMasterIdLst>
   <p:notesMasterIdLst>
-    <p:notesMasterId r:id="rId4"/>
+    <p:notesMasterId r:id="rId5"/>
   </p:notesMasterIdLst>
   <p:sldIdLst>
     <p:sldId id="256" r:id="rId2"/>
-    <p:sldId id="278" r:id="rId3"/>
+    <p:sldId id="277" r:id="rId3"/>
+    <p:sldId id="271" r:id="rId4"/>
   </p:sldIdLst>
   <p:sldSz cx="12192000" cy="6858000"/>
   <p:notesSz cx="6858000" cy="9144000"/>
@@ -198,7 +199,7 @@
           <a:p>
             <a:fld id="{277BE31A-CF47-1542-834B-3F84EFC65F53}" type="datetimeFigureOut">
               <a:rPr lang="en-US" smtClean="0"/>
-              <a:t>7/23/18</a:t>
+              <a:t>11/6/18</a:t>
             </a:fld>
             <a:endParaRPr lang="en-US"/>
           </a:p>
@@ -585,7 +586,7 @@
           <p:cNvPr id="2" name="Title 1">
             <a:extLst>
               <a:ext uri="{FF2B5EF4-FFF2-40B4-BE49-F238E27FC236}">
-                <a16:creationId xmlns:a16="http://schemas.microsoft.com/office/drawing/2014/main" xmlns="" id="{516F7A16-E78A-BE4A-AC43-8512E7D93291}"/>
+                <a16:creationId xmlns:a16="http://schemas.microsoft.com/office/drawing/2014/main" id="{516F7A16-E78A-BE4A-AC43-8512E7D93291}"/>
               </a:ext>
             </a:extLst>
           </p:cNvPr>
@@ -622,7 +623,7 @@
           <p:cNvPr id="3" name="Subtitle 2">
             <a:extLst>
               <a:ext uri="{FF2B5EF4-FFF2-40B4-BE49-F238E27FC236}">
-                <a16:creationId xmlns:a16="http://schemas.microsoft.com/office/drawing/2014/main" xmlns="" id="{7C1F38C8-365B-CA4F-B19D-567E737B1A06}"/>
+                <a16:creationId xmlns:a16="http://schemas.microsoft.com/office/drawing/2014/main" id="{7C1F38C8-365B-CA4F-B19D-567E737B1A06}"/>
               </a:ext>
             </a:extLst>
           </p:cNvPr>
@@ -692,7 +693,7 @@
           <p:cNvPr id="4" name="Date Placeholder 3">
             <a:extLst>
               <a:ext uri="{FF2B5EF4-FFF2-40B4-BE49-F238E27FC236}">
-                <a16:creationId xmlns:a16="http://schemas.microsoft.com/office/drawing/2014/main" xmlns="" id="{16A28210-3A32-5F42-B6C1-4EC7285777A7}"/>
+                <a16:creationId xmlns:a16="http://schemas.microsoft.com/office/drawing/2014/main" id="{16A28210-3A32-5F42-B6C1-4EC7285777A7}"/>
               </a:ext>
             </a:extLst>
           </p:cNvPr>
@@ -710,7 +711,7 @@
           <a:p>
             <a:fld id="{53326AB7-C146-8643-AC32-1D896C71A7F3}" type="datetimeFigureOut">
               <a:rPr lang="en-US" smtClean="0"/>
-              <a:t>7/23/18</a:t>
+              <a:t>11/6/18</a:t>
             </a:fld>
             <a:endParaRPr lang="en-US"/>
           </a:p>
@@ -721,7 +722,7 @@
           <p:cNvPr id="5" name="Footer Placeholder 4">
             <a:extLst>
               <a:ext uri="{FF2B5EF4-FFF2-40B4-BE49-F238E27FC236}">
-                <a16:creationId xmlns:a16="http://schemas.microsoft.com/office/drawing/2014/main" xmlns="" id="{906277F9-D1A2-9843-B607-FCC14A031A43}"/>
+                <a16:creationId xmlns:a16="http://schemas.microsoft.com/office/drawing/2014/main" id="{906277F9-D1A2-9843-B607-FCC14A031A43}"/>
               </a:ext>
             </a:extLst>
           </p:cNvPr>
@@ -746,7 +747,7 @@
           <p:cNvPr id="6" name="Slide Number Placeholder 5">
             <a:extLst>
               <a:ext uri="{FF2B5EF4-FFF2-40B4-BE49-F238E27FC236}">
-                <a16:creationId xmlns:a16="http://schemas.microsoft.com/office/drawing/2014/main" xmlns="" id="{C7280A87-2C80-A64B-87FB-EF30B3D84BEC}"/>
+                <a16:creationId xmlns:a16="http://schemas.microsoft.com/office/drawing/2014/main" id="{C7280A87-2C80-A64B-87FB-EF30B3D84BEC}"/>
               </a:ext>
             </a:extLst>
           </p:cNvPr>
@@ -805,7 +806,7 @@
           <p:cNvPr id="2" name="Title 1">
             <a:extLst>
               <a:ext uri="{FF2B5EF4-FFF2-40B4-BE49-F238E27FC236}">
-                <a16:creationId xmlns:a16="http://schemas.microsoft.com/office/drawing/2014/main" xmlns="" id="{B36B44AF-4076-ED4B-B391-C5A3489C0456}"/>
+                <a16:creationId xmlns:a16="http://schemas.microsoft.com/office/drawing/2014/main" id="{B36B44AF-4076-ED4B-B391-C5A3489C0456}"/>
               </a:ext>
             </a:extLst>
           </p:cNvPr>
@@ -833,7 +834,7 @@
           <p:cNvPr id="3" name="Vertical Text Placeholder 2">
             <a:extLst>
               <a:ext uri="{FF2B5EF4-FFF2-40B4-BE49-F238E27FC236}">
-                <a16:creationId xmlns:a16="http://schemas.microsoft.com/office/drawing/2014/main" xmlns="" id="{87C2274F-54BF-764B-B515-33F41ADD7AE2}"/>
+                <a16:creationId xmlns:a16="http://schemas.microsoft.com/office/drawing/2014/main" id="{87C2274F-54BF-764B-B515-33F41ADD7AE2}"/>
               </a:ext>
             </a:extLst>
           </p:cNvPr>
@@ -890,7 +891,7 @@
           <p:cNvPr id="4" name="Date Placeholder 3">
             <a:extLst>
               <a:ext uri="{FF2B5EF4-FFF2-40B4-BE49-F238E27FC236}">
-                <a16:creationId xmlns:a16="http://schemas.microsoft.com/office/drawing/2014/main" xmlns="" id="{6423412C-0D19-274E-9402-8A7B85561B08}"/>
+                <a16:creationId xmlns:a16="http://schemas.microsoft.com/office/drawing/2014/main" id="{6423412C-0D19-274E-9402-8A7B85561B08}"/>
               </a:ext>
             </a:extLst>
           </p:cNvPr>
@@ -908,7 +909,7 @@
           <a:p>
             <a:fld id="{53326AB7-C146-8643-AC32-1D896C71A7F3}" type="datetimeFigureOut">
               <a:rPr lang="en-US" smtClean="0"/>
-              <a:t>7/23/18</a:t>
+              <a:t>11/6/18</a:t>
             </a:fld>
             <a:endParaRPr lang="en-US"/>
           </a:p>
@@ -919,7 +920,7 @@
           <p:cNvPr id="5" name="Footer Placeholder 4">
             <a:extLst>
               <a:ext uri="{FF2B5EF4-FFF2-40B4-BE49-F238E27FC236}">
-                <a16:creationId xmlns:a16="http://schemas.microsoft.com/office/drawing/2014/main" xmlns="" id="{AC034415-ED19-A445-BD68-A64A25C07F45}"/>
+                <a16:creationId xmlns:a16="http://schemas.microsoft.com/office/drawing/2014/main" id="{AC034415-ED19-A445-BD68-A64A25C07F45}"/>
               </a:ext>
             </a:extLst>
           </p:cNvPr>
@@ -944,7 +945,7 @@
           <p:cNvPr id="6" name="Slide Number Placeholder 5">
             <a:extLst>
               <a:ext uri="{FF2B5EF4-FFF2-40B4-BE49-F238E27FC236}">
-                <a16:creationId xmlns:a16="http://schemas.microsoft.com/office/drawing/2014/main" xmlns="" id="{08E3F4D4-B881-F34A-81D6-2E0313F65EEA}"/>
+                <a16:creationId xmlns:a16="http://schemas.microsoft.com/office/drawing/2014/main" id="{08E3F4D4-B881-F34A-81D6-2E0313F65EEA}"/>
               </a:ext>
             </a:extLst>
           </p:cNvPr>
@@ -1003,7 +1004,7 @@
           <p:cNvPr id="2" name="Vertical Title 1">
             <a:extLst>
               <a:ext uri="{FF2B5EF4-FFF2-40B4-BE49-F238E27FC236}">
-                <a16:creationId xmlns:a16="http://schemas.microsoft.com/office/drawing/2014/main" xmlns="" id="{BDD434B5-95B9-8F45-9704-269CFCDE3CF0}"/>
+                <a16:creationId xmlns:a16="http://schemas.microsoft.com/office/drawing/2014/main" id="{BDD434B5-95B9-8F45-9704-269CFCDE3CF0}"/>
               </a:ext>
             </a:extLst>
           </p:cNvPr>
@@ -1036,7 +1037,7 @@
           <p:cNvPr id="3" name="Vertical Text Placeholder 2">
             <a:extLst>
               <a:ext uri="{FF2B5EF4-FFF2-40B4-BE49-F238E27FC236}">
-                <a16:creationId xmlns:a16="http://schemas.microsoft.com/office/drawing/2014/main" xmlns="" id="{C0E99913-B6B0-7C48-9E46-20EC11E0D7B8}"/>
+                <a16:creationId xmlns:a16="http://schemas.microsoft.com/office/drawing/2014/main" id="{C0E99913-B6B0-7C48-9E46-20EC11E0D7B8}"/>
               </a:ext>
             </a:extLst>
           </p:cNvPr>
@@ -1098,7 +1099,7 @@
           <p:cNvPr id="4" name="Date Placeholder 3">
             <a:extLst>
               <a:ext uri="{FF2B5EF4-FFF2-40B4-BE49-F238E27FC236}">
-                <a16:creationId xmlns:a16="http://schemas.microsoft.com/office/drawing/2014/main" xmlns="" id="{B5CE55D2-ADC8-E348-B484-18FD79F5F120}"/>
+                <a16:creationId xmlns:a16="http://schemas.microsoft.com/office/drawing/2014/main" id="{B5CE55D2-ADC8-E348-B484-18FD79F5F120}"/>
               </a:ext>
             </a:extLst>
           </p:cNvPr>
@@ -1116,7 +1117,7 @@
           <a:p>
             <a:fld id="{53326AB7-C146-8643-AC32-1D896C71A7F3}" type="datetimeFigureOut">
               <a:rPr lang="en-US" smtClean="0"/>
-              <a:t>7/23/18</a:t>
+              <a:t>11/6/18</a:t>
             </a:fld>
             <a:endParaRPr lang="en-US"/>
           </a:p>
@@ -1127,7 +1128,7 @@
           <p:cNvPr id="5" name="Footer Placeholder 4">
             <a:extLst>
               <a:ext uri="{FF2B5EF4-FFF2-40B4-BE49-F238E27FC236}">
-                <a16:creationId xmlns:a16="http://schemas.microsoft.com/office/drawing/2014/main" xmlns="" id="{9547F7AC-E50A-D649-85D6-DB77ADB23342}"/>
+                <a16:creationId xmlns:a16="http://schemas.microsoft.com/office/drawing/2014/main" id="{9547F7AC-E50A-D649-85D6-DB77ADB23342}"/>
               </a:ext>
             </a:extLst>
           </p:cNvPr>
@@ -1152,7 +1153,7 @@
           <p:cNvPr id="6" name="Slide Number Placeholder 5">
             <a:extLst>
               <a:ext uri="{FF2B5EF4-FFF2-40B4-BE49-F238E27FC236}">
-                <a16:creationId xmlns:a16="http://schemas.microsoft.com/office/drawing/2014/main" xmlns="" id="{4BB89C60-9BE1-C544-82FC-951DBED57A52}"/>
+                <a16:creationId xmlns:a16="http://schemas.microsoft.com/office/drawing/2014/main" id="{4BB89C60-9BE1-C544-82FC-951DBED57A52}"/>
               </a:ext>
             </a:extLst>
           </p:cNvPr>
@@ -1211,7 +1212,7 @@
           <p:cNvPr id="2" name="Title 1">
             <a:extLst>
               <a:ext uri="{FF2B5EF4-FFF2-40B4-BE49-F238E27FC236}">
-                <a16:creationId xmlns:a16="http://schemas.microsoft.com/office/drawing/2014/main" xmlns="" id="{0C9A72FB-6E84-2F49-8A51-0972418C72A2}"/>
+                <a16:creationId xmlns:a16="http://schemas.microsoft.com/office/drawing/2014/main" id="{0C9A72FB-6E84-2F49-8A51-0972418C72A2}"/>
               </a:ext>
             </a:extLst>
           </p:cNvPr>
@@ -1239,7 +1240,7 @@
           <p:cNvPr id="3" name="Content Placeholder 2">
             <a:extLst>
               <a:ext uri="{FF2B5EF4-FFF2-40B4-BE49-F238E27FC236}">
-                <a16:creationId xmlns:a16="http://schemas.microsoft.com/office/drawing/2014/main" xmlns="" id="{5F9F1C8D-6F5A-7D47-9201-3E7B6F545192}"/>
+                <a16:creationId xmlns:a16="http://schemas.microsoft.com/office/drawing/2014/main" id="{5F9F1C8D-6F5A-7D47-9201-3E7B6F545192}"/>
               </a:ext>
             </a:extLst>
           </p:cNvPr>
@@ -1296,7 +1297,7 @@
           <p:cNvPr id="4" name="Date Placeholder 3">
             <a:extLst>
               <a:ext uri="{FF2B5EF4-FFF2-40B4-BE49-F238E27FC236}">
-                <a16:creationId xmlns:a16="http://schemas.microsoft.com/office/drawing/2014/main" xmlns="" id="{CA4AB3CC-E7E0-6340-B3A4-F00DB09C83B6}"/>
+                <a16:creationId xmlns:a16="http://schemas.microsoft.com/office/drawing/2014/main" id="{CA4AB3CC-E7E0-6340-B3A4-F00DB09C83B6}"/>
               </a:ext>
             </a:extLst>
           </p:cNvPr>
@@ -1314,7 +1315,7 @@
           <a:p>
             <a:fld id="{53326AB7-C146-8643-AC32-1D896C71A7F3}" type="datetimeFigureOut">
               <a:rPr lang="en-US" smtClean="0"/>
-              <a:t>7/23/18</a:t>
+              <a:t>11/6/18</a:t>
             </a:fld>
             <a:endParaRPr lang="en-US"/>
           </a:p>
@@ -1325,7 +1326,7 @@
           <p:cNvPr id="5" name="Footer Placeholder 4">
             <a:extLst>
               <a:ext uri="{FF2B5EF4-FFF2-40B4-BE49-F238E27FC236}">
-                <a16:creationId xmlns:a16="http://schemas.microsoft.com/office/drawing/2014/main" xmlns="" id="{7D837D03-AC59-D14F-9507-84D846908444}"/>
+                <a16:creationId xmlns:a16="http://schemas.microsoft.com/office/drawing/2014/main" id="{7D837D03-AC59-D14F-9507-84D846908444}"/>
               </a:ext>
             </a:extLst>
           </p:cNvPr>
@@ -1350,7 +1351,7 @@
           <p:cNvPr id="6" name="Slide Number Placeholder 5">
             <a:extLst>
               <a:ext uri="{FF2B5EF4-FFF2-40B4-BE49-F238E27FC236}">
-                <a16:creationId xmlns:a16="http://schemas.microsoft.com/office/drawing/2014/main" xmlns="" id="{BA139326-81CE-0942-A45E-A9A8005451CA}"/>
+                <a16:creationId xmlns:a16="http://schemas.microsoft.com/office/drawing/2014/main" id="{BA139326-81CE-0942-A45E-A9A8005451CA}"/>
               </a:ext>
             </a:extLst>
           </p:cNvPr>
@@ -1409,7 +1410,7 @@
           <p:cNvPr id="2" name="Title 1">
             <a:extLst>
               <a:ext uri="{FF2B5EF4-FFF2-40B4-BE49-F238E27FC236}">
-                <a16:creationId xmlns:a16="http://schemas.microsoft.com/office/drawing/2014/main" xmlns="" id="{1D188158-F8C2-434F-AD68-D86B3031D91D}"/>
+                <a16:creationId xmlns:a16="http://schemas.microsoft.com/office/drawing/2014/main" id="{1D188158-F8C2-434F-AD68-D86B3031D91D}"/>
               </a:ext>
             </a:extLst>
           </p:cNvPr>
@@ -1446,7 +1447,7 @@
           <p:cNvPr id="3" name="Text Placeholder 2">
             <a:extLst>
               <a:ext uri="{FF2B5EF4-FFF2-40B4-BE49-F238E27FC236}">
-                <a16:creationId xmlns:a16="http://schemas.microsoft.com/office/drawing/2014/main" xmlns="" id="{6BCBB0E7-5DE5-0D42-9359-2B7E8DAA3C79}"/>
+                <a16:creationId xmlns:a16="http://schemas.microsoft.com/office/drawing/2014/main" id="{6BCBB0E7-5DE5-0D42-9359-2B7E8DAA3C79}"/>
               </a:ext>
             </a:extLst>
           </p:cNvPr>
@@ -1571,7 +1572,7 @@
           <p:cNvPr id="4" name="Date Placeholder 3">
             <a:extLst>
               <a:ext uri="{FF2B5EF4-FFF2-40B4-BE49-F238E27FC236}">
-                <a16:creationId xmlns:a16="http://schemas.microsoft.com/office/drawing/2014/main" xmlns="" id="{B610A837-B060-AA46-AA08-6F233B11970D}"/>
+                <a16:creationId xmlns:a16="http://schemas.microsoft.com/office/drawing/2014/main" id="{B610A837-B060-AA46-AA08-6F233B11970D}"/>
               </a:ext>
             </a:extLst>
           </p:cNvPr>
@@ -1589,7 +1590,7 @@
           <a:p>
             <a:fld id="{53326AB7-C146-8643-AC32-1D896C71A7F3}" type="datetimeFigureOut">
               <a:rPr lang="en-US" smtClean="0"/>
-              <a:t>7/23/18</a:t>
+              <a:t>11/6/18</a:t>
             </a:fld>
             <a:endParaRPr lang="en-US"/>
           </a:p>
@@ -1600,7 +1601,7 @@
           <p:cNvPr id="5" name="Footer Placeholder 4">
             <a:extLst>
               <a:ext uri="{FF2B5EF4-FFF2-40B4-BE49-F238E27FC236}">
-                <a16:creationId xmlns:a16="http://schemas.microsoft.com/office/drawing/2014/main" xmlns="" id="{5CFEE10B-C123-1B45-B864-6B8D5BE99A92}"/>
+                <a16:creationId xmlns:a16="http://schemas.microsoft.com/office/drawing/2014/main" id="{5CFEE10B-C123-1B45-B864-6B8D5BE99A92}"/>
               </a:ext>
             </a:extLst>
           </p:cNvPr>
@@ -1625,7 +1626,7 @@
           <p:cNvPr id="6" name="Slide Number Placeholder 5">
             <a:extLst>
               <a:ext uri="{FF2B5EF4-FFF2-40B4-BE49-F238E27FC236}">
-                <a16:creationId xmlns:a16="http://schemas.microsoft.com/office/drawing/2014/main" xmlns="" id="{A0CCC4B6-2F8B-CA45-99D7-D48C1C9972FA}"/>
+                <a16:creationId xmlns:a16="http://schemas.microsoft.com/office/drawing/2014/main" id="{A0CCC4B6-2F8B-CA45-99D7-D48C1C9972FA}"/>
               </a:ext>
             </a:extLst>
           </p:cNvPr>
@@ -1684,7 +1685,7 @@
           <p:cNvPr id="2" name="Title 1">
             <a:extLst>
               <a:ext uri="{FF2B5EF4-FFF2-40B4-BE49-F238E27FC236}">
-                <a16:creationId xmlns:a16="http://schemas.microsoft.com/office/drawing/2014/main" xmlns="" id="{E7B8530F-2ABB-F741-86CD-02B983C499B4}"/>
+                <a16:creationId xmlns:a16="http://schemas.microsoft.com/office/drawing/2014/main" id="{E7B8530F-2ABB-F741-86CD-02B983C499B4}"/>
               </a:ext>
             </a:extLst>
           </p:cNvPr>
@@ -1712,7 +1713,7 @@
           <p:cNvPr id="3" name="Content Placeholder 2">
             <a:extLst>
               <a:ext uri="{FF2B5EF4-FFF2-40B4-BE49-F238E27FC236}">
-                <a16:creationId xmlns:a16="http://schemas.microsoft.com/office/drawing/2014/main" xmlns="" id="{787B270D-31DF-824D-AAC7-1A8C490EB907}"/>
+                <a16:creationId xmlns:a16="http://schemas.microsoft.com/office/drawing/2014/main" id="{787B270D-31DF-824D-AAC7-1A8C490EB907}"/>
               </a:ext>
             </a:extLst>
           </p:cNvPr>
@@ -1774,7 +1775,7 @@
           <p:cNvPr id="4" name="Content Placeholder 3">
             <a:extLst>
               <a:ext uri="{FF2B5EF4-FFF2-40B4-BE49-F238E27FC236}">
-                <a16:creationId xmlns:a16="http://schemas.microsoft.com/office/drawing/2014/main" xmlns="" id="{E0A55378-871B-074A-9340-5A273CC14711}"/>
+                <a16:creationId xmlns:a16="http://schemas.microsoft.com/office/drawing/2014/main" id="{E0A55378-871B-074A-9340-5A273CC14711}"/>
               </a:ext>
             </a:extLst>
           </p:cNvPr>
@@ -1836,7 +1837,7 @@
           <p:cNvPr id="5" name="Date Placeholder 4">
             <a:extLst>
               <a:ext uri="{FF2B5EF4-FFF2-40B4-BE49-F238E27FC236}">
-                <a16:creationId xmlns:a16="http://schemas.microsoft.com/office/drawing/2014/main" xmlns="" id="{7D61FB1B-E7C3-3547-A1B6-22B90A24B538}"/>
+                <a16:creationId xmlns:a16="http://schemas.microsoft.com/office/drawing/2014/main" id="{7D61FB1B-E7C3-3547-A1B6-22B90A24B538}"/>
               </a:ext>
             </a:extLst>
           </p:cNvPr>
@@ -1854,7 +1855,7 @@
           <a:p>
             <a:fld id="{53326AB7-C146-8643-AC32-1D896C71A7F3}" type="datetimeFigureOut">
               <a:rPr lang="en-US" smtClean="0"/>
-              <a:t>7/23/18</a:t>
+              <a:t>11/6/18</a:t>
             </a:fld>
             <a:endParaRPr lang="en-US"/>
           </a:p>
@@ -1865,7 +1866,7 @@
           <p:cNvPr id="6" name="Footer Placeholder 5">
             <a:extLst>
               <a:ext uri="{FF2B5EF4-FFF2-40B4-BE49-F238E27FC236}">
-                <a16:creationId xmlns:a16="http://schemas.microsoft.com/office/drawing/2014/main" xmlns="" id="{7F3ECCE9-7B6F-4948-8417-3E618E857711}"/>
+                <a16:creationId xmlns:a16="http://schemas.microsoft.com/office/drawing/2014/main" id="{7F3ECCE9-7B6F-4948-8417-3E618E857711}"/>
               </a:ext>
             </a:extLst>
           </p:cNvPr>
@@ -1890,7 +1891,7 @@
           <p:cNvPr id="7" name="Slide Number Placeholder 6">
             <a:extLst>
               <a:ext uri="{FF2B5EF4-FFF2-40B4-BE49-F238E27FC236}">
-                <a16:creationId xmlns:a16="http://schemas.microsoft.com/office/drawing/2014/main" xmlns="" id="{3E8C9493-26BA-D644-84CB-6514BD1933CA}"/>
+                <a16:creationId xmlns:a16="http://schemas.microsoft.com/office/drawing/2014/main" id="{3E8C9493-26BA-D644-84CB-6514BD1933CA}"/>
               </a:ext>
             </a:extLst>
           </p:cNvPr>
@@ -1949,7 +1950,7 @@
           <p:cNvPr id="2" name="Title 1">
             <a:extLst>
               <a:ext uri="{FF2B5EF4-FFF2-40B4-BE49-F238E27FC236}">
-                <a16:creationId xmlns:a16="http://schemas.microsoft.com/office/drawing/2014/main" xmlns="" id="{721BFA1D-0768-FC4F-B75B-EDE0297EB4EE}"/>
+                <a16:creationId xmlns:a16="http://schemas.microsoft.com/office/drawing/2014/main" id="{721BFA1D-0768-FC4F-B75B-EDE0297EB4EE}"/>
               </a:ext>
             </a:extLst>
           </p:cNvPr>
@@ -1982,7 +1983,7 @@
           <p:cNvPr id="3" name="Text Placeholder 2">
             <a:extLst>
               <a:ext uri="{FF2B5EF4-FFF2-40B4-BE49-F238E27FC236}">
-                <a16:creationId xmlns:a16="http://schemas.microsoft.com/office/drawing/2014/main" xmlns="" id="{9C5D8327-4932-5241-83AC-C7F223825714}"/>
+                <a16:creationId xmlns:a16="http://schemas.microsoft.com/office/drawing/2014/main" id="{9C5D8327-4932-5241-83AC-C7F223825714}"/>
               </a:ext>
             </a:extLst>
           </p:cNvPr>
@@ -2053,7 +2054,7 @@
           <p:cNvPr id="4" name="Content Placeholder 3">
             <a:extLst>
               <a:ext uri="{FF2B5EF4-FFF2-40B4-BE49-F238E27FC236}">
-                <a16:creationId xmlns:a16="http://schemas.microsoft.com/office/drawing/2014/main" xmlns="" id="{A9529289-DA97-FA4F-883B-1C08A606C7C7}"/>
+                <a16:creationId xmlns:a16="http://schemas.microsoft.com/office/drawing/2014/main" id="{A9529289-DA97-FA4F-883B-1C08A606C7C7}"/>
               </a:ext>
             </a:extLst>
           </p:cNvPr>
@@ -2115,7 +2116,7 @@
           <p:cNvPr id="5" name="Text Placeholder 4">
             <a:extLst>
               <a:ext uri="{FF2B5EF4-FFF2-40B4-BE49-F238E27FC236}">
-                <a16:creationId xmlns:a16="http://schemas.microsoft.com/office/drawing/2014/main" xmlns="" id="{55D275AA-C108-7C4D-9250-CEC009533B9E}"/>
+                <a16:creationId xmlns:a16="http://schemas.microsoft.com/office/drawing/2014/main" id="{55D275AA-C108-7C4D-9250-CEC009533B9E}"/>
               </a:ext>
             </a:extLst>
           </p:cNvPr>
@@ -2186,7 +2187,7 @@
           <p:cNvPr id="6" name="Content Placeholder 5">
             <a:extLst>
               <a:ext uri="{FF2B5EF4-FFF2-40B4-BE49-F238E27FC236}">
-                <a16:creationId xmlns:a16="http://schemas.microsoft.com/office/drawing/2014/main" xmlns="" id="{04C4C786-F911-8F45-B48E-D4C85A8F3C22}"/>
+                <a16:creationId xmlns:a16="http://schemas.microsoft.com/office/drawing/2014/main" id="{04C4C786-F911-8F45-B48E-D4C85A8F3C22}"/>
               </a:ext>
             </a:extLst>
           </p:cNvPr>
@@ -2248,7 +2249,7 @@
           <p:cNvPr id="7" name="Date Placeholder 6">
             <a:extLst>
               <a:ext uri="{FF2B5EF4-FFF2-40B4-BE49-F238E27FC236}">
-                <a16:creationId xmlns:a16="http://schemas.microsoft.com/office/drawing/2014/main" xmlns="" id="{2F578C52-1C7D-8B4B-BA4A-CE1D6F06640F}"/>
+                <a16:creationId xmlns:a16="http://schemas.microsoft.com/office/drawing/2014/main" id="{2F578C52-1C7D-8B4B-BA4A-CE1D6F06640F}"/>
               </a:ext>
             </a:extLst>
           </p:cNvPr>
@@ -2266,7 +2267,7 @@
           <a:p>
             <a:fld id="{53326AB7-C146-8643-AC32-1D896C71A7F3}" type="datetimeFigureOut">
               <a:rPr lang="en-US" smtClean="0"/>
-              <a:t>7/23/18</a:t>
+              <a:t>11/6/18</a:t>
             </a:fld>
             <a:endParaRPr lang="en-US"/>
           </a:p>
@@ -2277,7 +2278,7 @@
           <p:cNvPr id="8" name="Footer Placeholder 7">
             <a:extLst>
               <a:ext uri="{FF2B5EF4-FFF2-40B4-BE49-F238E27FC236}">
-                <a16:creationId xmlns:a16="http://schemas.microsoft.com/office/drawing/2014/main" xmlns="" id="{7E6D7468-D98E-E146-8C11-566E681496AE}"/>
+                <a16:creationId xmlns:a16="http://schemas.microsoft.com/office/drawing/2014/main" id="{7E6D7468-D98E-E146-8C11-566E681496AE}"/>
               </a:ext>
             </a:extLst>
           </p:cNvPr>
@@ -2302,7 +2303,7 @@
           <p:cNvPr id="9" name="Slide Number Placeholder 8">
             <a:extLst>
               <a:ext uri="{FF2B5EF4-FFF2-40B4-BE49-F238E27FC236}">
-                <a16:creationId xmlns:a16="http://schemas.microsoft.com/office/drawing/2014/main" xmlns="" id="{063284EF-707E-DC42-ACCE-D4654F57CD2A}"/>
+                <a16:creationId xmlns:a16="http://schemas.microsoft.com/office/drawing/2014/main" id="{063284EF-707E-DC42-ACCE-D4654F57CD2A}"/>
               </a:ext>
             </a:extLst>
           </p:cNvPr>
@@ -2361,7 +2362,7 @@
           <p:cNvPr id="2" name="Title 1">
             <a:extLst>
               <a:ext uri="{FF2B5EF4-FFF2-40B4-BE49-F238E27FC236}">
-                <a16:creationId xmlns:a16="http://schemas.microsoft.com/office/drawing/2014/main" xmlns="" id="{28A70226-982E-E240-BF1F-97AC71D0A35B}"/>
+                <a16:creationId xmlns:a16="http://schemas.microsoft.com/office/drawing/2014/main" id="{28A70226-982E-E240-BF1F-97AC71D0A35B}"/>
               </a:ext>
             </a:extLst>
           </p:cNvPr>
@@ -2389,7 +2390,7 @@
           <p:cNvPr id="3" name="Date Placeholder 2">
             <a:extLst>
               <a:ext uri="{FF2B5EF4-FFF2-40B4-BE49-F238E27FC236}">
-                <a16:creationId xmlns:a16="http://schemas.microsoft.com/office/drawing/2014/main" xmlns="" id="{63C30596-EF95-C943-9C4C-04001C8BADF1}"/>
+                <a16:creationId xmlns:a16="http://schemas.microsoft.com/office/drawing/2014/main" id="{63C30596-EF95-C943-9C4C-04001C8BADF1}"/>
               </a:ext>
             </a:extLst>
           </p:cNvPr>
@@ -2407,7 +2408,7 @@
           <a:p>
             <a:fld id="{53326AB7-C146-8643-AC32-1D896C71A7F3}" type="datetimeFigureOut">
               <a:rPr lang="en-US" smtClean="0"/>
-              <a:t>7/23/18</a:t>
+              <a:t>11/6/18</a:t>
             </a:fld>
             <a:endParaRPr lang="en-US"/>
           </a:p>
@@ -2418,7 +2419,7 @@
           <p:cNvPr id="4" name="Footer Placeholder 3">
             <a:extLst>
               <a:ext uri="{FF2B5EF4-FFF2-40B4-BE49-F238E27FC236}">
-                <a16:creationId xmlns:a16="http://schemas.microsoft.com/office/drawing/2014/main" xmlns="" id="{332BA8BC-065B-2742-86D8-3DAEEF7DC56E}"/>
+                <a16:creationId xmlns:a16="http://schemas.microsoft.com/office/drawing/2014/main" id="{332BA8BC-065B-2742-86D8-3DAEEF7DC56E}"/>
               </a:ext>
             </a:extLst>
           </p:cNvPr>
@@ -2443,7 +2444,7 @@
           <p:cNvPr id="5" name="Slide Number Placeholder 4">
             <a:extLst>
               <a:ext uri="{FF2B5EF4-FFF2-40B4-BE49-F238E27FC236}">
-                <a16:creationId xmlns:a16="http://schemas.microsoft.com/office/drawing/2014/main" xmlns="" id="{5DCD01E8-BA1E-A747-8D70-0629550712AB}"/>
+                <a16:creationId xmlns:a16="http://schemas.microsoft.com/office/drawing/2014/main" id="{5DCD01E8-BA1E-A747-8D70-0629550712AB}"/>
               </a:ext>
             </a:extLst>
           </p:cNvPr>
@@ -2502,7 +2503,7 @@
           <p:cNvPr id="2" name="Date Placeholder 1">
             <a:extLst>
               <a:ext uri="{FF2B5EF4-FFF2-40B4-BE49-F238E27FC236}">
-                <a16:creationId xmlns:a16="http://schemas.microsoft.com/office/drawing/2014/main" xmlns="" id="{8CC8AFC9-2394-FA4D-997A-E88CEA272745}"/>
+                <a16:creationId xmlns:a16="http://schemas.microsoft.com/office/drawing/2014/main" id="{8CC8AFC9-2394-FA4D-997A-E88CEA272745}"/>
               </a:ext>
             </a:extLst>
           </p:cNvPr>
@@ -2520,7 +2521,7 @@
           <a:p>
             <a:fld id="{53326AB7-C146-8643-AC32-1D896C71A7F3}" type="datetimeFigureOut">
               <a:rPr lang="en-US" smtClean="0"/>
-              <a:t>7/23/18</a:t>
+              <a:t>11/6/18</a:t>
             </a:fld>
             <a:endParaRPr lang="en-US"/>
           </a:p>
@@ -2531,7 +2532,7 @@
           <p:cNvPr id="3" name="Footer Placeholder 2">
             <a:extLst>
               <a:ext uri="{FF2B5EF4-FFF2-40B4-BE49-F238E27FC236}">
-                <a16:creationId xmlns:a16="http://schemas.microsoft.com/office/drawing/2014/main" xmlns="" id="{65E573A5-1335-AE42-BF09-1FCBDAAF3B1B}"/>
+                <a16:creationId xmlns:a16="http://schemas.microsoft.com/office/drawing/2014/main" id="{65E573A5-1335-AE42-BF09-1FCBDAAF3B1B}"/>
               </a:ext>
             </a:extLst>
           </p:cNvPr>
@@ -2556,7 +2557,7 @@
           <p:cNvPr id="4" name="Slide Number Placeholder 3">
             <a:extLst>
               <a:ext uri="{FF2B5EF4-FFF2-40B4-BE49-F238E27FC236}">
-                <a16:creationId xmlns:a16="http://schemas.microsoft.com/office/drawing/2014/main" xmlns="" id="{AFA33E51-7F7D-CE46-8B95-7568215B7AE1}"/>
+                <a16:creationId xmlns:a16="http://schemas.microsoft.com/office/drawing/2014/main" id="{AFA33E51-7F7D-CE46-8B95-7568215B7AE1}"/>
               </a:ext>
             </a:extLst>
           </p:cNvPr>
@@ -2615,7 +2616,7 @@
           <p:cNvPr id="2" name="Title 1">
             <a:extLst>
               <a:ext uri="{FF2B5EF4-FFF2-40B4-BE49-F238E27FC236}">
-                <a16:creationId xmlns:a16="http://schemas.microsoft.com/office/drawing/2014/main" xmlns="" id="{202548E5-E07D-1743-B852-D6ECD31088CD}"/>
+                <a16:creationId xmlns:a16="http://schemas.microsoft.com/office/drawing/2014/main" id="{202548E5-E07D-1743-B852-D6ECD31088CD}"/>
               </a:ext>
             </a:extLst>
           </p:cNvPr>
@@ -2652,7 +2653,7 @@
           <p:cNvPr id="3" name="Content Placeholder 2">
             <a:extLst>
               <a:ext uri="{FF2B5EF4-FFF2-40B4-BE49-F238E27FC236}">
-                <a16:creationId xmlns:a16="http://schemas.microsoft.com/office/drawing/2014/main" xmlns="" id="{75EEBEEA-F298-024B-95FB-9C751B77EB4A}"/>
+                <a16:creationId xmlns:a16="http://schemas.microsoft.com/office/drawing/2014/main" id="{75EEBEEA-F298-024B-95FB-9C751B77EB4A}"/>
               </a:ext>
             </a:extLst>
           </p:cNvPr>
@@ -2742,7 +2743,7 @@
           <p:cNvPr id="4" name="Text Placeholder 3">
             <a:extLst>
               <a:ext uri="{FF2B5EF4-FFF2-40B4-BE49-F238E27FC236}">
-                <a16:creationId xmlns:a16="http://schemas.microsoft.com/office/drawing/2014/main" xmlns="" id="{3506EB14-9D0B-2648-B3DB-11824B88BEFB}"/>
+                <a16:creationId xmlns:a16="http://schemas.microsoft.com/office/drawing/2014/main" id="{3506EB14-9D0B-2648-B3DB-11824B88BEFB}"/>
               </a:ext>
             </a:extLst>
           </p:cNvPr>
@@ -2813,7 +2814,7 @@
           <p:cNvPr id="5" name="Date Placeholder 4">
             <a:extLst>
               <a:ext uri="{FF2B5EF4-FFF2-40B4-BE49-F238E27FC236}">
-                <a16:creationId xmlns:a16="http://schemas.microsoft.com/office/drawing/2014/main" xmlns="" id="{32976687-76B2-4140-83AC-8536F4E951D6}"/>
+                <a16:creationId xmlns:a16="http://schemas.microsoft.com/office/drawing/2014/main" id="{32976687-76B2-4140-83AC-8536F4E951D6}"/>
               </a:ext>
             </a:extLst>
           </p:cNvPr>
@@ -2831,7 +2832,7 @@
           <a:p>
             <a:fld id="{53326AB7-C146-8643-AC32-1D896C71A7F3}" type="datetimeFigureOut">
               <a:rPr lang="en-US" smtClean="0"/>
-              <a:t>7/23/18</a:t>
+              <a:t>11/6/18</a:t>
             </a:fld>
             <a:endParaRPr lang="en-US"/>
           </a:p>
@@ -2842,7 +2843,7 @@
           <p:cNvPr id="6" name="Footer Placeholder 5">
             <a:extLst>
               <a:ext uri="{FF2B5EF4-FFF2-40B4-BE49-F238E27FC236}">
-                <a16:creationId xmlns:a16="http://schemas.microsoft.com/office/drawing/2014/main" xmlns="" id="{48A96F32-9D50-C041-B009-75800376ADBA}"/>
+                <a16:creationId xmlns:a16="http://schemas.microsoft.com/office/drawing/2014/main" id="{48A96F32-9D50-C041-B009-75800376ADBA}"/>
               </a:ext>
             </a:extLst>
           </p:cNvPr>
@@ -2867,7 +2868,7 @@
           <p:cNvPr id="7" name="Slide Number Placeholder 6">
             <a:extLst>
               <a:ext uri="{FF2B5EF4-FFF2-40B4-BE49-F238E27FC236}">
-                <a16:creationId xmlns:a16="http://schemas.microsoft.com/office/drawing/2014/main" xmlns="" id="{EF2142CE-848C-BD4E-8A40-32AB7BD028CF}"/>
+                <a16:creationId xmlns:a16="http://schemas.microsoft.com/office/drawing/2014/main" id="{EF2142CE-848C-BD4E-8A40-32AB7BD028CF}"/>
               </a:ext>
             </a:extLst>
           </p:cNvPr>
@@ -2926,7 +2927,7 @@
           <p:cNvPr id="2" name="Title 1">
             <a:extLst>
               <a:ext uri="{FF2B5EF4-FFF2-40B4-BE49-F238E27FC236}">
-                <a16:creationId xmlns:a16="http://schemas.microsoft.com/office/drawing/2014/main" xmlns="" id="{663299C7-4255-864E-8B0F-406D4E839B1D}"/>
+                <a16:creationId xmlns:a16="http://schemas.microsoft.com/office/drawing/2014/main" id="{663299C7-4255-864E-8B0F-406D4E839B1D}"/>
               </a:ext>
             </a:extLst>
           </p:cNvPr>
@@ -2963,7 +2964,7 @@
           <p:cNvPr id="3" name="Picture Placeholder 2">
             <a:extLst>
               <a:ext uri="{FF2B5EF4-FFF2-40B4-BE49-F238E27FC236}">
-                <a16:creationId xmlns:a16="http://schemas.microsoft.com/office/drawing/2014/main" xmlns="" id="{755CA03A-A409-8347-90BF-5F664DFFD557}"/>
+                <a16:creationId xmlns:a16="http://schemas.microsoft.com/office/drawing/2014/main" id="{755CA03A-A409-8347-90BF-5F664DFFD557}"/>
               </a:ext>
             </a:extLst>
           </p:cNvPr>
@@ -3030,7 +3031,7 @@
           <p:cNvPr id="4" name="Text Placeholder 3">
             <a:extLst>
               <a:ext uri="{FF2B5EF4-FFF2-40B4-BE49-F238E27FC236}">
-                <a16:creationId xmlns:a16="http://schemas.microsoft.com/office/drawing/2014/main" xmlns="" id="{5FB50B80-F53D-A846-921D-8A929C4D1910}"/>
+                <a16:creationId xmlns:a16="http://schemas.microsoft.com/office/drawing/2014/main" id="{5FB50B80-F53D-A846-921D-8A929C4D1910}"/>
               </a:ext>
             </a:extLst>
           </p:cNvPr>
@@ -3101,7 +3102,7 @@
           <p:cNvPr id="5" name="Date Placeholder 4">
             <a:extLst>
               <a:ext uri="{FF2B5EF4-FFF2-40B4-BE49-F238E27FC236}">
-                <a16:creationId xmlns:a16="http://schemas.microsoft.com/office/drawing/2014/main" xmlns="" id="{7256D389-B843-E349-8890-DA1714FA9731}"/>
+                <a16:creationId xmlns:a16="http://schemas.microsoft.com/office/drawing/2014/main" id="{7256D389-B843-E349-8890-DA1714FA9731}"/>
               </a:ext>
             </a:extLst>
           </p:cNvPr>
@@ -3119,7 +3120,7 @@
           <a:p>
             <a:fld id="{53326AB7-C146-8643-AC32-1D896C71A7F3}" type="datetimeFigureOut">
               <a:rPr lang="en-US" smtClean="0"/>
-              <a:t>7/23/18</a:t>
+              <a:t>11/6/18</a:t>
             </a:fld>
             <a:endParaRPr lang="en-US"/>
           </a:p>
@@ -3130,7 +3131,7 @@
           <p:cNvPr id="6" name="Footer Placeholder 5">
             <a:extLst>
               <a:ext uri="{FF2B5EF4-FFF2-40B4-BE49-F238E27FC236}">
-                <a16:creationId xmlns:a16="http://schemas.microsoft.com/office/drawing/2014/main" xmlns="" id="{3F7AB3BD-8BDF-0E40-A12B-116E42619796}"/>
+                <a16:creationId xmlns:a16="http://schemas.microsoft.com/office/drawing/2014/main" id="{3F7AB3BD-8BDF-0E40-A12B-116E42619796}"/>
               </a:ext>
             </a:extLst>
           </p:cNvPr>
@@ -3155,7 +3156,7 @@
           <p:cNvPr id="7" name="Slide Number Placeholder 6">
             <a:extLst>
               <a:ext uri="{FF2B5EF4-FFF2-40B4-BE49-F238E27FC236}">
-                <a16:creationId xmlns:a16="http://schemas.microsoft.com/office/drawing/2014/main" xmlns="" id="{43131EEB-3496-6746-BF21-5BF059F85A04}"/>
+                <a16:creationId xmlns:a16="http://schemas.microsoft.com/office/drawing/2014/main" id="{43131EEB-3496-6746-BF21-5BF059F85A04}"/>
               </a:ext>
             </a:extLst>
           </p:cNvPr>
@@ -3219,7 +3220,7 @@
           <p:cNvPr id="2" name="Title Placeholder 1">
             <a:extLst>
               <a:ext uri="{FF2B5EF4-FFF2-40B4-BE49-F238E27FC236}">
-                <a16:creationId xmlns:a16="http://schemas.microsoft.com/office/drawing/2014/main" xmlns="" id="{8D6B2A93-86B7-724F-A8E8-70A991C762E5}"/>
+                <a16:creationId xmlns:a16="http://schemas.microsoft.com/office/drawing/2014/main" id="{8D6B2A93-86B7-724F-A8E8-70A991C762E5}"/>
               </a:ext>
             </a:extLst>
           </p:cNvPr>
@@ -3257,7 +3258,7 @@
           <p:cNvPr id="3" name="Text Placeholder 2">
             <a:extLst>
               <a:ext uri="{FF2B5EF4-FFF2-40B4-BE49-F238E27FC236}">
-                <a16:creationId xmlns:a16="http://schemas.microsoft.com/office/drawing/2014/main" xmlns="" id="{C63B9F64-2C6A-CE48-AB9D-FB7CE414B3B8}"/>
+                <a16:creationId xmlns:a16="http://schemas.microsoft.com/office/drawing/2014/main" id="{C63B9F64-2C6A-CE48-AB9D-FB7CE414B3B8}"/>
               </a:ext>
             </a:extLst>
           </p:cNvPr>
@@ -3324,7 +3325,7 @@
           <p:cNvPr id="4" name="Date Placeholder 3">
             <a:extLst>
               <a:ext uri="{FF2B5EF4-FFF2-40B4-BE49-F238E27FC236}">
-                <a16:creationId xmlns:a16="http://schemas.microsoft.com/office/drawing/2014/main" xmlns="" id="{2AEB4216-D3B6-004E-8D9D-33472814619C}"/>
+                <a16:creationId xmlns:a16="http://schemas.microsoft.com/office/drawing/2014/main" id="{2AEB4216-D3B6-004E-8D9D-33472814619C}"/>
               </a:ext>
             </a:extLst>
           </p:cNvPr>
@@ -3360,7 +3361,7 @@
           <a:p>
             <a:fld id="{53326AB7-C146-8643-AC32-1D896C71A7F3}" type="datetimeFigureOut">
               <a:rPr lang="en-US" smtClean="0"/>
-              <a:t>7/23/18</a:t>
+              <a:t>11/6/18</a:t>
             </a:fld>
             <a:endParaRPr lang="en-US"/>
           </a:p>
@@ -3371,7 +3372,7 @@
           <p:cNvPr id="5" name="Footer Placeholder 4">
             <a:extLst>
               <a:ext uri="{FF2B5EF4-FFF2-40B4-BE49-F238E27FC236}">
-                <a16:creationId xmlns:a16="http://schemas.microsoft.com/office/drawing/2014/main" xmlns="" id="{6B9742FF-E815-B64D-B6D5-E2973185BE84}"/>
+                <a16:creationId xmlns:a16="http://schemas.microsoft.com/office/drawing/2014/main" id="{6B9742FF-E815-B64D-B6D5-E2973185BE84}"/>
               </a:ext>
             </a:extLst>
           </p:cNvPr>
@@ -3414,7 +3415,7 @@
           <p:cNvPr id="6" name="Slide Number Placeholder 5">
             <a:extLst>
               <a:ext uri="{FF2B5EF4-FFF2-40B4-BE49-F238E27FC236}">
-                <a16:creationId xmlns:a16="http://schemas.microsoft.com/office/drawing/2014/main" xmlns="" id="{1104E5B1-99C5-FF4A-8E8B-D292DC7708C2}"/>
+                <a16:creationId xmlns:a16="http://schemas.microsoft.com/office/drawing/2014/main" id="{1104E5B1-99C5-FF4A-8E8B-D292DC7708C2}"/>
               </a:ext>
             </a:extLst>
           </p:cNvPr>
@@ -3763,6 +3764,14 @@
 <file path=ppt/slides/slide1.xml><?xml version="1.0" encoding="utf-8"?>
 <p:sld xmlns:a="http://schemas.openxmlformats.org/drawingml/2006/main" xmlns:r="http://schemas.openxmlformats.org/officeDocument/2006/relationships" xmlns:p="http://schemas.openxmlformats.org/presentationml/2006/main">
   <p:cSld>
+    <p:bg>
+      <p:bgPr>
+        <a:solidFill>
+          <a:schemeClr val="bg1"/>
+        </a:solidFill>
+        <a:effectLst/>
+      </p:bgPr>
+    </p:bg>
     <p:spTree>
       <p:nvGrpSpPr>
         <p:cNvPr id="1" name=""/>
@@ -3777,12 +3786,107 @@
           <a:chExt cx="0" cy="0"/>
         </a:xfrm>
       </p:grpSpPr>
+      <p:pic>
+        <p:nvPicPr>
+          <p:cNvPr id="4" name="Picture 3">
+            <a:extLst>
+              <a:ext uri="{FF2B5EF4-FFF2-40B4-BE49-F238E27FC236}">
+                <a16:creationId xmlns:a16="http://schemas.microsoft.com/office/drawing/2014/main" id="{E876737E-4544-8741-A495-C860C1B45794}"/>
+              </a:ext>
+            </a:extLst>
+          </p:cNvPr>
+          <p:cNvPicPr>
+            <a:picLocks noChangeAspect="1"/>
+          </p:cNvPicPr>
+          <p:nvPr/>
+        </p:nvPicPr>
+        <p:blipFill rotWithShape="1">
+          <a:blip r:embed="rId3"/>
+          <a:srcRect r="3747"/>
+          <a:stretch/>
+        </p:blipFill>
+        <p:spPr>
+          <a:xfrm>
+            <a:off x="20" y="10"/>
+            <a:ext cx="4637226" cy="6857990"/>
+          </a:xfrm>
+          <a:prstGeom prst="rect">
+            <a:avLst/>
+          </a:prstGeom>
+        </p:spPr>
+      </p:pic>
+      <p:sp>
+        <p:nvSpPr>
+          <p:cNvPr id="9" name="Rectangle 8">
+            <a:extLst>
+              <a:ext uri="{FF2B5EF4-FFF2-40B4-BE49-F238E27FC236}">
+                <a16:creationId xmlns:a16="http://schemas.microsoft.com/office/drawing/2014/main" id="{B9951BD9-0868-4CDB-ACD6-9C4209B5E412}"/>
+              </a:ext>
+              <a:ext uri="{C183D7F6-B498-43B3-948B-1728B52AA6E4}">
+                <adec:decorative xmlns:adec="http://schemas.microsoft.com/office/drawing/2017/decorative" val="1"/>
+              </a:ext>
+            </a:extLst>
+          </p:cNvPr>
+          <p:cNvSpPr>
+            <a:spLocks noGrp="1" noRot="1" noChangeAspect="1" noMove="1" noResize="1" noEditPoints="1" noAdjustHandles="1" noChangeArrowheads="1" noChangeShapeType="1" noTextEdit="1"/>
+          </p:cNvSpPr>
+          <p:nvPr>
+            <p:extLst>
+              <p:ext uri="{386F3935-93C4-4BCD-93E2-E3B085C9AB24}">
+                <p16:designElem xmlns:p16="http://schemas.microsoft.com/office/powerpoint/2015/main" val="1"/>
+              </p:ext>
+            </p:extLst>
+          </p:nvPr>
+        </p:nvSpPr>
+        <p:spPr bwMode="white">
+          <a:xfrm>
+            <a:off x="4637247" y="0"/>
+            <a:ext cx="7554754" cy="6858000"/>
+          </a:xfrm>
+          <a:prstGeom prst="rect">
+            <a:avLst/>
+          </a:prstGeom>
+          <a:solidFill>
+            <a:schemeClr val="tx1">
+              <a:lumMod val="85000"/>
+              <a:lumOff val="15000"/>
+            </a:schemeClr>
+          </a:solidFill>
+          <a:ln>
+            <a:noFill/>
+          </a:ln>
+        </p:spPr>
+        <p:style>
+          <a:lnRef idx="2">
+            <a:schemeClr val="accent1">
+              <a:shade val="50000"/>
+            </a:schemeClr>
+          </a:lnRef>
+          <a:fillRef idx="1">
+            <a:schemeClr val="accent1"/>
+          </a:fillRef>
+          <a:effectRef idx="0">
+            <a:schemeClr val="accent1"/>
+          </a:effectRef>
+          <a:fontRef idx="minor">
+            <a:schemeClr val="lt1"/>
+          </a:fontRef>
+        </p:style>
+        <p:txBody>
+          <a:bodyPr rtlCol="0" anchor="ctr"/>
+          <a:lstStyle/>
+          <a:p>
+            <a:pPr algn="ctr"/>
+            <a:endParaRPr lang="en-US"/>
+          </a:p>
+        </p:txBody>
+      </p:sp>
       <p:sp>
         <p:nvSpPr>
           <p:cNvPr id="2" name="Title 1">
             <a:extLst>
               <a:ext uri="{FF2B5EF4-FFF2-40B4-BE49-F238E27FC236}">
-                <a16:creationId xmlns:a16="http://schemas.microsoft.com/office/drawing/2014/main" xmlns="" id="{4FC54A01-461C-1045-AC9B-35DD625CB021}"/>
+                <a16:creationId xmlns:a16="http://schemas.microsoft.com/office/drawing/2014/main" id="{4FC54A01-461C-1045-AC9B-35DD625CB021}"/>
               </a:ext>
             </a:extLst>
           </p:cNvPr>
@@ -3793,20 +3897,27 @@
             <p:ph type="ctrTitle"/>
           </p:nvPr>
         </p:nvSpPr>
-        <p:spPr/>
-        <p:txBody>
-          <a:bodyPr/>
-          <a:lstStyle/>
-          <a:p>
-            <a:r>
-              <a:rPr lang="en-US" dirty="0"/>
-              <a:t>Chapter </a:t>
-            </a:r>
-            <a:r>
-              <a:rPr lang="en-US" dirty="0" smtClean="0"/>
-              <a:t>9</a:t>
-            </a:r>
-            <a:endParaRPr lang="en-US" dirty="0"/>
+        <p:spPr>
+          <a:xfrm>
+            <a:off x="5277328" y="640082"/>
+            <a:ext cx="6274591" cy="3351602"/>
+          </a:xfrm>
+        </p:spPr>
+        <p:txBody>
+          <a:bodyPr>
+            <a:normAutofit/>
+          </a:bodyPr>
+          <a:lstStyle/>
+          <a:p>
+            <a:pPr algn="l"/>
+            <a:r>
+              <a:rPr lang="en-US">
+                <a:solidFill>
+                  <a:schemeClr val="bg1"/>
+                </a:solidFill>
+              </a:rPr>
+              <a:t>Chapter 9</a:t>
+            </a:r>
           </a:p>
         </p:txBody>
       </p:sp>
@@ -3815,7 +3926,7 @@
           <p:cNvPr id="3" name="Subtitle 2">
             <a:extLst>
               <a:ext uri="{FF2B5EF4-FFF2-40B4-BE49-F238E27FC236}">
-                <a16:creationId xmlns:a16="http://schemas.microsoft.com/office/drawing/2014/main" xmlns="" id="{1F6A411C-5F1C-D542-A211-0F0D7F10FA53}"/>
+                <a16:creationId xmlns:a16="http://schemas.microsoft.com/office/drawing/2014/main" id="{1F6A411C-5F1C-D542-A211-0F0D7F10FA53}"/>
               </a:ext>
             </a:extLst>
           </p:cNvPr>
@@ -3826,16 +3937,27 @@
             <p:ph type="subTitle" idx="1"/>
           </p:nvPr>
         </p:nvSpPr>
-        <p:spPr/>
-        <p:txBody>
-          <a:bodyPr/>
-          <a:lstStyle/>
-          <a:p>
-            <a:r>
-              <a:rPr lang="en-US" dirty="0" smtClean="0"/>
+        <p:spPr>
+          <a:xfrm>
+            <a:off x="5277327" y="4156276"/>
+            <a:ext cx="6274592" cy="2061645"/>
+          </a:xfrm>
+        </p:spPr>
+        <p:txBody>
+          <a:bodyPr>
+            <a:normAutofit/>
+          </a:bodyPr>
+          <a:lstStyle/>
+          <a:p>
+            <a:pPr algn="l"/>
+            <a:r>
+              <a:rPr lang="en-US">
+                <a:solidFill>
+                  <a:schemeClr val="bg1"/>
+                </a:solidFill>
+              </a:rPr>
               <a:t>Spatial Statistics</a:t>
             </a:r>
-            <a:endParaRPr lang="en-US" dirty="0"/>
           </a:p>
         </p:txBody>
       </p:sp>
@@ -3874,7 +3996,7 @@
           <p:cNvPr id="2" name="Title 1">
             <a:extLst>
               <a:ext uri="{FF2B5EF4-FFF2-40B4-BE49-F238E27FC236}">
-                <a16:creationId xmlns:a16="http://schemas.microsoft.com/office/drawing/2014/main" xmlns="" id="{4B2C1829-4EA1-1244-8508-CE1A389E5469}"/>
+                <a16:creationId xmlns:a16="http://schemas.microsoft.com/office/drawing/2014/main" id="{07A38DDA-2150-1147-B1F2-04571D79B50E}"/>
               </a:ext>
             </a:extLst>
           </p:cNvPr>
@@ -3890,7 +4012,10 @@
           <a:bodyPr/>
           <a:lstStyle/>
           <a:p>
-            <a:endParaRPr lang="en-US"/>
+            <a:r>
+              <a:rPr lang="en-US" dirty="0"/>
+              <a:t>Learning Objectives</a:t>
+            </a:r>
           </a:p>
         </p:txBody>
       </p:sp>
@@ -3899,7 +4024,7 @@
           <p:cNvPr id="3" name="Content Placeholder 2">
             <a:extLst>
               <a:ext uri="{FF2B5EF4-FFF2-40B4-BE49-F238E27FC236}">
-                <a16:creationId xmlns:a16="http://schemas.microsoft.com/office/drawing/2014/main" xmlns="" id="{F10B2661-613E-4D49-8D8F-08C27398FC24}"/>
+                <a16:creationId xmlns:a16="http://schemas.microsoft.com/office/drawing/2014/main" id="{ADCCC874-872D-FA48-A5E3-8BFAA487818D}"/>
               </a:ext>
             </a:extLst>
           </p:cNvPr>
@@ -3922,7 +4047,90 @@
     </p:spTree>
     <p:extLst>
       <p:ext uri="{BB962C8B-B14F-4D97-AF65-F5344CB8AC3E}">
-        <p14:creationId xmlns:p14="http://schemas.microsoft.com/office/powerpoint/2010/main" val="1266398697"/>
+        <p14:creationId xmlns:p14="http://schemas.microsoft.com/office/powerpoint/2010/main" val="19868624"/>
+      </p:ext>
+    </p:extLst>
+  </p:cSld>
+  <p:clrMapOvr>
+    <a:masterClrMapping/>
+  </p:clrMapOvr>
+</p:sld>
+</file>
+
+<file path=ppt/slides/slide3.xml><?xml version="1.0" encoding="utf-8"?>
+<p:sld xmlns:a="http://schemas.openxmlformats.org/drawingml/2006/main" xmlns:r="http://schemas.openxmlformats.org/officeDocument/2006/relationships" xmlns:p="http://schemas.openxmlformats.org/presentationml/2006/main">
+  <p:cSld>
+    <p:spTree>
+      <p:nvGrpSpPr>
+        <p:cNvPr id="1" name=""/>
+        <p:cNvGrpSpPr/>
+        <p:nvPr/>
+      </p:nvGrpSpPr>
+      <p:grpSpPr>
+        <a:xfrm>
+          <a:off x="0" y="0"/>
+          <a:ext cx="0" cy="0"/>
+          <a:chOff x="0" y="0"/>
+          <a:chExt cx="0" cy="0"/>
+        </a:xfrm>
+      </p:grpSpPr>
+      <p:sp>
+        <p:nvSpPr>
+          <p:cNvPr id="2" name="Title 1">
+            <a:extLst>
+              <a:ext uri="{FF2B5EF4-FFF2-40B4-BE49-F238E27FC236}">
+                <a16:creationId xmlns:a16="http://schemas.microsoft.com/office/drawing/2014/main" id="{5F2C578F-1A2D-8044-826D-BBA63371DC46}"/>
+              </a:ext>
+            </a:extLst>
+          </p:cNvPr>
+          <p:cNvSpPr>
+            <a:spLocks noGrp="1"/>
+          </p:cNvSpPr>
+          <p:nvPr>
+            <p:ph type="title"/>
+          </p:nvPr>
+        </p:nvSpPr>
+        <p:spPr/>
+        <p:txBody>
+          <a:bodyPr/>
+          <a:lstStyle/>
+          <a:p>
+            <a:r>
+              <a:rPr lang="en-US" dirty="0"/>
+              <a:t>Introduction</a:t>
+            </a:r>
+          </a:p>
+        </p:txBody>
+      </p:sp>
+      <p:sp>
+        <p:nvSpPr>
+          <p:cNvPr id="3" name="Content Placeholder 2">
+            <a:extLst>
+              <a:ext uri="{FF2B5EF4-FFF2-40B4-BE49-F238E27FC236}">
+                <a16:creationId xmlns:a16="http://schemas.microsoft.com/office/drawing/2014/main" id="{50F900AC-8ACD-6646-9D46-F69F5E911AD1}"/>
+              </a:ext>
+            </a:extLst>
+          </p:cNvPr>
+          <p:cNvSpPr>
+            <a:spLocks noGrp="1"/>
+          </p:cNvSpPr>
+          <p:nvPr>
+            <p:ph idx="1"/>
+          </p:nvPr>
+        </p:nvSpPr>
+        <p:spPr/>
+        <p:txBody>
+          <a:bodyPr/>
+          <a:lstStyle/>
+          <a:p>
+            <a:endParaRPr lang="en-US"/>
+          </a:p>
+        </p:txBody>
+      </p:sp>
+    </p:spTree>
+    <p:extLst>
+      <p:ext uri="{BB962C8B-B14F-4D97-AF65-F5344CB8AC3E}">
+        <p14:creationId xmlns:p14="http://schemas.microsoft.com/office/powerpoint/2010/main" val="1191348470"/>
       </p:ext>
     </p:extLst>
   </p:cSld>

--- a/Chapter09-SpatialStatistics/Chapter9.pptx
+++ b/Chapter09-SpatialStatistics/Chapter9.pptx
@@ -5,12 +5,16 @@
     <p:sldMasterId id="2147483648" r:id="rId1"/>
   </p:sldMasterIdLst>
   <p:notesMasterIdLst>
-    <p:notesMasterId r:id="rId5"/>
+    <p:notesMasterId r:id="rId9"/>
   </p:notesMasterIdLst>
   <p:sldIdLst>
     <p:sldId id="256" r:id="rId2"/>
     <p:sldId id="277" r:id="rId3"/>
     <p:sldId id="271" r:id="rId4"/>
+    <p:sldId id="279" r:id="rId5"/>
+    <p:sldId id="282" r:id="rId6"/>
+    <p:sldId id="280" r:id="rId7"/>
+    <p:sldId id="281" r:id="rId8"/>
   </p:sldIdLst>
   <p:sldSz cx="12192000" cy="6858000"/>
   <p:notesSz cx="6858000" cy="9144000"/>
@@ -199,7 +203,7 @@
           <a:p>
             <a:fld id="{277BE31A-CF47-1542-834B-3F84EFC65F53}" type="datetimeFigureOut">
               <a:rPr lang="en-US" smtClean="0"/>
-              <a:t>11/6/18</a:t>
+              <a:t>11/27/18</a:t>
             </a:fld>
             <a:endParaRPr lang="en-US"/>
           </a:p>
@@ -511,20 +515,18 @@
           <a:lstStyle/>
           <a:p>
             <a:r>
-              <a:rPr lang="en-US" dirty="0"/>
-              <a:t>In this Chapter we introduce the key concepts behind agent-based modelling.  What is an agent, and what are rules?  These are discussed along with a consideration of the main advantages and disadvantages for simulating spatial systems.  A range of established applications are presented to give a </a:t>
-            </a:r>
-            <a:r>
-              <a:rPr lang="en-US" dirty="0" err="1"/>
-              <a:t>flavour</a:t>
-            </a:r>
-            <a:r>
-              <a:rPr lang="en-US" dirty="0"/>
-              <a:t> of how agent-based models can be successfully applied.  The overarching aim of this chapter is to give the reader an understanding of what an agent-based model is.  This knowledge will be built upon in subsequent chapters. </a:t>
-            </a:r>
-          </a:p>
-          <a:p>
-            <a:endParaRPr lang="en-US" dirty="0"/>
+              <a:rPr lang="en-GB" sz="1200" kern="1200" dirty="0">
+                <a:solidFill>
+                  <a:schemeClr val="tx1"/>
+                </a:solidFill>
+                <a:effectLst/>
+                <a:latin typeface="+mn-lt"/>
+                <a:ea typeface="+mn-ea"/>
+                <a:cs typeface="+mn-cs"/>
+              </a:rPr>
+              <a:t>This chapter presents a range of statistics and algorithms that can be used to compare two spatial data sets. These are important for modelling because, at some point, it will be necessary to compare a model outcome to some real-world data in order to assess the reliability of the model. This chapter examines the statistics themselves, before Chapter 10 elaborates on how to evaluate the success of a model more broadly, part of which includes making use of the methods discussed here. </a:t>
+            </a:r>
+            <a:endParaRPr lang="en-GB" dirty="0"/>
           </a:p>
         </p:txBody>
       </p:sp>
@@ -711,7 +713,7 @@
           <a:p>
             <a:fld id="{53326AB7-C146-8643-AC32-1D896C71A7F3}" type="datetimeFigureOut">
               <a:rPr lang="en-US" smtClean="0"/>
-              <a:t>11/6/18</a:t>
+              <a:t>11/27/18</a:t>
             </a:fld>
             <a:endParaRPr lang="en-US"/>
           </a:p>
@@ -909,7 +911,7 @@
           <a:p>
             <a:fld id="{53326AB7-C146-8643-AC32-1D896C71A7F3}" type="datetimeFigureOut">
               <a:rPr lang="en-US" smtClean="0"/>
-              <a:t>11/6/18</a:t>
+              <a:t>11/27/18</a:t>
             </a:fld>
             <a:endParaRPr lang="en-US"/>
           </a:p>
@@ -1117,7 +1119,7 @@
           <a:p>
             <a:fld id="{53326AB7-C146-8643-AC32-1D896C71A7F3}" type="datetimeFigureOut">
               <a:rPr lang="en-US" smtClean="0"/>
-              <a:t>11/6/18</a:t>
+              <a:t>11/27/18</a:t>
             </a:fld>
             <a:endParaRPr lang="en-US"/>
           </a:p>
@@ -1315,7 +1317,7 @@
           <a:p>
             <a:fld id="{53326AB7-C146-8643-AC32-1D896C71A7F3}" type="datetimeFigureOut">
               <a:rPr lang="en-US" smtClean="0"/>
-              <a:t>11/6/18</a:t>
+              <a:t>11/27/18</a:t>
             </a:fld>
             <a:endParaRPr lang="en-US"/>
           </a:p>
@@ -1590,7 +1592,7 @@
           <a:p>
             <a:fld id="{53326AB7-C146-8643-AC32-1D896C71A7F3}" type="datetimeFigureOut">
               <a:rPr lang="en-US" smtClean="0"/>
-              <a:t>11/6/18</a:t>
+              <a:t>11/27/18</a:t>
             </a:fld>
             <a:endParaRPr lang="en-US"/>
           </a:p>
@@ -1855,7 +1857,7 @@
           <a:p>
             <a:fld id="{53326AB7-C146-8643-AC32-1D896C71A7F3}" type="datetimeFigureOut">
               <a:rPr lang="en-US" smtClean="0"/>
-              <a:t>11/6/18</a:t>
+              <a:t>11/27/18</a:t>
             </a:fld>
             <a:endParaRPr lang="en-US"/>
           </a:p>
@@ -2267,7 +2269,7 @@
           <a:p>
             <a:fld id="{53326AB7-C146-8643-AC32-1D896C71A7F3}" type="datetimeFigureOut">
               <a:rPr lang="en-US" smtClean="0"/>
-              <a:t>11/6/18</a:t>
+              <a:t>11/27/18</a:t>
             </a:fld>
             <a:endParaRPr lang="en-US"/>
           </a:p>
@@ -2408,7 +2410,7 @@
           <a:p>
             <a:fld id="{53326AB7-C146-8643-AC32-1D896C71A7F3}" type="datetimeFigureOut">
               <a:rPr lang="en-US" smtClean="0"/>
-              <a:t>11/6/18</a:t>
+              <a:t>11/27/18</a:t>
             </a:fld>
             <a:endParaRPr lang="en-US"/>
           </a:p>
@@ -2521,7 +2523,7 @@
           <a:p>
             <a:fld id="{53326AB7-C146-8643-AC32-1D896C71A7F3}" type="datetimeFigureOut">
               <a:rPr lang="en-US" smtClean="0"/>
-              <a:t>11/6/18</a:t>
+              <a:t>11/27/18</a:t>
             </a:fld>
             <a:endParaRPr lang="en-US"/>
           </a:p>
@@ -2832,7 +2834,7 @@
           <a:p>
             <a:fld id="{53326AB7-C146-8643-AC32-1D896C71A7F3}" type="datetimeFigureOut">
               <a:rPr lang="en-US" smtClean="0"/>
-              <a:t>11/6/18</a:t>
+              <a:t>11/27/18</a:t>
             </a:fld>
             <a:endParaRPr lang="en-US"/>
           </a:p>
@@ -3120,7 +3122,7 @@
           <a:p>
             <a:fld id="{53326AB7-C146-8643-AC32-1D896C71A7F3}" type="datetimeFigureOut">
               <a:rPr lang="en-US" smtClean="0"/>
-              <a:t>11/6/18</a:t>
+              <a:t>11/27/18</a:t>
             </a:fld>
             <a:endParaRPr lang="en-US"/>
           </a:p>
@@ -3361,7 +3363,7 @@
           <a:p>
             <a:fld id="{53326AB7-C146-8643-AC32-1D896C71A7F3}" type="datetimeFigureOut">
               <a:rPr lang="en-US" smtClean="0"/>
-              <a:t>11/6/18</a:t>
+              <a:t>11/27/18</a:t>
             </a:fld>
             <a:endParaRPr lang="en-US"/>
           </a:p>
@@ -4040,7 +4042,40 @@
           <a:bodyPr/>
           <a:lstStyle/>
           <a:p>
-            <a:endParaRPr lang="en-US"/>
+            <a:pPr marL="0" indent="0">
+              <a:buNone/>
+            </a:pPr>
+            <a:r>
+              <a:rPr lang="en-US" dirty="0"/>
+              <a:t>By the end of this chapter, students will be able to:</a:t>
+            </a:r>
+          </a:p>
+          <a:p>
+            <a:r>
+              <a:rPr lang="en-US" dirty="0"/>
+              <a:t>Identify some commonly-used statistics that can be used to quantify the difference between spatial data sets.</a:t>
+            </a:r>
+          </a:p>
+          <a:p>
+            <a:r>
+              <a:rPr lang="en-US" dirty="0"/>
+              <a:t>Explain which are the most appropriate statistics for use in comparing aggregate data and point data.</a:t>
+            </a:r>
+          </a:p>
+          <a:p>
+            <a:r>
+              <a:rPr lang="en-US" dirty="0"/>
+              <a:t>Explain four different ways of identifying the differences in spatial data sets: visual comparison; descriptions of point patterns; global difference; local difference.</a:t>
+            </a:r>
+          </a:p>
+          <a:p>
+            <a:r>
+              <a:rPr lang="en-US" dirty="0"/>
+              <a:t>Calculate the value of these statistics.</a:t>
+            </a:r>
+          </a:p>
+          <a:p>
+            <a:endParaRPr lang="en-US" dirty="0"/>
           </a:p>
         </p:txBody>
       </p:sp>
@@ -4115,22 +4150,422 @@
             <a:spLocks noGrp="1"/>
           </p:cNvSpPr>
           <p:nvPr>
-            <p:ph idx="1"/>
-          </p:nvPr>
-        </p:nvSpPr>
-        <p:spPr/>
-        <p:txBody>
-          <a:bodyPr/>
-          <a:lstStyle/>
-          <a:p>
-            <a:endParaRPr lang="en-US"/>
-          </a:p>
-        </p:txBody>
-      </p:sp>
+            <p:ph sz="half" idx="1"/>
+          </p:nvPr>
+        </p:nvSpPr>
+        <p:spPr/>
+        <p:txBody>
+          <a:bodyPr/>
+          <a:lstStyle/>
+          <a:p>
+            <a:r>
+              <a:rPr lang="en-US" dirty="0"/>
+              <a:t>We often need to compare two spatial data sets:</a:t>
+            </a:r>
+          </a:p>
+          <a:p>
+            <a:pPr lvl="1"/>
+            <a:r>
+              <a:rPr lang="en-US" dirty="0"/>
+              <a:t>For example: Model results against real-world data</a:t>
+            </a:r>
+          </a:p>
+          <a:p>
+            <a:r>
+              <a:rPr lang="en-US" dirty="0"/>
+              <a:t>There are many ways to do this</a:t>
+            </a:r>
+          </a:p>
+          <a:p>
+            <a:r>
+              <a:rPr lang="en-US" dirty="0"/>
+              <a:t>Choosing the most appropriate method is vital</a:t>
+            </a:r>
+          </a:p>
+          <a:p>
+            <a:r>
+              <a:rPr lang="en-US" dirty="0"/>
+              <a:t>This lecture will introduce and compare a number of different ‘goodness of fit’ statistics.</a:t>
+            </a:r>
+          </a:p>
+        </p:txBody>
+      </p:sp>
+      <p:pic>
+        <p:nvPicPr>
+          <p:cNvPr id="6" name="Content Placeholder 5">
+            <a:extLst>
+              <a:ext uri="{FF2B5EF4-FFF2-40B4-BE49-F238E27FC236}">
+                <a16:creationId xmlns:a16="http://schemas.microsoft.com/office/drawing/2014/main" id="{D92999AB-42CA-F147-904F-1F6701F157DF}"/>
+              </a:ext>
+            </a:extLst>
+          </p:cNvPr>
+          <p:cNvPicPr>
+            <a:picLocks noGrp="1" noChangeAspect="1"/>
+          </p:cNvPicPr>
+          <p:nvPr>
+            <p:ph sz="half" idx="2"/>
+          </p:nvPr>
+        </p:nvPicPr>
+        <p:blipFill>
+          <a:blip r:embed="rId2"/>
+          <a:stretch>
+            <a:fillRect/>
+          </a:stretch>
+        </p:blipFill>
+        <p:spPr>
+          <a:xfrm>
+            <a:off x="6596743" y="365124"/>
+            <a:ext cx="4757057" cy="5973979"/>
+          </a:xfrm>
+        </p:spPr>
+      </p:pic>
     </p:spTree>
     <p:extLst>
       <p:ext uri="{BB962C8B-B14F-4D97-AF65-F5344CB8AC3E}">
         <p14:creationId xmlns:p14="http://schemas.microsoft.com/office/powerpoint/2010/main" val="1191348470"/>
+      </p:ext>
+    </p:extLst>
+  </p:cSld>
+  <p:clrMapOvr>
+    <a:masterClrMapping/>
+  </p:clrMapOvr>
+</p:sld>
+</file>
+
+<file path=ppt/slides/slide4.xml><?xml version="1.0" encoding="utf-8"?>
+<p:sld xmlns:a="http://schemas.openxmlformats.org/drawingml/2006/main" xmlns:r="http://schemas.openxmlformats.org/officeDocument/2006/relationships" xmlns:p="http://schemas.openxmlformats.org/presentationml/2006/main">
+  <p:cSld>
+    <p:spTree>
+      <p:nvGrpSpPr>
+        <p:cNvPr id="1" name=""/>
+        <p:cNvGrpSpPr/>
+        <p:nvPr/>
+      </p:nvGrpSpPr>
+      <p:grpSpPr>
+        <a:xfrm>
+          <a:off x="0" y="0"/>
+          <a:ext cx="0" cy="0"/>
+          <a:chOff x="0" y="0"/>
+          <a:chExt cx="0" cy="0"/>
+        </a:xfrm>
+      </p:grpSpPr>
+      <p:sp>
+        <p:nvSpPr>
+          <p:cNvPr id="2" name="Title 1">
+            <a:extLst>
+              <a:ext uri="{FF2B5EF4-FFF2-40B4-BE49-F238E27FC236}">
+                <a16:creationId xmlns:a16="http://schemas.microsoft.com/office/drawing/2014/main" id="{11B58DB4-C916-7B49-9A6D-9F6845C14BB2}"/>
+              </a:ext>
+            </a:extLst>
+          </p:cNvPr>
+          <p:cNvSpPr>
+            <a:spLocks noGrp="1"/>
+          </p:cNvSpPr>
+          <p:nvPr>
+            <p:ph type="title"/>
+          </p:nvPr>
+        </p:nvSpPr>
+        <p:spPr/>
+        <p:txBody>
+          <a:bodyPr/>
+          <a:lstStyle/>
+          <a:p>
+            <a:r>
+              <a:rPr lang="en-US" dirty="0"/>
+              <a:t>Overview</a:t>
+            </a:r>
+          </a:p>
+        </p:txBody>
+      </p:sp>
+      <p:sp>
+        <p:nvSpPr>
+          <p:cNvPr id="3" name="Content Placeholder 2">
+            <a:extLst>
+              <a:ext uri="{FF2B5EF4-FFF2-40B4-BE49-F238E27FC236}">
+                <a16:creationId xmlns:a16="http://schemas.microsoft.com/office/drawing/2014/main" id="{128AEB6D-95B4-1B4E-B689-57D1F84B35BC}"/>
+              </a:ext>
+            </a:extLst>
+          </p:cNvPr>
+          <p:cNvSpPr>
+            <a:spLocks noGrp="1"/>
+          </p:cNvSpPr>
+          <p:nvPr>
+            <p:ph idx="1"/>
+          </p:nvPr>
+        </p:nvSpPr>
+        <p:spPr/>
+        <p:txBody>
+          <a:bodyPr/>
+          <a:lstStyle/>
+          <a:p>
+            <a:r>
+              <a:rPr lang="en-US" dirty="0"/>
+              <a:t>XXXX</a:t>
+            </a:r>
+            <a:endParaRPr lang="en-US" dirty="0">
+              <a:solidFill>
+                <a:schemeClr val="bg1">
+                  <a:lumMod val="50000"/>
+                </a:schemeClr>
+              </a:solidFill>
+            </a:endParaRPr>
+          </a:p>
+        </p:txBody>
+      </p:sp>
+    </p:spTree>
+    <p:extLst>
+      <p:ext uri="{BB962C8B-B14F-4D97-AF65-F5344CB8AC3E}">
+        <p14:creationId xmlns:p14="http://schemas.microsoft.com/office/powerpoint/2010/main" val="206214586"/>
+      </p:ext>
+    </p:extLst>
+  </p:cSld>
+  <p:clrMapOvr>
+    <a:masterClrMapping/>
+  </p:clrMapOvr>
+</p:sld>
+</file>
+
+<file path=ppt/slides/slide5.xml><?xml version="1.0" encoding="utf-8"?>
+<p:sld xmlns:a="http://schemas.openxmlformats.org/drawingml/2006/main" xmlns:r="http://schemas.openxmlformats.org/officeDocument/2006/relationships" xmlns:p="http://schemas.openxmlformats.org/presentationml/2006/main">
+  <p:cSld>
+    <p:spTree>
+      <p:nvGrpSpPr>
+        <p:cNvPr id="1" name=""/>
+        <p:cNvGrpSpPr/>
+        <p:nvPr/>
+      </p:nvGrpSpPr>
+      <p:grpSpPr>
+        <a:xfrm>
+          <a:off x="0" y="0"/>
+          <a:ext cx="0" cy="0"/>
+          <a:chOff x="0" y="0"/>
+          <a:chExt cx="0" cy="0"/>
+        </a:xfrm>
+      </p:grpSpPr>
+      <p:sp>
+        <p:nvSpPr>
+          <p:cNvPr id="2" name="Title 1">
+            <a:extLst>
+              <a:ext uri="{FF2B5EF4-FFF2-40B4-BE49-F238E27FC236}">
+                <a16:creationId xmlns:a16="http://schemas.microsoft.com/office/drawing/2014/main" id="{3C2E7D70-5766-B346-9D5A-7E20E538FE94}"/>
+              </a:ext>
+            </a:extLst>
+          </p:cNvPr>
+          <p:cNvSpPr>
+            <a:spLocks noGrp="1"/>
+          </p:cNvSpPr>
+          <p:nvPr>
+            <p:ph type="title"/>
+          </p:nvPr>
+        </p:nvSpPr>
+        <p:spPr/>
+        <p:txBody>
+          <a:bodyPr/>
+          <a:lstStyle/>
+          <a:p>
+            <a:r>
+              <a:rPr lang="en-GB" dirty="0"/>
+              <a:t>Goodness of Fit</a:t>
+            </a:r>
+          </a:p>
+        </p:txBody>
+      </p:sp>
+      <p:sp>
+        <p:nvSpPr>
+          <p:cNvPr id="3" name="Content Placeholder 2">
+            <a:extLst>
+              <a:ext uri="{FF2B5EF4-FFF2-40B4-BE49-F238E27FC236}">
+                <a16:creationId xmlns:a16="http://schemas.microsoft.com/office/drawing/2014/main" id="{749423F1-845B-674D-8509-2F104D8E1476}"/>
+              </a:ext>
+            </a:extLst>
+          </p:cNvPr>
+          <p:cNvSpPr>
+            <a:spLocks noGrp="1"/>
+          </p:cNvSpPr>
+          <p:nvPr>
+            <p:ph idx="1"/>
+          </p:nvPr>
+        </p:nvSpPr>
+        <p:spPr/>
+        <p:txBody>
+          <a:bodyPr/>
+          <a:lstStyle/>
+          <a:p>
+            <a:r>
+              <a:rPr lang="en-GB" dirty="0"/>
+              <a:t>XXXX What this means.</a:t>
+            </a:r>
+          </a:p>
+        </p:txBody>
+      </p:sp>
+    </p:spTree>
+    <p:extLst>
+      <p:ext uri="{BB962C8B-B14F-4D97-AF65-F5344CB8AC3E}">
+        <p14:creationId xmlns:p14="http://schemas.microsoft.com/office/powerpoint/2010/main" val="2337243305"/>
+      </p:ext>
+    </p:extLst>
+  </p:cSld>
+  <p:clrMapOvr>
+    <a:masterClrMapping/>
+  </p:clrMapOvr>
+</p:sld>
+</file>
+
+<file path=ppt/slides/slide6.xml><?xml version="1.0" encoding="utf-8"?>
+<p:sld xmlns:a="http://schemas.openxmlformats.org/drawingml/2006/main" xmlns:r="http://schemas.openxmlformats.org/officeDocument/2006/relationships" xmlns:p="http://schemas.openxmlformats.org/presentationml/2006/main">
+  <p:cSld>
+    <p:spTree>
+      <p:nvGrpSpPr>
+        <p:cNvPr id="1" name=""/>
+        <p:cNvGrpSpPr/>
+        <p:nvPr/>
+      </p:nvGrpSpPr>
+      <p:grpSpPr>
+        <a:xfrm>
+          <a:off x="0" y="0"/>
+          <a:ext cx="0" cy="0"/>
+          <a:chOff x="0" y="0"/>
+          <a:chExt cx="0" cy="0"/>
+        </a:xfrm>
+      </p:grpSpPr>
+      <p:sp>
+        <p:nvSpPr>
+          <p:cNvPr id="2" name="Title 1">
+            <a:extLst>
+              <a:ext uri="{FF2B5EF4-FFF2-40B4-BE49-F238E27FC236}">
+                <a16:creationId xmlns:a16="http://schemas.microsoft.com/office/drawing/2014/main" id="{4054E602-6EB6-1B47-BC76-ED35C57A1014}"/>
+              </a:ext>
+            </a:extLst>
+          </p:cNvPr>
+          <p:cNvSpPr>
+            <a:spLocks noGrp="1"/>
+          </p:cNvSpPr>
+          <p:nvPr>
+            <p:ph type="title"/>
+          </p:nvPr>
+        </p:nvSpPr>
+        <p:spPr/>
+        <p:txBody>
+          <a:bodyPr/>
+          <a:lstStyle/>
+          <a:p>
+            <a:endParaRPr lang="en-GB"/>
+          </a:p>
+        </p:txBody>
+      </p:sp>
+      <p:pic>
+        <p:nvPicPr>
+          <p:cNvPr id="5" name="Content Placeholder 4">
+            <a:extLst>
+              <a:ext uri="{FF2B5EF4-FFF2-40B4-BE49-F238E27FC236}">
+                <a16:creationId xmlns:a16="http://schemas.microsoft.com/office/drawing/2014/main" id="{C4844F7C-CE52-EC46-9C0E-C76A27ADC00E}"/>
+              </a:ext>
+            </a:extLst>
+          </p:cNvPr>
+          <p:cNvPicPr>
+            <a:picLocks noGrp="1" noChangeAspect="1"/>
+          </p:cNvPicPr>
+          <p:nvPr>
+            <p:ph idx="1"/>
+          </p:nvPr>
+        </p:nvPicPr>
+        <p:blipFill>
+          <a:blip r:embed="rId2"/>
+          <a:stretch>
+            <a:fillRect/>
+          </a:stretch>
+        </p:blipFill>
+        <p:spPr>
+          <a:xfrm>
+            <a:off x="838200" y="2306582"/>
+            <a:ext cx="10515600" cy="3389424"/>
+          </a:xfrm>
+        </p:spPr>
+      </p:pic>
+    </p:spTree>
+    <p:extLst>
+      <p:ext uri="{BB962C8B-B14F-4D97-AF65-F5344CB8AC3E}">
+        <p14:creationId xmlns:p14="http://schemas.microsoft.com/office/powerpoint/2010/main" val="2055641866"/>
+      </p:ext>
+    </p:extLst>
+  </p:cSld>
+  <p:clrMapOvr>
+    <a:masterClrMapping/>
+  </p:clrMapOvr>
+</p:sld>
+</file>
+
+<file path=ppt/slides/slide7.xml><?xml version="1.0" encoding="utf-8"?>
+<p:sld xmlns:a="http://schemas.openxmlformats.org/drawingml/2006/main" xmlns:r="http://schemas.openxmlformats.org/officeDocument/2006/relationships" xmlns:p="http://schemas.openxmlformats.org/presentationml/2006/main">
+  <p:cSld>
+    <p:spTree>
+      <p:nvGrpSpPr>
+        <p:cNvPr id="1" name=""/>
+        <p:cNvGrpSpPr/>
+        <p:nvPr/>
+      </p:nvGrpSpPr>
+      <p:grpSpPr>
+        <a:xfrm>
+          <a:off x="0" y="0"/>
+          <a:ext cx="0" cy="0"/>
+          <a:chOff x="0" y="0"/>
+          <a:chExt cx="0" cy="0"/>
+        </a:xfrm>
+      </p:grpSpPr>
+      <p:sp>
+        <p:nvSpPr>
+          <p:cNvPr id="2" name="Title 1">
+            <a:extLst>
+              <a:ext uri="{FF2B5EF4-FFF2-40B4-BE49-F238E27FC236}">
+                <a16:creationId xmlns:a16="http://schemas.microsoft.com/office/drawing/2014/main" id="{1DBD55E1-BC98-804C-AD40-6E14621DBDD0}"/>
+              </a:ext>
+            </a:extLst>
+          </p:cNvPr>
+          <p:cNvSpPr>
+            <a:spLocks noGrp="1"/>
+          </p:cNvSpPr>
+          <p:nvPr>
+            <p:ph type="title"/>
+          </p:nvPr>
+        </p:nvSpPr>
+        <p:spPr/>
+        <p:txBody>
+          <a:bodyPr/>
+          <a:lstStyle/>
+          <a:p>
+            <a:endParaRPr lang="en-GB"/>
+          </a:p>
+        </p:txBody>
+      </p:sp>
+      <p:sp>
+        <p:nvSpPr>
+          <p:cNvPr id="3" name="Content Placeholder 2">
+            <a:extLst>
+              <a:ext uri="{FF2B5EF4-FFF2-40B4-BE49-F238E27FC236}">
+                <a16:creationId xmlns:a16="http://schemas.microsoft.com/office/drawing/2014/main" id="{C8A75EE7-BC8D-024E-8788-032E2F51DBB7}"/>
+              </a:ext>
+            </a:extLst>
+          </p:cNvPr>
+          <p:cNvSpPr>
+            <a:spLocks noGrp="1"/>
+          </p:cNvSpPr>
+          <p:nvPr>
+            <p:ph idx="1"/>
+          </p:nvPr>
+        </p:nvSpPr>
+        <p:spPr/>
+        <p:txBody>
+          <a:bodyPr/>
+          <a:lstStyle/>
+          <a:p>
+            <a:endParaRPr lang="en-GB"/>
+          </a:p>
+        </p:txBody>
+      </p:sp>
+    </p:spTree>
+    <p:extLst>
+      <p:ext uri="{BB962C8B-B14F-4D97-AF65-F5344CB8AC3E}">
+        <p14:creationId xmlns:p14="http://schemas.microsoft.com/office/powerpoint/2010/main" val="296713156"/>
       </p:ext>
     </p:extLst>
   </p:cSld>

--- a/Chapter09-SpatialStatistics/Chapter9.pptx
+++ b/Chapter09-SpatialStatistics/Chapter9.pptx
@@ -5,16 +5,17 @@
     <p:sldMasterId id="2147483648" r:id="rId1"/>
   </p:sldMasterIdLst>
   <p:notesMasterIdLst>
-    <p:notesMasterId r:id="rId9"/>
+    <p:notesMasterId r:id="rId10"/>
   </p:notesMasterIdLst>
   <p:sldIdLst>
     <p:sldId id="256" r:id="rId2"/>
     <p:sldId id="277" r:id="rId3"/>
     <p:sldId id="271" r:id="rId4"/>
     <p:sldId id="279" r:id="rId5"/>
-    <p:sldId id="282" r:id="rId6"/>
-    <p:sldId id="280" r:id="rId7"/>
-    <p:sldId id="281" r:id="rId8"/>
+    <p:sldId id="283" r:id="rId6"/>
+    <p:sldId id="282" r:id="rId7"/>
+    <p:sldId id="280" r:id="rId8"/>
+    <p:sldId id="281" r:id="rId9"/>
   </p:sldIdLst>
   <p:sldSz cx="12192000" cy="6858000"/>
   <p:notesSz cx="6858000" cy="9144000"/>
@@ -4347,6 +4348,212 @@
           <p:cNvPr id="2" name="Title 1">
             <a:extLst>
               <a:ext uri="{FF2B5EF4-FFF2-40B4-BE49-F238E27FC236}">
+                <a16:creationId xmlns:a16="http://schemas.microsoft.com/office/drawing/2014/main" id="{404542EC-78BA-FC41-9647-BD2036D19085}"/>
+              </a:ext>
+            </a:extLst>
+          </p:cNvPr>
+          <p:cNvSpPr>
+            <a:spLocks noGrp="1"/>
+          </p:cNvSpPr>
+          <p:nvPr>
+            <p:ph type="title"/>
+          </p:nvPr>
+        </p:nvSpPr>
+        <p:spPr/>
+        <p:txBody>
+          <a:bodyPr/>
+          <a:lstStyle/>
+          <a:p>
+            <a:r>
+              <a:rPr lang="en-GB" dirty="0"/>
+              <a:t>Glossary</a:t>
+            </a:r>
+          </a:p>
+        </p:txBody>
+      </p:sp>
+      <p:sp>
+        <p:nvSpPr>
+          <p:cNvPr id="3" name="Content Placeholder 2">
+            <a:extLst>
+              <a:ext uri="{FF2B5EF4-FFF2-40B4-BE49-F238E27FC236}">
+                <a16:creationId xmlns:a16="http://schemas.microsoft.com/office/drawing/2014/main" id="{8536F92D-91CB-0A43-9F50-B4292DB04F97}"/>
+              </a:ext>
+            </a:extLst>
+          </p:cNvPr>
+          <p:cNvSpPr>
+            <a:spLocks noGrp="1"/>
+          </p:cNvSpPr>
+          <p:nvPr>
+            <p:ph sz="half" idx="1"/>
+          </p:nvPr>
+        </p:nvSpPr>
+        <p:spPr/>
+        <p:txBody>
+          <a:bodyPr>
+            <a:normAutofit fontScale="70000" lnSpcReduction="20000"/>
+          </a:bodyPr>
+          <a:lstStyle/>
+          <a:p>
+            <a:r>
+              <a:rPr lang="en-GB" dirty="0"/>
+              <a:t>Goodness of fit – a broad description for statistics that quantify how well a model fits a set of real-world observations. </a:t>
+            </a:r>
+          </a:p>
+          <a:p>
+            <a:r>
+              <a:rPr lang="en-GB" dirty="0"/>
+              <a:t>RSS – residual sum of squares; a statistic that estimates the overall difference between two data sets by summing the square of the errors. </a:t>
+            </a:r>
+          </a:p>
+          <a:p>
+            <a:r>
+              <a:rPr lang="en-GB" i="1" dirty="0"/>
+              <a:t>R</a:t>
+            </a:r>
+            <a:r>
+              <a:rPr lang="en-GB" dirty="0"/>
+              <a:t>2 – ‘</a:t>
+            </a:r>
+            <a:r>
+              <a:rPr lang="en-GB" i="1" dirty="0"/>
+              <a:t>R </a:t>
+            </a:r>
+            <a:r>
+              <a:rPr lang="en-GB" dirty="0"/>
+              <a:t>squared’; a statistic that estimates the overall difference between two data sets. </a:t>
+            </a:r>
+          </a:p>
+          <a:p>
+            <a:r>
+              <a:rPr lang="en-GB" dirty="0"/>
+              <a:t>(S)RMSE – (standardised) root mean square error; a statistic that </a:t>
+            </a:r>
+            <a:r>
+              <a:rPr lang="en-GB" dirty="0" err="1"/>
+              <a:t>esti</a:t>
+            </a:r>
+            <a:r>
+              <a:rPr lang="en-GB" dirty="0"/>
+              <a:t>- mates the overall difference between two data sets. </a:t>
+            </a:r>
+          </a:p>
+          <a:p>
+            <a:r>
+              <a:rPr lang="en-GB" dirty="0"/>
+              <a:t>KDE – kernel density estimation; a means of estimating point density at a particular location. Often used to draw maps of point patterns. </a:t>
+            </a:r>
+          </a:p>
+          <a:p>
+            <a:endParaRPr lang="en-GB" dirty="0"/>
+          </a:p>
+        </p:txBody>
+      </p:sp>
+      <p:sp>
+        <p:nvSpPr>
+          <p:cNvPr id="5" name="Content Placeholder 4">
+            <a:extLst>
+              <a:ext uri="{FF2B5EF4-FFF2-40B4-BE49-F238E27FC236}">
+                <a16:creationId xmlns:a16="http://schemas.microsoft.com/office/drawing/2014/main" id="{0B0D6928-D5B5-6146-B98A-B31A3E139FD5}"/>
+              </a:ext>
+            </a:extLst>
+          </p:cNvPr>
+          <p:cNvSpPr>
+            <a:spLocks noGrp="1"/>
+          </p:cNvSpPr>
+          <p:nvPr>
+            <p:ph sz="half" idx="2"/>
+          </p:nvPr>
+        </p:nvSpPr>
+        <p:spPr/>
+        <p:txBody>
+          <a:bodyPr>
+            <a:normAutofit fontScale="70000" lnSpcReduction="20000"/>
+          </a:bodyPr>
+          <a:lstStyle/>
+          <a:p>
+            <a:r>
+              <a:rPr lang="en-GB" dirty="0"/>
+              <a:t>LISA – local indicators of spatial association; statistics that can estimate the locations of local clusters (areas with a higher than expected point density). </a:t>
+            </a:r>
+          </a:p>
+          <a:p>
+            <a:r>
+              <a:rPr lang="en-GB" dirty="0"/>
+              <a:t>NNI – nearest neighbour index; measures global spatial uniformity (i.e. the overall amount of clustering in a point pattern). Also known as the Clark and Evans </a:t>
+            </a:r>
+            <a:r>
+              <a:rPr lang="en-GB" i="1" dirty="0"/>
+              <a:t>R </a:t>
+            </a:r>
+            <a:r>
+              <a:rPr lang="en-GB" dirty="0"/>
+              <a:t>statistic (Clark and Evans, 1954). </a:t>
+            </a:r>
+          </a:p>
+          <a:p>
+            <a:r>
+              <a:rPr lang="en-GB" dirty="0"/>
+              <a:t>Ripley’s </a:t>
+            </a:r>
+            <a:r>
+              <a:rPr lang="en-GB" i="1" dirty="0"/>
+              <a:t>K </a:t>
+            </a:r>
+            <a:r>
+              <a:rPr lang="en-GB" dirty="0"/>
+              <a:t>function; another measure for global spatial uniformity (i.e. the overall amount of clustering in a point pattern). </a:t>
+            </a:r>
+          </a:p>
+          <a:p>
+            <a:r>
+              <a:rPr lang="en-GB" i="1" dirty="0"/>
+              <a:t>GI</a:t>
+            </a:r>
+            <a:r>
+              <a:rPr lang="en-GB" dirty="0"/>
+              <a:t>* – a statistic that estimates the spatial locations of ‘hot’ (e.g. high) and ‘cold’ (e.g. low) spot </a:t>
+            </a:r>
+          </a:p>
+          <a:p>
+            <a:endParaRPr lang="en-GB" dirty="0"/>
+          </a:p>
+        </p:txBody>
+      </p:sp>
+    </p:spTree>
+    <p:extLst>
+      <p:ext uri="{BB962C8B-B14F-4D97-AF65-F5344CB8AC3E}">
+        <p14:creationId xmlns:p14="http://schemas.microsoft.com/office/powerpoint/2010/main" val="3848521642"/>
+      </p:ext>
+    </p:extLst>
+  </p:cSld>
+  <p:clrMapOvr>
+    <a:masterClrMapping/>
+  </p:clrMapOvr>
+</p:sld>
+</file>
+
+<file path=ppt/slides/slide6.xml><?xml version="1.0" encoding="utf-8"?>
+<p:sld xmlns:a="http://schemas.openxmlformats.org/drawingml/2006/main" xmlns:r="http://schemas.openxmlformats.org/officeDocument/2006/relationships" xmlns:p="http://schemas.openxmlformats.org/presentationml/2006/main">
+  <p:cSld>
+    <p:spTree>
+      <p:nvGrpSpPr>
+        <p:cNvPr id="1" name=""/>
+        <p:cNvGrpSpPr/>
+        <p:nvPr/>
+      </p:nvGrpSpPr>
+      <p:grpSpPr>
+        <a:xfrm>
+          <a:off x="0" y="0"/>
+          <a:ext cx="0" cy="0"/>
+          <a:chOff x="0" y="0"/>
+          <a:chExt cx="0" cy="0"/>
+        </a:xfrm>
+      </p:grpSpPr>
+      <p:sp>
+        <p:nvSpPr>
+          <p:cNvPr id="2" name="Title 1">
+            <a:extLst>
+              <a:ext uri="{FF2B5EF4-FFF2-40B4-BE49-F238E27FC236}">
                 <a16:creationId xmlns:a16="http://schemas.microsoft.com/office/drawing/2014/main" id="{3C2E7D70-5766-B346-9D5A-7E20E538FE94}"/>
               </a:ext>
             </a:extLst>
@@ -4411,7 +4618,7 @@
 </p:sld>
 </file>
 
-<file path=ppt/slides/slide6.xml><?xml version="1.0" encoding="utf-8"?>
+<file path=ppt/slides/slide7.xml><?xml version="1.0" encoding="utf-8"?>
 <p:sld xmlns:a="http://schemas.openxmlformats.org/drawingml/2006/main" xmlns:r="http://schemas.openxmlformats.org/officeDocument/2006/relationships" xmlns:p="http://schemas.openxmlformats.org/presentationml/2006/main">
   <p:cSld>
     <p:spTree>
@@ -4495,7 +4702,7 @@
 </p:sld>
 </file>
 
-<file path=ppt/slides/slide7.xml><?xml version="1.0" encoding="utf-8"?>
+<file path=ppt/slides/slide8.xml><?xml version="1.0" encoding="utf-8"?>
 <p:sld xmlns:a="http://schemas.openxmlformats.org/drawingml/2006/main" xmlns:r="http://schemas.openxmlformats.org/officeDocument/2006/relationships" xmlns:p="http://schemas.openxmlformats.org/presentationml/2006/main">
   <p:cSld>
     <p:spTree>

--- a/Chapter09-SpatialStatistics/Chapter9.pptx
+++ b/Chapter09-SpatialStatistics/Chapter9.pptx
@@ -5,17 +5,39 @@
     <p:sldMasterId id="2147483648" r:id="rId1"/>
   </p:sldMasterIdLst>
   <p:notesMasterIdLst>
-    <p:notesMasterId r:id="rId10"/>
+    <p:notesMasterId r:id="rId32"/>
   </p:notesMasterIdLst>
   <p:sldIdLst>
     <p:sldId id="256" r:id="rId2"/>
     <p:sldId id="277" r:id="rId3"/>
     <p:sldId id="271" r:id="rId4"/>
     <p:sldId id="279" r:id="rId5"/>
-    <p:sldId id="283" r:id="rId6"/>
-    <p:sldId id="282" r:id="rId7"/>
-    <p:sldId id="280" r:id="rId8"/>
-    <p:sldId id="281" r:id="rId9"/>
+    <p:sldId id="282" r:id="rId6"/>
+    <p:sldId id="284" r:id="rId7"/>
+    <p:sldId id="285" r:id="rId8"/>
+    <p:sldId id="286" r:id="rId9"/>
+    <p:sldId id="287" r:id="rId10"/>
+    <p:sldId id="293" r:id="rId11"/>
+    <p:sldId id="288" r:id="rId12"/>
+    <p:sldId id="289" r:id="rId13"/>
+    <p:sldId id="294" r:id="rId14"/>
+    <p:sldId id="290" r:id="rId15"/>
+    <p:sldId id="291" r:id="rId16"/>
+    <p:sldId id="295" r:id="rId17"/>
+    <p:sldId id="292" r:id="rId18"/>
+    <p:sldId id="296" r:id="rId19"/>
+    <p:sldId id="301" r:id="rId20"/>
+    <p:sldId id="297" r:id="rId21"/>
+    <p:sldId id="298" r:id="rId22"/>
+    <p:sldId id="302" r:id="rId23"/>
+    <p:sldId id="299" r:id="rId24"/>
+    <p:sldId id="305" r:id="rId25"/>
+    <p:sldId id="303" r:id="rId26"/>
+    <p:sldId id="304" r:id="rId27"/>
+    <p:sldId id="300" r:id="rId28"/>
+    <p:sldId id="280" r:id="rId29"/>
+    <p:sldId id="281" r:id="rId30"/>
+    <p:sldId id="283" r:id="rId31"/>
   </p:sldIdLst>
   <p:sldSz cx="12192000" cy="6858000"/>
   <p:notesSz cx="6858000" cy="9144000"/>
@@ -558,6 +580,291 @@
     <p:extLst>
       <p:ext uri="{BB962C8B-B14F-4D97-AF65-F5344CB8AC3E}">
         <p14:creationId xmlns:p14="http://schemas.microsoft.com/office/powerpoint/2010/main" val="3001100337"/>
+      </p:ext>
+    </p:extLst>
+  </p:cSld>
+  <p:clrMapOvr>
+    <a:masterClrMapping/>
+  </p:clrMapOvr>
+</p:notes>
+</file>
+
+<file path=ppt/notesSlides/notesSlide2.xml><?xml version="1.0" encoding="utf-8"?>
+<p:notes xmlns:a="http://schemas.openxmlformats.org/drawingml/2006/main" xmlns:r="http://schemas.openxmlformats.org/officeDocument/2006/relationships" xmlns:p="http://schemas.openxmlformats.org/presentationml/2006/main">
+  <p:cSld>
+    <p:spTree>
+      <p:nvGrpSpPr>
+        <p:cNvPr id="1" name=""/>
+        <p:cNvGrpSpPr/>
+        <p:nvPr/>
+      </p:nvGrpSpPr>
+      <p:grpSpPr>
+        <a:xfrm>
+          <a:off x="0" y="0"/>
+          <a:ext cx="0" cy="0"/>
+          <a:chOff x="0" y="0"/>
+          <a:chExt cx="0" cy="0"/>
+        </a:xfrm>
+      </p:grpSpPr>
+      <p:sp>
+        <p:nvSpPr>
+          <p:cNvPr id="2" name="Slide Image Placeholder 1"/>
+          <p:cNvSpPr>
+            <a:spLocks noGrp="1" noRot="1" noChangeAspect="1"/>
+          </p:cNvSpPr>
+          <p:nvPr>
+            <p:ph type="sldImg"/>
+          </p:nvPr>
+        </p:nvSpPr>
+        <p:spPr/>
+      </p:sp>
+      <p:sp>
+        <p:nvSpPr>
+          <p:cNvPr id="3" name="Notes Placeholder 2"/>
+          <p:cNvSpPr>
+            <a:spLocks noGrp="1"/>
+          </p:cNvSpPr>
+          <p:nvPr>
+            <p:ph type="body" idx="1"/>
+          </p:nvPr>
+        </p:nvSpPr>
+        <p:spPr/>
+        <p:txBody>
+          <a:bodyPr/>
+          <a:lstStyle/>
+          <a:p>
+            <a:r>
+              <a:rPr lang="en-GB" sz="1200" kern="1200" dirty="0">
+                <a:solidFill>
+                  <a:schemeClr val="tx1"/>
+                </a:solidFill>
+                <a:effectLst/>
+                <a:latin typeface="+mn-lt"/>
+                <a:ea typeface="+mn-ea"/>
+                <a:cs typeface="+mn-cs"/>
+              </a:rPr>
+              <a:t>● </a:t>
+            </a:r>
+            <a:r>
+              <a:rPr lang="en-GB" sz="1200" i="1" kern="1200" dirty="0">
+                <a:solidFill>
+                  <a:schemeClr val="tx1"/>
+                </a:solidFill>
+                <a:effectLst/>
+                <a:latin typeface="+mn-lt"/>
+                <a:ea typeface="+mn-ea"/>
+                <a:cs typeface="+mn-cs"/>
+              </a:rPr>
+              <a:t>Global statistics </a:t>
+            </a:r>
+            <a:r>
+              <a:rPr lang="en-GB" sz="1200" kern="1200" dirty="0">
+                <a:solidFill>
+                  <a:schemeClr val="tx1"/>
+                </a:solidFill>
+                <a:effectLst/>
+                <a:latin typeface="+mn-lt"/>
+                <a:ea typeface="+mn-ea"/>
+                <a:cs typeface="+mn-cs"/>
+              </a:rPr>
+              <a:t>(Section 9.3) – statistics that calculate the </a:t>
+            </a:r>
+            <a:r>
+              <a:rPr lang="en-GB" sz="1200" i="1" kern="1200" dirty="0">
+                <a:solidFill>
+                  <a:schemeClr val="tx1"/>
+                </a:solidFill>
+                <a:effectLst/>
+                <a:latin typeface="+mn-lt"/>
+                <a:ea typeface="+mn-ea"/>
+                <a:cs typeface="+mn-cs"/>
+              </a:rPr>
+              <a:t>overall </a:t>
+            </a:r>
+            <a:r>
+              <a:rPr lang="en-GB" sz="1200" kern="1200" dirty="0">
+                <a:solidFill>
+                  <a:schemeClr val="tx1"/>
+                </a:solidFill>
+                <a:effectLst/>
+                <a:latin typeface="+mn-lt"/>
+                <a:ea typeface="+mn-ea"/>
+                <a:cs typeface="+mn-cs"/>
+              </a:rPr>
+              <a:t>difference </a:t>
+            </a:r>
+            <a:endParaRPr lang="en-GB" dirty="0"/>
+          </a:p>
+          <a:p>
+            <a:r>
+              <a:rPr lang="en-GB" sz="1200" kern="1200" dirty="0">
+                <a:solidFill>
+                  <a:schemeClr val="tx1"/>
+                </a:solidFill>
+                <a:effectLst/>
+                <a:latin typeface="+mn-lt"/>
+                <a:ea typeface="+mn-ea"/>
+                <a:cs typeface="+mn-cs"/>
+              </a:rPr>
+              <a:t>between two data sets (e.g. the total error); </a:t>
+            </a:r>
+            <a:endParaRPr lang="en-GB" dirty="0"/>
+          </a:p>
+          <a:p>
+            <a:r>
+              <a:rPr lang="en-GB" sz="1200" kern="1200" dirty="0">
+                <a:solidFill>
+                  <a:schemeClr val="tx1"/>
+                </a:solidFill>
+                <a:effectLst/>
+                <a:latin typeface="+mn-lt"/>
+                <a:ea typeface="+mn-ea"/>
+                <a:cs typeface="+mn-cs"/>
+              </a:rPr>
+              <a:t>●  </a:t>
+            </a:r>
+            <a:r>
+              <a:rPr lang="en-GB" sz="1200" i="1" kern="1200" dirty="0">
+                <a:solidFill>
+                  <a:schemeClr val="tx1"/>
+                </a:solidFill>
+                <a:effectLst/>
+                <a:latin typeface="+mn-lt"/>
+                <a:ea typeface="+mn-ea"/>
+                <a:cs typeface="+mn-cs"/>
+              </a:rPr>
+              <a:t>Visual comparisons </a:t>
+            </a:r>
+            <a:r>
+              <a:rPr lang="en-GB" sz="1200" kern="1200" dirty="0">
+                <a:solidFill>
+                  <a:schemeClr val="tx1"/>
+                </a:solidFill>
+                <a:effectLst/>
+                <a:latin typeface="+mn-lt"/>
+                <a:ea typeface="+mn-ea"/>
+                <a:cs typeface="+mn-cs"/>
+              </a:rPr>
+              <a:t>(Section 9.4) – methods that provide visual outputs and allow spatial data sets to be compared visually; </a:t>
+            </a:r>
+            <a:endParaRPr lang="en-GB" dirty="0">
+              <a:effectLst/>
+            </a:endParaRPr>
+          </a:p>
+          <a:p>
+            <a:r>
+              <a:rPr lang="en-GB" sz="1200" kern="1200" dirty="0">
+                <a:solidFill>
+                  <a:schemeClr val="tx1"/>
+                </a:solidFill>
+                <a:effectLst/>
+                <a:latin typeface="+mn-lt"/>
+                <a:ea typeface="+mn-ea"/>
+                <a:cs typeface="+mn-cs"/>
+              </a:rPr>
+              <a:t>●  </a:t>
+            </a:r>
+            <a:r>
+              <a:rPr lang="en-GB" sz="1200" i="1" kern="1200" dirty="0">
+                <a:solidFill>
+                  <a:schemeClr val="tx1"/>
+                </a:solidFill>
+                <a:effectLst/>
+                <a:latin typeface="+mn-lt"/>
+                <a:ea typeface="+mn-ea"/>
+                <a:cs typeface="+mn-cs"/>
+              </a:rPr>
+              <a:t>Description of point data </a:t>
+            </a:r>
+            <a:r>
+              <a:rPr lang="en-GB" sz="1200" kern="1200" dirty="0">
+                <a:solidFill>
+                  <a:schemeClr val="tx1"/>
+                </a:solidFill>
+                <a:effectLst/>
+                <a:latin typeface="+mn-lt"/>
+                <a:ea typeface="+mn-ea"/>
+                <a:cs typeface="+mn-cs"/>
+              </a:rPr>
+              <a:t>(Section 9.5) – statistics that describe the properties of point data, such as the degree of clustering; </a:t>
+            </a:r>
+            <a:endParaRPr lang="en-GB" dirty="0">
+              <a:effectLst/>
+            </a:endParaRPr>
+          </a:p>
+          <a:p>
+            <a:r>
+              <a:rPr lang="en-GB" sz="1200" kern="1200" dirty="0">
+                <a:solidFill>
+                  <a:schemeClr val="tx1"/>
+                </a:solidFill>
+                <a:effectLst/>
+                <a:latin typeface="+mn-lt"/>
+                <a:ea typeface="+mn-ea"/>
+                <a:cs typeface="+mn-cs"/>
+              </a:rPr>
+              <a:t>●  </a:t>
+            </a:r>
+            <a:r>
+              <a:rPr lang="en-GB" sz="1200" i="1" kern="1200" dirty="0">
+                <a:solidFill>
+                  <a:schemeClr val="tx1"/>
+                </a:solidFill>
+                <a:effectLst/>
+                <a:latin typeface="+mn-lt"/>
+                <a:ea typeface="+mn-ea"/>
+                <a:cs typeface="+mn-cs"/>
+              </a:rPr>
+              <a:t>Local indicators of spatial association </a:t>
+            </a:r>
+            <a:r>
+              <a:rPr lang="en-GB" sz="1200" kern="1200" dirty="0">
+                <a:solidFill>
+                  <a:schemeClr val="tx1"/>
+                </a:solidFill>
+                <a:effectLst/>
+                <a:latin typeface="+mn-lt"/>
+                <a:ea typeface="+mn-ea"/>
+                <a:cs typeface="+mn-cs"/>
+              </a:rPr>
+              <a:t>(Section 9.6) – statistics that calculate the difference between two data sets at a local spatial level. </a:t>
+            </a:r>
+            <a:endParaRPr lang="en-GB" dirty="0">
+              <a:effectLst/>
+            </a:endParaRPr>
+          </a:p>
+          <a:p>
+            <a:endParaRPr lang="en-GB" dirty="0"/>
+          </a:p>
+        </p:txBody>
+      </p:sp>
+      <p:sp>
+        <p:nvSpPr>
+          <p:cNvPr id="4" name="Slide Number Placeholder 3"/>
+          <p:cNvSpPr>
+            <a:spLocks noGrp="1"/>
+          </p:cNvSpPr>
+          <p:nvPr>
+            <p:ph type="sldNum" sz="quarter" idx="5"/>
+          </p:nvPr>
+        </p:nvSpPr>
+        <p:spPr/>
+        <p:txBody>
+          <a:bodyPr/>
+          <a:lstStyle/>
+          <a:p>
+            <a:fld id="{A5E3B634-187A-714A-9D7D-FC23E693A20E}" type="slidenum">
+              <a:rPr lang="en-US" smtClean="0"/>
+              <a:t>6</a:t>
+            </a:fld>
+            <a:endParaRPr lang="en-US"/>
+          </a:p>
+        </p:txBody>
+      </p:sp>
+    </p:spTree>
+    <p:extLst>
+      <p:ext uri="{BB962C8B-B14F-4D97-AF65-F5344CB8AC3E}">
+        <p14:creationId xmlns:p14="http://schemas.microsoft.com/office/powerpoint/2010/main" val="1647735164"/>
       </p:ext>
     </p:extLst>
   </p:cSld>
@@ -3977,6 +4284,1229 @@
 </p:sld>
 </file>
 
+<file path=ppt/slides/slide10.xml><?xml version="1.0" encoding="utf-8"?>
+<p:sld xmlns:a="http://schemas.openxmlformats.org/drawingml/2006/main" xmlns:r="http://schemas.openxmlformats.org/officeDocument/2006/relationships" xmlns:p="http://schemas.openxmlformats.org/presentationml/2006/main">
+  <p:cSld>
+    <p:spTree>
+      <p:nvGrpSpPr>
+        <p:cNvPr id="1" name=""/>
+        <p:cNvGrpSpPr/>
+        <p:nvPr/>
+      </p:nvGrpSpPr>
+      <p:grpSpPr>
+        <a:xfrm>
+          <a:off x="0" y="0"/>
+          <a:ext cx="0" cy="0"/>
+          <a:chOff x="0" y="0"/>
+          <a:chExt cx="0" cy="0"/>
+        </a:xfrm>
+      </p:grpSpPr>
+      <p:sp>
+        <p:nvSpPr>
+          <p:cNvPr id="2" name="Title 1">
+            <a:extLst>
+              <a:ext uri="{FF2B5EF4-FFF2-40B4-BE49-F238E27FC236}">
+                <a16:creationId xmlns:a16="http://schemas.microsoft.com/office/drawing/2014/main" id="{11B58DB4-C916-7B49-9A6D-9F6845C14BB2}"/>
+              </a:ext>
+            </a:extLst>
+          </p:cNvPr>
+          <p:cNvSpPr>
+            <a:spLocks noGrp="1"/>
+          </p:cNvSpPr>
+          <p:nvPr>
+            <p:ph type="title"/>
+          </p:nvPr>
+        </p:nvSpPr>
+        <p:spPr/>
+        <p:txBody>
+          <a:bodyPr/>
+          <a:lstStyle/>
+          <a:p>
+            <a:r>
+              <a:rPr lang="en-US" dirty="0"/>
+              <a:t>Overview</a:t>
+            </a:r>
+          </a:p>
+        </p:txBody>
+      </p:sp>
+      <p:sp>
+        <p:nvSpPr>
+          <p:cNvPr id="3" name="Content Placeholder 2">
+            <a:extLst>
+              <a:ext uri="{FF2B5EF4-FFF2-40B4-BE49-F238E27FC236}">
+                <a16:creationId xmlns:a16="http://schemas.microsoft.com/office/drawing/2014/main" id="{128AEB6D-95B4-1B4E-B689-57D1F84B35BC}"/>
+              </a:ext>
+            </a:extLst>
+          </p:cNvPr>
+          <p:cNvSpPr>
+            <a:spLocks noGrp="1"/>
+          </p:cNvSpPr>
+          <p:nvPr>
+            <p:ph idx="1"/>
+          </p:nvPr>
+        </p:nvSpPr>
+        <p:spPr/>
+        <p:txBody>
+          <a:bodyPr/>
+          <a:lstStyle/>
+          <a:p>
+            <a:r>
+              <a:rPr lang="en-US" dirty="0">
+                <a:solidFill>
+                  <a:schemeClr val="bg2">
+                    <a:lumMod val="90000"/>
+                  </a:schemeClr>
+                </a:solidFill>
+              </a:rPr>
+              <a:t>Goodness of fit and hypothetical data</a:t>
+            </a:r>
+          </a:p>
+          <a:p>
+            <a:r>
+              <a:rPr lang="en-US" dirty="0"/>
+              <a:t>Global Statistics</a:t>
+            </a:r>
+          </a:p>
+          <a:p>
+            <a:r>
+              <a:rPr lang="en-US" dirty="0">
+                <a:solidFill>
+                  <a:schemeClr val="bg2">
+                    <a:lumMod val="90000"/>
+                  </a:schemeClr>
+                </a:solidFill>
+              </a:rPr>
+              <a:t>Visual Comparisons</a:t>
+            </a:r>
+          </a:p>
+          <a:p>
+            <a:r>
+              <a:rPr lang="en-US" dirty="0">
+                <a:solidFill>
+                  <a:schemeClr val="bg2">
+                    <a:lumMod val="90000"/>
+                  </a:schemeClr>
+                </a:solidFill>
+              </a:rPr>
+              <a:t>Point Pattern Statistics</a:t>
+            </a:r>
+          </a:p>
+          <a:p>
+            <a:r>
+              <a:rPr lang="en-US" dirty="0">
+                <a:solidFill>
+                  <a:schemeClr val="bg2">
+                    <a:lumMod val="90000"/>
+                  </a:schemeClr>
+                </a:solidFill>
+              </a:rPr>
+              <a:t>Local Statistics (LISA)</a:t>
+            </a:r>
+          </a:p>
+          <a:p>
+            <a:r>
+              <a:rPr lang="en-US" dirty="0">
+                <a:solidFill>
+                  <a:schemeClr val="bg2">
+                    <a:lumMod val="90000"/>
+                  </a:schemeClr>
+                </a:solidFill>
+              </a:rPr>
+              <a:t>Multi-Scale Error Analysis</a:t>
+            </a:r>
+          </a:p>
+        </p:txBody>
+      </p:sp>
+    </p:spTree>
+    <p:extLst>
+      <p:ext uri="{BB962C8B-B14F-4D97-AF65-F5344CB8AC3E}">
+        <p14:creationId xmlns:p14="http://schemas.microsoft.com/office/powerpoint/2010/main" val="2794594951"/>
+      </p:ext>
+    </p:extLst>
+  </p:cSld>
+  <p:clrMapOvr>
+    <a:masterClrMapping/>
+  </p:clrMapOvr>
+</p:sld>
+</file>
+
+<file path=ppt/slides/slide11.xml><?xml version="1.0" encoding="utf-8"?>
+<p:sld xmlns:a="http://schemas.openxmlformats.org/drawingml/2006/main" xmlns:r="http://schemas.openxmlformats.org/officeDocument/2006/relationships" xmlns:p="http://schemas.openxmlformats.org/presentationml/2006/main">
+  <p:cSld>
+    <p:spTree>
+      <p:nvGrpSpPr>
+        <p:cNvPr id="1" name=""/>
+        <p:cNvGrpSpPr/>
+        <p:nvPr/>
+      </p:nvGrpSpPr>
+      <p:grpSpPr>
+        <a:xfrm>
+          <a:off x="0" y="0"/>
+          <a:ext cx="0" cy="0"/>
+          <a:chOff x="0" y="0"/>
+          <a:chExt cx="0" cy="0"/>
+        </a:xfrm>
+      </p:grpSpPr>
+      <p:sp>
+        <p:nvSpPr>
+          <p:cNvPr id="2" name="Title 1">
+            <a:extLst>
+              <a:ext uri="{FF2B5EF4-FFF2-40B4-BE49-F238E27FC236}">
+                <a16:creationId xmlns:a16="http://schemas.microsoft.com/office/drawing/2014/main" id="{EF62F2AD-9D99-964A-BD3A-C15A59560B0D}"/>
+              </a:ext>
+            </a:extLst>
+          </p:cNvPr>
+          <p:cNvSpPr>
+            <a:spLocks noGrp="1"/>
+          </p:cNvSpPr>
+          <p:nvPr>
+            <p:ph type="title"/>
+          </p:nvPr>
+        </p:nvSpPr>
+        <p:spPr/>
+        <p:txBody>
+          <a:bodyPr/>
+          <a:lstStyle/>
+          <a:p>
+            <a:r>
+              <a:rPr lang="en-GB" dirty="0"/>
+              <a:t>Global Statistics</a:t>
+            </a:r>
+          </a:p>
+        </p:txBody>
+      </p:sp>
+      <p:sp>
+        <p:nvSpPr>
+          <p:cNvPr id="3" name="Content Placeholder 2">
+            <a:extLst>
+              <a:ext uri="{FF2B5EF4-FFF2-40B4-BE49-F238E27FC236}">
+                <a16:creationId xmlns:a16="http://schemas.microsoft.com/office/drawing/2014/main" id="{6CA429ED-4FBD-554C-A69D-E65C8D317380}"/>
+              </a:ext>
+            </a:extLst>
+          </p:cNvPr>
+          <p:cNvSpPr>
+            <a:spLocks noGrp="1"/>
+          </p:cNvSpPr>
+          <p:nvPr>
+            <p:ph sz="half" idx="1"/>
+          </p:nvPr>
+        </p:nvSpPr>
+        <p:spPr/>
+        <p:txBody>
+          <a:bodyPr/>
+          <a:lstStyle/>
+          <a:p>
+            <a:endParaRPr lang="en-GB"/>
+          </a:p>
+        </p:txBody>
+      </p:sp>
+      <p:sp>
+        <p:nvSpPr>
+          <p:cNvPr id="4" name="Content Placeholder 3">
+            <a:extLst>
+              <a:ext uri="{FF2B5EF4-FFF2-40B4-BE49-F238E27FC236}">
+                <a16:creationId xmlns:a16="http://schemas.microsoft.com/office/drawing/2014/main" id="{A72C6412-D163-B348-B86D-CA63260E689B}"/>
+              </a:ext>
+            </a:extLst>
+          </p:cNvPr>
+          <p:cNvSpPr>
+            <a:spLocks noGrp="1"/>
+          </p:cNvSpPr>
+          <p:nvPr>
+            <p:ph sz="half" idx="2"/>
+          </p:nvPr>
+        </p:nvSpPr>
+        <p:spPr/>
+        <p:txBody>
+          <a:bodyPr/>
+          <a:lstStyle/>
+          <a:p>
+            <a:endParaRPr lang="en-GB"/>
+          </a:p>
+        </p:txBody>
+      </p:sp>
+    </p:spTree>
+    <p:extLst>
+      <p:ext uri="{BB962C8B-B14F-4D97-AF65-F5344CB8AC3E}">
+        <p14:creationId xmlns:p14="http://schemas.microsoft.com/office/powerpoint/2010/main" val="4228842292"/>
+      </p:ext>
+    </p:extLst>
+  </p:cSld>
+  <p:clrMapOvr>
+    <a:masterClrMapping/>
+  </p:clrMapOvr>
+</p:sld>
+</file>
+
+<file path=ppt/slides/slide12.xml><?xml version="1.0" encoding="utf-8"?>
+<p:sld xmlns:a="http://schemas.openxmlformats.org/drawingml/2006/main" xmlns:r="http://schemas.openxmlformats.org/officeDocument/2006/relationships" xmlns:p="http://schemas.openxmlformats.org/presentationml/2006/main">
+  <p:cSld>
+    <p:spTree>
+      <p:nvGrpSpPr>
+        <p:cNvPr id="1" name=""/>
+        <p:cNvGrpSpPr/>
+        <p:nvPr/>
+      </p:nvGrpSpPr>
+      <p:grpSpPr>
+        <a:xfrm>
+          <a:off x="0" y="0"/>
+          <a:ext cx="0" cy="0"/>
+          <a:chOff x="0" y="0"/>
+          <a:chExt cx="0" cy="0"/>
+        </a:xfrm>
+      </p:grpSpPr>
+      <p:sp>
+        <p:nvSpPr>
+          <p:cNvPr id="2" name="Title 1">
+            <a:extLst>
+              <a:ext uri="{FF2B5EF4-FFF2-40B4-BE49-F238E27FC236}">
+                <a16:creationId xmlns:a16="http://schemas.microsoft.com/office/drawing/2014/main" id="{A68FAC18-FFBB-354F-A014-E278DE51BA0A}"/>
+              </a:ext>
+            </a:extLst>
+          </p:cNvPr>
+          <p:cNvSpPr>
+            <a:spLocks noGrp="1"/>
+          </p:cNvSpPr>
+          <p:nvPr>
+            <p:ph type="title"/>
+          </p:nvPr>
+        </p:nvSpPr>
+        <p:spPr/>
+        <p:txBody>
+          <a:bodyPr/>
+          <a:lstStyle/>
+          <a:p>
+            <a:endParaRPr lang="en-GB"/>
+          </a:p>
+        </p:txBody>
+      </p:sp>
+      <p:sp>
+        <p:nvSpPr>
+          <p:cNvPr id="3" name="Content Placeholder 2">
+            <a:extLst>
+              <a:ext uri="{FF2B5EF4-FFF2-40B4-BE49-F238E27FC236}">
+                <a16:creationId xmlns:a16="http://schemas.microsoft.com/office/drawing/2014/main" id="{035BE4AF-6D21-9A49-92AC-B3507AAD2771}"/>
+              </a:ext>
+            </a:extLst>
+          </p:cNvPr>
+          <p:cNvSpPr>
+            <a:spLocks noGrp="1"/>
+          </p:cNvSpPr>
+          <p:nvPr>
+            <p:ph sz="half" idx="1"/>
+          </p:nvPr>
+        </p:nvSpPr>
+        <p:spPr/>
+        <p:txBody>
+          <a:bodyPr/>
+          <a:lstStyle/>
+          <a:p>
+            <a:endParaRPr lang="en-GB"/>
+          </a:p>
+        </p:txBody>
+      </p:sp>
+      <p:sp>
+        <p:nvSpPr>
+          <p:cNvPr id="4" name="Content Placeholder 3">
+            <a:extLst>
+              <a:ext uri="{FF2B5EF4-FFF2-40B4-BE49-F238E27FC236}">
+                <a16:creationId xmlns:a16="http://schemas.microsoft.com/office/drawing/2014/main" id="{BBE01509-E84A-794C-BC4E-120DC94F9893}"/>
+              </a:ext>
+            </a:extLst>
+          </p:cNvPr>
+          <p:cNvSpPr>
+            <a:spLocks noGrp="1"/>
+          </p:cNvSpPr>
+          <p:nvPr>
+            <p:ph sz="half" idx="2"/>
+          </p:nvPr>
+        </p:nvSpPr>
+        <p:spPr/>
+        <p:txBody>
+          <a:bodyPr/>
+          <a:lstStyle/>
+          <a:p>
+            <a:endParaRPr lang="en-GB"/>
+          </a:p>
+        </p:txBody>
+      </p:sp>
+    </p:spTree>
+    <p:extLst>
+      <p:ext uri="{BB962C8B-B14F-4D97-AF65-F5344CB8AC3E}">
+        <p14:creationId xmlns:p14="http://schemas.microsoft.com/office/powerpoint/2010/main" val="3460252502"/>
+      </p:ext>
+    </p:extLst>
+  </p:cSld>
+  <p:clrMapOvr>
+    <a:masterClrMapping/>
+  </p:clrMapOvr>
+</p:sld>
+</file>
+
+<file path=ppt/slides/slide13.xml><?xml version="1.0" encoding="utf-8"?>
+<p:sld xmlns:a="http://schemas.openxmlformats.org/drawingml/2006/main" xmlns:r="http://schemas.openxmlformats.org/officeDocument/2006/relationships" xmlns:p="http://schemas.openxmlformats.org/presentationml/2006/main">
+  <p:cSld>
+    <p:spTree>
+      <p:nvGrpSpPr>
+        <p:cNvPr id="1" name=""/>
+        <p:cNvGrpSpPr/>
+        <p:nvPr/>
+      </p:nvGrpSpPr>
+      <p:grpSpPr>
+        <a:xfrm>
+          <a:off x="0" y="0"/>
+          <a:ext cx="0" cy="0"/>
+          <a:chOff x="0" y="0"/>
+          <a:chExt cx="0" cy="0"/>
+        </a:xfrm>
+      </p:grpSpPr>
+      <p:sp>
+        <p:nvSpPr>
+          <p:cNvPr id="2" name="Title 1">
+            <a:extLst>
+              <a:ext uri="{FF2B5EF4-FFF2-40B4-BE49-F238E27FC236}">
+                <a16:creationId xmlns:a16="http://schemas.microsoft.com/office/drawing/2014/main" id="{11B58DB4-C916-7B49-9A6D-9F6845C14BB2}"/>
+              </a:ext>
+            </a:extLst>
+          </p:cNvPr>
+          <p:cNvSpPr>
+            <a:spLocks noGrp="1"/>
+          </p:cNvSpPr>
+          <p:nvPr>
+            <p:ph type="title"/>
+          </p:nvPr>
+        </p:nvSpPr>
+        <p:spPr/>
+        <p:txBody>
+          <a:bodyPr/>
+          <a:lstStyle/>
+          <a:p>
+            <a:r>
+              <a:rPr lang="en-US" dirty="0"/>
+              <a:t>Overview</a:t>
+            </a:r>
+          </a:p>
+        </p:txBody>
+      </p:sp>
+      <p:sp>
+        <p:nvSpPr>
+          <p:cNvPr id="3" name="Content Placeholder 2">
+            <a:extLst>
+              <a:ext uri="{FF2B5EF4-FFF2-40B4-BE49-F238E27FC236}">
+                <a16:creationId xmlns:a16="http://schemas.microsoft.com/office/drawing/2014/main" id="{128AEB6D-95B4-1B4E-B689-57D1F84B35BC}"/>
+              </a:ext>
+            </a:extLst>
+          </p:cNvPr>
+          <p:cNvSpPr>
+            <a:spLocks noGrp="1"/>
+          </p:cNvSpPr>
+          <p:nvPr>
+            <p:ph idx="1"/>
+          </p:nvPr>
+        </p:nvSpPr>
+        <p:spPr/>
+        <p:txBody>
+          <a:bodyPr/>
+          <a:lstStyle/>
+          <a:p>
+            <a:r>
+              <a:rPr lang="en-US" dirty="0">
+                <a:solidFill>
+                  <a:schemeClr val="bg2">
+                    <a:lumMod val="90000"/>
+                  </a:schemeClr>
+                </a:solidFill>
+              </a:rPr>
+              <a:t>Goodness of fit and hypothetical data</a:t>
+            </a:r>
+          </a:p>
+          <a:p>
+            <a:r>
+              <a:rPr lang="en-US" dirty="0">
+                <a:solidFill>
+                  <a:schemeClr val="bg2">
+                    <a:lumMod val="90000"/>
+                  </a:schemeClr>
+                </a:solidFill>
+              </a:rPr>
+              <a:t>Global Statistics</a:t>
+            </a:r>
+          </a:p>
+          <a:p>
+            <a:r>
+              <a:rPr lang="en-US" dirty="0"/>
+              <a:t>Visual Comparisons</a:t>
+            </a:r>
+          </a:p>
+          <a:p>
+            <a:r>
+              <a:rPr lang="en-US" dirty="0">
+                <a:solidFill>
+                  <a:schemeClr val="bg2">
+                    <a:lumMod val="90000"/>
+                  </a:schemeClr>
+                </a:solidFill>
+              </a:rPr>
+              <a:t>Point Pattern Statistics</a:t>
+            </a:r>
+          </a:p>
+          <a:p>
+            <a:r>
+              <a:rPr lang="en-US" dirty="0">
+                <a:solidFill>
+                  <a:schemeClr val="bg2">
+                    <a:lumMod val="90000"/>
+                  </a:schemeClr>
+                </a:solidFill>
+              </a:rPr>
+              <a:t>Local Statistics (LISA)</a:t>
+            </a:r>
+          </a:p>
+          <a:p>
+            <a:r>
+              <a:rPr lang="en-US" dirty="0">
+                <a:solidFill>
+                  <a:schemeClr val="bg2">
+                    <a:lumMod val="90000"/>
+                  </a:schemeClr>
+                </a:solidFill>
+              </a:rPr>
+              <a:t>Multi-Scale Error Analysis</a:t>
+            </a:r>
+          </a:p>
+        </p:txBody>
+      </p:sp>
+    </p:spTree>
+    <p:extLst>
+      <p:ext uri="{BB962C8B-B14F-4D97-AF65-F5344CB8AC3E}">
+        <p14:creationId xmlns:p14="http://schemas.microsoft.com/office/powerpoint/2010/main" val="2731608349"/>
+      </p:ext>
+    </p:extLst>
+  </p:cSld>
+  <p:clrMapOvr>
+    <a:masterClrMapping/>
+  </p:clrMapOvr>
+</p:sld>
+</file>
+
+<file path=ppt/slides/slide14.xml><?xml version="1.0" encoding="utf-8"?>
+<p:sld xmlns:a="http://schemas.openxmlformats.org/drawingml/2006/main" xmlns:r="http://schemas.openxmlformats.org/officeDocument/2006/relationships" xmlns:p="http://schemas.openxmlformats.org/presentationml/2006/main">
+  <p:cSld>
+    <p:spTree>
+      <p:nvGrpSpPr>
+        <p:cNvPr id="1" name=""/>
+        <p:cNvGrpSpPr/>
+        <p:nvPr/>
+      </p:nvGrpSpPr>
+      <p:grpSpPr>
+        <a:xfrm>
+          <a:off x="0" y="0"/>
+          <a:ext cx="0" cy="0"/>
+          <a:chOff x="0" y="0"/>
+          <a:chExt cx="0" cy="0"/>
+        </a:xfrm>
+      </p:grpSpPr>
+      <p:sp>
+        <p:nvSpPr>
+          <p:cNvPr id="2" name="Title 1">
+            <a:extLst>
+              <a:ext uri="{FF2B5EF4-FFF2-40B4-BE49-F238E27FC236}">
+                <a16:creationId xmlns:a16="http://schemas.microsoft.com/office/drawing/2014/main" id="{C32B73F0-9F7C-884B-B305-068027E9DC57}"/>
+              </a:ext>
+            </a:extLst>
+          </p:cNvPr>
+          <p:cNvSpPr>
+            <a:spLocks noGrp="1"/>
+          </p:cNvSpPr>
+          <p:nvPr>
+            <p:ph type="title"/>
+          </p:nvPr>
+        </p:nvSpPr>
+        <p:spPr/>
+        <p:txBody>
+          <a:bodyPr/>
+          <a:lstStyle/>
+          <a:p>
+            <a:r>
+              <a:rPr lang="en-GB" dirty="0"/>
+              <a:t>Visual Comparisons</a:t>
+            </a:r>
+          </a:p>
+        </p:txBody>
+      </p:sp>
+      <p:sp>
+        <p:nvSpPr>
+          <p:cNvPr id="3" name="Content Placeholder 2">
+            <a:extLst>
+              <a:ext uri="{FF2B5EF4-FFF2-40B4-BE49-F238E27FC236}">
+                <a16:creationId xmlns:a16="http://schemas.microsoft.com/office/drawing/2014/main" id="{5D368FAB-1DEC-C249-A6DB-57CBFE9285C8}"/>
+              </a:ext>
+            </a:extLst>
+          </p:cNvPr>
+          <p:cNvSpPr>
+            <a:spLocks noGrp="1"/>
+          </p:cNvSpPr>
+          <p:nvPr>
+            <p:ph sz="half" idx="1"/>
+          </p:nvPr>
+        </p:nvSpPr>
+        <p:spPr/>
+        <p:txBody>
+          <a:bodyPr/>
+          <a:lstStyle/>
+          <a:p>
+            <a:endParaRPr lang="en-GB"/>
+          </a:p>
+        </p:txBody>
+      </p:sp>
+      <p:sp>
+        <p:nvSpPr>
+          <p:cNvPr id="4" name="Content Placeholder 3">
+            <a:extLst>
+              <a:ext uri="{FF2B5EF4-FFF2-40B4-BE49-F238E27FC236}">
+                <a16:creationId xmlns:a16="http://schemas.microsoft.com/office/drawing/2014/main" id="{8D7F4392-8110-0F48-8318-C8D2A13461C4}"/>
+              </a:ext>
+            </a:extLst>
+          </p:cNvPr>
+          <p:cNvSpPr>
+            <a:spLocks noGrp="1"/>
+          </p:cNvSpPr>
+          <p:nvPr>
+            <p:ph sz="half" idx="2"/>
+          </p:nvPr>
+        </p:nvSpPr>
+        <p:spPr/>
+        <p:txBody>
+          <a:bodyPr/>
+          <a:lstStyle/>
+          <a:p>
+            <a:endParaRPr lang="en-GB"/>
+          </a:p>
+        </p:txBody>
+      </p:sp>
+    </p:spTree>
+    <p:extLst>
+      <p:ext uri="{BB962C8B-B14F-4D97-AF65-F5344CB8AC3E}">
+        <p14:creationId xmlns:p14="http://schemas.microsoft.com/office/powerpoint/2010/main" val="4286640177"/>
+      </p:ext>
+    </p:extLst>
+  </p:cSld>
+  <p:clrMapOvr>
+    <a:masterClrMapping/>
+  </p:clrMapOvr>
+</p:sld>
+</file>
+
+<file path=ppt/slides/slide15.xml><?xml version="1.0" encoding="utf-8"?>
+<p:sld xmlns:a="http://schemas.openxmlformats.org/drawingml/2006/main" xmlns:r="http://schemas.openxmlformats.org/officeDocument/2006/relationships" xmlns:p="http://schemas.openxmlformats.org/presentationml/2006/main">
+  <p:cSld>
+    <p:spTree>
+      <p:nvGrpSpPr>
+        <p:cNvPr id="1" name=""/>
+        <p:cNvGrpSpPr/>
+        <p:nvPr/>
+      </p:nvGrpSpPr>
+      <p:grpSpPr>
+        <a:xfrm>
+          <a:off x="0" y="0"/>
+          <a:ext cx="0" cy="0"/>
+          <a:chOff x="0" y="0"/>
+          <a:chExt cx="0" cy="0"/>
+        </a:xfrm>
+      </p:grpSpPr>
+      <p:sp>
+        <p:nvSpPr>
+          <p:cNvPr id="2" name="Title 1">
+            <a:extLst>
+              <a:ext uri="{FF2B5EF4-FFF2-40B4-BE49-F238E27FC236}">
+                <a16:creationId xmlns:a16="http://schemas.microsoft.com/office/drawing/2014/main" id="{20D06F70-8F9A-734F-A9EB-61C2E19F8589}"/>
+              </a:ext>
+            </a:extLst>
+          </p:cNvPr>
+          <p:cNvSpPr>
+            <a:spLocks noGrp="1"/>
+          </p:cNvSpPr>
+          <p:nvPr>
+            <p:ph type="title"/>
+          </p:nvPr>
+        </p:nvSpPr>
+        <p:spPr/>
+        <p:txBody>
+          <a:bodyPr/>
+          <a:lstStyle/>
+          <a:p>
+            <a:endParaRPr lang="en-GB"/>
+          </a:p>
+        </p:txBody>
+      </p:sp>
+      <p:sp>
+        <p:nvSpPr>
+          <p:cNvPr id="3" name="Content Placeholder 2">
+            <a:extLst>
+              <a:ext uri="{FF2B5EF4-FFF2-40B4-BE49-F238E27FC236}">
+                <a16:creationId xmlns:a16="http://schemas.microsoft.com/office/drawing/2014/main" id="{FA8F4C28-1F43-9146-8309-68C475F6F25B}"/>
+              </a:ext>
+            </a:extLst>
+          </p:cNvPr>
+          <p:cNvSpPr>
+            <a:spLocks noGrp="1"/>
+          </p:cNvSpPr>
+          <p:nvPr>
+            <p:ph sz="half" idx="1"/>
+          </p:nvPr>
+        </p:nvSpPr>
+        <p:spPr/>
+        <p:txBody>
+          <a:bodyPr/>
+          <a:lstStyle/>
+          <a:p>
+            <a:endParaRPr lang="en-GB"/>
+          </a:p>
+        </p:txBody>
+      </p:sp>
+      <p:sp>
+        <p:nvSpPr>
+          <p:cNvPr id="4" name="Content Placeholder 3">
+            <a:extLst>
+              <a:ext uri="{FF2B5EF4-FFF2-40B4-BE49-F238E27FC236}">
+                <a16:creationId xmlns:a16="http://schemas.microsoft.com/office/drawing/2014/main" id="{6BEF9087-771B-9E4E-90DF-9D246F6479EC}"/>
+              </a:ext>
+            </a:extLst>
+          </p:cNvPr>
+          <p:cNvSpPr>
+            <a:spLocks noGrp="1"/>
+          </p:cNvSpPr>
+          <p:nvPr>
+            <p:ph sz="half" idx="2"/>
+          </p:nvPr>
+        </p:nvSpPr>
+        <p:spPr/>
+        <p:txBody>
+          <a:bodyPr/>
+          <a:lstStyle/>
+          <a:p>
+            <a:endParaRPr lang="en-GB"/>
+          </a:p>
+        </p:txBody>
+      </p:sp>
+    </p:spTree>
+    <p:extLst>
+      <p:ext uri="{BB962C8B-B14F-4D97-AF65-F5344CB8AC3E}">
+        <p14:creationId xmlns:p14="http://schemas.microsoft.com/office/powerpoint/2010/main" val="1102435981"/>
+      </p:ext>
+    </p:extLst>
+  </p:cSld>
+  <p:clrMapOvr>
+    <a:masterClrMapping/>
+  </p:clrMapOvr>
+</p:sld>
+</file>
+
+<file path=ppt/slides/slide16.xml><?xml version="1.0" encoding="utf-8"?>
+<p:sld xmlns:a="http://schemas.openxmlformats.org/drawingml/2006/main" xmlns:r="http://schemas.openxmlformats.org/officeDocument/2006/relationships" xmlns:p="http://schemas.openxmlformats.org/presentationml/2006/main">
+  <p:cSld>
+    <p:spTree>
+      <p:nvGrpSpPr>
+        <p:cNvPr id="1" name=""/>
+        <p:cNvGrpSpPr/>
+        <p:nvPr/>
+      </p:nvGrpSpPr>
+      <p:grpSpPr>
+        <a:xfrm>
+          <a:off x="0" y="0"/>
+          <a:ext cx="0" cy="0"/>
+          <a:chOff x="0" y="0"/>
+          <a:chExt cx="0" cy="0"/>
+        </a:xfrm>
+      </p:grpSpPr>
+      <p:sp>
+        <p:nvSpPr>
+          <p:cNvPr id="2" name="Title 1">
+            <a:extLst>
+              <a:ext uri="{FF2B5EF4-FFF2-40B4-BE49-F238E27FC236}">
+                <a16:creationId xmlns:a16="http://schemas.microsoft.com/office/drawing/2014/main" id="{11B58DB4-C916-7B49-9A6D-9F6845C14BB2}"/>
+              </a:ext>
+            </a:extLst>
+          </p:cNvPr>
+          <p:cNvSpPr>
+            <a:spLocks noGrp="1"/>
+          </p:cNvSpPr>
+          <p:nvPr>
+            <p:ph type="title"/>
+          </p:nvPr>
+        </p:nvSpPr>
+        <p:spPr/>
+        <p:txBody>
+          <a:bodyPr/>
+          <a:lstStyle/>
+          <a:p>
+            <a:r>
+              <a:rPr lang="en-US" dirty="0"/>
+              <a:t>Overview</a:t>
+            </a:r>
+          </a:p>
+        </p:txBody>
+      </p:sp>
+      <p:sp>
+        <p:nvSpPr>
+          <p:cNvPr id="3" name="Content Placeholder 2">
+            <a:extLst>
+              <a:ext uri="{FF2B5EF4-FFF2-40B4-BE49-F238E27FC236}">
+                <a16:creationId xmlns:a16="http://schemas.microsoft.com/office/drawing/2014/main" id="{128AEB6D-95B4-1B4E-B689-57D1F84B35BC}"/>
+              </a:ext>
+            </a:extLst>
+          </p:cNvPr>
+          <p:cNvSpPr>
+            <a:spLocks noGrp="1"/>
+          </p:cNvSpPr>
+          <p:nvPr>
+            <p:ph idx="1"/>
+          </p:nvPr>
+        </p:nvSpPr>
+        <p:spPr/>
+        <p:txBody>
+          <a:bodyPr/>
+          <a:lstStyle/>
+          <a:p>
+            <a:r>
+              <a:rPr lang="en-US" dirty="0">
+                <a:solidFill>
+                  <a:schemeClr val="bg2">
+                    <a:lumMod val="90000"/>
+                  </a:schemeClr>
+                </a:solidFill>
+              </a:rPr>
+              <a:t>Goodness of fit and hypothetical data</a:t>
+            </a:r>
+          </a:p>
+          <a:p>
+            <a:r>
+              <a:rPr lang="en-US" dirty="0">
+                <a:solidFill>
+                  <a:schemeClr val="bg2">
+                    <a:lumMod val="90000"/>
+                  </a:schemeClr>
+                </a:solidFill>
+              </a:rPr>
+              <a:t>Global Statistics</a:t>
+            </a:r>
+          </a:p>
+          <a:p>
+            <a:r>
+              <a:rPr lang="en-US" dirty="0">
+                <a:solidFill>
+                  <a:schemeClr val="bg2">
+                    <a:lumMod val="90000"/>
+                  </a:schemeClr>
+                </a:solidFill>
+              </a:rPr>
+              <a:t>Visual Comparisons</a:t>
+            </a:r>
+          </a:p>
+          <a:p>
+            <a:r>
+              <a:rPr lang="en-US" dirty="0"/>
+              <a:t>Point Pattern Statistics</a:t>
+            </a:r>
+          </a:p>
+          <a:p>
+            <a:r>
+              <a:rPr lang="en-US" dirty="0">
+                <a:solidFill>
+                  <a:schemeClr val="bg2">
+                    <a:lumMod val="90000"/>
+                  </a:schemeClr>
+                </a:solidFill>
+              </a:rPr>
+              <a:t>Local Statistics (LISA)</a:t>
+            </a:r>
+          </a:p>
+          <a:p>
+            <a:r>
+              <a:rPr lang="en-US" dirty="0">
+                <a:solidFill>
+                  <a:schemeClr val="bg2">
+                    <a:lumMod val="90000"/>
+                  </a:schemeClr>
+                </a:solidFill>
+              </a:rPr>
+              <a:t>Multi-Scale Error Analysis</a:t>
+            </a:r>
+          </a:p>
+        </p:txBody>
+      </p:sp>
+    </p:spTree>
+    <p:extLst>
+      <p:ext uri="{BB962C8B-B14F-4D97-AF65-F5344CB8AC3E}">
+        <p14:creationId xmlns:p14="http://schemas.microsoft.com/office/powerpoint/2010/main" val="3233748621"/>
+      </p:ext>
+    </p:extLst>
+  </p:cSld>
+  <p:clrMapOvr>
+    <a:masterClrMapping/>
+  </p:clrMapOvr>
+</p:sld>
+</file>
+
+<file path=ppt/slides/slide17.xml><?xml version="1.0" encoding="utf-8"?>
+<p:sld xmlns:a="http://schemas.openxmlformats.org/drawingml/2006/main" xmlns:r="http://schemas.openxmlformats.org/officeDocument/2006/relationships" xmlns:p="http://schemas.openxmlformats.org/presentationml/2006/main">
+  <p:cSld>
+    <p:spTree>
+      <p:nvGrpSpPr>
+        <p:cNvPr id="1" name=""/>
+        <p:cNvGrpSpPr/>
+        <p:nvPr/>
+      </p:nvGrpSpPr>
+      <p:grpSpPr>
+        <a:xfrm>
+          <a:off x="0" y="0"/>
+          <a:ext cx="0" cy="0"/>
+          <a:chOff x="0" y="0"/>
+          <a:chExt cx="0" cy="0"/>
+        </a:xfrm>
+      </p:grpSpPr>
+      <p:sp>
+        <p:nvSpPr>
+          <p:cNvPr id="2" name="Title 1">
+            <a:extLst>
+              <a:ext uri="{FF2B5EF4-FFF2-40B4-BE49-F238E27FC236}">
+                <a16:creationId xmlns:a16="http://schemas.microsoft.com/office/drawing/2014/main" id="{9EF2A3A5-1182-864A-8827-26D1518A6394}"/>
+              </a:ext>
+            </a:extLst>
+          </p:cNvPr>
+          <p:cNvSpPr>
+            <a:spLocks noGrp="1"/>
+          </p:cNvSpPr>
+          <p:nvPr>
+            <p:ph type="title"/>
+          </p:nvPr>
+        </p:nvSpPr>
+        <p:spPr/>
+        <p:txBody>
+          <a:bodyPr/>
+          <a:lstStyle/>
+          <a:p>
+            <a:r>
+              <a:rPr lang="en-GB" dirty="0"/>
+              <a:t>Point Pattern Statistics</a:t>
+            </a:r>
+          </a:p>
+        </p:txBody>
+      </p:sp>
+      <p:sp>
+        <p:nvSpPr>
+          <p:cNvPr id="3" name="Content Placeholder 2">
+            <a:extLst>
+              <a:ext uri="{FF2B5EF4-FFF2-40B4-BE49-F238E27FC236}">
+                <a16:creationId xmlns:a16="http://schemas.microsoft.com/office/drawing/2014/main" id="{2E888BA9-58D7-6849-BDD2-F73E4F362626}"/>
+              </a:ext>
+            </a:extLst>
+          </p:cNvPr>
+          <p:cNvSpPr>
+            <a:spLocks noGrp="1"/>
+          </p:cNvSpPr>
+          <p:nvPr>
+            <p:ph sz="half" idx="1"/>
+          </p:nvPr>
+        </p:nvSpPr>
+        <p:spPr/>
+        <p:txBody>
+          <a:bodyPr/>
+          <a:lstStyle/>
+          <a:p>
+            <a:endParaRPr lang="en-GB"/>
+          </a:p>
+        </p:txBody>
+      </p:sp>
+      <p:sp>
+        <p:nvSpPr>
+          <p:cNvPr id="4" name="Content Placeholder 3">
+            <a:extLst>
+              <a:ext uri="{FF2B5EF4-FFF2-40B4-BE49-F238E27FC236}">
+                <a16:creationId xmlns:a16="http://schemas.microsoft.com/office/drawing/2014/main" id="{5992EC1C-B4ED-9045-ADEE-88C0CD5D1912}"/>
+              </a:ext>
+            </a:extLst>
+          </p:cNvPr>
+          <p:cNvSpPr>
+            <a:spLocks noGrp="1"/>
+          </p:cNvSpPr>
+          <p:nvPr>
+            <p:ph sz="half" idx="2"/>
+          </p:nvPr>
+        </p:nvSpPr>
+        <p:spPr/>
+        <p:txBody>
+          <a:bodyPr/>
+          <a:lstStyle/>
+          <a:p>
+            <a:endParaRPr lang="en-GB"/>
+          </a:p>
+        </p:txBody>
+      </p:sp>
+    </p:spTree>
+    <p:extLst>
+      <p:ext uri="{BB962C8B-B14F-4D97-AF65-F5344CB8AC3E}">
+        <p14:creationId xmlns:p14="http://schemas.microsoft.com/office/powerpoint/2010/main" val="2501577883"/>
+      </p:ext>
+    </p:extLst>
+  </p:cSld>
+  <p:clrMapOvr>
+    <a:masterClrMapping/>
+  </p:clrMapOvr>
+</p:sld>
+</file>
+
+<file path=ppt/slides/slide18.xml><?xml version="1.0" encoding="utf-8"?>
+<p:sld xmlns:a="http://schemas.openxmlformats.org/drawingml/2006/main" xmlns:r="http://schemas.openxmlformats.org/officeDocument/2006/relationships" xmlns:p="http://schemas.openxmlformats.org/presentationml/2006/main">
+  <p:cSld>
+    <p:spTree>
+      <p:nvGrpSpPr>
+        <p:cNvPr id="1" name=""/>
+        <p:cNvGrpSpPr/>
+        <p:nvPr/>
+      </p:nvGrpSpPr>
+      <p:grpSpPr>
+        <a:xfrm>
+          <a:off x="0" y="0"/>
+          <a:ext cx="0" cy="0"/>
+          <a:chOff x="0" y="0"/>
+          <a:chExt cx="0" cy="0"/>
+        </a:xfrm>
+      </p:grpSpPr>
+      <p:sp>
+        <p:nvSpPr>
+          <p:cNvPr id="2" name="Title 1">
+            <a:extLst>
+              <a:ext uri="{FF2B5EF4-FFF2-40B4-BE49-F238E27FC236}">
+                <a16:creationId xmlns:a16="http://schemas.microsoft.com/office/drawing/2014/main" id="{A3087EA2-2DAB-3A49-A952-A331B67A7F75}"/>
+              </a:ext>
+            </a:extLst>
+          </p:cNvPr>
+          <p:cNvSpPr>
+            <a:spLocks noGrp="1"/>
+          </p:cNvSpPr>
+          <p:nvPr>
+            <p:ph type="title"/>
+          </p:nvPr>
+        </p:nvSpPr>
+        <p:spPr/>
+        <p:txBody>
+          <a:bodyPr/>
+          <a:lstStyle/>
+          <a:p>
+            <a:endParaRPr lang="en-GB"/>
+          </a:p>
+        </p:txBody>
+      </p:sp>
+      <p:sp>
+        <p:nvSpPr>
+          <p:cNvPr id="3" name="Content Placeholder 2">
+            <a:extLst>
+              <a:ext uri="{FF2B5EF4-FFF2-40B4-BE49-F238E27FC236}">
+                <a16:creationId xmlns:a16="http://schemas.microsoft.com/office/drawing/2014/main" id="{C93AE24C-2856-BE4E-9B5F-542531A98BBE}"/>
+              </a:ext>
+            </a:extLst>
+          </p:cNvPr>
+          <p:cNvSpPr>
+            <a:spLocks noGrp="1"/>
+          </p:cNvSpPr>
+          <p:nvPr>
+            <p:ph sz="half" idx="1"/>
+          </p:nvPr>
+        </p:nvSpPr>
+        <p:spPr/>
+        <p:txBody>
+          <a:bodyPr/>
+          <a:lstStyle/>
+          <a:p>
+            <a:endParaRPr lang="en-GB"/>
+          </a:p>
+        </p:txBody>
+      </p:sp>
+      <p:sp>
+        <p:nvSpPr>
+          <p:cNvPr id="4" name="Content Placeholder 3">
+            <a:extLst>
+              <a:ext uri="{FF2B5EF4-FFF2-40B4-BE49-F238E27FC236}">
+                <a16:creationId xmlns:a16="http://schemas.microsoft.com/office/drawing/2014/main" id="{0DDCAF99-537E-4448-BE66-07E56A723E6E}"/>
+              </a:ext>
+            </a:extLst>
+          </p:cNvPr>
+          <p:cNvSpPr>
+            <a:spLocks noGrp="1"/>
+          </p:cNvSpPr>
+          <p:nvPr>
+            <p:ph sz="half" idx="2"/>
+          </p:nvPr>
+        </p:nvSpPr>
+        <p:spPr/>
+        <p:txBody>
+          <a:bodyPr/>
+          <a:lstStyle/>
+          <a:p>
+            <a:endParaRPr lang="en-GB"/>
+          </a:p>
+        </p:txBody>
+      </p:sp>
+    </p:spTree>
+    <p:extLst>
+      <p:ext uri="{BB962C8B-B14F-4D97-AF65-F5344CB8AC3E}">
+        <p14:creationId xmlns:p14="http://schemas.microsoft.com/office/powerpoint/2010/main" val="1429789702"/>
+      </p:ext>
+    </p:extLst>
+  </p:cSld>
+  <p:clrMapOvr>
+    <a:masterClrMapping/>
+  </p:clrMapOvr>
+</p:sld>
+</file>
+
+<file path=ppt/slides/slide19.xml><?xml version="1.0" encoding="utf-8"?>
+<p:sld xmlns:a="http://schemas.openxmlformats.org/drawingml/2006/main" xmlns:r="http://schemas.openxmlformats.org/officeDocument/2006/relationships" xmlns:p="http://schemas.openxmlformats.org/presentationml/2006/main">
+  <p:cSld>
+    <p:spTree>
+      <p:nvGrpSpPr>
+        <p:cNvPr id="1" name=""/>
+        <p:cNvGrpSpPr/>
+        <p:nvPr/>
+      </p:nvGrpSpPr>
+      <p:grpSpPr>
+        <a:xfrm>
+          <a:off x="0" y="0"/>
+          <a:ext cx="0" cy="0"/>
+          <a:chOff x="0" y="0"/>
+          <a:chExt cx="0" cy="0"/>
+        </a:xfrm>
+      </p:grpSpPr>
+      <p:sp>
+        <p:nvSpPr>
+          <p:cNvPr id="2" name="Title 1">
+            <a:extLst>
+              <a:ext uri="{FF2B5EF4-FFF2-40B4-BE49-F238E27FC236}">
+                <a16:creationId xmlns:a16="http://schemas.microsoft.com/office/drawing/2014/main" id="{11B58DB4-C916-7B49-9A6D-9F6845C14BB2}"/>
+              </a:ext>
+            </a:extLst>
+          </p:cNvPr>
+          <p:cNvSpPr>
+            <a:spLocks noGrp="1"/>
+          </p:cNvSpPr>
+          <p:nvPr>
+            <p:ph type="title"/>
+          </p:nvPr>
+        </p:nvSpPr>
+        <p:spPr/>
+        <p:txBody>
+          <a:bodyPr/>
+          <a:lstStyle/>
+          <a:p>
+            <a:r>
+              <a:rPr lang="en-US" dirty="0"/>
+              <a:t>Overview</a:t>
+            </a:r>
+          </a:p>
+        </p:txBody>
+      </p:sp>
+      <p:sp>
+        <p:nvSpPr>
+          <p:cNvPr id="3" name="Content Placeholder 2">
+            <a:extLst>
+              <a:ext uri="{FF2B5EF4-FFF2-40B4-BE49-F238E27FC236}">
+                <a16:creationId xmlns:a16="http://schemas.microsoft.com/office/drawing/2014/main" id="{128AEB6D-95B4-1B4E-B689-57D1F84B35BC}"/>
+              </a:ext>
+            </a:extLst>
+          </p:cNvPr>
+          <p:cNvSpPr>
+            <a:spLocks noGrp="1"/>
+          </p:cNvSpPr>
+          <p:nvPr>
+            <p:ph idx="1"/>
+          </p:nvPr>
+        </p:nvSpPr>
+        <p:spPr/>
+        <p:txBody>
+          <a:bodyPr/>
+          <a:lstStyle/>
+          <a:p>
+            <a:r>
+              <a:rPr lang="en-US" dirty="0">
+                <a:solidFill>
+                  <a:schemeClr val="bg2">
+                    <a:lumMod val="90000"/>
+                  </a:schemeClr>
+                </a:solidFill>
+              </a:rPr>
+              <a:t>Goodness of fit and hypothetical data</a:t>
+            </a:r>
+          </a:p>
+          <a:p>
+            <a:r>
+              <a:rPr lang="en-US" dirty="0">
+                <a:solidFill>
+                  <a:schemeClr val="bg2">
+                    <a:lumMod val="90000"/>
+                  </a:schemeClr>
+                </a:solidFill>
+              </a:rPr>
+              <a:t>Global Statistics</a:t>
+            </a:r>
+          </a:p>
+          <a:p>
+            <a:r>
+              <a:rPr lang="en-US" dirty="0">
+                <a:solidFill>
+                  <a:schemeClr val="bg2">
+                    <a:lumMod val="90000"/>
+                  </a:schemeClr>
+                </a:solidFill>
+              </a:rPr>
+              <a:t>Visual Comparisons</a:t>
+            </a:r>
+          </a:p>
+          <a:p>
+            <a:r>
+              <a:rPr lang="en-US" dirty="0">
+                <a:solidFill>
+                  <a:schemeClr val="bg2">
+                    <a:lumMod val="90000"/>
+                  </a:schemeClr>
+                </a:solidFill>
+              </a:rPr>
+              <a:t>Point Pattern Statistics</a:t>
+            </a:r>
+          </a:p>
+          <a:p>
+            <a:r>
+              <a:rPr lang="en-US" dirty="0"/>
+              <a:t>Local Statistics (LISA)</a:t>
+            </a:r>
+          </a:p>
+          <a:p>
+            <a:r>
+              <a:rPr lang="en-US" dirty="0">
+                <a:solidFill>
+                  <a:schemeClr val="bg2">
+                    <a:lumMod val="90000"/>
+                  </a:schemeClr>
+                </a:solidFill>
+              </a:rPr>
+              <a:t>Multi-Scale Error Analysis</a:t>
+            </a:r>
+          </a:p>
+        </p:txBody>
+      </p:sp>
+    </p:spTree>
+    <p:extLst>
+      <p:ext uri="{BB962C8B-B14F-4D97-AF65-F5344CB8AC3E}">
+        <p14:creationId xmlns:p14="http://schemas.microsoft.com/office/powerpoint/2010/main" val="2647263730"/>
+      </p:ext>
+    </p:extLst>
+  </p:cSld>
+  <p:clrMapOvr>
+    <a:masterClrMapping/>
+  </p:clrMapOvr>
+</p:sld>
+</file>
+
 <file path=ppt/slides/slide2.xml><?xml version="1.0" encoding="utf-8"?>
 <p:sld xmlns:a="http://schemas.openxmlformats.org/drawingml/2006/main" xmlns:r="http://schemas.openxmlformats.org/officeDocument/2006/relationships" xmlns:p="http://schemas.openxmlformats.org/presentationml/2006/main">
   <p:cSld>
@@ -4084,6 +5614,1074 @@
     <p:extLst>
       <p:ext uri="{BB962C8B-B14F-4D97-AF65-F5344CB8AC3E}">
         <p14:creationId xmlns:p14="http://schemas.microsoft.com/office/powerpoint/2010/main" val="19868624"/>
+      </p:ext>
+    </p:extLst>
+  </p:cSld>
+  <p:clrMapOvr>
+    <a:masterClrMapping/>
+  </p:clrMapOvr>
+</p:sld>
+</file>
+
+<file path=ppt/slides/slide20.xml><?xml version="1.0" encoding="utf-8"?>
+<p:sld xmlns:a="http://schemas.openxmlformats.org/drawingml/2006/main" xmlns:r="http://schemas.openxmlformats.org/officeDocument/2006/relationships" xmlns:p="http://schemas.openxmlformats.org/presentationml/2006/main">
+  <p:cSld>
+    <p:spTree>
+      <p:nvGrpSpPr>
+        <p:cNvPr id="1" name=""/>
+        <p:cNvGrpSpPr/>
+        <p:nvPr/>
+      </p:nvGrpSpPr>
+      <p:grpSpPr>
+        <a:xfrm>
+          <a:off x="0" y="0"/>
+          <a:ext cx="0" cy="0"/>
+          <a:chOff x="0" y="0"/>
+          <a:chExt cx="0" cy="0"/>
+        </a:xfrm>
+      </p:grpSpPr>
+      <p:sp>
+        <p:nvSpPr>
+          <p:cNvPr id="2" name="Title 1">
+            <a:extLst>
+              <a:ext uri="{FF2B5EF4-FFF2-40B4-BE49-F238E27FC236}">
+                <a16:creationId xmlns:a16="http://schemas.microsoft.com/office/drawing/2014/main" id="{A7C7FDD8-AB92-1D45-87F9-1B4DDE7E84D4}"/>
+              </a:ext>
+            </a:extLst>
+          </p:cNvPr>
+          <p:cNvSpPr>
+            <a:spLocks noGrp="1"/>
+          </p:cNvSpPr>
+          <p:nvPr>
+            <p:ph type="title"/>
+          </p:nvPr>
+        </p:nvSpPr>
+        <p:spPr/>
+        <p:txBody>
+          <a:bodyPr/>
+          <a:lstStyle/>
+          <a:p>
+            <a:r>
+              <a:rPr lang="en-GB" dirty="0"/>
+              <a:t>Local Indicators of Spatial Association (LISA)</a:t>
+            </a:r>
+          </a:p>
+        </p:txBody>
+      </p:sp>
+      <p:sp>
+        <p:nvSpPr>
+          <p:cNvPr id="3" name="Content Placeholder 2">
+            <a:extLst>
+              <a:ext uri="{FF2B5EF4-FFF2-40B4-BE49-F238E27FC236}">
+                <a16:creationId xmlns:a16="http://schemas.microsoft.com/office/drawing/2014/main" id="{0D7D14EE-8186-4F46-8C7C-04CEC1CC2757}"/>
+              </a:ext>
+            </a:extLst>
+          </p:cNvPr>
+          <p:cNvSpPr>
+            <a:spLocks noGrp="1"/>
+          </p:cNvSpPr>
+          <p:nvPr>
+            <p:ph sz="half" idx="1"/>
+          </p:nvPr>
+        </p:nvSpPr>
+        <p:spPr/>
+        <p:txBody>
+          <a:bodyPr/>
+          <a:lstStyle/>
+          <a:p>
+            <a:r>
+              <a:rPr lang="en-GB" dirty="0"/>
+              <a:t>Local Statistics</a:t>
+            </a:r>
+          </a:p>
+        </p:txBody>
+      </p:sp>
+      <p:sp>
+        <p:nvSpPr>
+          <p:cNvPr id="4" name="Content Placeholder 3">
+            <a:extLst>
+              <a:ext uri="{FF2B5EF4-FFF2-40B4-BE49-F238E27FC236}">
+                <a16:creationId xmlns:a16="http://schemas.microsoft.com/office/drawing/2014/main" id="{246C46AF-48D1-2D44-93A0-EEBD968A6C70}"/>
+              </a:ext>
+            </a:extLst>
+          </p:cNvPr>
+          <p:cNvSpPr>
+            <a:spLocks noGrp="1"/>
+          </p:cNvSpPr>
+          <p:nvPr>
+            <p:ph sz="half" idx="2"/>
+          </p:nvPr>
+        </p:nvSpPr>
+        <p:spPr/>
+        <p:txBody>
+          <a:bodyPr/>
+          <a:lstStyle/>
+          <a:p>
+            <a:endParaRPr lang="en-GB"/>
+          </a:p>
+        </p:txBody>
+      </p:sp>
+    </p:spTree>
+    <p:extLst>
+      <p:ext uri="{BB962C8B-B14F-4D97-AF65-F5344CB8AC3E}">
+        <p14:creationId xmlns:p14="http://schemas.microsoft.com/office/powerpoint/2010/main" val="776096245"/>
+      </p:ext>
+    </p:extLst>
+  </p:cSld>
+  <p:clrMapOvr>
+    <a:masterClrMapping/>
+  </p:clrMapOvr>
+</p:sld>
+</file>
+
+<file path=ppt/slides/slide21.xml><?xml version="1.0" encoding="utf-8"?>
+<p:sld xmlns:a="http://schemas.openxmlformats.org/drawingml/2006/main" xmlns:r="http://schemas.openxmlformats.org/officeDocument/2006/relationships" xmlns:p="http://schemas.openxmlformats.org/presentationml/2006/main">
+  <p:cSld>
+    <p:spTree>
+      <p:nvGrpSpPr>
+        <p:cNvPr id="1" name=""/>
+        <p:cNvGrpSpPr/>
+        <p:nvPr/>
+      </p:nvGrpSpPr>
+      <p:grpSpPr>
+        <a:xfrm>
+          <a:off x="0" y="0"/>
+          <a:ext cx="0" cy="0"/>
+          <a:chOff x="0" y="0"/>
+          <a:chExt cx="0" cy="0"/>
+        </a:xfrm>
+      </p:grpSpPr>
+      <p:sp>
+        <p:nvSpPr>
+          <p:cNvPr id="2" name="Title 1">
+            <a:extLst>
+              <a:ext uri="{FF2B5EF4-FFF2-40B4-BE49-F238E27FC236}">
+                <a16:creationId xmlns:a16="http://schemas.microsoft.com/office/drawing/2014/main" id="{05C60279-5B8D-2F4A-A3EA-EAED0686F78F}"/>
+              </a:ext>
+            </a:extLst>
+          </p:cNvPr>
+          <p:cNvSpPr>
+            <a:spLocks noGrp="1"/>
+          </p:cNvSpPr>
+          <p:nvPr>
+            <p:ph type="title"/>
+          </p:nvPr>
+        </p:nvSpPr>
+        <p:spPr/>
+        <p:txBody>
+          <a:bodyPr/>
+          <a:lstStyle/>
+          <a:p>
+            <a:endParaRPr lang="en-GB"/>
+          </a:p>
+        </p:txBody>
+      </p:sp>
+      <p:sp>
+        <p:nvSpPr>
+          <p:cNvPr id="3" name="Content Placeholder 2">
+            <a:extLst>
+              <a:ext uri="{FF2B5EF4-FFF2-40B4-BE49-F238E27FC236}">
+                <a16:creationId xmlns:a16="http://schemas.microsoft.com/office/drawing/2014/main" id="{D880E025-AF67-C243-BB71-BF9AF7C18A01}"/>
+              </a:ext>
+            </a:extLst>
+          </p:cNvPr>
+          <p:cNvSpPr>
+            <a:spLocks noGrp="1"/>
+          </p:cNvSpPr>
+          <p:nvPr>
+            <p:ph sz="half" idx="1"/>
+          </p:nvPr>
+        </p:nvSpPr>
+        <p:spPr/>
+        <p:txBody>
+          <a:bodyPr/>
+          <a:lstStyle/>
+          <a:p>
+            <a:endParaRPr lang="en-GB"/>
+          </a:p>
+        </p:txBody>
+      </p:sp>
+      <p:sp>
+        <p:nvSpPr>
+          <p:cNvPr id="4" name="Content Placeholder 3">
+            <a:extLst>
+              <a:ext uri="{FF2B5EF4-FFF2-40B4-BE49-F238E27FC236}">
+                <a16:creationId xmlns:a16="http://schemas.microsoft.com/office/drawing/2014/main" id="{33FB9995-0D8A-D247-8BE6-1A697EC93972}"/>
+              </a:ext>
+            </a:extLst>
+          </p:cNvPr>
+          <p:cNvSpPr>
+            <a:spLocks noGrp="1"/>
+          </p:cNvSpPr>
+          <p:nvPr>
+            <p:ph sz="half" idx="2"/>
+          </p:nvPr>
+        </p:nvSpPr>
+        <p:spPr/>
+        <p:txBody>
+          <a:bodyPr/>
+          <a:lstStyle/>
+          <a:p>
+            <a:endParaRPr lang="en-GB"/>
+          </a:p>
+        </p:txBody>
+      </p:sp>
+    </p:spTree>
+    <p:extLst>
+      <p:ext uri="{BB962C8B-B14F-4D97-AF65-F5344CB8AC3E}">
+        <p14:creationId xmlns:p14="http://schemas.microsoft.com/office/powerpoint/2010/main" val="1625925961"/>
+      </p:ext>
+    </p:extLst>
+  </p:cSld>
+  <p:clrMapOvr>
+    <a:masterClrMapping/>
+  </p:clrMapOvr>
+</p:sld>
+</file>
+
+<file path=ppt/slides/slide22.xml><?xml version="1.0" encoding="utf-8"?>
+<p:sld xmlns:a="http://schemas.openxmlformats.org/drawingml/2006/main" xmlns:r="http://schemas.openxmlformats.org/officeDocument/2006/relationships" xmlns:p="http://schemas.openxmlformats.org/presentationml/2006/main">
+  <p:cSld>
+    <p:spTree>
+      <p:nvGrpSpPr>
+        <p:cNvPr id="1" name=""/>
+        <p:cNvGrpSpPr/>
+        <p:nvPr/>
+      </p:nvGrpSpPr>
+      <p:grpSpPr>
+        <a:xfrm>
+          <a:off x="0" y="0"/>
+          <a:ext cx="0" cy="0"/>
+          <a:chOff x="0" y="0"/>
+          <a:chExt cx="0" cy="0"/>
+        </a:xfrm>
+      </p:grpSpPr>
+      <p:sp>
+        <p:nvSpPr>
+          <p:cNvPr id="2" name="Title 1">
+            <a:extLst>
+              <a:ext uri="{FF2B5EF4-FFF2-40B4-BE49-F238E27FC236}">
+                <a16:creationId xmlns:a16="http://schemas.microsoft.com/office/drawing/2014/main" id="{11B58DB4-C916-7B49-9A6D-9F6845C14BB2}"/>
+              </a:ext>
+            </a:extLst>
+          </p:cNvPr>
+          <p:cNvSpPr>
+            <a:spLocks noGrp="1"/>
+          </p:cNvSpPr>
+          <p:nvPr>
+            <p:ph type="title"/>
+          </p:nvPr>
+        </p:nvSpPr>
+        <p:spPr/>
+        <p:txBody>
+          <a:bodyPr/>
+          <a:lstStyle/>
+          <a:p>
+            <a:r>
+              <a:rPr lang="en-US" dirty="0"/>
+              <a:t>Overview</a:t>
+            </a:r>
+          </a:p>
+        </p:txBody>
+      </p:sp>
+      <p:sp>
+        <p:nvSpPr>
+          <p:cNvPr id="3" name="Content Placeholder 2">
+            <a:extLst>
+              <a:ext uri="{FF2B5EF4-FFF2-40B4-BE49-F238E27FC236}">
+                <a16:creationId xmlns:a16="http://schemas.microsoft.com/office/drawing/2014/main" id="{128AEB6D-95B4-1B4E-B689-57D1F84B35BC}"/>
+              </a:ext>
+            </a:extLst>
+          </p:cNvPr>
+          <p:cNvSpPr>
+            <a:spLocks noGrp="1"/>
+          </p:cNvSpPr>
+          <p:nvPr>
+            <p:ph idx="1"/>
+          </p:nvPr>
+        </p:nvSpPr>
+        <p:spPr/>
+        <p:txBody>
+          <a:bodyPr/>
+          <a:lstStyle/>
+          <a:p>
+            <a:r>
+              <a:rPr lang="en-US" dirty="0">
+                <a:solidFill>
+                  <a:schemeClr val="bg2">
+                    <a:lumMod val="90000"/>
+                  </a:schemeClr>
+                </a:solidFill>
+              </a:rPr>
+              <a:t>Goodness of fit and hypothetical data</a:t>
+            </a:r>
+          </a:p>
+          <a:p>
+            <a:r>
+              <a:rPr lang="en-US" dirty="0">
+                <a:solidFill>
+                  <a:schemeClr val="bg2">
+                    <a:lumMod val="90000"/>
+                  </a:schemeClr>
+                </a:solidFill>
+              </a:rPr>
+              <a:t>Global Statistics</a:t>
+            </a:r>
+          </a:p>
+          <a:p>
+            <a:r>
+              <a:rPr lang="en-US" dirty="0">
+                <a:solidFill>
+                  <a:schemeClr val="bg2">
+                    <a:lumMod val="90000"/>
+                  </a:schemeClr>
+                </a:solidFill>
+              </a:rPr>
+              <a:t>Visual Comparisons</a:t>
+            </a:r>
+          </a:p>
+          <a:p>
+            <a:r>
+              <a:rPr lang="en-US" dirty="0">
+                <a:solidFill>
+                  <a:schemeClr val="bg2">
+                    <a:lumMod val="90000"/>
+                  </a:schemeClr>
+                </a:solidFill>
+              </a:rPr>
+              <a:t>Point Pattern Statistics</a:t>
+            </a:r>
+          </a:p>
+          <a:p>
+            <a:r>
+              <a:rPr lang="en-US" dirty="0">
+                <a:solidFill>
+                  <a:schemeClr val="bg2">
+                    <a:lumMod val="90000"/>
+                  </a:schemeClr>
+                </a:solidFill>
+              </a:rPr>
+              <a:t>Local Statistics (LISA)</a:t>
+            </a:r>
+          </a:p>
+          <a:p>
+            <a:r>
+              <a:rPr lang="en-US" dirty="0"/>
+              <a:t>Multi-Scale Error Analysis</a:t>
+            </a:r>
+          </a:p>
+        </p:txBody>
+      </p:sp>
+    </p:spTree>
+    <p:extLst>
+      <p:ext uri="{BB962C8B-B14F-4D97-AF65-F5344CB8AC3E}">
+        <p14:creationId xmlns:p14="http://schemas.microsoft.com/office/powerpoint/2010/main" val="4178601900"/>
+      </p:ext>
+    </p:extLst>
+  </p:cSld>
+  <p:clrMapOvr>
+    <a:masterClrMapping/>
+  </p:clrMapOvr>
+</p:sld>
+</file>
+
+<file path=ppt/slides/slide23.xml><?xml version="1.0" encoding="utf-8"?>
+<p:sld xmlns:a="http://schemas.openxmlformats.org/drawingml/2006/main" xmlns:r="http://schemas.openxmlformats.org/officeDocument/2006/relationships" xmlns:p="http://schemas.openxmlformats.org/presentationml/2006/main">
+  <p:cSld>
+    <p:spTree>
+      <p:nvGrpSpPr>
+        <p:cNvPr id="1" name=""/>
+        <p:cNvGrpSpPr/>
+        <p:nvPr/>
+      </p:nvGrpSpPr>
+      <p:grpSpPr>
+        <a:xfrm>
+          <a:off x="0" y="0"/>
+          <a:ext cx="0" cy="0"/>
+          <a:chOff x="0" y="0"/>
+          <a:chExt cx="0" cy="0"/>
+        </a:xfrm>
+      </p:grpSpPr>
+      <p:sp>
+        <p:nvSpPr>
+          <p:cNvPr id="2" name="Title 1">
+            <a:extLst>
+              <a:ext uri="{FF2B5EF4-FFF2-40B4-BE49-F238E27FC236}">
+                <a16:creationId xmlns:a16="http://schemas.microsoft.com/office/drawing/2014/main" id="{957C303A-575D-DC4B-97B5-74200DFB1D3C}"/>
+              </a:ext>
+            </a:extLst>
+          </p:cNvPr>
+          <p:cNvSpPr>
+            <a:spLocks noGrp="1"/>
+          </p:cNvSpPr>
+          <p:nvPr>
+            <p:ph type="title"/>
+          </p:nvPr>
+        </p:nvSpPr>
+        <p:spPr/>
+        <p:txBody>
+          <a:bodyPr/>
+          <a:lstStyle/>
+          <a:p>
+            <a:r>
+              <a:rPr lang="en-GB" dirty="0"/>
+              <a:t>Multi-Scale Error Analysis</a:t>
+            </a:r>
+          </a:p>
+        </p:txBody>
+      </p:sp>
+      <p:sp>
+        <p:nvSpPr>
+          <p:cNvPr id="3" name="Content Placeholder 2">
+            <a:extLst>
+              <a:ext uri="{FF2B5EF4-FFF2-40B4-BE49-F238E27FC236}">
+                <a16:creationId xmlns:a16="http://schemas.microsoft.com/office/drawing/2014/main" id="{39876AFC-095B-4447-93D0-023FECB71F81}"/>
+              </a:ext>
+            </a:extLst>
+          </p:cNvPr>
+          <p:cNvSpPr>
+            <a:spLocks noGrp="1"/>
+          </p:cNvSpPr>
+          <p:nvPr>
+            <p:ph sz="half" idx="1"/>
+          </p:nvPr>
+        </p:nvSpPr>
+        <p:spPr/>
+        <p:txBody>
+          <a:bodyPr/>
+          <a:lstStyle/>
+          <a:p>
+            <a:endParaRPr lang="en-GB"/>
+          </a:p>
+        </p:txBody>
+      </p:sp>
+      <p:sp>
+        <p:nvSpPr>
+          <p:cNvPr id="4" name="Content Placeholder 3">
+            <a:extLst>
+              <a:ext uri="{FF2B5EF4-FFF2-40B4-BE49-F238E27FC236}">
+                <a16:creationId xmlns:a16="http://schemas.microsoft.com/office/drawing/2014/main" id="{B22F205F-AA01-7A40-8328-992044EB1AC4}"/>
+              </a:ext>
+            </a:extLst>
+          </p:cNvPr>
+          <p:cNvSpPr>
+            <a:spLocks noGrp="1"/>
+          </p:cNvSpPr>
+          <p:nvPr>
+            <p:ph sz="half" idx="2"/>
+          </p:nvPr>
+        </p:nvSpPr>
+        <p:spPr/>
+        <p:txBody>
+          <a:bodyPr/>
+          <a:lstStyle/>
+          <a:p>
+            <a:endParaRPr lang="en-GB"/>
+          </a:p>
+        </p:txBody>
+      </p:sp>
+    </p:spTree>
+    <p:extLst>
+      <p:ext uri="{BB962C8B-B14F-4D97-AF65-F5344CB8AC3E}">
+        <p14:creationId xmlns:p14="http://schemas.microsoft.com/office/powerpoint/2010/main" val="4152777916"/>
+      </p:ext>
+    </p:extLst>
+  </p:cSld>
+  <p:clrMapOvr>
+    <a:masterClrMapping/>
+  </p:clrMapOvr>
+</p:sld>
+</file>
+
+<file path=ppt/slides/slide24.xml><?xml version="1.0" encoding="utf-8"?>
+<p:sld xmlns:a="http://schemas.openxmlformats.org/drawingml/2006/main" xmlns:r="http://schemas.openxmlformats.org/officeDocument/2006/relationships" xmlns:p="http://schemas.openxmlformats.org/presentationml/2006/main">
+  <p:cSld>
+    <p:spTree>
+      <p:nvGrpSpPr>
+        <p:cNvPr id="1" name=""/>
+        <p:cNvGrpSpPr/>
+        <p:nvPr/>
+      </p:nvGrpSpPr>
+      <p:grpSpPr>
+        <a:xfrm>
+          <a:off x="0" y="0"/>
+          <a:ext cx="0" cy="0"/>
+          <a:chOff x="0" y="0"/>
+          <a:chExt cx="0" cy="0"/>
+        </a:xfrm>
+      </p:grpSpPr>
+      <p:sp>
+        <p:nvSpPr>
+          <p:cNvPr id="2" name="Title 1">
+            <a:extLst>
+              <a:ext uri="{FF2B5EF4-FFF2-40B4-BE49-F238E27FC236}">
+                <a16:creationId xmlns:a16="http://schemas.microsoft.com/office/drawing/2014/main" id="{82661C56-B9D0-AD46-B310-6521C7BDD5B4}"/>
+              </a:ext>
+            </a:extLst>
+          </p:cNvPr>
+          <p:cNvSpPr>
+            <a:spLocks noGrp="1"/>
+          </p:cNvSpPr>
+          <p:nvPr>
+            <p:ph type="title"/>
+          </p:nvPr>
+        </p:nvSpPr>
+        <p:spPr/>
+        <p:txBody>
+          <a:bodyPr/>
+          <a:lstStyle/>
+          <a:p>
+            <a:endParaRPr lang="en-GB"/>
+          </a:p>
+        </p:txBody>
+      </p:sp>
+      <p:sp>
+        <p:nvSpPr>
+          <p:cNvPr id="3" name="Content Placeholder 2">
+            <a:extLst>
+              <a:ext uri="{FF2B5EF4-FFF2-40B4-BE49-F238E27FC236}">
+                <a16:creationId xmlns:a16="http://schemas.microsoft.com/office/drawing/2014/main" id="{2F56E6C0-00DD-4846-81F4-8EF72734D407}"/>
+              </a:ext>
+            </a:extLst>
+          </p:cNvPr>
+          <p:cNvSpPr>
+            <a:spLocks noGrp="1"/>
+          </p:cNvSpPr>
+          <p:nvPr>
+            <p:ph sz="half" idx="1"/>
+          </p:nvPr>
+        </p:nvSpPr>
+        <p:spPr/>
+        <p:txBody>
+          <a:bodyPr/>
+          <a:lstStyle/>
+          <a:p>
+            <a:endParaRPr lang="en-GB"/>
+          </a:p>
+        </p:txBody>
+      </p:sp>
+      <p:sp>
+        <p:nvSpPr>
+          <p:cNvPr id="4" name="Content Placeholder 3">
+            <a:extLst>
+              <a:ext uri="{FF2B5EF4-FFF2-40B4-BE49-F238E27FC236}">
+                <a16:creationId xmlns:a16="http://schemas.microsoft.com/office/drawing/2014/main" id="{7795AAFB-22C7-7645-BCB1-2CD98FF188B3}"/>
+              </a:ext>
+            </a:extLst>
+          </p:cNvPr>
+          <p:cNvSpPr>
+            <a:spLocks noGrp="1"/>
+          </p:cNvSpPr>
+          <p:nvPr>
+            <p:ph sz="half" idx="2"/>
+          </p:nvPr>
+        </p:nvSpPr>
+        <p:spPr/>
+        <p:txBody>
+          <a:bodyPr/>
+          <a:lstStyle/>
+          <a:p>
+            <a:endParaRPr lang="en-GB"/>
+          </a:p>
+        </p:txBody>
+      </p:sp>
+    </p:spTree>
+    <p:extLst>
+      <p:ext uri="{BB962C8B-B14F-4D97-AF65-F5344CB8AC3E}">
+        <p14:creationId xmlns:p14="http://schemas.microsoft.com/office/powerpoint/2010/main" val="388184741"/>
+      </p:ext>
+    </p:extLst>
+  </p:cSld>
+  <p:clrMapOvr>
+    <a:masterClrMapping/>
+  </p:clrMapOvr>
+</p:sld>
+</file>
+
+<file path=ppt/slides/slide25.xml><?xml version="1.0" encoding="utf-8"?>
+<p:sld xmlns:a="http://schemas.openxmlformats.org/drawingml/2006/main" xmlns:r="http://schemas.openxmlformats.org/officeDocument/2006/relationships" xmlns:p="http://schemas.openxmlformats.org/presentationml/2006/main">
+  <p:cSld>
+    <p:spTree>
+      <p:nvGrpSpPr>
+        <p:cNvPr id="1" name=""/>
+        <p:cNvGrpSpPr/>
+        <p:nvPr/>
+      </p:nvGrpSpPr>
+      <p:grpSpPr>
+        <a:xfrm>
+          <a:off x="0" y="0"/>
+          <a:ext cx="0" cy="0"/>
+          <a:chOff x="0" y="0"/>
+          <a:chExt cx="0" cy="0"/>
+        </a:xfrm>
+      </p:grpSpPr>
+      <p:sp>
+        <p:nvSpPr>
+          <p:cNvPr id="2" name="Title 1">
+            <a:extLst>
+              <a:ext uri="{FF2B5EF4-FFF2-40B4-BE49-F238E27FC236}">
+                <a16:creationId xmlns:a16="http://schemas.microsoft.com/office/drawing/2014/main" id="{6E301968-1D4B-604C-8808-49E215F0F4B5}"/>
+              </a:ext>
+            </a:extLst>
+          </p:cNvPr>
+          <p:cNvSpPr>
+            <a:spLocks noGrp="1"/>
+          </p:cNvSpPr>
+          <p:nvPr>
+            <p:ph type="title"/>
+          </p:nvPr>
+        </p:nvSpPr>
+        <p:spPr/>
+        <p:txBody>
+          <a:bodyPr/>
+          <a:lstStyle/>
+          <a:p>
+            <a:r>
+              <a:rPr lang="en-GB" dirty="0"/>
+              <a:t>Conclusion</a:t>
+            </a:r>
+          </a:p>
+        </p:txBody>
+      </p:sp>
+      <p:sp>
+        <p:nvSpPr>
+          <p:cNvPr id="3" name="Content Placeholder 2">
+            <a:extLst>
+              <a:ext uri="{FF2B5EF4-FFF2-40B4-BE49-F238E27FC236}">
+                <a16:creationId xmlns:a16="http://schemas.microsoft.com/office/drawing/2014/main" id="{1DC996B5-6795-BA42-9178-521E9A658C26}"/>
+              </a:ext>
+            </a:extLst>
+          </p:cNvPr>
+          <p:cNvSpPr>
+            <a:spLocks noGrp="1"/>
+          </p:cNvSpPr>
+          <p:nvPr>
+            <p:ph sz="half" idx="1"/>
+          </p:nvPr>
+        </p:nvSpPr>
+        <p:spPr/>
+        <p:txBody>
+          <a:bodyPr/>
+          <a:lstStyle/>
+          <a:p>
+            <a:endParaRPr lang="en-GB"/>
+          </a:p>
+        </p:txBody>
+      </p:sp>
+      <p:sp>
+        <p:nvSpPr>
+          <p:cNvPr id="4" name="Content Placeholder 3">
+            <a:extLst>
+              <a:ext uri="{FF2B5EF4-FFF2-40B4-BE49-F238E27FC236}">
+                <a16:creationId xmlns:a16="http://schemas.microsoft.com/office/drawing/2014/main" id="{E21A4C58-BC4D-B941-985E-821AA2EA22AD}"/>
+              </a:ext>
+            </a:extLst>
+          </p:cNvPr>
+          <p:cNvSpPr>
+            <a:spLocks noGrp="1"/>
+          </p:cNvSpPr>
+          <p:nvPr>
+            <p:ph sz="half" idx="2"/>
+          </p:nvPr>
+        </p:nvSpPr>
+        <p:spPr/>
+        <p:txBody>
+          <a:bodyPr/>
+          <a:lstStyle/>
+          <a:p>
+            <a:endParaRPr lang="en-GB"/>
+          </a:p>
+        </p:txBody>
+      </p:sp>
+    </p:spTree>
+    <p:extLst>
+      <p:ext uri="{BB962C8B-B14F-4D97-AF65-F5344CB8AC3E}">
+        <p14:creationId xmlns:p14="http://schemas.microsoft.com/office/powerpoint/2010/main" val="3250417565"/>
+      </p:ext>
+    </p:extLst>
+  </p:cSld>
+  <p:clrMapOvr>
+    <a:masterClrMapping/>
+  </p:clrMapOvr>
+</p:sld>
+</file>
+
+<file path=ppt/slides/slide26.xml><?xml version="1.0" encoding="utf-8"?>
+<p:sld xmlns:a="http://schemas.openxmlformats.org/drawingml/2006/main" xmlns:r="http://schemas.openxmlformats.org/officeDocument/2006/relationships" xmlns:p="http://schemas.openxmlformats.org/presentationml/2006/main">
+  <p:cSld>
+    <p:spTree>
+      <p:nvGrpSpPr>
+        <p:cNvPr id="1" name=""/>
+        <p:cNvGrpSpPr/>
+        <p:nvPr/>
+      </p:nvGrpSpPr>
+      <p:grpSpPr>
+        <a:xfrm>
+          <a:off x="0" y="0"/>
+          <a:ext cx="0" cy="0"/>
+          <a:chOff x="0" y="0"/>
+          <a:chExt cx="0" cy="0"/>
+        </a:xfrm>
+      </p:grpSpPr>
+      <p:sp>
+        <p:nvSpPr>
+          <p:cNvPr id="2" name="Title 1">
+            <a:extLst>
+              <a:ext uri="{FF2B5EF4-FFF2-40B4-BE49-F238E27FC236}">
+                <a16:creationId xmlns:a16="http://schemas.microsoft.com/office/drawing/2014/main" id="{11B58DB4-C916-7B49-9A6D-9F6845C14BB2}"/>
+              </a:ext>
+            </a:extLst>
+          </p:cNvPr>
+          <p:cNvSpPr>
+            <a:spLocks noGrp="1"/>
+          </p:cNvSpPr>
+          <p:nvPr>
+            <p:ph type="title"/>
+          </p:nvPr>
+        </p:nvSpPr>
+        <p:spPr/>
+        <p:txBody>
+          <a:bodyPr/>
+          <a:lstStyle/>
+          <a:p>
+            <a:r>
+              <a:rPr lang="en-US" dirty="0"/>
+              <a:t>Summary</a:t>
+            </a:r>
+          </a:p>
+        </p:txBody>
+      </p:sp>
+      <p:sp>
+        <p:nvSpPr>
+          <p:cNvPr id="3" name="Content Placeholder 2">
+            <a:extLst>
+              <a:ext uri="{FF2B5EF4-FFF2-40B4-BE49-F238E27FC236}">
+                <a16:creationId xmlns:a16="http://schemas.microsoft.com/office/drawing/2014/main" id="{128AEB6D-95B4-1B4E-B689-57D1F84B35BC}"/>
+              </a:ext>
+            </a:extLst>
+          </p:cNvPr>
+          <p:cNvSpPr>
+            <a:spLocks noGrp="1"/>
+          </p:cNvSpPr>
+          <p:nvPr>
+            <p:ph idx="1"/>
+          </p:nvPr>
+        </p:nvSpPr>
+        <p:spPr/>
+        <p:txBody>
+          <a:bodyPr/>
+          <a:lstStyle/>
+          <a:p>
+            <a:r>
+              <a:rPr lang="en-US" dirty="0"/>
+              <a:t>Goodness of fit and hypothetical data</a:t>
+            </a:r>
+          </a:p>
+          <a:p>
+            <a:r>
+              <a:rPr lang="en-US" dirty="0"/>
+              <a:t>Global Statistics</a:t>
+            </a:r>
+          </a:p>
+          <a:p>
+            <a:r>
+              <a:rPr lang="en-US" dirty="0"/>
+              <a:t>Visual Comparisons</a:t>
+            </a:r>
+          </a:p>
+          <a:p>
+            <a:r>
+              <a:rPr lang="en-US" dirty="0"/>
+              <a:t>Point Pattern Statistics</a:t>
+            </a:r>
+          </a:p>
+          <a:p>
+            <a:r>
+              <a:rPr lang="en-US" dirty="0"/>
+              <a:t>Local Statistics (LISA)</a:t>
+            </a:r>
+          </a:p>
+          <a:p>
+            <a:r>
+              <a:rPr lang="en-US" dirty="0"/>
+              <a:t>Multi-Scale Error Analysis</a:t>
+            </a:r>
+          </a:p>
+        </p:txBody>
+      </p:sp>
+    </p:spTree>
+    <p:extLst>
+      <p:ext uri="{BB962C8B-B14F-4D97-AF65-F5344CB8AC3E}">
+        <p14:creationId xmlns:p14="http://schemas.microsoft.com/office/powerpoint/2010/main" val="4063815293"/>
+      </p:ext>
+    </p:extLst>
+  </p:cSld>
+  <p:clrMapOvr>
+    <a:masterClrMapping/>
+  </p:clrMapOvr>
+</p:sld>
+</file>
+
+<file path=ppt/slides/slide27.xml><?xml version="1.0" encoding="utf-8"?>
+<p:sld xmlns:a="http://schemas.openxmlformats.org/drawingml/2006/main" xmlns:r="http://schemas.openxmlformats.org/officeDocument/2006/relationships" xmlns:p="http://schemas.openxmlformats.org/presentationml/2006/main">
+  <p:cSld>
+    <p:spTree>
+      <p:nvGrpSpPr>
+        <p:cNvPr id="1" name=""/>
+        <p:cNvGrpSpPr/>
+        <p:nvPr/>
+      </p:nvGrpSpPr>
+      <p:grpSpPr>
+        <a:xfrm>
+          <a:off x="0" y="0"/>
+          <a:ext cx="0" cy="0"/>
+          <a:chOff x="0" y="0"/>
+          <a:chExt cx="0" cy="0"/>
+        </a:xfrm>
+      </p:grpSpPr>
+      <p:sp>
+        <p:nvSpPr>
+          <p:cNvPr id="2" name="Title 1">
+            <a:extLst>
+              <a:ext uri="{FF2B5EF4-FFF2-40B4-BE49-F238E27FC236}">
+                <a16:creationId xmlns:a16="http://schemas.microsoft.com/office/drawing/2014/main" id="{4B1F6C5C-80A3-D046-A7A0-FA67714AEB46}"/>
+              </a:ext>
+            </a:extLst>
+          </p:cNvPr>
+          <p:cNvSpPr>
+            <a:spLocks noGrp="1"/>
+          </p:cNvSpPr>
+          <p:nvPr>
+            <p:ph type="title"/>
+          </p:nvPr>
+        </p:nvSpPr>
+        <p:spPr/>
+        <p:txBody>
+          <a:bodyPr/>
+          <a:lstStyle/>
+          <a:p>
+            <a:endParaRPr lang="en-GB"/>
+          </a:p>
+        </p:txBody>
+      </p:sp>
+      <p:sp>
+        <p:nvSpPr>
+          <p:cNvPr id="3" name="Content Placeholder 2">
+            <a:extLst>
+              <a:ext uri="{FF2B5EF4-FFF2-40B4-BE49-F238E27FC236}">
+                <a16:creationId xmlns:a16="http://schemas.microsoft.com/office/drawing/2014/main" id="{401A2AAB-757D-DA45-83C3-F88DD2AA7655}"/>
+              </a:ext>
+            </a:extLst>
+          </p:cNvPr>
+          <p:cNvSpPr>
+            <a:spLocks noGrp="1"/>
+          </p:cNvSpPr>
+          <p:nvPr>
+            <p:ph sz="half" idx="1"/>
+          </p:nvPr>
+        </p:nvSpPr>
+        <p:spPr/>
+        <p:txBody>
+          <a:bodyPr/>
+          <a:lstStyle/>
+          <a:p>
+            <a:endParaRPr lang="en-GB"/>
+          </a:p>
+        </p:txBody>
+      </p:sp>
+      <p:sp>
+        <p:nvSpPr>
+          <p:cNvPr id="4" name="Content Placeholder 3">
+            <a:extLst>
+              <a:ext uri="{FF2B5EF4-FFF2-40B4-BE49-F238E27FC236}">
+                <a16:creationId xmlns:a16="http://schemas.microsoft.com/office/drawing/2014/main" id="{41E503E5-115B-3B41-A92F-65B461129A79}"/>
+              </a:ext>
+            </a:extLst>
+          </p:cNvPr>
+          <p:cNvSpPr>
+            <a:spLocks noGrp="1"/>
+          </p:cNvSpPr>
+          <p:nvPr>
+            <p:ph sz="half" idx="2"/>
+          </p:nvPr>
+        </p:nvSpPr>
+        <p:spPr/>
+        <p:txBody>
+          <a:bodyPr/>
+          <a:lstStyle/>
+          <a:p>
+            <a:endParaRPr lang="en-GB"/>
+          </a:p>
+        </p:txBody>
+      </p:sp>
+    </p:spTree>
+    <p:extLst>
+      <p:ext uri="{BB962C8B-B14F-4D97-AF65-F5344CB8AC3E}">
+        <p14:creationId xmlns:p14="http://schemas.microsoft.com/office/powerpoint/2010/main" val="3717603737"/>
+      </p:ext>
+    </p:extLst>
+  </p:cSld>
+  <p:clrMapOvr>
+    <a:masterClrMapping/>
+  </p:clrMapOvr>
+</p:sld>
+</file>
+
+<file path=ppt/slides/slide28.xml><?xml version="1.0" encoding="utf-8"?>
+<p:sld xmlns:a="http://schemas.openxmlformats.org/drawingml/2006/main" xmlns:r="http://schemas.openxmlformats.org/officeDocument/2006/relationships" xmlns:p="http://schemas.openxmlformats.org/presentationml/2006/main">
+  <p:cSld>
+    <p:spTree>
+      <p:nvGrpSpPr>
+        <p:cNvPr id="1" name=""/>
+        <p:cNvGrpSpPr/>
+        <p:nvPr/>
+      </p:nvGrpSpPr>
+      <p:grpSpPr>
+        <a:xfrm>
+          <a:off x="0" y="0"/>
+          <a:ext cx="0" cy="0"/>
+          <a:chOff x="0" y="0"/>
+          <a:chExt cx="0" cy="0"/>
+        </a:xfrm>
+      </p:grpSpPr>
+      <p:sp>
+        <p:nvSpPr>
+          <p:cNvPr id="2" name="Title 1">
+            <a:extLst>
+              <a:ext uri="{FF2B5EF4-FFF2-40B4-BE49-F238E27FC236}">
+                <a16:creationId xmlns:a16="http://schemas.microsoft.com/office/drawing/2014/main" id="{4054E602-6EB6-1B47-BC76-ED35C57A1014}"/>
+              </a:ext>
+            </a:extLst>
+          </p:cNvPr>
+          <p:cNvSpPr>
+            <a:spLocks noGrp="1"/>
+          </p:cNvSpPr>
+          <p:nvPr>
+            <p:ph type="title"/>
+          </p:nvPr>
+        </p:nvSpPr>
+        <p:spPr/>
+        <p:txBody>
+          <a:bodyPr/>
+          <a:lstStyle/>
+          <a:p>
+            <a:endParaRPr lang="en-GB"/>
+          </a:p>
+        </p:txBody>
+      </p:sp>
+      <p:pic>
+        <p:nvPicPr>
+          <p:cNvPr id="5" name="Content Placeholder 4">
+            <a:extLst>
+              <a:ext uri="{FF2B5EF4-FFF2-40B4-BE49-F238E27FC236}">
+                <a16:creationId xmlns:a16="http://schemas.microsoft.com/office/drawing/2014/main" id="{C4844F7C-CE52-EC46-9C0E-C76A27ADC00E}"/>
+              </a:ext>
+            </a:extLst>
+          </p:cNvPr>
+          <p:cNvPicPr>
+            <a:picLocks noGrp="1" noChangeAspect="1"/>
+          </p:cNvPicPr>
+          <p:nvPr>
+            <p:ph idx="1"/>
+          </p:nvPr>
+        </p:nvPicPr>
+        <p:blipFill>
+          <a:blip r:embed="rId2"/>
+          <a:stretch>
+            <a:fillRect/>
+          </a:stretch>
+        </p:blipFill>
+        <p:spPr>
+          <a:xfrm>
+            <a:off x="838200" y="2306582"/>
+            <a:ext cx="10515600" cy="3389424"/>
+          </a:xfrm>
+        </p:spPr>
+      </p:pic>
+    </p:spTree>
+    <p:extLst>
+      <p:ext uri="{BB962C8B-B14F-4D97-AF65-F5344CB8AC3E}">
+        <p14:creationId xmlns:p14="http://schemas.microsoft.com/office/powerpoint/2010/main" val="2055641866"/>
+      </p:ext>
+    </p:extLst>
+  </p:cSld>
+  <p:clrMapOvr>
+    <a:masterClrMapping/>
+  </p:clrMapOvr>
+</p:sld>
+</file>
+
+<file path=ppt/slides/slide29.xml><?xml version="1.0" encoding="utf-8"?>
+<p:sld xmlns:a="http://schemas.openxmlformats.org/drawingml/2006/main" xmlns:r="http://schemas.openxmlformats.org/officeDocument/2006/relationships" xmlns:p="http://schemas.openxmlformats.org/presentationml/2006/main">
+  <p:cSld>
+    <p:spTree>
+      <p:nvGrpSpPr>
+        <p:cNvPr id="1" name=""/>
+        <p:cNvGrpSpPr/>
+        <p:nvPr/>
+      </p:nvGrpSpPr>
+      <p:grpSpPr>
+        <a:xfrm>
+          <a:off x="0" y="0"/>
+          <a:ext cx="0" cy="0"/>
+          <a:chOff x="0" y="0"/>
+          <a:chExt cx="0" cy="0"/>
+        </a:xfrm>
+      </p:grpSpPr>
+      <p:sp>
+        <p:nvSpPr>
+          <p:cNvPr id="2" name="Title 1">
+            <a:extLst>
+              <a:ext uri="{FF2B5EF4-FFF2-40B4-BE49-F238E27FC236}">
+                <a16:creationId xmlns:a16="http://schemas.microsoft.com/office/drawing/2014/main" id="{1DBD55E1-BC98-804C-AD40-6E14621DBDD0}"/>
+              </a:ext>
+            </a:extLst>
+          </p:cNvPr>
+          <p:cNvSpPr>
+            <a:spLocks noGrp="1"/>
+          </p:cNvSpPr>
+          <p:nvPr>
+            <p:ph type="title"/>
+          </p:nvPr>
+        </p:nvSpPr>
+        <p:spPr/>
+        <p:txBody>
+          <a:bodyPr/>
+          <a:lstStyle/>
+          <a:p>
+            <a:endParaRPr lang="en-GB"/>
+          </a:p>
+        </p:txBody>
+      </p:sp>
+      <p:sp>
+        <p:nvSpPr>
+          <p:cNvPr id="3" name="Content Placeholder 2">
+            <a:extLst>
+              <a:ext uri="{FF2B5EF4-FFF2-40B4-BE49-F238E27FC236}">
+                <a16:creationId xmlns:a16="http://schemas.microsoft.com/office/drawing/2014/main" id="{C8A75EE7-BC8D-024E-8788-032E2F51DBB7}"/>
+              </a:ext>
+            </a:extLst>
+          </p:cNvPr>
+          <p:cNvSpPr>
+            <a:spLocks noGrp="1"/>
+          </p:cNvSpPr>
+          <p:nvPr>
+            <p:ph idx="1"/>
+          </p:nvPr>
+        </p:nvSpPr>
+        <p:spPr/>
+        <p:txBody>
+          <a:bodyPr/>
+          <a:lstStyle/>
+          <a:p>
+            <a:endParaRPr lang="en-GB"/>
+          </a:p>
+        </p:txBody>
+      </p:sp>
+    </p:spTree>
+    <p:extLst>
+      <p:ext uri="{BB962C8B-B14F-4D97-AF65-F5344CB8AC3E}">
+        <p14:creationId xmlns:p14="http://schemas.microsoft.com/office/powerpoint/2010/main" val="296713156"/>
       </p:ext>
     </p:extLst>
   </p:cSld>
@@ -4156,8 +6754,20 @@
         </p:nvSpPr>
         <p:spPr/>
         <p:txBody>
-          <a:bodyPr/>
-          <a:lstStyle/>
+          <a:bodyPr>
+            <a:normAutofit fontScale="92500" lnSpcReduction="20000"/>
+          </a:bodyPr>
+          <a:lstStyle/>
+          <a:p>
+            <a:r>
+              <a:rPr lang="en-US" i="1" dirty="0"/>
+              <a:t>All models are wrong, but some are useful</a:t>
+            </a:r>
+            <a:r>
+              <a:rPr lang="en-US" dirty="0"/>
+              <a:t> (Box, 1979)</a:t>
+            </a:r>
+          </a:p>
           <a:p>
             <a:r>
               <a:rPr lang="en-US" dirty="0"/>
@@ -4168,7 +6778,7 @@
             <a:pPr lvl="1"/>
             <a:r>
               <a:rPr lang="en-US" dirty="0"/>
-              <a:t>For example: Model results against real-world data</a:t>
+              <a:t>For example: Model results compared to real-world data</a:t>
             </a:r>
           </a:p>
           <a:p>
@@ -4233,6 +6843,212 @@
 </p:sld>
 </file>
 
+<file path=ppt/slides/slide30.xml><?xml version="1.0" encoding="utf-8"?>
+<p:sld xmlns:a="http://schemas.openxmlformats.org/drawingml/2006/main" xmlns:r="http://schemas.openxmlformats.org/officeDocument/2006/relationships" xmlns:p="http://schemas.openxmlformats.org/presentationml/2006/main">
+  <p:cSld>
+    <p:spTree>
+      <p:nvGrpSpPr>
+        <p:cNvPr id="1" name=""/>
+        <p:cNvGrpSpPr/>
+        <p:nvPr/>
+      </p:nvGrpSpPr>
+      <p:grpSpPr>
+        <a:xfrm>
+          <a:off x="0" y="0"/>
+          <a:ext cx="0" cy="0"/>
+          <a:chOff x="0" y="0"/>
+          <a:chExt cx="0" cy="0"/>
+        </a:xfrm>
+      </p:grpSpPr>
+      <p:sp>
+        <p:nvSpPr>
+          <p:cNvPr id="2" name="Title 1">
+            <a:extLst>
+              <a:ext uri="{FF2B5EF4-FFF2-40B4-BE49-F238E27FC236}">
+                <a16:creationId xmlns:a16="http://schemas.microsoft.com/office/drawing/2014/main" id="{404542EC-78BA-FC41-9647-BD2036D19085}"/>
+              </a:ext>
+            </a:extLst>
+          </p:cNvPr>
+          <p:cNvSpPr>
+            <a:spLocks noGrp="1"/>
+          </p:cNvSpPr>
+          <p:nvPr>
+            <p:ph type="title"/>
+          </p:nvPr>
+        </p:nvSpPr>
+        <p:spPr/>
+        <p:txBody>
+          <a:bodyPr/>
+          <a:lstStyle/>
+          <a:p>
+            <a:r>
+              <a:rPr lang="en-GB" dirty="0"/>
+              <a:t>Glossary</a:t>
+            </a:r>
+          </a:p>
+        </p:txBody>
+      </p:sp>
+      <p:sp>
+        <p:nvSpPr>
+          <p:cNvPr id="3" name="Content Placeholder 2">
+            <a:extLst>
+              <a:ext uri="{FF2B5EF4-FFF2-40B4-BE49-F238E27FC236}">
+                <a16:creationId xmlns:a16="http://schemas.microsoft.com/office/drawing/2014/main" id="{8536F92D-91CB-0A43-9F50-B4292DB04F97}"/>
+              </a:ext>
+            </a:extLst>
+          </p:cNvPr>
+          <p:cNvSpPr>
+            <a:spLocks noGrp="1"/>
+          </p:cNvSpPr>
+          <p:nvPr>
+            <p:ph sz="half" idx="1"/>
+          </p:nvPr>
+        </p:nvSpPr>
+        <p:spPr/>
+        <p:txBody>
+          <a:bodyPr>
+            <a:normAutofit fontScale="70000" lnSpcReduction="20000"/>
+          </a:bodyPr>
+          <a:lstStyle/>
+          <a:p>
+            <a:r>
+              <a:rPr lang="en-GB" dirty="0"/>
+              <a:t>Goodness of fit – a broad description for statistics that quantify how well a model fits a set of real-world observations. </a:t>
+            </a:r>
+          </a:p>
+          <a:p>
+            <a:r>
+              <a:rPr lang="en-GB" dirty="0"/>
+              <a:t>RSS – residual sum of squares; a statistic that estimates the overall difference between two data sets by summing the square of the errors. </a:t>
+            </a:r>
+          </a:p>
+          <a:p>
+            <a:r>
+              <a:rPr lang="en-GB" i="1" dirty="0"/>
+              <a:t>R</a:t>
+            </a:r>
+            <a:r>
+              <a:rPr lang="en-GB" dirty="0"/>
+              <a:t>2 – ‘</a:t>
+            </a:r>
+            <a:r>
+              <a:rPr lang="en-GB" i="1" dirty="0"/>
+              <a:t>R </a:t>
+            </a:r>
+            <a:r>
+              <a:rPr lang="en-GB" dirty="0"/>
+              <a:t>squared’; a statistic that estimates the overall difference between two data sets. </a:t>
+            </a:r>
+          </a:p>
+          <a:p>
+            <a:r>
+              <a:rPr lang="en-GB" dirty="0"/>
+              <a:t>(S)RMSE – (standardised) root mean square error; a statistic that </a:t>
+            </a:r>
+            <a:r>
+              <a:rPr lang="en-GB" dirty="0" err="1"/>
+              <a:t>esti</a:t>
+            </a:r>
+            <a:r>
+              <a:rPr lang="en-GB" dirty="0"/>
+              <a:t>- mates the overall difference between two data sets. </a:t>
+            </a:r>
+          </a:p>
+          <a:p>
+            <a:r>
+              <a:rPr lang="en-GB" dirty="0"/>
+              <a:t>KDE – kernel density estimation; a means of estimating point density at a particular location. Often used to draw maps of point patterns. </a:t>
+            </a:r>
+          </a:p>
+          <a:p>
+            <a:endParaRPr lang="en-GB" dirty="0"/>
+          </a:p>
+        </p:txBody>
+      </p:sp>
+      <p:sp>
+        <p:nvSpPr>
+          <p:cNvPr id="5" name="Content Placeholder 4">
+            <a:extLst>
+              <a:ext uri="{FF2B5EF4-FFF2-40B4-BE49-F238E27FC236}">
+                <a16:creationId xmlns:a16="http://schemas.microsoft.com/office/drawing/2014/main" id="{0B0D6928-D5B5-6146-B98A-B31A3E139FD5}"/>
+              </a:ext>
+            </a:extLst>
+          </p:cNvPr>
+          <p:cNvSpPr>
+            <a:spLocks noGrp="1"/>
+          </p:cNvSpPr>
+          <p:nvPr>
+            <p:ph sz="half" idx="2"/>
+          </p:nvPr>
+        </p:nvSpPr>
+        <p:spPr/>
+        <p:txBody>
+          <a:bodyPr>
+            <a:normAutofit fontScale="70000" lnSpcReduction="20000"/>
+          </a:bodyPr>
+          <a:lstStyle/>
+          <a:p>
+            <a:r>
+              <a:rPr lang="en-GB" dirty="0"/>
+              <a:t>LISA – local indicators of spatial association; statistics that can estimate the locations of local clusters (areas with a higher than expected point density). </a:t>
+            </a:r>
+          </a:p>
+          <a:p>
+            <a:r>
+              <a:rPr lang="en-GB" dirty="0"/>
+              <a:t>NNI – nearest neighbour index; measures global spatial uniformity (i.e. the overall amount of clustering in a point pattern). Also known as the Clark and Evans </a:t>
+            </a:r>
+            <a:r>
+              <a:rPr lang="en-GB" i="1" dirty="0"/>
+              <a:t>R </a:t>
+            </a:r>
+            <a:r>
+              <a:rPr lang="en-GB" dirty="0"/>
+              <a:t>statistic (Clark and Evans, 1954). </a:t>
+            </a:r>
+          </a:p>
+          <a:p>
+            <a:r>
+              <a:rPr lang="en-GB" dirty="0"/>
+              <a:t>Ripley’s </a:t>
+            </a:r>
+            <a:r>
+              <a:rPr lang="en-GB" i="1" dirty="0"/>
+              <a:t>K </a:t>
+            </a:r>
+            <a:r>
+              <a:rPr lang="en-GB" dirty="0"/>
+              <a:t>function; another measure for global spatial uniformity (i.e. the overall amount of clustering in a point pattern). </a:t>
+            </a:r>
+          </a:p>
+          <a:p>
+            <a:r>
+              <a:rPr lang="en-GB" i="1" dirty="0"/>
+              <a:t>GI</a:t>
+            </a:r>
+            <a:r>
+              <a:rPr lang="en-GB" dirty="0"/>
+              <a:t>* – a statistic that estimates the spatial locations of ‘hot’ (e.g. high) and ‘cold’ (e.g. low) spot </a:t>
+            </a:r>
+          </a:p>
+          <a:p>
+            <a:endParaRPr lang="en-GB" dirty="0"/>
+          </a:p>
+        </p:txBody>
+      </p:sp>
+    </p:spTree>
+    <p:extLst>
+      <p:ext uri="{BB962C8B-B14F-4D97-AF65-F5344CB8AC3E}">
+        <p14:creationId xmlns:p14="http://schemas.microsoft.com/office/powerpoint/2010/main" val="3848521642"/>
+      </p:ext>
+    </p:extLst>
+  </p:cSld>
+  <p:clrMapOvr>
+    <a:masterClrMapping/>
+  </p:clrMapOvr>
+</p:sld>
+</file>
+
 <file path=ppt/slides/slide4.xml><?xml version="1.0" encoding="utf-8"?>
 <p:sld xmlns:a="http://schemas.openxmlformats.org/drawingml/2006/main" xmlns:r="http://schemas.openxmlformats.org/officeDocument/2006/relationships" xmlns:p="http://schemas.openxmlformats.org/presentationml/2006/main">
   <p:cSld>
@@ -4301,15 +7117,38 @@
           <a:p>
             <a:r>
               <a:rPr lang="en-US" dirty="0"/>
-              <a:t>XXXX</a:t>
-            </a:r>
-            <a:endParaRPr lang="en-US" dirty="0">
-              <a:solidFill>
-                <a:schemeClr val="bg1">
-                  <a:lumMod val="50000"/>
-                </a:schemeClr>
-              </a:solidFill>
-            </a:endParaRPr>
+              <a:t>Goodness of fit and hypothetical data</a:t>
+            </a:r>
+          </a:p>
+          <a:p>
+            <a:r>
+              <a:rPr lang="en-US" dirty="0"/>
+              <a:t>Global Statistics</a:t>
+            </a:r>
+          </a:p>
+          <a:p>
+            <a:r>
+              <a:rPr lang="en-US" dirty="0"/>
+              <a:t>Visual Comparisons</a:t>
+            </a:r>
+          </a:p>
+          <a:p>
+            <a:r>
+              <a:rPr lang="en-US" dirty="0"/>
+              <a:t>Point Pattern Statistics</a:t>
+            </a:r>
+          </a:p>
+          <a:p>
+            <a:r>
+              <a:rPr lang="en-US" dirty="0"/>
+              <a:t>Local Statistics (LISA)</a:t>
+            </a:r>
+          </a:p>
+          <a:p>
+            <a:r>
+              <a:rPr lang="en-US" dirty="0"/>
+              <a:t>Multi-Scale Error Analysis</a:t>
+            </a:r>
           </a:p>
         </p:txBody>
       </p:sp>
@@ -4348,7 +7187,7 @@
           <p:cNvPr id="2" name="Title 1">
             <a:extLst>
               <a:ext uri="{FF2B5EF4-FFF2-40B4-BE49-F238E27FC236}">
-                <a16:creationId xmlns:a16="http://schemas.microsoft.com/office/drawing/2014/main" id="{404542EC-78BA-FC41-9647-BD2036D19085}"/>
+                <a16:creationId xmlns:a16="http://schemas.microsoft.com/office/drawing/2014/main" id="{3C2E7D70-5766-B346-9D5A-7E20E538FE94}"/>
               </a:ext>
             </a:extLst>
           </p:cNvPr>
@@ -4366,7 +7205,7 @@
           <a:p>
             <a:r>
               <a:rPr lang="en-GB" dirty="0"/>
-              <a:t>Glossary</a:t>
+              <a:t>Goodness of Fit</a:t>
             </a:r>
           </a:p>
         </p:txBody>
@@ -4376,7 +7215,7 @@
           <p:cNvPr id="3" name="Content Placeholder 2">
             <a:extLst>
               <a:ext uri="{FF2B5EF4-FFF2-40B4-BE49-F238E27FC236}">
-                <a16:creationId xmlns:a16="http://schemas.microsoft.com/office/drawing/2014/main" id="{8536F92D-91CB-0A43-9F50-B4292DB04F97}"/>
+                <a16:creationId xmlns:a16="http://schemas.microsoft.com/office/drawing/2014/main" id="{749423F1-845B-674D-8509-2F104D8E1476}"/>
               </a:ext>
             </a:extLst>
           </p:cNvPr>
@@ -4389,58 +7228,31 @@
         </p:nvSpPr>
         <p:spPr/>
         <p:txBody>
-          <a:bodyPr>
-            <a:normAutofit fontScale="70000" lnSpcReduction="20000"/>
-          </a:bodyPr>
+          <a:bodyPr/>
           <a:lstStyle/>
           <a:p>
             <a:r>
               <a:rPr lang="en-GB" dirty="0"/>
-              <a:t>Goodness of fit – a broad description for statistics that quantify how well a model fits a set of real-world observations. </a:t>
+              <a:t>Assessment of how well a model fits a set of observations</a:t>
             </a:r>
           </a:p>
           <a:p>
             <a:r>
               <a:rPr lang="en-GB" dirty="0"/>
-              <a:t>RSS – residual sum of squares; a statistic that estimates the overall difference between two data sets by summing the square of the errors. </a:t>
-            </a:r>
-          </a:p>
-          <a:p>
-            <a:r>
-              <a:rPr lang="en-GB" i="1" dirty="0"/>
-              <a:t>R</a:t>
-            </a:r>
+              <a:t>Humans are quite good at comparing patterns visually</a:t>
+            </a:r>
+          </a:p>
+          <a:p>
             <a:r>
               <a:rPr lang="en-GB" dirty="0"/>
-              <a:t>2 – ‘</a:t>
-            </a:r>
-            <a:r>
-              <a:rPr lang="en-GB" i="1" dirty="0"/>
-              <a:t>R </a:t>
-            </a:r>
+              <a:t>But often it is better to use quantitative methods</a:t>
+            </a:r>
+          </a:p>
+          <a:p>
+            <a:pPr lvl="1"/>
             <a:r>
               <a:rPr lang="en-GB" dirty="0"/>
-              <a:t>squared’; a statistic that estimates the overall difference between two data sets. </a:t>
-            </a:r>
-          </a:p>
-          <a:p>
-            <a:r>
-              <a:rPr lang="en-GB" dirty="0"/>
-              <a:t>(S)RMSE – (standardised) root mean square error; a statistic that </a:t>
-            </a:r>
-            <a:r>
-              <a:rPr lang="en-GB" dirty="0" err="1"/>
-              <a:t>esti</a:t>
-            </a:r>
-            <a:r>
-              <a:rPr lang="en-GB" dirty="0"/>
-              <a:t>- mates the overall difference between two data sets. </a:t>
-            </a:r>
-          </a:p>
-          <a:p>
-            <a:r>
-              <a:rPr lang="en-GB" dirty="0"/>
-              <a:t>KDE – kernel density estimation; a means of estimating point density at a particular location. Often used to draw maps of point patterns. </a:t>
+              <a:t>E.g.: which of the two models on the right is better – A or B?</a:t>
             </a:r>
           </a:p>
           <a:p>
@@ -4448,81 +7260,39 @@
           </a:p>
         </p:txBody>
       </p:sp>
-      <p:sp>
-        <p:nvSpPr>
-          <p:cNvPr id="5" name="Content Placeholder 4">
-            <a:extLst>
-              <a:ext uri="{FF2B5EF4-FFF2-40B4-BE49-F238E27FC236}">
-                <a16:creationId xmlns:a16="http://schemas.microsoft.com/office/drawing/2014/main" id="{0B0D6928-D5B5-6146-B98A-B31A3E139FD5}"/>
-              </a:ext>
-            </a:extLst>
-          </p:cNvPr>
-          <p:cNvSpPr>
-            <a:spLocks noGrp="1"/>
-          </p:cNvSpPr>
+      <p:pic>
+        <p:nvPicPr>
+          <p:cNvPr id="12" name="Content Placeholder 11">
+            <a:extLst>
+              <a:ext uri="{FF2B5EF4-FFF2-40B4-BE49-F238E27FC236}">
+                <a16:creationId xmlns:a16="http://schemas.microsoft.com/office/drawing/2014/main" id="{34F72DE7-5842-AC48-8A17-F7D8AE5AF291}"/>
+              </a:ext>
+            </a:extLst>
+          </p:cNvPr>
+          <p:cNvPicPr>
+            <a:picLocks noGrp="1" noChangeAspect="1"/>
+          </p:cNvPicPr>
           <p:nvPr>
             <p:ph sz="half" idx="2"/>
           </p:nvPr>
-        </p:nvSpPr>
-        <p:spPr/>
-        <p:txBody>
-          <a:bodyPr>
-            <a:normAutofit fontScale="70000" lnSpcReduction="20000"/>
-          </a:bodyPr>
-          <a:lstStyle/>
-          <a:p>
-            <a:r>
-              <a:rPr lang="en-GB" dirty="0"/>
-              <a:t>LISA – local indicators of spatial association; statistics that can estimate the locations of local clusters (areas with a higher than expected point density). </a:t>
-            </a:r>
-          </a:p>
-          <a:p>
-            <a:r>
-              <a:rPr lang="en-GB" dirty="0"/>
-              <a:t>NNI – nearest neighbour index; measures global spatial uniformity (i.e. the overall amount of clustering in a point pattern). Also known as the Clark and Evans </a:t>
-            </a:r>
-            <a:r>
-              <a:rPr lang="en-GB" i="1" dirty="0"/>
-              <a:t>R </a:t>
-            </a:r>
-            <a:r>
-              <a:rPr lang="en-GB" dirty="0"/>
-              <a:t>statistic (Clark and Evans, 1954). </a:t>
-            </a:r>
-          </a:p>
-          <a:p>
-            <a:r>
-              <a:rPr lang="en-GB" dirty="0"/>
-              <a:t>Ripley’s </a:t>
-            </a:r>
-            <a:r>
-              <a:rPr lang="en-GB" i="1" dirty="0"/>
-              <a:t>K </a:t>
-            </a:r>
-            <a:r>
-              <a:rPr lang="en-GB" dirty="0"/>
-              <a:t>function; another measure for global spatial uniformity (i.e. the overall amount of clustering in a point pattern). </a:t>
-            </a:r>
-          </a:p>
-          <a:p>
-            <a:r>
-              <a:rPr lang="en-GB" i="1" dirty="0"/>
-              <a:t>GI</a:t>
-            </a:r>
-            <a:r>
-              <a:rPr lang="en-GB" dirty="0"/>
-              <a:t>* – a statistic that estimates the spatial locations of ‘hot’ (e.g. high) and ‘cold’ (e.g. low) spot </a:t>
-            </a:r>
-          </a:p>
-          <a:p>
-            <a:endParaRPr lang="en-GB" dirty="0"/>
-          </a:p>
-        </p:txBody>
-      </p:sp>
+        </p:nvPicPr>
+        <p:blipFill>
+          <a:blip r:embed="rId2"/>
+          <a:stretch>
+            <a:fillRect/>
+          </a:stretch>
+        </p:blipFill>
+        <p:spPr>
+          <a:xfrm>
+            <a:off x="7445829" y="365125"/>
+            <a:ext cx="3907971" cy="6149526"/>
+          </a:xfrm>
+        </p:spPr>
+      </p:pic>
     </p:spTree>
     <p:extLst>
       <p:ext uri="{BB962C8B-B14F-4D97-AF65-F5344CB8AC3E}">
-        <p14:creationId xmlns:p14="http://schemas.microsoft.com/office/powerpoint/2010/main" val="3848521642"/>
+        <p14:creationId xmlns:p14="http://schemas.microsoft.com/office/powerpoint/2010/main" val="2337243305"/>
       </p:ext>
     </p:extLst>
   </p:cSld>
@@ -4554,7 +7324,7 @@
           <p:cNvPr id="2" name="Title 1">
             <a:extLst>
               <a:ext uri="{FF2B5EF4-FFF2-40B4-BE49-F238E27FC236}">
-                <a16:creationId xmlns:a16="http://schemas.microsoft.com/office/drawing/2014/main" id="{3C2E7D70-5766-B346-9D5A-7E20E538FE94}"/>
+                <a16:creationId xmlns:a16="http://schemas.microsoft.com/office/drawing/2014/main" id="{FAA2E610-0067-C941-8F8C-52219792ECCC}"/>
               </a:ext>
             </a:extLst>
           </p:cNvPr>
@@ -4572,43 +7342,44 @@
           <a:p>
             <a:r>
               <a:rPr lang="en-GB" dirty="0"/>
-              <a:t>Goodness of Fit</a:t>
-            </a:r>
-          </a:p>
-        </p:txBody>
-      </p:sp>
-      <p:sp>
-        <p:nvSpPr>
-          <p:cNvPr id="3" name="Content Placeholder 2">
-            <a:extLst>
-              <a:ext uri="{FF2B5EF4-FFF2-40B4-BE49-F238E27FC236}">
-                <a16:creationId xmlns:a16="http://schemas.microsoft.com/office/drawing/2014/main" id="{749423F1-845B-674D-8509-2F104D8E1476}"/>
-              </a:ext>
-            </a:extLst>
-          </p:cNvPr>
-          <p:cNvSpPr>
-            <a:spLocks noGrp="1"/>
-          </p:cNvSpPr>
+              <a:t>Statistics that will be introduced</a:t>
+            </a:r>
+          </a:p>
+        </p:txBody>
+      </p:sp>
+      <p:pic>
+        <p:nvPicPr>
+          <p:cNvPr id="7" name="Content Placeholder 6">
+            <a:extLst>
+              <a:ext uri="{FF2B5EF4-FFF2-40B4-BE49-F238E27FC236}">
+                <a16:creationId xmlns:a16="http://schemas.microsoft.com/office/drawing/2014/main" id="{93662391-61D7-5949-87CF-97482CD267DA}"/>
+              </a:ext>
+            </a:extLst>
+          </p:cNvPr>
+          <p:cNvPicPr>
+            <a:picLocks noGrp="1" noChangeAspect="1"/>
+          </p:cNvPicPr>
           <p:nvPr>
             <p:ph idx="1"/>
           </p:nvPr>
-        </p:nvSpPr>
-        <p:spPr/>
-        <p:txBody>
-          <a:bodyPr/>
-          <a:lstStyle/>
-          <a:p>
-            <a:r>
-              <a:rPr lang="en-GB" dirty="0"/>
-              <a:t>XXXX What this means.</a:t>
-            </a:r>
-          </a:p>
-        </p:txBody>
-      </p:sp>
+        </p:nvPicPr>
+        <p:blipFill>
+          <a:blip r:embed="rId3"/>
+          <a:stretch>
+            <a:fillRect/>
+          </a:stretch>
+        </p:blipFill>
+        <p:spPr>
+          <a:xfrm>
+            <a:off x="1842323" y="1825625"/>
+            <a:ext cx="8507354" cy="4351338"/>
+          </a:xfrm>
+        </p:spPr>
+      </p:pic>
     </p:spTree>
     <p:extLst>
       <p:ext uri="{BB962C8B-B14F-4D97-AF65-F5344CB8AC3E}">
-        <p14:creationId xmlns:p14="http://schemas.microsoft.com/office/powerpoint/2010/main" val="2337243305"/>
+        <p14:creationId xmlns:p14="http://schemas.microsoft.com/office/powerpoint/2010/main" val="2404845960"/>
       </p:ext>
     </p:extLst>
   </p:cSld>
@@ -4640,7 +7411,7 @@
           <p:cNvPr id="2" name="Title 1">
             <a:extLst>
               <a:ext uri="{FF2B5EF4-FFF2-40B4-BE49-F238E27FC236}">
-                <a16:creationId xmlns:a16="http://schemas.microsoft.com/office/drawing/2014/main" id="{4054E602-6EB6-1B47-BC76-ED35C57A1014}"/>
+                <a16:creationId xmlns:a16="http://schemas.microsoft.com/office/drawing/2014/main" id="{14F30AA1-5CF2-2541-960C-5124E5C6E62A}"/>
               </a:ext>
             </a:extLst>
           </p:cNvPr>
@@ -4656,16 +7427,81 @@
           <a:bodyPr/>
           <a:lstStyle/>
           <a:p>
-            <a:endParaRPr lang="en-GB"/>
+            <a:r>
+              <a:rPr lang="en-GB" dirty="0"/>
+              <a:t>Hypothetical Data</a:t>
+            </a:r>
+          </a:p>
+        </p:txBody>
+      </p:sp>
+      <p:sp>
+        <p:nvSpPr>
+          <p:cNvPr id="3" name="Content Placeholder 2">
+            <a:extLst>
+              <a:ext uri="{FF2B5EF4-FFF2-40B4-BE49-F238E27FC236}">
+                <a16:creationId xmlns:a16="http://schemas.microsoft.com/office/drawing/2014/main" id="{8A2C0461-2FFE-B940-BCE8-5A88B96F6DA2}"/>
+              </a:ext>
+            </a:extLst>
+          </p:cNvPr>
+          <p:cNvSpPr>
+            <a:spLocks noGrp="1"/>
+          </p:cNvSpPr>
+          <p:nvPr>
+            <p:ph sz="half" idx="1"/>
+          </p:nvPr>
+        </p:nvSpPr>
+        <p:spPr/>
+        <p:txBody>
+          <a:bodyPr>
+            <a:normAutofit/>
+          </a:bodyPr>
+          <a:lstStyle/>
+          <a:p>
+            <a:r>
+              <a:rPr lang="en-GB" dirty="0"/>
+              <a:t>To experiment with the different statistics, three datasets will be used. They are all point patterns.</a:t>
+            </a:r>
+          </a:p>
+          <a:p>
+            <a:pPr lvl="1"/>
+            <a:r>
+              <a:rPr lang="en-GB" dirty="0"/>
+              <a:t>‘Observed’ data – real data </a:t>
+            </a:r>
+          </a:p>
+          <a:p>
+            <a:pPr lvl="2"/>
+            <a:r>
+              <a:rPr lang="en-GB" dirty="0"/>
+              <a:t>(This is actually some real crime data for Leeds, UK)</a:t>
+            </a:r>
+          </a:p>
+          <a:p>
+            <a:pPr lvl="1"/>
+            <a:r>
+              <a:rPr lang="en-GB" dirty="0"/>
+              <a:t>Model A – data that could have come from a simulation</a:t>
+            </a:r>
+          </a:p>
+          <a:p>
+            <a:pPr lvl="1"/>
+            <a:r>
+              <a:rPr lang="en-GB" dirty="0"/>
+              <a:t>Model B – data that could have come from a simulation with slightly different parameters</a:t>
+            </a:r>
+          </a:p>
+          <a:p>
+            <a:pPr lvl="1"/>
+            <a:endParaRPr lang="en-GB" dirty="0"/>
           </a:p>
         </p:txBody>
       </p:sp>
       <p:pic>
         <p:nvPicPr>
-          <p:cNvPr id="5" name="Content Placeholder 4">
-            <a:extLst>
-              <a:ext uri="{FF2B5EF4-FFF2-40B4-BE49-F238E27FC236}">
-                <a16:creationId xmlns:a16="http://schemas.microsoft.com/office/drawing/2014/main" id="{C4844F7C-CE52-EC46-9C0E-C76A27ADC00E}"/>
+          <p:cNvPr id="22" name="Content Placeholder 21">
+            <a:extLst>
+              <a:ext uri="{FF2B5EF4-FFF2-40B4-BE49-F238E27FC236}">
+                <a16:creationId xmlns:a16="http://schemas.microsoft.com/office/drawing/2014/main" id="{1D0C58D5-39B2-C44D-A702-0BB763507E7E}"/>
               </a:ext>
             </a:extLst>
           </p:cNvPr>
@@ -4673,7 +7509,7 @@
             <a:picLocks noGrp="1" noChangeAspect="1"/>
           </p:cNvPicPr>
           <p:nvPr>
-            <p:ph idx="1"/>
+            <p:ph sz="half" idx="2"/>
           </p:nvPr>
         </p:nvPicPr>
         <p:blipFill>
@@ -4684,15 +7520,18 @@
         </p:blipFill>
         <p:spPr>
           <a:xfrm>
-            <a:off x="838200" y="2306582"/>
-            <a:ext cx="10515600" cy="3389424"/>
+            <a:off x="6172200" y="2561961"/>
+            <a:ext cx="5181600" cy="2878666"/>
           </a:xfrm>
+          <a:prstGeom prst="rect">
+            <a:avLst/>
+          </a:prstGeom>
         </p:spPr>
       </p:pic>
     </p:spTree>
     <p:extLst>
       <p:ext uri="{BB962C8B-B14F-4D97-AF65-F5344CB8AC3E}">
-        <p14:creationId xmlns:p14="http://schemas.microsoft.com/office/powerpoint/2010/main" val="2055641866"/>
+        <p14:creationId xmlns:p14="http://schemas.microsoft.com/office/powerpoint/2010/main" val="1723151874"/>
       </p:ext>
     </p:extLst>
   </p:cSld>
@@ -4719,60 +7558,385 @@
           <a:chExt cx="0" cy="0"/>
         </a:xfrm>
       </p:grpSpPr>
-      <p:sp>
-        <p:nvSpPr>
-          <p:cNvPr id="2" name="Title 1">
-            <a:extLst>
-              <a:ext uri="{FF2B5EF4-FFF2-40B4-BE49-F238E27FC236}">
-                <a16:creationId xmlns:a16="http://schemas.microsoft.com/office/drawing/2014/main" id="{1DBD55E1-BC98-804C-AD40-6E14621DBDD0}"/>
-              </a:ext>
-            </a:extLst>
-          </p:cNvPr>
-          <p:cNvSpPr>
-            <a:spLocks noGrp="1"/>
-          </p:cNvSpPr>
-          <p:nvPr>
-            <p:ph type="title"/>
-          </p:nvPr>
-        </p:nvSpPr>
-        <p:spPr/>
-        <p:txBody>
-          <a:bodyPr/>
-          <a:lstStyle/>
-          <a:p>
-            <a:endParaRPr lang="en-GB"/>
-          </a:p>
-        </p:txBody>
-      </p:sp>
-      <p:sp>
-        <p:nvSpPr>
-          <p:cNvPr id="3" name="Content Placeholder 2">
-            <a:extLst>
-              <a:ext uri="{FF2B5EF4-FFF2-40B4-BE49-F238E27FC236}">
-                <a16:creationId xmlns:a16="http://schemas.microsoft.com/office/drawing/2014/main" id="{C8A75EE7-BC8D-024E-8788-032E2F51DBB7}"/>
-              </a:ext>
-            </a:extLst>
-          </p:cNvPr>
-          <p:cNvSpPr>
-            <a:spLocks noGrp="1"/>
-          </p:cNvSpPr>
-          <p:nvPr>
-            <p:ph idx="1"/>
-          </p:nvPr>
-        </p:nvSpPr>
-        <p:spPr/>
-        <p:txBody>
-          <a:bodyPr/>
-          <a:lstStyle/>
-          <a:p>
-            <a:endParaRPr lang="en-GB"/>
-          </a:p>
-        </p:txBody>
-      </p:sp>
+      <p:pic>
+        <p:nvPicPr>
+          <p:cNvPr id="12" name="Picture 11">
+            <a:extLst>
+              <a:ext uri="{FF2B5EF4-FFF2-40B4-BE49-F238E27FC236}">
+                <a16:creationId xmlns:a16="http://schemas.microsoft.com/office/drawing/2014/main" id="{54798316-10D4-6F4D-9F2B-9D0B6AC41C0A}"/>
+              </a:ext>
+            </a:extLst>
+          </p:cNvPr>
+          <p:cNvPicPr>
+            <a:picLocks noChangeAspect="1"/>
+          </p:cNvPicPr>
+          <p:nvPr/>
+        </p:nvPicPr>
+        <p:blipFill>
+          <a:blip r:embed="rId2"/>
+          <a:stretch>
+            <a:fillRect/>
+          </a:stretch>
+        </p:blipFill>
+        <p:spPr>
+          <a:xfrm>
+            <a:off x="0" y="42333"/>
+            <a:ext cx="12192000" cy="6773333"/>
+          </a:xfrm>
+          <a:prstGeom prst="rect">
+            <a:avLst/>
+          </a:prstGeom>
+        </p:spPr>
+      </p:pic>
     </p:spTree>
     <p:extLst>
       <p:ext uri="{BB962C8B-B14F-4D97-AF65-F5344CB8AC3E}">
-        <p14:creationId xmlns:p14="http://schemas.microsoft.com/office/powerpoint/2010/main" val="296713156"/>
+        <p14:creationId xmlns:p14="http://schemas.microsoft.com/office/powerpoint/2010/main" val="2929594392"/>
+      </p:ext>
+    </p:extLst>
+  </p:cSld>
+  <p:clrMapOvr>
+    <a:masterClrMapping/>
+  </p:clrMapOvr>
+</p:sld>
+</file>
+
+<file path=ppt/slides/slide9.xml><?xml version="1.0" encoding="utf-8"?>
+<p:sld xmlns:a="http://schemas.openxmlformats.org/drawingml/2006/main" xmlns:r="http://schemas.openxmlformats.org/officeDocument/2006/relationships" xmlns:p="http://schemas.openxmlformats.org/presentationml/2006/main">
+  <p:cSld>
+    <p:spTree>
+      <p:nvGrpSpPr>
+        <p:cNvPr id="1" name=""/>
+        <p:cNvGrpSpPr/>
+        <p:nvPr/>
+      </p:nvGrpSpPr>
+      <p:grpSpPr>
+        <a:xfrm>
+          <a:off x="0" y="0"/>
+          <a:ext cx="0" cy="0"/>
+          <a:chOff x="0" y="0"/>
+          <a:chExt cx="0" cy="0"/>
+        </a:xfrm>
+      </p:grpSpPr>
+      <p:sp>
+        <p:nvSpPr>
+          <p:cNvPr id="2" name="Title 1">
+            <a:extLst>
+              <a:ext uri="{FF2B5EF4-FFF2-40B4-BE49-F238E27FC236}">
+                <a16:creationId xmlns:a16="http://schemas.microsoft.com/office/drawing/2014/main" id="{95AE1A74-F775-6149-B82E-A14A35F52D36}"/>
+              </a:ext>
+            </a:extLst>
+          </p:cNvPr>
+          <p:cNvSpPr>
+            <a:spLocks noGrp="1"/>
+          </p:cNvSpPr>
+          <p:nvPr>
+            <p:ph type="title"/>
+          </p:nvPr>
+        </p:nvSpPr>
+        <p:spPr/>
+        <p:txBody>
+          <a:bodyPr/>
+          <a:lstStyle/>
+          <a:p>
+            <a:r>
+              <a:rPr lang="en-GB" dirty="0"/>
+              <a:t>Hypothetical Data</a:t>
+            </a:r>
+          </a:p>
+        </p:txBody>
+      </p:sp>
+      <p:sp>
+        <p:nvSpPr>
+          <p:cNvPr id="3" name="Content Placeholder 2">
+            <a:extLst>
+              <a:ext uri="{FF2B5EF4-FFF2-40B4-BE49-F238E27FC236}">
+                <a16:creationId xmlns:a16="http://schemas.microsoft.com/office/drawing/2014/main" id="{50D8B8F0-47C8-2F4E-BEBE-4EC9F5F4FB08}"/>
+              </a:ext>
+            </a:extLst>
+          </p:cNvPr>
+          <p:cNvSpPr>
+            <a:spLocks noGrp="1"/>
+          </p:cNvSpPr>
+          <p:nvPr>
+            <p:ph sz="half" idx="1"/>
+          </p:nvPr>
+        </p:nvSpPr>
+        <p:spPr/>
+        <p:txBody>
+          <a:bodyPr/>
+          <a:lstStyle/>
+          <a:p>
+            <a:r>
+              <a:rPr lang="en-GB" dirty="0"/>
+              <a:t>When the data were created, the points in Model B data were deliberately made more similar to the real data than those from Model A.</a:t>
+            </a:r>
+          </a:p>
+          <a:p>
+            <a:r>
+              <a:rPr lang="en-GB" dirty="0"/>
+              <a:t>In other words, Model B is ‘better’ than Model A.</a:t>
+            </a:r>
+          </a:p>
+          <a:p>
+            <a:r>
+              <a:rPr lang="en-GB" dirty="0"/>
+              <a:t>The statistics used throughout this chapter later should show this.</a:t>
+            </a:r>
+          </a:p>
+        </p:txBody>
+      </p:sp>
+      <p:pic>
+        <p:nvPicPr>
+          <p:cNvPr id="9" name="Content Placeholder 16">
+            <a:extLst>
+              <a:ext uri="{FF2B5EF4-FFF2-40B4-BE49-F238E27FC236}">
+                <a16:creationId xmlns:a16="http://schemas.microsoft.com/office/drawing/2014/main" id="{135362AF-01D4-4349-AA28-AC5E14F059D2}"/>
+              </a:ext>
+            </a:extLst>
+          </p:cNvPr>
+          <p:cNvPicPr>
+            <a:picLocks noGrp="1" noChangeAspect="1"/>
+          </p:cNvPicPr>
+          <p:nvPr>
+            <p:ph sz="half" idx="2"/>
+          </p:nvPr>
+        </p:nvPicPr>
+        <p:blipFill>
+          <a:blip r:embed="rId2"/>
+          <a:stretch>
+            <a:fillRect/>
+          </a:stretch>
+        </p:blipFill>
+        <p:spPr>
+          <a:xfrm>
+            <a:off x="6172200" y="1542522"/>
+            <a:ext cx="5181600" cy="2878666"/>
+          </a:xfrm>
+        </p:spPr>
+      </p:pic>
+      <p:sp>
+        <p:nvSpPr>
+          <p:cNvPr id="10" name="Content Placeholder 2">
+            <a:extLst>
+              <a:ext uri="{FF2B5EF4-FFF2-40B4-BE49-F238E27FC236}">
+                <a16:creationId xmlns:a16="http://schemas.microsoft.com/office/drawing/2014/main" id="{A144ABF2-CBB3-E949-AE35-40DCA863639F}"/>
+              </a:ext>
+            </a:extLst>
+          </p:cNvPr>
+          <p:cNvSpPr txBox="1">
+            <a:spLocks/>
+          </p:cNvSpPr>
+          <p:nvPr/>
+        </p:nvSpPr>
+        <p:spPr>
+          <a:xfrm>
+            <a:off x="6172200" y="4533373"/>
+            <a:ext cx="5181600" cy="931256"/>
+          </a:xfrm>
+          <a:prstGeom prst="rect">
+            <a:avLst/>
+          </a:prstGeom>
+        </p:spPr>
+        <p:txBody>
+          <a:bodyPr vert="horz" lIns="91440" tIns="45720" rIns="91440" bIns="45720" rtlCol="0">
+            <a:normAutofit fontScale="55000" lnSpcReduction="20000"/>
+          </a:bodyPr>
+          <a:lstStyle>
+            <a:lvl1pPr marL="228600" indent="-228600" algn="l" defTabSz="914400" rtl="0" eaLnBrk="1" latinLnBrk="0" hangingPunct="1">
+              <a:lnSpc>
+                <a:spcPct val="90000"/>
+              </a:lnSpc>
+              <a:spcBef>
+                <a:spcPts val="1000"/>
+              </a:spcBef>
+              <a:buFont typeface="Arial" panose="020B0604020202020204" pitchFamily="34" charset="0"/>
+              <a:buChar char="•"/>
+              <a:defRPr sz="2800" kern="1200">
+                <a:solidFill>
+                  <a:schemeClr val="tx1"/>
+                </a:solidFill>
+                <a:latin typeface="+mn-lt"/>
+                <a:ea typeface="+mn-ea"/>
+                <a:cs typeface="+mn-cs"/>
+              </a:defRPr>
+            </a:lvl1pPr>
+            <a:lvl2pPr marL="685800" indent="-228600" algn="l" defTabSz="914400" rtl="0" eaLnBrk="1" latinLnBrk="0" hangingPunct="1">
+              <a:lnSpc>
+                <a:spcPct val="90000"/>
+              </a:lnSpc>
+              <a:spcBef>
+                <a:spcPts val="500"/>
+              </a:spcBef>
+              <a:buFont typeface="Arial" panose="020B0604020202020204" pitchFamily="34" charset="0"/>
+              <a:buChar char="•"/>
+              <a:defRPr sz="2400" kern="1200">
+                <a:solidFill>
+                  <a:schemeClr val="tx1"/>
+                </a:solidFill>
+                <a:latin typeface="+mn-lt"/>
+                <a:ea typeface="+mn-ea"/>
+                <a:cs typeface="+mn-cs"/>
+              </a:defRPr>
+            </a:lvl2pPr>
+            <a:lvl3pPr marL="1143000" indent="-228600" algn="l" defTabSz="914400" rtl="0" eaLnBrk="1" latinLnBrk="0" hangingPunct="1">
+              <a:lnSpc>
+                <a:spcPct val="90000"/>
+              </a:lnSpc>
+              <a:spcBef>
+                <a:spcPts val="500"/>
+              </a:spcBef>
+              <a:buFont typeface="Arial" panose="020B0604020202020204" pitchFamily="34" charset="0"/>
+              <a:buChar char="•"/>
+              <a:defRPr sz="2000" kern="1200">
+                <a:solidFill>
+                  <a:schemeClr val="tx1"/>
+                </a:solidFill>
+                <a:latin typeface="+mn-lt"/>
+                <a:ea typeface="+mn-ea"/>
+                <a:cs typeface="+mn-cs"/>
+              </a:defRPr>
+            </a:lvl3pPr>
+            <a:lvl4pPr marL="1600200" indent="-228600" algn="l" defTabSz="914400" rtl="0" eaLnBrk="1" latinLnBrk="0" hangingPunct="1">
+              <a:lnSpc>
+                <a:spcPct val="90000"/>
+              </a:lnSpc>
+              <a:spcBef>
+                <a:spcPts val="500"/>
+              </a:spcBef>
+              <a:buFont typeface="Arial" panose="020B0604020202020204" pitchFamily="34" charset="0"/>
+              <a:buChar char="•"/>
+              <a:defRPr sz="1800" kern="1200">
+                <a:solidFill>
+                  <a:schemeClr val="tx1"/>
+                </a:solidFill>
+                <a:latin typeface="+mn-lt"/>
+                <a:ea typeface="+mn-ea"/>
+                <a:cs typeface="+mn-cs"/>
+              </a:defRPr>
+            </a:lvl4pPr>
+            <a:lvl5pPr marL="2057400" indent="-228600" algn="l" defTabSz="914400" rtl="0" eaLnBrk="1" latinLnBrk="0" hangingPunct="1">
+              <a:lnSpc>
+                <a:spcPct val="90000"/>
+              </a:lnSpc>
+              <a:spcBef>
+                <a:spcPts val="500"/>
+              </a:spcBef>
+              <a:buFont typeface="Arial" panose="020B0604020202020204" pitchFamily="34" charset="0"/>
+              <a:buChar char="•"/>
+              <a:defRPr sz="1800" kern="1200">
+                <a:solidFill>
+                  <a:schemeClr val="tx1"/>
+                </a:solidFill>
+                <a:latin typeface="+mn-lt"/>
+                <a:ea typeface="+mn-ea"/>
+                <a:cs typeface="+mn-cs"/>
+              </a:defRPr>
+            </a:lvl5pPr>
+            <a:lvl6pPr marL="2514600" indent="-228600" algn="l" defTabSz="914400" rtl="0" eaLnBrk="1" latinLnBrk="0" hangingPunct="1">
+              <a:lnSpc>
+                <a:spcPct val="90000"/>
+              </a:lnSpc>
+              <a:spcBef>
+                <a:spcPts val="500"/>
+              </a:spcBef>
+              <a:buFont typeface="Arial" panose="020B0604020202020204" pitchFamily="34" charset="0"/>
+              <a:buChar char="•"/>
+              <a:defRPr sz="1800" kern="1200">
+                <a:solidFill>
+                  <a:schemeClr val="tx1"/>
+                </a:solidFill>
+                <a:latin typeface="+mn-lt"/>
+                <a:ea typeface="+mn-ea"/>
+                <a:cs typeface="+mn-cs"/>
+              </a:defRPr>
+            </a:lvl6pPr>
+            <a:lvl7pPr marL="2971800" indent="-228600" algn="l" defTabSz="914400" rtl="0" eaLnBrk="1" latinLnBrk="0" hangingPunct="1">
+              <a:lnSpc>
+                <a:spcPct val="90000"/>
+              </a:lnSpc>
+              <a:spcBef>
+                <a:spcPts val="500"/>
+              </a:spcBef>
+              <a:buFont typeface="Arial" panose="020B0604020202020204" pitchFamily="34" charset="0"/>
+              <a:buChar char="•"/>
+              <a:defRPr sz="1800" kern="1200">
+                <a:solidFill>
+                  <a:schemeClr val="tx1"/>
+                </a:solidFill>
+                <a:latin typeface="+mn-lt"/>
+                <a:ea typeface="+mn-ea"/>
+                <a:cs typeface="+mn-cs"/>
+              </a:defRPr>
+            </a:lvl7pPr>
+            <a:lvl8pPr marL="3429000" indent="-228600" algn="l" defTabSz="914400" rtl="0" eaLnBrk="1" latinLnBrk="0" hangingPunct="1">
+              <a:lnSpc>
+                <a:spcPct val="90000"/>
+              </a:lnSpc>
+              <a:spcBef>
+                <a:spcPts val="500"/>
+              </a:spcBef>
+              <a:buFont typeface="Arial" panose="020B0604020202020204" pitchFamily="34" charset="0"/>
+              <a:buChar char="•"/>
+              <a:defRPr sz="1800" kern="1200">
+                <a:solidFill>
+                  <a:schemeClr val="tx1"/>
+                </a:solidFill>
+                <a:latin typeface="+mn-lt"/>
+                <a:ea typeface="+mn-ea"/>
+                <a:cs typeface="+mn-cs"/>
+              </a:defRPr>
+            </a:lvl8pPr>
+            <a:lvl9pPr marL="3886200" indent="-228600" algn="l" defTabSz="914400" rtl="0" eaLnBrk="1" latinLnBrk="0" hangingPunct="1">
+              <a:lnSpc>
+                <a:spcPct val="90000"/>
+              </a:lnSpc>
+              <a:spcBef>
+                <a:spcPts val="500"/>
+              </a:spcBef>
+              <a:buFont typeface="Arial" panose="020B0604020202020204" pitchFamily="34" charset="0"/>
+              <a:buChar char="•"/>
+              <a:defRPr sz="1800" kern="1200">
+                <a:solidFill>
+                  <a:schemeClr val="tx1"/>
+                </a:solidFill>
+                <a:latin typeface="+mn-lt"/>
+                <a:ea typeface="+mn-ea"/>
+                <a:cs typeface="+mn-cs"/>
+              </a:defRPr>
+            </a:lvl9pPr>
+          </a:lstStyle>
+          <a:p>
+            <a:pPr marL="0" indent="0">
+              <a:buNone/>
+            </a:pPr>
+            <a:r>
+              <a:rPr lang="en-GB" dirty="0"/>
+              <a:t>The results of two hypothetical models (A and B) plotted against observed data. The lines of best fit (</a:t>
+            </a:r>
+            <a:r>
+              <a:rPr lang="en-GB" i="1" dirty="0"/>
+              <a:t>y </a:t>
+            </a:r>
+            <a:r>
+              <a:rPr lang="en-GB" dirty="0"/>
+              <a:t>= </a:t>
+            </a:r>
+            <a:r>
+              <a:rPr lang="en-GB" i="1" dirty="0"/>
+              <a:t>x</a:t>
+            </a:r>
+            <a:r>
+              <a:rPr lang="en-GB" dirty="0"/>
+              <a:t>) illustrate the locations of ‘perfect’ model results. In this example, model B is a better fit to the observed data than model A.</a:t>
+            </a:r>
+          </a:p>
+        </p:txBody>
+      </p:sp>
+    </p:spTree>
+    <p:extLst>
+      <p:ext uri="{BB962C8B-B14F-4D97-AF65-F5344CB8AC3E}">
+        <p14:creationId xmlns:p14="http://schemas.microsoft.com/office/powerpoint/2010/main" val="725734716"/>
       </p:ext>
     </p:extLst>
   </p:cSld>

--- a/Chapter09-SpatialStatistics/Chapter9.pptx
+++ b/Chapter09-SpatialStatistics/Chapter9.pptx
@@ -5,7 +5,7 @@
     <p:sldMasterId id="2147483648" r:id="rId1"/>
   </p:sldMasterIdLst>
   <p:notesMasterIdLst>
-    <p:notesMasterId r:id="rId32"/>
+    <p:notesMasterId r:id="rId35"/>
   </p:notesMasterIdLst>
   <p:sldIdLst>
     <p:sldId id="256" r:id="rId2"/>
@@ -19,25 +19,28 @@
     <p:sldId id="287" r:id="rId10"/>
     <p:sldId id="293" r:id="rId11"/>
     <p:sldId id="288" r:id="rId12"/>
-    <p:sldId id="289" r:id="rId13"/>
-    <p:sldId id="294" r:id="rId14"/>
-    <p:sldId id="290" r:id="rId15"/>
-    <p:sldId id="291" r:id="rId16"/>
-    <p:sldId id="295" r:id="rId17"/>
-    <p:sldId id="292" r:id="rId18"/>
-    <p:sldId id="296" r:id="rId19"/>
-    <p:sldId id="301" r:id="rId20"/>
-    <p:sldId id="297" r:id="rId21"/>
-    <p:sldId id="298" r:id="rId22"/>
-    <p:sldId id="302" r:id="rId23"/>
-    <p:sldId id="299" r:id="rId24"/>
-    <p:sldId id="305" r:id="rId25"/>
-    <p:sldId id="303" r:id="rId26"/>
-    <p:sldId id="304" r:id="rId27"/>
-    <p:sldId id="300" r:id="rId28"/>
-    <p:sldId id="280" r:id="rId29"/>
-    <p:sldId id="281" r:id="rId30"/>
-    <p:sldId id="283" r:id="rId31"/>
+    <p:sldId id="306" r:id="rId13"/>
+    <p:sldId id="307" r:id="rId14"/>
+    <p:sldId id="308" r:id="rId15"/>
+    <p:sldId id="309" r:id="rId16"/>
+    <p:sldId id="294" r:id="rId17"/>
+    <p:sldId id="290" r:id="rId18"/>
+    <p:sldId id="291" r:id="rId19"/>
+    <p:sldId id="295" r:id="rId20"/>
+    <p:sldId id="292" r:id="rId21"/>
+    <p:sldId id="296" r:id="rId22"/>
+    <p:sldId id="301" r:id="rId23"/>
+    <p:sldId id="297" r:id="rId24"/>
+    <p:sldId id="298" r:id="rId25"/>
+    <p:sldId id="302" r:id="rId26"/>
+    <p:sldId id="299" r:id="rId27"/>
+    <p:sldId id="305" r:id="rId28"/>
+    <p:sldId id="303" r:id="rId29"/>
+    <p:sldId id="304" r:id="rId30"/>
+    <p:sldId id="300" r:id="rId31"/>
+    <p:sldId id="280" r:id="rId32"/>
+    <p:sldId id="281" r:id="rId33"/>
+    <p:sldId id="283" r:id="rId34"/>
   </p:sldIdLst>
   <p:sldSz cx="12192000" cy="6858000"/>
   <p:notesSz cx="6858000" cy="9144000"/>
@@ -4493,38 +4496,65 @@
         </p:nvSpPr>
         <p:spPr/>
         <p:txBody>
-          <a:bodyPr/>
-          <a:lstStyle/>
-          <a:p>
-            <a:endParaRPr lang="en-GB"/>
-          </a:p>
-        </p:txBody>
-      </p:sp>
-      <p:sp>
-        <p:nvSpPr>
-          <p:cNvPr id="4" name="Content Placeholder 3">
-            <a:extLst>
-              <a:ext uri="{FF2B5EF4-FFF2-40B4-BE49-F238E27FC236}">
-                <a16:creationId xmlns:a16="http://schemas.microsoft.com/office/drawing/2014/main" id="{A72C6412-D163-B348-B86D-CA63260E689B}"/>
-              </a:ext>
-            </a:extLst>
-          </p:cNvPr>
-          <p:cNvSpPr>
-            <a:spLocks noGrp="1"/>
-          </p:cNvSpPr>
+          <a:bodyPr>
+            <a:normAutofit fontScale="92500" lnSpcReduction="10000"/>
+          </a:bodyPr>
+          <a:lstStyle/>
+          <a:p>
+            <a:r>
+              <a:rPr lang="en-GB" dirty="0"/>
+              <a:t>There are many statistics that can quantify the difference between two datasets</a:t>
+            </a:r>
+          </a:p>
+          <a:p>
+            <a:r>
+              <a:rPr lang="en-GB" dirty="0"/>
+              <a:t>Typically they are applied to tables or matrices</a:t>
+            </a:r>
+          </a:p>
+          <a:p>
+            <a:r>
+              <a:rPr lang="en-GB" dirty="0"/>
+              <a:t>They can be applied to spatial data if the points are aggregated to some boundary to create a table.</a:t>
+            </a:r>
+          </a:p>
+          <a:p>
+            <a:r>
+              <a:rPr lang="en-GB" dirty="0"/>
+              <a:t>Common to use administrative boundaries (e.g. from a population census).</a:t>
+            </a:r>
+          </a:p>
+        </p:txBody>
+      </p:sp>
+      <p:pic>
+        <p:nvPicPr>
+          <p:cNvPr id="10" name="Content Placeholder 9">
+            <a:extLst>
+              <a:ext uri="{FF2B5EF4-FFF2-40B4-BE49-F238E27FC236}">
+                <a16:creationId xmlns:a16="http://schemas.microsoft.com/office/drawing/2014/main" id="{5AB7C98A-BCAF-BB45-82D4-17BAAC333B39}"/>
+              </a:ext>
+            </a:extLst>
+          </p:cNvPr>
+          <p:cNvPicPr>
+            <a:picLocks noGrp="1" noChangeAspect="1"/>
+          </p:cNvPicPr>
           <p:nvPr>
             <p:ph sz="half" idx="2"/>
           </p:nvPr>
-        </p:nvSpPr>
-        <p:spPr/>
-        <p:txBody>
-          <a:bodyPr/>
-          <a:lstStyle/>
-          <a:p>
-            <a:endParaRPr lang="en-GB"/>
-          </a:p>
-        </p:txBody>
-      </p:sp>
+        </p:nvPicPr>
+        <p:blipFill>
+          <a:blip r:embed="rId2"/>
+          <a:stretch>
+            <a:fillRect/>
+          </a:stretch>
+        </p:blipFill>
+        <p:spPr>
+          <a:xfrm>
+            <a:off x="6459663" y="1825625"/>
+            <a:ext cx="4606673" cy="4351338"/>
+          </a:xfrm>
+        </p:spPr>
+      </p:pic>
     </p:spTree>
     <p:extLst>
       <p:ext uri="{BB962C8B-B14F-4D97-AF65-F5344CB8AC3E}">
@@ -4560,7 +4590,7 @@
           <p:cNvPr id="2" name="Title 1">
             <a:extLst>
               <a:ext uri="{FF2B5EF4-FFF2-40B4-BE49-F238E27FC236}">
-                <a16:creationId xmlns:a16="http://schemas.microsoft.com/office/drawing/2014/main" id="{A68FAC18-FFBB-354F-A014-E278DE51BA0A}"/>
+                <a16:creationId xmlns:a16="http://schemas.microsoft.com/office/drawing/2014/main" id="{6385C2C0-E570-F749-A9DC-C7BC45AE2470}"/>
               </a:ext>
             </a:extLst>
           </p:cNvPr>
@@ -4576,7 +4606,10 @@
           <a:bodyPr/>
           <a:lstStyle/>
           <a:p>
-            <a:endParaRPr lang="en-GB"/>
+            <a:r>
+              <a:rPr lang="en-GB" dirty="0"/>
+              <a:t>Global Statistics: Residual Sum of Squares</a:t>
+            </a:r>
           </a:p>
         </p:txBody>
       </p:sp>
@@ -4585,7 +4618,7 @@
           <p:cNvPr id="3" name="Content Placeholder 2">
             <a:extLst>
               <a:ext uri="{FF2B5EF4-FFF2-40B4-BE49-F238E27FC236}">
-                <a16:creationId xmlns:a16="http://schemas.microsoft.com/office/drawing/2014/main" id="{035BE4AF-6D21-9A49-92AC-B3507AAD2771}"/>
+                <a16:creationId xmlns:a16="http://schemas.microsoft.com/office/drawing/2014/main" id="{B7D21F99-0EB4-0E4C-9244-CF43C4B5D1FA}"/>
               </a:ext>
             </a:extLst>
           </p:cNvPr>
@@ -4596,44 +4629,159 @@
             <p:ph sz="half" idx="1"/>
           </p:nvPr>
         </p:nvSpPr>
-        <p:spPr/>
-        <p:txBody>
-          <a:bodyPr/>
-          <a:lstStyle/>
-          <a:p>
-            <a:endParaRPr lang="en-GB"/>
-          </a:p>
-        </p:txBody>
-      </p:sp>
-      <p:sp>
-        <p:nvSpPr>
-          <p:cNvPr id="4" name="Content Placeholder 3">
-            <a:extLst>
-              <a:ext uri="{FF2B5EF4-FFF2-40B4-BE49-F238E27FC236}">
-                <a16:creationId xmlns:a16="http://schemas.microsoft.com/office/drawing/2014/main" id="{BBE01509-E84A-794C-BC4E-120DC94F9893}"/>
-              </a:ext>
-            </a:extLst>
-          </p:cNvPr>
-          <p:cNvSpPr>
-            <a:spLocks noGrp="1"/>
-          </p:cNvSpPr>
+        <p:spPr>
+          <a:xfrm>
+            <a:off x="838200" y="1825625"/>
+            <a:ext cx="5693230" cy="4351338"/>
+          </a:xfrm>
+        </p:spPr>
+        <p:txBody>
+          <a:bodyPr>
+            <a:normAutofit lnSpcReduction="10000"/>
+          </a:bodyPr>
+          <a:lstStyle/>
+          <a:p>
+            <a:r>
+              <a:rPr lang="en-GB" dirty="0"/>
+              <a:t>Add together the square of the differences between the observed and simulated values</a:t>
+            </a:r>
+          </a:p>
+          <a:p>
+            <a:pPr lvl="1"/>
+            <a:r>
+              <a:rPr lang="en-GB" i="1" dirty="0"/>
+              <a:t>Y</a:t>
+            </a:r>
+            <a:r>
+              <a:rPr lang="en-GB" i="1" baseline="-25000" dirty="0"/>
+              <a:t>i</a:t>
+            </a:r>
+            <a:r>
+              <a:rPr lang="en-GB" i="1" baseline="30000" dirty="0"/>
+              <a:t>’</a:t>
+            </a:r>
+            <a:r>
+              <a:rPr lang="en-GB" baseline="30000" dirty="0"/>
+              <a:t> </a:t>
+            </a:r>
+            <a:r>
+              <a:rPr lang="en-GB" dirty="0"/>
+              <a:t>is the simulated value in cell </a:t>
+            </a:r>
+            <a:r>
+              <a:rPr lang="en-GB" i="1" dirty="0"/>
+              <a:t>i</a:t>
+            </a:r>
+          </a:p>
+          <a:p>
+            <a:pPr lvl="1"/>
+            <a:r>
+              <a:rPr lang="en-GB" i="1" dirty="0"/>
+              <a:t>Y</a:t>
+            </a:r>
+            <a:r>
+              <a:rPr lang="en-GB" i="1" baseline="-25000" dirty="0"/>
+              <a:t>i</a:t>
+            </a:r>
+            <a:r>
+              <a:rPr lang="en-GB" baseline="30000" dirty="0"/>
+              <a:t> </a:t>
+            </a:r>
+            <a:r>
+              <a:rPr lang="en-GB" dirty="0"/>
+              <a:t>is the real value in cell </a:t>
+            </a:r>
+            <a:r>
+              <a:rPr lang="en-GB" i="1" dirty="0" err="1"/>
+              <a:t>i</a:t>
+            </a:r>
+            <a:endParaRPr lang="en-GB" i="1" dirty="0"/>
+          </a:p>
+          <a:p>
+            <a:r>
+              <a:rPr lang="en-GB" dirty="0"/>
+              <a:t>Disadvantages:</a:t>
+            </a:r>
+          </a:p>
+          <a:p>
+            <a:pPr lvl="1"/>
+            <a:r>
+              <a:rPr lang="en-GB" dirty="0"/>
+              <a:t>Large errors can be inflated</a:t>
+            </a:r>
+          </a:p>
+          <a:p>
+            <a:pPr lvl="1"/>
+            <a:r>
+              <a:rPr lang="en-GB" dirty="0"/>
+              <a:t>The </a:t>
+            </a:r>
+            <a:r>
+              <a:rPr lang="en-GB" i="1" dirty="0"/>
+              <a:t>magnitude </a:t>
+            </a:r>
+            <a:r>
+              <a:rPr lang="en-GB" dirty="0"/>
+              <a:t>of the cell count influences the statistic</a:t>
+            </a:r>
+          </a:p>
+          <a:p>
+            <a:pPr lvl="2"/>
+            <a:r>
+              <a:rPr lang="en-GB" dirty="0"/>
+              <a:t>A small </a:t>
+            </a:r>
+            <a:r>
+              <a:rPr lang="en-GB" i="1" dirty="0"/>
+              <a:t>percentage </a:t>
+            </a:r>
+            <a:r>
+              <a:rPr lang="en-GB" dirty="0"/>
+              <a:t>differences in cells with lots of points is given a very large error value</a:t>
+            </a:r>
+          </a:p>
+          <a:p>
+            <a:pPr lvl="1"/>
+            <a:endParaRPr lang="en-GB" dirty="0"/>
+          </a:p>
+        </p:txBody>
+      </p:sp>
+      <p:pic>
+        <p:nvPicPr>
+          <p:cNvPr id="7" name="Content Placeholder 6">
+            <a:extLst>
+              <a:ext uri="{FF2B5EF4-FFF2-40B4-BE49-F238E27FC236}">
+                <a16:creationId xmlns:a16="http://schemas.microsoft.com/office/drawing/2014/main" id="{AB7C5311-5C85-134C-AA10-CF6C2BFBA219}"/>
+              </a:ext>
+            </a:extLst>
+          </p:cNvPr>
+          <p:cNvPicPr>
+            <a:picLocks noGrp="1" noChangeAspect="1"/>
+          </p:cNvPicPr>
           <p:nvPr>
             <p:ph sz="half" idx="2"/>
           </p:nvPr>
-        </p:nvSpPr>
-        <p:spPr/>
-        <p:txBody>
-          <a:bodyPr/>
-          <a:lstStyle/>
-          <a:p>
-            <a:endParaRPr lang="en-GB"/>
-          </a:p>
-        </p:txBody>
-      </p:sp>
+        </p:nvPicPr>
+        <p:blipFill>
+          <a:blip r:embed="rId2"/>
+          <a:stretch>
+            <a:fillRect/>
+          </a:stretch>
+        </p:blipFill>
+        <p:spPr>
+          <a:xfrm>
+            <a:off x="6698669" y="3145178"/>
+            <a:ext cx="4655131" cy="1712232"/>
+          </a:xfrm>
+          <a:prstGeom prst="rect">
+            <a:avLst/>
+          </a:prstGeom>
+        </p:spPr>
+      </p:pic>
     </p:spTree>
     <p:extLst>
       <p:ext uri="{BB962C8B-B14F-4D97-AF65-F5344CB8AC3E}">
-        <p14:creationId xmlns:p14="http://schemas.microsoft.com/office/powerpoint/2010/main" val="3460252502"/>
+        <p14:creationId xmlns:p14="http://schemas.microsoft.com/office/powerpoint/2010/main" val="1506643106"/>
       </p:ext>
     </p:extLst>
   </p:cSld>
@@ -4665,7 +4813,7 @@
           <p:cNvPr id="2" name="Title 1">
             <a:extLst>
               <a:ext uri="{FF2B5EF4-FFF2-40B4-BE49-F238E27FC236}">
-                <a16:creationId xmlns:a16="http://schemas.microsoft.com/office/drawing/2014/main" id="{11B58DB4-C916-7B49-9A6D-9F6845C14BB2}"/>
+                <a16:creationId xmlns:a16="http://schemas.microsoft.com/office/drawing/2014/main" id="{6385C2C0-E570-F749-A9DC-C7BC45AE2470}"/>
               </a:ext>
             </a:extLst>
           </p:cNvPr>
@@ -4682,8 +4830,15 @@
           <a:lstStyle/>
           <a:p>
             <a:r>
-              <a:rPr lang="en-US" dirty="0"/>
-              <a:t>Overview</a:t>
+              <a:rPr lang="en-GB" dirty="0"/>
+              <a:t>Global Statistics: </a:t>
+            </a:r>
+            <a:br>
+              <a:rPr lang="en-GB" dirty="0"/>
+            </a:br>
+            <a:r>
+              <a:rPr lang="en-GB" dirty="0"/>
+              <a:t>Root Mean Square Error (RMSE)</a:t>
             </a:r>
           </a:p>
         </p:txBody>
@@ -4693,93 +4848,145 @@
           <p:cNvPr id="3" name="Content Placeholder 2">
             <a:extLst>
               <a:ext uri="{FF2B5EF4-FFF2-40B4-BE49-F238E27FC236}">
-                <a16:creationId xmlns:a16="http://schemas.microsoft.com/office/drawing/2014/main" id="{128AEB6D-95B4-1B4E-B689-57D1F84B35BC}"/>
-              </a:ext>
-            </a:extLst>
-          </p:cNvPr>
-          <p:cNvSpPr>
-            <a:spLocks noGrp="1"/>
-          </p:cNvSpPr>
-          <p:nvPr>
-            <p:ph idx="1"/>
-          </p:nvPr>
-        </p:nvSpPr>
-        <p:spPr/>
-        <p:txBody>
-          <a:bodyPr/>
-          <a:lstStyle/>
-          <a:p>
-            <a:r>
-              <a:rPr lang="en-US" dirty="0">
-                <a:solidFill>
-                  <a:schemeClr val="bg2">
-                    <a:lumMod val="90000"/>
-                  </a:schemeClr>
-                </a:solidFill>
-              </a:rPr>
-              <a:t>Goodness of fit and hypothetical data</a:t>
-            </a:r>
-          </a:p>
-          <a:p>
-            <a:r>
-              <a:rPr lang="en-US" dirty="0">
-                <a:solidFill>
-                  <a:schemeClr val="bg2">
-                    <a:lumMod val="90000"/>
-                  </a:schemeClr>
-                </a:solidFill>
-              </a:rPr>
-              <a:t>Global Statistics</a:t>
-            </a:r>
-          </a:p>
-          <a:p>
-            <a:r>
-              <a:rPr lang="en-US" dirty="0"/>
-              <a:t>Visual Comparisons</a:t>
-            </a:r>
-          </a:p>
-          <a:p>
-            <a:r>
-              <a:rPr lang="en-US" dirty="0">
-                <a:solidFill>
-                  <a:schemeClr val="bg2">
-                    <a:lumMod val="90000"/>
-                  </a:schemeClr>
-                </a:solidFill>
-              </a:rPr>
-              <a:t>Point Pattern Statistics</a:t>
-            </a:r>
-          </a:p>
-          <a:p>
-            <a:r>
-              <a:rPr lang="en-US" dirty="0">
-                <a:solidFill>
-                  <a:schemeClr val="bg2">
-                    <a:lumMod val="90000"/>
-                  </a:schemeClr>
-                </a:solidFill>
-              </a:rPr>
-              <a:t>Local Statistics (LISA)</a:t>
-            </a:r>
-          </a:p>
-          <a:p>
-            <a:r>
-              <a:rPr lang="en-US" dirty="0">
-                <a:solidFill>
-                  <a:schemeClr val="bg2">
-                    <a:lumMod val="90000"/>
-                  </a:schemeClr>
-                </a:solidFill>
-              </a:rPr>
-              <a:t>Multi-Scale Error Analysis</a:t>
-            </a:r>
-          </a:p>
-        </p:txBody>
-      </p:sp>
+                <a16:creationId xmlns:a16="http://schemas.microsoft.com/office/drawing/2014/main" id="{B7D21F99-0EB4-0E4C-9244-CF43C4B5D1FA}"/>
+              </a:ext>
+            </a:extLst>
+          </p:cNvPr>
+          <p:cNvSpPr>
+            <a:spLocks noGrp="1"/>
+          </p:cNvSpPr>
+          <p:nvPr>
+            <p:ph sz="half" idx="1"/>
+          </p:nvPr>
+        </p:nvSpPr>
+        <p:spPr>
+          <a:xfrm>
+            <a:off x="838199" y="1825625"/>
+            <a:ext cx="6117771" cy="4351338"/>
+          </a:xfrm>
+        </p:spPr>
+        <p:txBody>
+          <a:bodyPr>
+            <a:normAutofit fontScale="92500" lnSpcReduction="10000"/>
+          </a:bodyPr>
+          <a:lstStyle/>
+          <a:p>
+            <a:r>
+              <a:rPr lang="en-GB" dirty="0"/>
+              <a:t>Standardised Root Mean Square Error (SRMSE) was found to be the best performing (Knudsen and Fotheringham, 1986) </a:t>
+            </a:r>
+          </a:p>
+          <a:p>
+            <a:r>
+              <a:rPr lang="en-GB" dirty="0"/>
+              <a:t>RMSE is similar, but more readily available</a:t>
+            </a:r>
+          </a:p>
+          <a:p>
+            <a:r>
+              <a:rPr lang="en-GB" dirty="0"/>
+              <a:t>Range</a:t>
+            </a:r>
+          </a:p>
+          <a:p>
+            <a:pPr lvl="1"/>
+            <a:r>
+              <a:rPr lang="en-GB" dirty="0"/>
+              <a:t>0 - identical data </a:t>
+            </a:r>
+          </a:p>
+          <a:p>
+            <a:pPr lvl="1"/>
+            <a:r>
+              <a:rPr lang="en-GB" dirty="0"/>
+              <a:t>1 (or greater) – difference between data</a:t>
+            </a:r>
+          </a:p>
+          <a:p>
+            <a:r>
+              <a:rPr lang="en-GB" dirty="0"/>
+              <a:t>Drawback: difficult to understand</a:t>
+            </a:r>
+          </a:p>
+          <a:p>
+            <a:pPr lvl="1"/>
+            <a:r>
+              <a:rPr lang="en-GB" dirty="0"/>
+              <a:t>What does RMSE = 0.34 </a:t>
+            </a:r>
+            <a:r>
+              <a:rPr lang="en-GB" i="1" dirty="0"/>
+              <a:t>mean</a:t>
+            </a:r>
+            <a:r>
+              <a:rPr lang="en-GB" dirty="0"/>
+              <a:t>?</a:t>
+            </a:r>
+          </a:p>
+          <a:p>
+            <a:pPr lvl="1"/>
+            <a:r>
+              <a:rPr lang="en-GB" dirty="0"/>
+              <a:t>How much better is a model with </a:t>
+            </a:r>
+            <a:r>
+              <a:rPr lang="en-GB" i="1" dirty="0"/>
+              <a:t>RMSE=0.30</a:t>
+            </a:r>
+            <a:r>
+              <a:rPr lang="en-GB" dirty="0"/>
+              <a:t> than one with </a:t>
+            </a:r>
+            <a:r>
+              <a:rPr lang="en-GB" i="1" dirty="0"/>
+              <a:t>RMSE=0.35</a:t>
+            </a:r>
+            <a:r>
+              <a:rPr lang="en-GB" dirty="0"/>
+              <a:t> ?</a:t>
+            </a:r>
+          </a:p>
+          <a:p>
+            <a:endParaRPr lang="en-GB" dirty="0"/>
+          </a:p>
+        </p:txBody>
+      </p:sp>
+      <p:pic>
+        <p:nvPicPr>
+          <p:cNvPr id="6" name="Content Placeholder 5">
+            <a:extLst>
+              <a:ext uri="{FF2B5EF4-FFF2-40B4-BE49-F238E27FC236}">
+                <a16:creationId xmlns:a16="http://schemas.microsoft.com/office/drawing/2014/main" id="{8EAADB7A-CAFA-7A45-99FF-A59158BA97CD}"/>
+              </a:ext>
+            </a:extLst>
+          </p:cNvPr>
+          <p:cNvPicPr>
+            <a:picLocks noGrp="1" noChangeAspect="1"/>
+          </p:cNvPicPr>
+          <p:nvPr>
+            <p:ph sz="half" idx="2"/>
+          </p:nvPr>
+        </p:nvPicPr>
+        <p:blipFill>
+          <a:blip r:embed="rId2"/>
+          <a:stretch>
+            <a:fillRect/>
+          </a:stretch>
+        </p:blipFill>
+        <p:spPr>
+          <a:xfrm>
+            <a:off x="6583405" y="3193086"/>
+            <a:ext cx="4770395" cy="1616415"/>
+          </a:xfrm>
+          <a:prstGeom prst="rect">
+            <a:avLst/>
+          </a:prstGeom>
+        </p:spPr>
+      </p:pic>
     </p:spTree>
     <p:extLst>
       <p:ext uri="{BB962C8B-B14F-4D97-AF65-F5344CB8AC3E}">
-        <p14:creationId xmlns:p14="http://schemas.microsoft.com/office/powerpoint/2010/main" val="2731608349"/>
+        <p14:creationId xmlns:p14="http://schemas.microsoft.com/office/powerpoint/2010/main" val="1980572965"/>
       </p:ext>
     </p:extLst>
   </p:cSld>
@@ -4811,7 +5018,7 @@
           <p:cNvPr id="2" name="Title 1">
             <a:extLst>
               <a:ext uri="{FF2B5EF4-FFF2-40B4-BE49-F238E27FC236}">
-                <a16:creationId xmlns:a16="http://schemas.microsoft.com/office/drawing/2014/main" id="{C32B73F0-9F7C-884B-B305-068027E9DC57}"/>
+                <a16:creationId xmlns:a16="http://schemas.microsoft.com/office/drawing/2014/main" id="{6385C2C0-E570-F749-A9DC-C7BC45AE2470}"/>
               </a:ext>
             </a:extLst>
           </p:cNvPr>
@@ -4829,7 +5036,11 @@
           <a:p>
             <a:r>
               <a:rPr lang="en-GB" dirty="0"/>
-              <a:t>Visual Comparisons</a:t>
+              <a:t>Global Statistics: R</a:t>
+            </a:r>
+            <a:r>
+              <a:rPr lang="en-GB" baseline="30000" dirty="0"/>
+              <a:t>2</a:t>
             </a:r>
           </a:p>
         </p:txBody>
@@ -4839,7 +5050,7 @@
           <p:cNvPr id="3" name="Content Placeholder 2">
             <a:extLst>
               <a:ext uri="{FF2B5EF4-FFF2-40B4-BE49-F238E27FC236}">
-                <a16:creationId xmlns:a16="http://schemas.microsoft.com/office/drawing/2014/main" id="{5D368FAB-1DEC-C249-A6DB-57CBFE9285C8}"/>
+                <a16:creationId xmlns:a16="http://schemas.microsoft.com/office/drawing/2014/main" id="{B7D21F99-0EB4-0E4C-9244-CF43C4B5D1FA}"/>
               </a:ext>
             </a:extLst>
           </p:cNvPr>
@@ -4850,44 +5061,123 @@
             <p:ph sz="half" idx="1"/>
           </p:nvPr>
         </p:nvSpPr>
-        <p:spPr/>
-        <p:txBody>
-          <a:bodyPr/>
-          <a:lstStyle/>
-          <a:p>
-            <a:endParaRPr lang="en-GB"/>
-          </a:p>
-        </p:txBody>
-      </p:sp>
-      <p:sp>
-        <p:nvSpPr>
-          <p:cNvPr id="4" name="Content Placeholder 3">
-            <a:extLst>
-              <a:ext uri="{FF2B5EF4-FFF2-40B4-BE49-F238E27FC236}">
-                <a16:creationId xmlns:a16="http://schemas.microsoft.com/office/drawing/2014/main" id="{8D7F4392-8110-0F48-8318-C8D2A13461C4}"/>
-              </a:ext>
-            </a:extLst>
-          </p:cNvPr>
-          <p:cNvSpPr>
-            <a:spLocks noGrp="1"/>
-          </p:cNvSpPr>
+        <p:spPr>
+          <a:xfrm>
+            <a:off x="838199" y="1825625"/>
+            <a:ext cx="6117771" cy="4351338"/>
+          </a:xfrm>
+        </p:spPr>
+        <p:txBody>
+          <a:bodyPr>
+            <a:normAutofit lnSpcReduction="10000"/>
+          </a:bodyPr>
+          <a:lstStyle/>
+          <a:p>
+            <a:r>
+              <a:rPr lang="en-GB" dirty="0"/>
+              <a:t>The proportion of agreement between a model and the observed data </a:t>
+            </a:r>
+          </a:p>
+          <a:p>
+            <a:pPr lvl="1"/>
+            <a:r>
+              <a:rPr lang="en-GB" i="1" dirty="0"/>
+              <a:t>R</a:t>
+            </a:r>
+            <a:r>
+              <a:rPr lang="en-GB" i="1" baseline="30000" dirty="0"/>
+              <a:t>2</a:t>
+            </a:r>
+            <a:r>
+              <a:rPr lang="en-GB" i="1" dirty="0"/>
+              <a:t>=0.34</a:t>
+            </a:r>
+            <a:r>
+              <a:rPr lang="en-GB" dirty="0"/>
+              <a:t> means the model is able to explain 34% of the variation in the real data</a:t>
+            </a:r>
+          </a:p>
+          <a:p>
+            <a:r>
+              <a:rPr lang="en-GB" dirty="0"/>
+              <a:t>Range</a:t>
+            </a:r>
+          </a:p>
+          <a:p>
+            <a:pPr lvl="1"/>
+            <a:r>
+              <a:rPr lang="en-GB" dirty="0"/>
+              <a:t>0 – no agreement (big differences) </a:t>
+            </a:r>
+          </a:p>
+          <a:p>
+            <a:pPr lvl="1"/>
+            <a:r>
+              <a:rPr lang="en-GB" dirty="0"/>
+              <a:t>1 – identical data</a:t>
+            </a:r>
+          </a:p>
+          <a:p>
+            <a:r>
+              <a:rPr lang="en-GB" dirty="0"/>
+              <a:t>Drawbacks:</a:t>
+            </a:r>
+          </a:p>
+          <a:p>
+            <a:pPr lvl="1"/>
+            <a:r>
+              <a:rPr lang="en-GB" dirty="0"/>
+              <a:t>Insensitive to overall amount of error</a:t>
+            </a:r>
+          </a:p>
+          <a:p>
+            <a:pPr lvl="1"/>
+            <a:r>
+              <a:rPr lang="en-GB" dirty="0"/>
+              <a:t>Unreliable for non-linear models</a:t>
+            </a:r>
+          </a:p>
+          <a:p>
+            <a:endParaRPr lang="en-GB" dirty="0"/>
+          </a:p>
+        </p:txBody>
+      </p:sp>
+      <p:pic>
+        <p:nvPicPr>
+          <p:cNvPr id="11" name="Content Placeholder 10">
+            <a:extLst>
+              <a:ext uri="{FF2B5EF4-FFF2-40B4-BE49-F238E27FC236}">
+                <a16:creationId xmlns:a16="http://schemas.microsoft.com/office/drawing/2014/main" id="{F5119CE9-F1DF-354D-A0E4-14A634852372}"/>
+              </a:ext>
+            </a:extLst>
+          </p:cNvPr>
+          <p:cNvPicPr>
+            <a:picLocks noGrp="1" noChangeAspect="1"/>
+          </p:cNvPicPr>
           <p:nvPr>
             <p:ph sz="half" idx="2"/>
           </p:nvPr>
-        </p:nvSpPr>
-        <p:spPr/>
-        <p:txBody>
-          <a:bodyPr/>
-          <a:lstStyle/>
-          <a:p>
-            <a:endParaRPr lang="en-GB"/>
-          </a:p>
-        </p:txBody>
-      </p:sp>
+        </p:nvPicPr>
+        <p:blipFill>
+          <a:blip r:embed="rId2"/>
+          <a:stretch>
+            <a:fillRect/>
+          </a:stretch>
+        </p:blipFill>
+        <p:spPr>
+          <a:xfrm>
+            <a:off x="7023290" y="3122329"/>
+            <a:ext cx="4330510" cy="1757930"/>
+          </a:xfrm>
+          <a:prstGeom prst="rect">
+            <a:avLst/>
+          </a:prstGeom>
+        </p:spPr>
+      </p:pic>
     </p:spTree>
     <p:extLst>
       <p:ext uri="{BB962C8B-B14F-4D97-AF65-F5344CB8AC3E}">
-        <p14:creationId xmlns:p14="http://schemas.microsoft.com/office/powerpoint/2010/main" val="4286640177"/>
+        <p14:creationId xmlns:p14="http://schemas.microsoft.com/office/powerpoint/2010/main" val="3860521609"/>
       </p:ext>
     </p:extLst>
   </p:cSld>
@@ -4919,7 +5209,7 @@
           <p:cNvPr id="2" name="Title 1">
             <a:extLst>
               <a:ext uri="{FF2B5EF4-FFF2-40B4-BE49-F238E27FC236}">
-                <a16:creationId xmlns:a16="http://schemas.microsoft.com/office/drawing/2014/main" id="{20D06F70-8F9A-734F-A9EB-61C2E19F8589}"/>
+                <a16:creationId xmlns:a16="http://schemas.microsoft.com/office/drawing/2014/main" id="{3CE2C6E3-73AE-B04A-802F-1584351517F2}"/>
               </a:ext>
             </a:extLst>
           </p:cNvPr>
@@ -4935,64 +5225,290 @@
           <a:bodyPr/>
           <a:lstStyle/>
           <a:p>
-            <a:endParaRPr lang="en-GB"/>
-          </a:p>
-        </p:txBody>
-      </p:sp>
-      <p:sp>
-        <p:nvSpPr>
-          <p:cNvPr id="3" name="Content Placeholder 2">
-            <a:extLst>
-              <a:ext uri="{FF2B5EF4-FFF2-40B4-BE49-F238E27FC236}">
-                <a16:creationId xmlns:a16="http://schemas.microsoft.com/office/drawing/2014/main" id="{FA8F4C28-1F43-9146-8309-68C475F6F25B}"/>
-              </a:ext>
-            </a:extLst>
-          </p:cNvPr>
-          <p:cNvSpPr>
-            <a:spLocks noGrp="1"/>
-          </p:cNvSpPr>
+            <a:r>
+              <a:rPr lang="en-GB" dirty="0"/>
+              <a:t>Results: RSS, R</a:t>
+            </a:r>
+            <a:r>
+              <a:rPr lang="en-GB" baseline="30000" dirty="0"/>
+              <a:t>2</a:t>
+            </a:r>
+            <a:r>
+              <a:rPr lang="en-GB" dirty="0"/>
+              <a:t>, RMSE</a:t>
+            </a:r>
+          </a:p>
+        </p:txBody>
+      </p:sp>
+      <p:pic>
+        <p:nvPicPr>
+          <p:cNvPr id="5" name="Content Placeholder 4">
+            <a:extLst>
+              <a:ext uri="{FF2B5EF4-FFF2-40B4-BE49-F238E27FC236}">
+                <a16:creationId xmlns:a16="http://schemas.microsoft.com/office/drawing/2014/main" id="{7D4B2555-8E6F-114B-B3C2-4E5048D45781}"/>
+              </a:ext>
+            </a:extLst>
+          </p:cNvPr>
+          <p:cNvPicPr>
+            <a:picLocks noGrp="1" noChangeAspect="1"/>
+          </p:cNvPicPr>
           <p:nvPr>
             <p:ph sz="half" idx="1"/>
           </p:nvPr>
-        </p:nvSpPr>
-        <p:spPr/>
-        <p:txBody>
-          <a:bodyPr/>
-          <a:lstStyle/>
-          <a:p>
-            <a:endParaRPr lang="en-GB"/>
-          </a:p>
-        </p:txBody>
-      </p:sp>
-      <p:sp>
-        <p:nvSpPr>
-          <p:cNvPr id="4" name="Content Placeholder 3">
-            <a:extLst>
-              <a:ext uri="{FF2B5EF4-FFF2-40B4-BE49-F238E27FC236}">
-                <a16:creationId xmlns:a16="http://schemas.microsoft.com/office/drawing/2014/main" id="{6BEF9087-771B-9E4E-90DF-9D246F6479EC}"/>
-              </a:ext>
-            </a:extLst>
-          </p:cNvPr>
-          <p:cNvSpPr>
-            <a:spLocks noGrp="1"/>
-          </p:cNvSpPr>
-          <p:nvPr>
-            <p:ph sz="half" idx="2"/>
-          </p:nvPr>
-        </p:nvSpPr>
-        <p:spPr/>
-        <p:txBody>
-          <a:bodyPr/>
-          <a:lstStyle/>
-          <a:p>
-            <a:endParaRPr lang="en-GB"/>
+        </p:nvPicPr>
+        <p:blipFill>
+          <a:blip r:embed="rId2"/>
+          <a:stretch>
+            <a:fillRect/>
+          </a:stretch>
+        </p:blipFill>
+        <p:spPr>
+          <a:xfrm>
+            <a:off x="838200" y="1814173"/>
+            <a:ext cx="10596062" cy="1886970"/>
+          </a:xfrm>
+          <a:prstGeom prst="rect">
+            <a:avLst/>
+          </a:prstGeom>
+        </p:spPr>
+      </p:pic>
+      <p:sp>
+        <p:nvSpPr>
+          <p:cNvPr id="6" name="Content Placeholder 2">
+            <a:extLst>
+              <a:ext uri="{FF2B5EF4-FFF2-40B4-BE49-F238E27FC236}">
+                <a16:creationId xmlns:a16="http://schemas.microsoft.com/office/drawing/2014/main" id="{502C125E-6586-E94E-9977-C0522E0853C9}"/>
+              </a:ext>
+            </a:extLst>
+          </p:cNvPr>
+          <p:cNvSpPr txBox="1">
+            <a:spLocks/>
+          </p:cNvSpPr>
+          <p:nvPr/>
+        </p:nvSpPr>
+        <p:spPr>
+          <a:xfrm>
+            <a:off x="838199" y="3824627"/>
+            <a:ext cx="10596063" cy="2352335"/>
+          </a:xfrm>
+          <a:prstGeom prst="rect">
+            <a:avLst/>
+          </a:prstGeom>
+        </p:spPr>
+        <p:txBody>
+          <a:bodyPr vert="horz" lIns="91440" tIns="45720" rIns="91440" bIns="45720" rtlCol="0">
+            <a:normAutofit/>
+          </a:bodyPr>
+          <a:lstStyle>
+            <a:lvl1pPr marL="228600" indent="-228600" algn="l" defTabSz="914400" rtl="0" eaLnBrk="1" latinLnBrk="0" hangingPunct="1">
+              <a:lnSpc>
+                <a:spcPct val="90000"/>
+              </a:lnSpc>
+              <a:spcBef>
+                <a:spcPts val="1000"/>
+              </a:spcBef>
+              <a:buFont typeface="Arial" panose="020B0604020202020204" pitchFamily="34" charset="0"/>
+              <a:buChar char="•"/>
+              <a:defRPr sz="2800" kern="1200">
+                <a:solidFill>
+                  <a:schemeClr val="tx1"/>
+                </a:solidFill>
+                <a:latin typeface="+mn-lt"/>
+                <a:ea typeface="+mn-ea"/>
+                <a:cs typeface="+mn-cs"/>
+              </a:defRPr>
+            </a:lvl1pPr>
+            <a:lvl2pPr marL="685800" indent="-228600" algn="l" defTabSz="914400" rtl="0" eaLnBrk="1" latinLnBrk="0" hangingPunct="1">
+              <a:lnSpc>
+                <a:spcPct val="90000"/>
+              </a:lnSpc>
+              <a:spcBef>
+                <a:spcPts val="500"/>
+              </a:spcBef>
+              <a:buFont typeface="Arial" panose="020B0604020202020204" pitchFamily="34" charset="0"/>
+              <a:buChar char="•"/>
+              <a:defRPr sz="2400" kern="1200">
+                <a:solidFill>
+                  <a:schemeClr val="tx1"/>
+                </a:solidFill>
+                <a:latin typeface="+mn-lt"/>
+                <a:ea typeface="+mn-ea"/>
+                <a:cs typeface="+mn-cs"/>
+              </a:defRPr>
+            </a:lvl2pPr>
+            <a:lvl3pPr marL="1143000" indent="-228600" algn="l" defTabSz="914400" rtl="0" eaLnBrk="1" latinLnBrk="0" hangingPunct="1">
+              <a:lnSpc>
+                <a:spcPct val="90000"/>
+              </a:lnSpc>
+              <a:spcBef>
+                <a:spcPts val="500"/>
+              </a:spcBef>
+              <a:buFont typeface="Arial" panose="020B0604020202020204" pitchFamily="34" charset="0"/>
+              <a:buChar char="•"/>
+              <a:defRPr sz="2000" kern="1200">
+                <a:solidFill>
+                  <a:schemeClr val="tx1"/>
+                </a:solidFill>
+                <a:latin typeface="+mn-lt"/>
+                <a:ea typeface="+mn-ea"/>
+                <a:cs typeface="+mn-cs"/>
+              </a:defRPr>
+            </a:lvl3pPr>
+            <a:lvl4pPr marL="1600200" indent="-228600" algn="l" defTabSz="914400" rtl="0" eaLnBrk="1" latinLnBrk="0" hangingPunct="1">
+              <a:lnSpc>
+                <a:spcPct val="90000"/>
+              </a:lnSpc>
+              <a:spcBef>
+                <a:spcPts val="500"/>
+              </a:spcBef>
+              <a:buFont typeface="Arial" panose="020B0604020202020204" pitchFamily="34" charset="0"/>
+              <a:buChar char="•"/>
+              <a:defRPr sz="1800" kern="1200">
+                <a:solidFill>
+                  <a:schemeClr val="tx1"/>
+                </a:solidFill>
+                <a:latin typeface="+mn-lt"/>
+                <a:ea typeface="+mn-ea"/>
+                <a:cs typeface="+mn-cs"/>
+              </a:defRPr>
+            </a:lvl4pPr>
+            <a:lvl5pPr marL="2057400" indent="-228600" algn="l" defTabSz="914400" rtl="0" eaLnBrk="1" latinLnBrk="0" hangingPunct="1">
+              <a:lnSpc>
+                <a:spcPct val="90000"/>
+              </a:lnSpc>
+              <a:spcBef>
+                <a:spcPts val="500"/>
+              </a:spcBef>
+              <a:buFont typeface="Arial" panose="020B0604020202020204" pitchFamily="34" charset="0"/>
+              <a:buChar char="•"/>
+              <a:defRPr sz="1800" kern="1200">
+                <a:solidFill>
+                  <a:schemeClr val="tx1"/>
+                </a:solidFill>
+                <a:latin typeface="+mn-lt"/>
+                <a:ea typeface="+mn-ea"/>
+                <a:cs typeface="+mn-cs"/>
+              </a:defRPr>
+            </a:lvl5pPr>
+            <a:lvl6pPr marL="2514600" indent="-228600" algn="l" defTabSz="914400" rtl="0" eaLnBrk="1" latinLnBrk="0" hangingPunct="1">
+              <a:lnSpc>
+                <a:spcPct val="90000"/>
+              </a:lnSpc>
+              <a:spcBef>
+                <a:spcPts val="500"/>
+              </a:spcBef>
+              <a:buFont typeface="Arial" panose="020B0604020202020204" pitchFamily="34" charset="0"/>
+              <a:buChar char="•"/>
+              <a:defRPr sz="1800" kern="1200">
+                <a:solidFill>
+                  <a:schemeClr val="tx1"/>
+                </a:solidFill>
+                <a:latin typeface="+mn-lt"/>
+                <a:ea typeface="+mn-ea"/>
+                <a:cs typeface="+mn-cs"/>
+              </a:defRPr>
+            </a:lvl6pPr>
+            <a:lvl7pPr marL="2971800" indent="-228600" algn="l" defTabSz="914400" rtl="0" eaLnBrk="1" latinLnBrk="0" hangingPunct="1">
+              <a:lnSpc>
+                <a:spcPct val="90000"/>
+              </a:lnSpc>
+              <a:spcBef>
+                <a:spcPts val="500"/>
+              </a:spcBef>
+              <a:buFont typeface="Arial" panose="020B0604020202020204" pitchFamily="34" charset="0"/>
+              <a:buChar char="•"/>
+              <a:defRPr sz="1800" kern="1200">
+                <a:solidFill>
+                  <a:schemeClr val="tx1"/>
+                </a:solidFill>
+                <a:latin typeface="+mn-lt"/>
+                <a:ea typeface="+mn-ea"/>
+                <a:cs typeface="+mn-cs"/>
+              </a:defRPr>
+            </a:lvl7pPr>
+            <a:lvl8pPr marL="3429000" indent="-228600" algn="l" defTabSz="914400" rtl="0" eaLnBrk="1" latinLnBrk="0" hangingPunct="1">
+              <a:lnSpc>
+                <a:spcPct val="90000"/>
+              </a:lnSpc>
+              <a:spcBef>
+                <a:spcPts val="500"/>
+              </a:spcBef>
+              <a:buFont typeface="Arial" panose="020B0604020202020204" pitchFamily="34" charset="0"/>
+              <a:buChar char="•"/>
+              <a:defRPr sz="1800" kern="1200">
+                <a:solidFill>
+                  <a:schemeClr val="tx1"/>
+                </a:solidFill>
+                <a:latin typeface="+mn-lt"/>
+                <a:ea typeface="+mn-ea"/>
+                <a:cs typeface="+mn-cs"/>
+              </a:defRPr>
+            </a:lvl8pPr>
+            <a:lvl9pPr marL="3886200" indent="-228600" algn="l" defTabSz="914400" rtl="0" eaLnBrk="1" latinLnBrk="0" hangingPunct="1">
+              <a:lnSpc>
+                <a:spcPct val="90000"/>
+              </a:lnSpc>
+              <a:spcBef>
+                <a:spcPts val="500"/>
+              </a:spcBef>
+              <a:buFont typeface="Arial" panose="020B0604020202020204" pitchFamily="34" charset="0"/>
+              <a:buChar char="•"/>
+              <a:defRPr sz="1800" kern="1200">
+                <a:solidFill>
+                  <a:schemeClr val="tx1"/>
+                </a:solidFill>
+                <a:latin typeface="+mn-lt"/>
+                <a:ea typeface="+mn-ea"/>
+                <a:cs typeface="+mn-cs"/>
+              </a:defRPr>
+            </a:lvl9pPr>
+          </a:lstStyle>
+          <a:p>
+            <a:r>
+              <a:rPr lang="en-GB" dirty="0"/>
+              <a:t>All agree that Model B is a closer fit to the real data than Model A.</a:t>
+            </a:r>
+          </a:p>
+          <a:p>
+            <a:pPr lvl="1"/>
+            <a:r>
+              <a:rPr lang="en-GB" i="1" dirty="0"/>
+              <a:t>lower </a:t>
+            </a:r>
+            <a:r>
+              <a:rPr lang="en-GB" dirty="0"/>
+              <a:t>SRMSE values indicate greater agreement, whereas </a:t>
+            </a:r>
+            <a:r>
+              <a:rPr lang="en-GB" i="1" dirty="0"/>
+              <a:t>higher R</a:t>
+            </a:r>
+            <a:r>
+              <a:rPr lang="en-GB" dirty="0"/>
+              <a:t>2 values indicate greater agreement</a:t>
+            </a:r>
+          </a:p>
+          <a:p>
+            <a:r>
+              <a:rPr lang="en-GB" dirty="0"/>
+              <a:t>Main lesson: </a:t>
+            </a:r>
+            <a:r>
+              <a:rPr lang="en-GB" b="1" i="1" dirty="0"/>
+              <a:t>the choice of statistic matters for error calculation! </a:t>
+            </a:r>
+            <a:endParaRPr lang="en-GB" b="1" dirty="0"/>
+          </a:p>
+          <a:p>
+            <a:pPr lvl="1"/>
+            <a:endParaRPr lang="en-GB" dirty="0"/>
           </a:p>
         </p:txBody>
       </p:sp>
     </p:spTree>
     <p:extLst>
       <p:ext uri="{BB962C8B-B14F-4D97-AF65-F5344CB8AC3E}">
-        <p14:creationId xmlns:p14="http://schemas.microsoft.com/office/powerpoint/2010/main" val="1102435981"/>
+        <p14:creationId xmlns:p14="http://schemas.microsoft.com/office/powerpoint/2010/main" val="1103873133"/>
       </p:ext>
     </p:extLst>
   </p:cSld>
@@ -5093,6 +5609,12 @@
           </a:p>
           <a:p>
             <a:r>
+              <a:rPr lang="en-US" dirty="0"/>
+              <a:t>Visual Comparisons</a:t>
+            </a:r>
+          </a:p>
+          <a:p>
+            <a:r>
               <a:rPr lang="en-US" dirty="0">
                 <a:solidFill>
                   <a:schemeClr val="bg2">
@@ -5100,12 +5622,6 @@
                   </a:schemeClr>
                 </a:solidFill>
               </a:rPr>
-              <a:t>Visual Comparisons</a:t>
-            </a:r>
-          </a:p>
-          <a:p>
-            <a:r>
-              <a:rPr lang="en-US" dirty="0"/>
               <a:t>Point Pattern Statistics</a:t>
             </a:r>
           </a:p>
@@ -5138,7 +5654,7 @@
     </p:spTree>
     <p:extLst>
       <p:ext uri="{BB962C8B-B14F-4D97-AF65-F5344CB8AC3E}">
-        <p14:creationId xmlns:p14="http://schemas.microsoft.com/office/powerpoint/2010/main" val="3233748621"/>
+        <p14:creationId xmlns:p14="http://schemas.microsoft.com/office/powerpoint/2010/main" val="2731608349"/>
       </p:ext>
     </p:extLst>
   </p:cSld>
@@ -5170,7 +5686,7 @@
           <p:cNvPr id="2" name="Title 1">
             <a:extLst>
               <a:ext uri="{FF2B5EF4-FFF2-40B4-BE49-F238E27FC236}">
-                <a16:creationId xmlns:a16="http://schemas.microsoft.com/office/drawing/2014/main" id="{9EF2A3A5-1182-864A-8827-26D1518A6394}"/>
+                <a16:creationId xmlns:a16="http://schemas.microsoft.com/office/drawing/2014/main" id="{C32B73F0-9F7C-884B-B305-068027E9DC57}"/>
               </a:ext>
             </a:extLst>
           </p:cNvPr>
@@ -5188,7 +5704,7 @@
           <a:p>
             <a:r>
               <a:rPr lang="en-GB" dirty="0"/>
-              <a:t>Point Pattern Statistics</a:t>
+              <a:t>Visual Comparisons</a:t>
             </a:r>
           </a:p>
         </p:txBody>
@@ -5198,7 +5714,7 @@
           <p:cNvPr id="3" name="Content Placeholder 2">
             <a:extLst>
               <a:ext uri="{FF2B5EF4-FFF2-40B4-BE49-F238E27FC236}">
-                <a16:creationId xmlns:a16="http://schemas.microsoft.com/office/drawing/2014/main" id="{2E888BA9-58D7-6849-BDD2-F73E4F362626}"/>
+                <a16:creationId xmlns:a16="http://schemas.microsoft.com/office/drawing/2014/main" id="{5D368FAB-1DEC-C249-A6DB-57CBFE9285C8}"/>
               </a:ext>
             </a:extLst>
           </p:cNvPr>
@@ -5223,7 +5739,7 @@
           <p:cNvPr id="4" name="Content Placeholder 3">
             <a:extLst>
               <a:ext uri="{FF2B5EF4-FFF2-40B4-BE49-F238E27FC236}">
-                <a16:creationId xmlns:a16="http://schemas.microsoft.com/office/drawing/2014/main" id="{5992EC1C-B4ED-9045-ADEE-88C0CD5D1912}"/>
+                <a16:creationId xmlns:a16="http://schemas.microsoft.com/office/drawing/2014/main" id="{8D7F4392-8110-0F48-8318-C8D2A13461C4}"/>
               </a:ext>
             </a:extLst>
           </p:cNvPr>
@@ -5246,7 +5762,7 @@
     </p:spTree>
     <p:extLst>
       <p:ext uri="{BB962C8B-B14F-4D97-AF65-F5344CB8AC3E}">
-        <p14:creationId xmlns:p14="http://schemas.microsoft.com/office/powerpoint/2010/main" val="2501577883"/>
+        <p14:creationId xmlns:p14="http://schemas.microsoft.com/office/powerpoint/2010/main" val="4286640177"/>
       </p:ext>
     </p:extLst>
   </p:cSld>
@@ -5278,7 +5794,7 @@
           <p:cNvPr id="2" name="Title 1">
             <a:extLst>
               <a:ext uri="{FF2B5EF4-FFF2-40B4-BE49-F238E27FC236}">
-                <a16:creationId xmlns:a16="http://schemas.microsoft.com/office/drawing/2014/main" id="{A3087EA2-2DAB-3A49-A952-A331B67A7F75}"/>
+                <a16:creationId xmlns:a16="http://schemas.microsoft.com/office/drawing/2014/main" id="{20D06F70-8F9A-734F-A9EB-61C2E19F8589}"/>
               </a:ext>
             </a:extLst>
           </p:cNvPr>
@@ -5303,7 +5819,7 @@
           <p:cNvPr id="3" name="Content Placeholder 2">
             <a:extLst>
               <a:ext uri="{FF2B5EF4-FFF2-40B4-BE49-F238E27FC236}">
-                <a16:creationId xmlns:a16="http://schemas.microsoft.com/office/drawing/2014/main" id="{C93AE24C-2856-BE4E-9B5F-542531A98BBE}"/>
+                <a16:creationId xmlns:a16="http://schemas.microsoft.com/office/drawing/2014/main" id="{FA8F4C28-1F43-9146-8309-68C475F6F25B}"/>
               </a:ext>
             </a:extLst>
           </p:cNvPr>
@@ -5328,7 +5844,7 @@
           <p:cNvPr id="4" name="Content Placeholder 3">
             <a:extLst>
               <a:ext uri="{FF2B5EF4-FFF2-40B4-BE49-F238E27FC236}">
-                <a16:creationId xmlns:a16="http://schemas.microsoft.com/office/drawing/2014/main" id="{0DDCAF99-537E-4448-BE66-07E56A723E6E}"/>
+                <a16:creationId xmlns:a16="http://schemas.microsoft.com/office/drawing/2014/main" id="{6BEF9087-771B-9E4E-90DF-9D246F6479EC}"/>
               </a:ext>
             </a:extLst>
           </p:cNvPr>
@@ -5351,7 +5867,7 @@
     </p:spTree>
     <p:extLst>
       <p:ext uri="{BB962C8B-B14F-4D97-AF65-F5344CB8AC3E}">
-        <p14:creationId xmlns:p14="http://schemas.microsoft.com/office/powerpoint/2010/main" val="1429789702"/>
+        <p14:creationId xmlns:p14="http://schemas.microsoft.com/office/powerpoint/2010/main" val="1102435981"/>
       </p:ext>
     </p:extLst>
   </p:cSld>
@@ -5464,6 +5980,12 @@
           </a:p>
           <a:p>
             <a:r>
+              <a:rPr lang="en-US" dirty="0"/>
+              <a:t>Point Pattern Statistics</a:t>
+            </a:r>
+          </a:p>
+          <a:p>
+            <a:r>
               <a:rPr lang="en-US" dirty="0">
                 <a:solidFill>
                   <a:schemeClr val="bg2">
@@ -5471,12 +5993,6 @@
                   </a:schemeClr>
                 </a:solidFill>
               </a:rPr>
-              <a:t>Point Pattern Statistics</a:t>
-            </a:r>
-          </a:p>
-          <a:p>
-            <a:r>
-              <a:rPr lang="en-US" dirty="0"/>
               <a:t>Local Statistics (LISA)</a:t>
             </a:r>
           </a:p>
@@ -5497,7 +6013,7 @@
     </p:spTree>
     <p:extLst>
       <p:ext uri="{BB962C8B-B14F-4D97-AF65-F5344CB8AC3E}">
-        <p14:creationId xmlns:p14="http://schemas.microsoft.com/office/powerpoint/2010/main" val="2647263730"/>
+        <p14:creationId xmlns:p14="http://schemas.microsoft.com/office/powerpoint/2010/main" val="3233748621"/>
       </p:ext>
     </p:extLst>
   </p:cSld>
@@ -5645,7 +6161,7 @@
           <p:cNvPr id="2" name="Title 1">
             <a:extLst>
               <a:ext uri="{FF2B5EF4-FFF2-40B4-BE49-F238E27FC236}">
-                <a16:creationId xmlns:a16="http://schemas.microsoft.com/office/drawing/2014/main" id="{A7C7FDD8-AB92-1D45-87F9-1B4DDE7E84D4}"/>
+                <a16:creationId xmlns:a16="http://schemas.microsoft.com/office/drawing/2014/main" id="{9EF2A3A5-1182-864A-8827-26D1518A6394}"/>
               </a:ext>
             </a:extLst>
           </p:cNvPr>
@@ -5663,7 +6179,7 @@
           <a:p>
             <a:r>
               <a:rPr lang="en-GB" dirty="0"/>
-              <a:t>Local Indicators of Spatial Association (LISA)</a:t>
+              <a:t>Point Pattern Statistics</a:t>
             </a:r>
           </a:p>
         </p:txBody>
@@ -5673,7 +6189,7 @@
           <p:cNvPr id="3" name="Content Placeholder 2">
             <a:extLst>
               <a:ext uri="{FF2B5EF4-FFF2-40B4-BE49-F238E27FC236}">
-                <a16:creationId xmlns:a16="http://schemas.microsoft.com/office/drawing/2014/main" id="{0D7D14EE-8186-4F46-8C7C-04CEC1CC2757}"/>
+                <a16:creationId xmlns:a16="http://schemas.microsoft.com/office/drawing/2014/main" id="{2E888BA9-58D7-6849-BDD2-F73E4F362626}"/>
               </a:ext>
             </a:extLst>
           </p:cNvPr>
@@ -5689,10 +6205,7 @@
           <a:bodyPr/>
           <a:lstStyle/>
           <a:p>
-            <a:r>
-              <a:rPr lang="en-GB" dirty="0"/>
-              <a:t>Local Statistics</a:t>
-            </a:r>
+            <a:endParaRPr lang="en-GB"/>
           </a:p>
         </p:txBody>
       </p:sp>
@@ -5701,7 +6214,7 @@
           <p:cNvPr id="4" name="Content Placeholder 3">
             <a:extLst>
               <a:ext uri="{FF2B5EF4-FFF2-40B4-BE49-F238E27FC236}">
-                <a16:creationId xmlns:a16="http://schemas.microsoft.com/office/drawing/2014/main" id="{246C46AF-48D1-2D44-93A0-EEBD968A6C70}"/>
+                <a16:creationId xmlns:a16="http://schemas.microsoft.com/office/drawing/2014/main" id="{5992EC1C-B4ED-9045-ADEE-88C0CD5D1912}"/>
               </a:ext>
             </a:extLst>
           </p:cNvPr>
@@ -5724,7 +6237,7 @@
     </p:spTree>
     <p:extLst>
       <p:ext uri="{BB962C8B-B14F-4D97-AF65-F5344CB8AC3E}">
-        <p14:creationId xmlns:p14="http://schemas.microsoft.com/office/powerpoint/2010/main" val="776096245"/>
+        <p14:creationId xmlns:p14="http://schemas.microsoft.com/office/powerpoint/2010/main" val="2501577883"/>
       </p:ext>
     </p:extLst>
   </p:cSld>
@@ -5756,7 +6269,7 @@
           <p:cNvPr id="2" name="Title 1">
             <a:extLst>
               <a:ext uri="{FF2B5EF4-FFF2-40B4-BE49-F238E27FC236}">
-                <a16:creationId xmlns:a16="http://schemas.microsoft.com/office/drawing/2014/main" id="{05C60279-5B8D-2F4A-A3EA-EAED0686F78F}"/>
+                <a16:creationId xmlns:a16="http://schemas.microsoft.com/office/drawing/2014/main" id="{A3087EA2-2DAB-3A49-A952-A331B67A7F75}"/>
               </a:ext>
             </a:extLst>
           </p:cNvPr>
@@ -5781,7 +6294,7 @@
           <p:cNvPr id="3" name="Content Placeholder 2">
             <a:extLst>
               <a:ext uri="{FF2B5EF4-FFF2-40B4-BE49-F238E27FC236}">
-                <a16:creationId xmlns:a16="http://schemas.microsoft.com/office/drawing/2014/main" id="{D880E025-AF67-C243-BB71-BF9AF7C18A01}"/>
+                <a16:creationId xmlns:a16="http://schemas.microsoft.com/office/drawing/2014/main" id="{C93AE24C-2856-BE4E-9B5F-542531A98BBE}"/>
               </a:ext>
             </a:extLst>
           </p:cNvPr>
@@ -5806,7 +6319,7 @@
           <p:cNvPr id="4" name="Content Placeholder 3">
             <a:extLst>
               <a:ext uri="{FF2B5EF4-FFF2-40B4-BE49-F238E27FC236}">
-                <a16:creationId xmlns:a16="http://schemas.microsoft.com/office/drawing/2014/main" id="{33FB9995-0D8A-D247-8BE6-1A697EC93972}"/>
+                <a16:creationId xmlns:a16="http://schemas.microsoft.com/office/drawing/2014/main" id="{0DDCAF99-537E-4448-BE66-07E56A723E6E}"/>
               </a:ext>
             </a:extLst>
           </p:cNvPr>
@@ -5829,7 +6342,7 @@
     </p:spTree>
     <p:extLst>
       <p:ext uri="{BB962C8B-B14F-4D97-AF65-F5344CB8AC3E}">
-        <p14:creationId xmlns:p14="http://schemas.microsoft.com/office/powerpoint/2010/main" val="1625925961"/>
+        <p14:creationId xmlns:p14="http://schemas.microsoft.com/office/powerpoint/2010/main" val="1429789702"/>
       </p:ext>
     </p:extLst>
   </p:cSld>
@@ -5954,6 +6467,12 @@
           </a:p>
           <a:p>
             <a:r>
+              <a:rPr lang="en-US" dirty="0"/>
+              <a:t>Local Statistics (LISA)</a:t>
+            </a:r>
+          </a:p>
+          <a:p>
+            <a:r>
               <a:rPr lang="en-US" dirty="0">
                 <a:solidFill>
                   <a:schemeClr val="bg2">
@@ -5961,12 +6480,6 @@
                   </a:schemeClr>
                 </a:solidFill>
               </a:rPr>
-              <a:t>Local Statistics (LISA)</a:t>
-            </a:r>
-          </a:p>
-          <a:p>
-            <a:r>
-              <a:rPr lang="en-US" dirty="0"/>
               <a:t>Multi-Scale Error Analysis</a:t>
             </a:r>
           </a:p>
@@ -5975,7 +6488,7 @@
     </p:spTree>
     <p:extLst>
       <p:ext uri="{BB962C8B-B14F-4D97-AF65-F5344CB8AC3E}">
-        <p14:creationId xmlns:p14="http://schemas.microsoft.com/office/powerpoint/2010/main" val="4178601900"/>
+        <p14:creationId xmlns:p14="http://schemas.microsoft.com/office/powerpoint/2010/main" val="2647263730"/>
       </p:ext>
     </p:extLst>
   </p:cSld>
@@ -6007,7 +6520,7 @@
           <p:cNvPr id="2" name="Title 1">
             <a:extLst>
               <a:ext uri="{FF2B5EF4-FFF2-40B4-BE49-F238E27FC236}">
-                <a16:creationId xmlns:a16="http://schemas.microsoft.com/office/drawing/2014/main" id="{957C303A-575D-DC4B-97B5-74200DFB1D3C}"/>
+                <a16:creationId xmlns:a16="http://schemas.microsoft.com/office/drawing/2014/main" id="{A7C7FDD8-AB92-1D45-87F9-1B4DDE7E84D4}"/>
               </a:ext>
             </a:extLst>
           </p:cNvPr>
@@ -6025,7 +6538,7 @@
           <a:p>
             <a:r>
               <a:rPr lang="en-GB" dirty="0"/>
-              <a:t>Multi-Scale Error Analysis</a:t>
+              <a:t>Local Indicators of Spatial Association (LISA)</a:t>
             </a:r>
           </a:p>
         </p:txBody>
@@ -6035,7 +6548,7 @@
           <p:cNvPr id="3" name="Content Placeholder 2">
             <a:extLst>
               <a:ext uri="{FF2B5EF4-FFF2-40B4-BE49-F238E27FC236}">
-                <a16:creationId xmlns:a16="http://schemas.microsoft.com/office/drawing/2014/main" id="{39876AFC-095B-4447-93D0-023FECB71F81}"/>
+                <a16:creationId xmlns:a16="http://schemas.microsoft.com/office/drawing/2014/main" id="{0D7D14EE-8186-4F46-8C7C-04CEC1CC2757}"/>
               </a:ext>
             </a:extLst>
           </p:cNvPr>
@@ -6051,7 +6564,10 @@
           <a:bodyPr/>
           <a:lstStyle/>
           <a:p>
-            <a:endParaRPr lang="en-GB"/>
+            <a:r>
+              <a:rPr lang="en-GB" dirty="0"/>
+              <a:t>Local Statistics</a:t>
+            </a:r>
           </a:p>
         </p:txBody>
       </p:sp>
@@ -6060,7 +6576,7 @@
           <p:cNvPr id="4" name="Content Placeholder 3">
             <a:extLst>
               <a:ext uri="{FF2B5EF4-FFF2-40B4-BE49-F238E27FC236}">
-                <a16:creationId xmlns:a16="http://schemas.microsoft.com/office/drawing/2014/main" id="{B22F205F-AA01-7A40-8328-992044EB1AC4}"/>
+                <a16:creationId xmlns:a16="http://schemas.microsoft.com/office/drawing/2014/main" id="{246C46AF-48D1-2D44-93A0-EEBD968A6C70}"/>
               </a:ext>
             </a:extLst>
           </p:cNvPr>
@@ -6083,7 +6599,7 @@
     </p:spTree>
     <p:extLst>
       <p:ext uri="{BB962C8B-B14F-4D97-AF65-F5344CB8AC3E}">
-        <p14:creationId xmlns:p14="http://schemas.microsoft.com/office/powerpoint/2010/main" val="4152777916"/>
+        <p14:creationId xmlns:p14="http://schemas.microsoft.com/office/powerpoint/2010/main" val="776096245"/>
       </p:ext>
     </p:extLst>
   </p:cSld>
@@ -6115,7 +6631,7 @@
           <p:cNvPr id="2" name="Title 1">
             <a:extLst>
               <a:ext uri="{FF2B5EF4-FFF2-40B4-BE49-F238E27FC236}">
-                <a16:creationId xmlns:a16="http://schemas.microsoft.com/office/drawing/2014/main" id="{82661C56-B9D0-AD46-B310-6521C7BDD5B4}"/>
+                <a16:creationId xmlns:a16="http://schemas.microsoft.com/office/drawing/2014/main" id="{05C60279-5B8D-2F4A-A3EA-EAED0686F78F}"/>
               </a:ext>
             </a:extLst>
           </p:cNvPr>
@@ -6140,7 +6656,7 @@
           <p:cNvPr id="3" name="Content Placeholder 2">
             <a:extLst>
               <a:ext uri="{FF2B5EF4-FFF2-40B4-BE49-F238E27FC236}">
-                <a16:creationId xmlns:a16="http://schemas.microsoft.com/office/drawing/2014/main" id="{2F56E6C0-00DD-4846-81F4-8EF72734D407}"/>
+                <a16:creationId xmlns:a16="http://schemas.microsoft.com/office/drawing/2014/main" id="{D880E025-AF67-C243-BB71-BF9AF7C18A01}"/>
               </a:ext>
             </a:extLst>
           </p:cNvPr>
@@ -6165,7 +6681,7 @@
           <p:cNvPr id="4" name="Content Placeholder 3">
             <a:extLst>
               <a:ext uri="{FF2B5EF4-FFF2-40B4-BE49-F238E27FC236}">
-                <a16:creationId xmlns:a16="http://schemas.microsoft.com/office/drawing/2014/main" id="{7795AAFB-22C7-7645-BCB1-2CD98FF188B3}"/>
+                <a16:creationId xmlns:a16="http://schemas.microsoft.com/office/drawing/2014/main" id="{33FB9995-0D8A-D247-8BE6-1A697EC93972}"/>
               </a:ext>
             </a:extLst>
           </p:cNvPr>
@@ -6188,7 +6704,7 @@
     </p:spTree>
     <p:extLst>
       <p:ext uri="{BB962C8B-B14F-4D97-AF65-F5344CB8AC3E}">
-        <p14:creationId xmlns:p14="http://schemas.microsoft.com/office/powerpoint/2010/main" val="388184741"/>
+        <p14:creationId xmlns:p14="http://schemas.microsoft.com/office/powerpoint/2010/main" val="1625925961"/>
       </p:ext>
     </p:extLst>
   </p:cSld>
@@ -6220,7 +6736,7 @@
           <p:cNvPr id="2" name="Title 1">
             <a:extLst>
               <a:ext uri="{FF2B5EF4-FFF2-40B4-BE49-F238E27FC236}">
-                <a16:creationId xmlns:a16="http://schemas.microsoft.com/office/drawing/2014/main" id="{6E301968-1D4B-604C-8808-49E215F0F4B5}"/>
+                <a16:creationId xmlns:a16="http://schemas.microsoft.com/office/drawing/2014/main" id="{11B58DB4-C916-7B49-9A6D-9F6845C14BB2}"/>
               </a:ext>
             </a:extLst>
           </p:cNvPr>
@@ -6237,8 +6753,8 @@
           <a:lstStyle/>
           <a:p>
             <a:r>
-              <a:rPr lang="en-GB" dirty="0"/>
-              <a:t>Conclusion</a:t>
+              <a:rPr lang="en-US" dirty="0"/>
+              <a:t>Overview</a:t>
             </a:r>
           </a:p>
         </p:txBody>
@@ -6248,55 +6764,93 @@
           <p:cNvPr id="3" name="Content Placeholder 2">
             <a:extLst>
               <a:ext uri="{FF2B5EF4-FFF2-40B4-BE49-F238E27FC236}">
-                <a16:creationId xmlns:a16="http://schemas.microsoft.com/office/drawing/2014/main" id="{1DC996B5-6795-BA42-9178-521E9A658C26}"/>
-              </a:ext>
-            </a:extLst>
-          </p:cNvPr>
-          <p:cNvSpPr>
-            <a:spLocks noGrp="1"/>
-          </p:cNvSpPr>
-          <p:nvPr>
-            <p:ph sz="half" idx="1"/>
-          </p:nvPr>
-        </p:nvSpPr>
-        <p:spPr/>
-        <p:txBody>
-          <a:bodyPr/>
-          <a:lstStyle/>
-          <a:p>
-            <a:endParaRPr lang="en-GB"/>
-          </a:p>
-        </p:txBody>
-      </p:sp>
-      <p:sp>
-        <p:nvSpPr>
-          <p:cNvPr id="4" name="Content Placeholder 3">
-            <a:extLst>
-              <a:ext uri="{FF2B5EF4-FFF2-40B4-BE49-F238E27FC236}">
-                <a16:creationId xmlns:a16="http://schemas.microsoft.com/office/drawing/2014/main" id="{E21A4C58-BC4D-B941-985E-821AA2EA22AD}"/>
-              </a:ext>
-            </a:extLst>
-          </p:cNvPr>
-          <p:cNvSpPr>
-            <a:spLocks noGrp="1"/>
-          </p:cNvSpPr>
-          <p:nvPr>
-            <p:ph sz="half" idx="2"/>
-          </p:nvPr>
-        </p:nvSpPr>
-        <p:spPr/>
-        <p:txBody>
-          <a:bodyPr/>
-          <a:lstStyle/>
-          <a:p>
-            <a:endParaRPr lang="en-GB"/>
+                <a16:creationId xmlns:a16="http://schemas.microsoft.com/office/drawing/2014/main" id="{128AEB6D-95B4-1B4E-B689-57D1F84B35BC}"/>
+              </a:ext>
+            </a:extLst>
+          </p:cNvPr>
+          <p:cNvSpPr>
+            <a:spLocks noGrp="1"/>
+          </p:cNvSpPr>
+          <p:nvPr>
+            <p:ph idx="1"/>
+          </p:nvPr>
+        </p:nvSpPr>
+        <p:spPr/>
+        <p:txBody>
+          <a:bodyPr/>
+          <a:lstStyle/>
+          <a:p>
+            <a:r>
+              <a:rPr lang="en-US" dirty="0">
+                <a:solidFill>
+                  <a:schemeClr val="bg2">
+                    <a:lumMod val="90000"/>
+                  </a:schemeClr>
+                </a:solidFill>
+              </a:rPr>
+              <a:t>Goodness of fit and hypothetical data</a:t>
+            </a:r>
+          </a:p>
+          <a:p>
+            <a:r>
+              <a:rPr lang="en-US" dirty="0">
+                <a:solidFill>
+                  <a:schemeClr val="bg2">
+                    <a:lumMod val="90000"/>
+                  </a:schemeClr>
+                </a:solidFill>
+              </a:rPr>
+              <a:t>Global Statistics</a:t>
+            </a:r>
+          </a:p>
+          <a:p>
+            <a:r>
+              <a:rPr lang="en-US" dirty="0">
+                <a:solidFill>
+                  <a:schemeClr val="bg2">
+                    <a:lumMod val="90000"/>
+                  </a:schemeClr>
+                </a:solidFill>
+              </a:rPr>
+              <a:t>Visual Comparisons</a:t>
+            </a:r>
+          </a:p>
+          <a:p>
+            <a:r>
+              <a:rPr lang="en-US" dirty="0">
+                <a:solidFill>
+                  <a:schemeClr val="bg2">
+                    <a:lumMod val="90000"/>
+                  </a:schemeClr>
+                </a:solidFill>
+              </a:rPr>
+              <a:t>Point Pattern Statistics</a:t>
+            </a:r>
+          </a:p>
+          <a:p>
+            <a:r>
+              <a:rPr lang="en-US" dirty="0">
+                <a:solidFill>
+                  <a:schemeClr val="bg2">
+                    <a:lumMod val="90000"/>
+                  </a:schemeClr>
+                </a:solidFill>
+              </a:rPr>
+              <a:t>Local Statistics (LISA)</a:t>
+            </a:r>
+          </a:p>
+          <a:p>
+            <a:r>
+              <a:rPr lang="en-US" dirty="0"/>
+              <a:t>Multi-Scale Error Analysis</a:t>
+            </a:r>
           </a:p>
         </p:txBody>
       </p:sp>
     </p:spTree>
     <p:extLst>
       <p:ext uri="{BB962C8B-B14F-4D97-AF65-F5344CB8AC3E}">
-        <p14:creationId xmlns:p14="http://schemas.microsoft.com/office/powerpoint/2010/main" val="3250417565"/>
+        <p14:creationId xmlns:p14="http://schemas.microsoft.com/office/powerpoint/2010/main" val="4178601900"/>
       </p:ext>
     </p:extLst>
   </p:cSld>
@@ -6328,7 +6882,7 @@
           <p:cNvPr id="2" name="Title 1">
             <a:extLst>
               <a:ext uri="{FF2B5EF4-FFF2-40B4-BE49-F238E27FC236}">
-                <a16:creationId xmlns:a16="http://schemas.microsoft.com/office/drawing/2014/main" id="{11B58DB4-C916-7B49-9A6D-9F6845C14BB2}"/>
+                <a16:creationId xmlns:a16="http://schemas.microsoft.com/office/drawing/2014/main" id="{957C303A-575D-DC4B-97B5-74200DFB1D3C}"/>
               </a:ext>
             </a:extLst>
           </p:cNvPr>
@@ -6345,8 +6899,8 @@
           <a:lstStyle/>
           <a:p>
             <a:r>
-              <a:rPr lang="en-US" dirty="0"/>
-              <a:t>Summary</a:t>
+              <a:rPr lang="en-GB" dirty="0"/>
+              <a:t>Multi-Scale Error Analysis</a:t>
             </a:r>
           </a:p>
         </p:txBody>
@@ -6356,63 +6910,55 @@
           <p:cNvPr id="3" name="Content Placeholder 2">
             <a:extLst>
               <a:ext uri="{FF2B5EF4-FFF2-40B4-BE49-F238E27FC236}">
-                <a16:creationId xmlns:a16="http://schemas.microsoft.com/office/drawing/2014/main" id="{128AEB6D-95B4-1B4E-B689-57D1F84B35BC}"/>
-              </a:ext>
-            </a:extLst>
-          </p:cNvPr>
-          <p:cNvSpPr>
-            <a:spLocks noGrp="1"/>
-          </p:cNvSpPr>
-          <p:nvPr>
-            <p:ph idx="1"/>
-          </p:nvPr>
-        </p:nvSpPr>
-        <p:spPr/>
-        <p:txBody>
-          <a:bodyPr/>
-          <a:lstStyle/>
-          <a:p>
-            <a:r>
-              <a:rPr lang="en-US" dirty="0"/>
-              <a:t>Goodness of fit and hypothetical data</a:t>
-            </a:r>
-          </a:p>
-          <a:p>
-            <a:r>
-              <a:rPr lang="en-US" dirty="0"/>
-              <a:t>Global Statistics</a:t>
-            </a:r>
-          </a:p>
-          <a:p>
-            <a:r>
-              <a:rPr lang="en-US" dirty="0"/>
-              <a:t>Visual Comparisons</a:t>
-            </a:r>
-          </a:p>
-          <a:p>
-            <a:r>
-              <a:rPr lang="en-US" dirty="0"/>
-              <a:t>Point Pattern Statistics</a:t>
-            </a:r>
-          </a:p>
-          <a:p>
-            <a:r>
-              <a:rPr lang="en-US" dirty="0"/>
-              <a:t>Local Statistics (LISA)</a:t>
-            </a:r>
-          </a:p>
-          <a:p>
-            <a:r>
-              <a:rPr lang="en-US" dirty="0"/>
-              <a:t>Multi-Scale Error Analysis</a:t>
-            </a:r>
+                <a16:creationId xmlns:a16="http://schemas.microsoft.com/office/drawing/2014/main" id="{39876AFC-095B-4447-93D0-023FECB71F81}"/>
+              </a:ext>
+            </a:extLst>
+          </p:cNvPr>
+          <p:cNvSpPr>
+            <a:spLocks noGrp="1"/>
+          </p:cNvSpPr>
+          <p:nvPr>
+            <p:ph sz="half" idx="1"/>
+          </p:nvPr>
+        </p:nvSpPr>
+        <p:spPr/>
+        <p:txBody>
+          <a:bodyPr/>
+          <a:lstStyle/>
+          <a:p>
+            <a:endParaRPr lang="en-GB"/>
+          </a:p>
+        </p:txBody>
+      </p:sp>
+      <p:sp>
+        <p:nvSpPr>
+          <p:cNvPr id="4" name="Content Placeholder 3">
+            <a:extLst>
+              <a:ext uri="{FF2B5EF4-FFF2-40B4-BE49-F238E27FC236}">
+                <a16:creationId xmlns:a16="http://schemas.microsoft.com/office/drawing/2014/main" id="{B22F205F-AA01-7A40-8328-992044EB1AC4}"/>
+              </a:ext>
+            </a:extLst>
+          </p:cNvPr>
+          <p:cNvSpPr>
+            <a:spLocks noGrp="1"/>
+          </p:cNvSpPr>
+          <p:nvPr>
+            <p:ph sz="half" idx="2"/>
+          </p:nvPr>
+        </p:nvSpPr>
+        <p:spPr/>
+        <p:txBody>
+          <a:bodyPr/>
+          <a:lstStyle/>
+          <a:p>
+            <a:endParaRPr lang="en-GB"/>
           </a:p>
         </p:txBody>
       </p:sp>
     </p:spTree>
     <p:extLst>
       <p:ext uri="{BB962C8B-B14F-4D97-AF65-F5344CB8AC3E}">
-        <p14:creationId xmlns:p14="http://schemas.microsoft.com/office/powerpoint/2010/main" val="4063815293"/>
+        <p14:creationId xmlns:p14="http://schemas.microsoft.com/office/powerpoint/2010/main" val="4152777916"/>
       </p:ext>
     </p:extLst>
   </p:cSld>
@@ -6444,7 +6990,7 @@
           <p:cNvPr id="2" name="Title 1">
             <a:extLst>
               <a:ext uri="{FF2B5EF4-FFF2-40B4-BE49-F238E27FC236}">
-                <a16:creationId xmlns:a16="http://schemas.microsoft.com/office/drawing/2014/main" id="{4B1F6C5C-80A3-D046-A7A0-FA67714AEB46}"/>
+                <a16:creationId xmlns:a16="http://schemas.microsoft.com/office/drawing/2014/main" id="{82661C56-B9D0-AD46-B310-6521C7BDD5B4}"/>
               </a:ext>
             </a:extLst>
           </p:cNvPr>
@@ -6469,7 +7015,7 @@
           <p:cNvPr id="3" name="Content Placeholder 2">
             <a:extLst>
               <a:ext uri="{FF2B5EF4-FFF2-40B4-BE49-F238E27FC236}">
-                <a16:creationId xmlns:a16="http://schemas.microsoft.com/office/drawing/2014/main" id="{401A2AAB-757D-DA45-83C3-F88DD2AA7655}"/>
+                <a16:creationId xmlns:a16="http://schemas.microsoft.com/office/drawing/2014/main" id="{2F56E6C0-00DD-4846-81F4-8EF72734D407}"/>
               </a:ext>
             </a:extLst>
           </p:cNvPr>
@@ -6494,7 +7040,7 @@
           <p:cNvPr id="4" name="Content Placeholder 3">
             <a:extLst>
               <a:ext uri="{FF2B5EF4-FFF2-40B4-BE49-F238E27FC236}">
-                <a16:creationId xmlns:a16="http://schemas.microsoft.com/office/drawing/2014/main" id="{41E503E5-115B-3B41-A92F-65B461129A79}"/>
+                <a16:creationId xmlns:a16="http://schemas.microsoft.com/office/drawing/2014/main" id="{7795AAFB-22C7-7645-BCB1-2CD98FF188B3}"/>
               </a:ext>
             </a:extLst>
           </p:cNvPr>
@@ -6517,7 +7063,7 @@
     </p:spTree>
     <p:extLst>
       <p:ext uri="{BB962C8B-B14F-4D97-AF65-F5344CB8AC3E}">
-        <p14:creationId xmlns:p14="http://schemas.microsoft.com/office/powerpoint/2010/main" val="3717603737"/>
+        <p14:creationId xmlns:p14="http://schemas.microsoft.com/office/powerpoint/2010/main" val="388184741"/>
       </p:ext>
     </p:extLst>
   </p:cSld>
@@ -6549,7 +7095,7 @@
           <p:cNvPr id="2" name="Title 1">
             <a:extLst>
               <a:ext uri="{FF2B5EF4-FFF2-40B4-BE49-F238E27FC236}">
-                <a16:creationId xmlns:a16="http://schemas.microsoft.com/office/drawing/2014/main" id="{4054E602-6EB6-1B47-BC76-ED35C57A1014}"/>
+                <a16:creationId xmlns:a16="http://schemas.microsoft.com/office/drawing/2014/main" id="{6E301968-1D4B-604C-8808-49E215F0F4B5}"/>
               </a:ext>
             </a:extLst>
           </p:cNvPr>
@@ -6565,43 +7111,76 @@
           <a:bodyPr/>
           <a:lstStyle/>
           <a:p>
+            <a:r>
+              <a:rPr lang="en-GB" dirty="0"/>
+              <a:t>Conclusion</a:t>
+            </a:r>
+          </a:p>
+        </p:txBody>
+      </p:sp>
+      <p:sp>
+        <p:nvSpPr>
+          <p:cNvPr id="3" name="Content Placeholder 2">
+            <a:extLst>
+              <a:ext uri="{FF2B5EF4-FFF2-40B4-BE49-F238E27FC236}">
+                <a16:creationId xmlns:a16="http://schemas.microsoft.com/office/drawing/2014/main" id="{1DC996B5-6795-BA42-9178-521E9A658C26}"/>
+              </a:ext>
+            </a:extLst>
+          </p:cNvPr>
+          <p:cNvSpPr>
+            <a:spLocks noGrp="1"/>
+          </p:cNvSpPr>
+          <p:nvPr>
+            <p:ph sz="half" idx="1"/>
+          </p:nvPr>
+        </p:nvSpPr>
+        <p:spPr/>
+        <p:txBody>
+          <a:bodyPr/>
+          <a:lstStyle/>
+          <a:p>
+            <a:r>
+              <a:rPr lang="en-GB" dirty="0"/>
+              <a:t>XXXX</a:t>
+            </a:r>
+          </a:p>
+          <a:p>
+            <a:r>
+              <a:rPr lang="en-GB" dirty="0"/>
+              <a:t>R2 is not ideal for non-linear models, but (S)RMSE is difficult to interpret. Solution: use both!</a:t>
+            </a:r>
+          </a:p>
+        </p:txBody>
+      </p:sp>
+      <p:sp>
+        <p:nvSpPr>
+          <p:cNvPr id="4" name="Content Placeholder 3">
+            <a:extLst>
+              <a:ext uri="{FF2B5EF4-FFF2-40B4-BE49-F238E27FC236}">
+                <a16:creationId xmlns:a16="http://schemas.microsoft.com/office/drawing/2014/main" id="{E21A4C58-BC4D-B941-985E-821AA2EA22AD}"/>
+              </a:ext>
+            </a:extLst>
+          </p:cNvPr>
+          <p:cNvSpPr>
+            <a:spLocks noGrp="1"/>
+          </p:cNvSpPr>
+          <p:nvPr>
+            <p:ph sz="half" idx="2"/>
+          </p:nvPr>
+        </p:nvSpPr>
+        <p:spPr/>
+        <p:txBody>
+          <a:bodyPr/>
+          <a:lstStyle/>
+          <a:p>
             <a:endParaRPr lang="en-GB"/>
           </a:p>
         </p:txBody>
       </p:sp>
-      <p:pic>
-        <p:nvPicPr>
-          <p:cNvPr id="5" name="Content Placeholder 4">
-            <a:extLst>
-              <a:ext uri="{FF2B5EF4-FFF2-40B4-BE49-F238E27FC236}">
-                <a16:creationId xmlns:a16="http://schemas.microsoft.com/office/drawing/2014/main" id="{C4844F7C-CE52-EC46-9C0E-C76A27ADC00E}"/>
-              </a:ext>
-            </a:extLst>
-          </p:cNvPr>
-          <p:cNvPicPr>
-            <a:picLocks noGrp="1" noChangeAspect="1"/>
-          </p:cNvPicPr>
-          <p:nvPr>
-            <p:ph idx="1"/>
-          </p:nvPr>
-        </p:nvPicPr>
-        <p:blipFill>
-          <a:blip r:embed="rId2"/>
-          <a:stretch>
-            <a:fillRect/>
-          </a:stretch>
-        </p:blipFill>
-        <p:spPr>
-          <a:xfrm>
-            <a:off x="838200" y="2306582"/>
-            <a:ext cx="10515600" cy="3389424"/>
-          </a:xfrm>
-        </p:spPr>
-      </p:pic>
     </p:spTree>
     <p:extLst>
       <p:ext uri="{BB962C8B-B14F-4D97-AF65-F5344CB8AC3E}">
-        <p14:creationId xmlns:p14="http://schemas.microsoft.com/office/powerpoint/2010/main" val="2055641866"/>
+        <p14:creationId xmlns:p14="http://schemas.microsoft.com/office/powerpoint/2010/main" val="3250417565"/>
       </p:ext>
     </p:extLst>
   </p:cSld>
@@ -6633,7 +7212,7 @@
           <p:cNvPr id="2" name="Title 1">
             <a:extLst>
               <a:ext uri="{FF2B5EF4-FFF2-40B4-BE49-F238E27FC236}">
-                <a16:creationId xmlns:a16="http://schemas.microsoft.com/office/drawing/2014/main" id="{1DBD55E1-BC98-804C-AD40-6E14621DBDD0}"/>
+                <a16:creationId xmlns:a16="http://schemas.microsoft.com/office/drawing/2014/main" id="{11B58DB4-C916-7B49-9A6D-9F6845C14BB2}"/>
               </a:ext>
             </a:extLst>
           </p:cNvPr>
@@ -6649,7 +7228,10 @@
           <a:bodyPr/>
           <a:lstStyle/>
           <a:p>
-            <a:endParaRPr lang="en-GB"/>
+            <a:r>
+              <a:rPr lang="en-US" dirty="0"/>
+              <a:t>Summary</a:t>
+            </a:r>
           </a:p>
         </p:txBody>
       </p:sp>
@@ -6658,7 +7240,7 @@
           <p:cNvPr id="3" name="Content Placeholder 2">
             <a:extLst>
               <a:ext uri="{FF2B5EF4-FFF2-40B4-BE49-F238E27FC236}">
-                <a16:creationId xmlns:a16="http://schemas.microsoft.com/office/drawing/2014/main" id="{C8A75EE7-BC8D-024E-8788-032E2F51DBB7}"/>
+                <a16:creationId xmlns:a16="http://schemas.microsoft.com/office/drawing/2014/main" id="{128AEB6D-95B4-1B4E-B689-57D1F84B35BC}"/>
               </a:ext>
             </a:extLst>
           </p:cNvPr>
@@ -6674,14 +7256,47 @@
           <a:bodyPr/>
           <a:lstStyle/>
           <a:p>
-            <a:endParaRPr lang="en-GB"/>
+            <a:r>
+              <a:rPr lang="en-US" dirty="0"/>
+              <a:t>Goodness of fit and hypothetical data</a:t>
+            </a:r>
+          </a:p>
+          <a:p>
+            <a:r>
+              <a:rPr lang="en-US" dirty="0"/>
+              <a:t>Global Statistics</a:t>
+            </a:r>
+          </a:p>
+          <a:p>
+            <a:r>
+              <a:rPr lang="en-US" dirty="0"/>
+              <a:t>Visual Comparisons</a:t>
+            </a:r>
+          </a:p>
+          <a:p>
+            <a:r>
+              <a:rPr lang="en-US" dirty="0"/>
+              <a:t>Point Pattern Statistics</a:t>
+            </a:r>
+          </a:p>
+          <a:p>
+            <a:r>
+              <a:rPr lang="en-US" dirty="0"/>
+              <a:t>Local Statistics (LISA)</a:t>
+            </a:r>
+          </a:p>
+          <a:p>
+            <a:r>
+              <a:rPr lang="en-US" dirty="0"/>
+              <a:t>Multi-Scale Error Analysis</a:t>
+            </a:r>
           </a:p>
         </p:txBody>
       </p:sp>
     </p:spTree>
     <p:extLst>
       <p:ext uri="{BB962C8B-B14F-4D97-AF65-F5344CB8AC3E}">
-        <p14:creationId xmlns:p14="http://schemas.microsoft.com/office/powerpoint/2010/main" val="296713156"/>
+        <p14:creationId xmlns:p14="http://schemas.microsoft.com/office/powerpoint/2010/main" val="4063815293"/>
       </p:ext>
     </p:extLst>
   </p:cSld>
@@ -6844,6 +7459,468 @@
 </file>
 
 <file path=ppt/slides/slide30.xml><?xml version="1.0" encoding="utf-8"?>
+<p:sld xmlns:a="http://schemas.openxmlformats.org/drawingml/2006/main" xmlns:r="http://schemas.openxmlformats.org/officeDocument/2006/relationships" xmlns:p="http://schemas.openxmlformats.org/presentationml/2006/main">
+  <p:cSld>
+    <p:spTree>
+      <p:nvGrpSpPr>
+        <p:cNvPr id="1" name=""/>
+        <p:cNvGrpSpPr/>
+        <p:nvPr/>
+      </p:nvGrpSpPr>
+      <p:grpSpPr>
+        <a:xfrm>
+          <a:off x="0" y="0"/>
+          <a:ext cx="0" cy="0"/>
+          <a:chOff x="0" y="0"/>
+          <a:chExt cx="0" cy="0"/>
+        </a:xfrm>
+      </p:grpSpPr>
+      <p:sp>
+        <p:nvSpPr>
+          <p:cNvPr id="2" name="Title 1">
+            <a:extLst>
+              <a:ext uri="{FF2B5EF4-FFF2-40B4-BE49-F238E27FC236}">
+                <a16:creationId xmlns:a16="http://schemas.microsoft.com/office/drawing/2014/main" id="{4B1F6C5C-80A3-D046-A7A0-FA67714AEB46}"/>
+              </a:ext>
+            </a:extLst>
+          </p:cNvPr>
+          <p:cNvSpPr>
+            <a:spLocks noGrp="1"/>
+          </p:cNvSpPr>
+          <p:nvPr>
+            <p:ph type="title"/>
+          </p:nvPr>
+        </p:nvSpPr>
+        <p:spPr/>
+        <p:txBody>
+          <a:bodyPr/>
+          <a:lstStyle/>
+          <a:p>
+            <a:endParaRPr lang="en-GB"/>
+          </a:p>
+        </p:txBody>
+      </p:sp>
+      <p:sp>
+        <p:nvSpPr>
+          <p:cNvPr id="3" name="Content Placeholder 2">
+            <a:extLst>
+              <a:ext uri="{FF2B5EF4-FFF2-40B4-BE49-F238E27FC236}">
+                <a16:creationId xmlns:a16="http://schemas.microsoft.com/office/drawing/2014/main" id="{401A2AAB-757D-DA45-83C3-F88DD2AA7655}"/>
+              </a:ext>
+            </a:extLst>
+          </p:cNvPr>
+          <p:cNvSpPr>
+            <a:spLocks noGrp="1"/>
+          </p:cNvSpPr>
+          <p:nvPr>
+            <p:ph sz="half" idx="1"/>
+          </p:nvPr>
+        </p:nvSpPr>
+        <p:spPr/>
+        <p:txBody>
+          <a:bodyPr/>
+          <a:lstStyle/>
+          <a:p>
+            <a:endParaRPr lang="en-GB"/>
+          </a:p>
+        </p:txBody>
+      </p:sp>
+      <p:sp>
+        <p:nvSpPr>
+          <p:cNvPr id="4" name="Content Placeholder 3">
+            <a:extLst>
+              <a:ext uri="{FF2B5EF4-FFF2-40B4-BE49-F238E27FC236}">
+                <a16:creationId xmlns:a16="http://schemas.microsoft.com/office/drawing/2014/main" id="{41E503E5-115B-3B41-A92F-65B461129A79}"/>
+              </a:ext>
+            </a:extLst>
+          </p:cNvPr>
+          <p:cNvSpPr>
+            <a:spLocks noGrp="1"/>
+          </p:cNvSpPr>
+          <p:nvPr>
+            <p:ph sz="half" idx="2"/>
+          </p:nvPr>
+        </p:nvSpPr>
+        <p:spPr/>
+        <p:txBody>
+          <a:bodyPr/>
+          <a:lstStyle/>
+          <a:p>
+            <a:endParaRPr lang="en-GB"/>
+          </a:p>
+        </p:txBody>
+      </p:sp>
+    </p:spTree>
+    <p:extLst>
+      <p:ext uri="{BB962C8B-B14F-4D97-AF65-F5344CB8AC3E}">
+        <p14:creationId xmlns:p14="http://schemas.microsoft.com/office/powerpoint/2010/main" val="3717603737"/>
+      </p:ext>
+    </p:extLst>
+  </p:cSld>
+  <p:clrMapOvr>
+    <a:masterClrMapping/>
+  </p:clrMapOvr>
+</p:sld>
+</file>
+
+<file path=ppt/slides/slide31.xml><?xml version="1.0" encoding="utf-8"?>
+<p:sld xmlns:a="http://schemas.openxmlformats.org/drawingml/2006/main" xmlns:r="http://schemas.openxmlformats.org/officeDocument/2006/relationships" xmlns:p="http://schemas.openxmlformats.org/presentationml/2006/main">
+  <p:cSld>
+    <p:spTree>
+      <p:nvGrpSpPr>
+        <p:cNvPr id="1" name=""/>
+        <p:cNvGrpSpPr/>
+        <p:nvPr/>
+      </p:nvGrpSpPr>
+      <p:grpSpPr>
+        <a:xfrm>
+          <a:off x="0" y="0"/>
+          <a:ext cx="0" cy="0"/>
+          <a:chOff x="0" y="0"/>
+          <a:chExt cx="0" cy="0"/>
+        </a:xfrm>
+      </p:grpSpPr>
+      <p:sp>
+        <p:nvSpPr>
+          <p:cNvPr id="2" name="Title 1">
+            <a:extLst>
+              <a:ext uri="{FF2B5EF4-FFF2-40B4-BE49-F238E27FC236}">
+                <a16:creationId xmlns:a16="http://schemas.microsoft.com/office/drawing/2014/main" id="{4054E602-6EB6-1B47-BC76-ED35C57A1014}"/>
+              </a:ext>
+            </a:extLst>
+          </p:cNvPr>
+          <p:cNvSpPr>
+            <a:spLocks noGrp="1"/>
+          </p:cNvSpPr>
+          <p:nvPr>
+            <p:ph type="title"/>
+          </p:nvPr>
+        </p:nvSpPr>
+        <p:spPr/>
+        <p:txBody>
+          <a:bodyPr/>
+          <a:lstStyle/>
+          <a:p>
+            <a:endParaRPr lang="en-GB"/>
+          </a:p>
+        </p:txBody>
+      </p:sp>
+      <p:pic>
+        <p:nvPicPr>
+          <p:cNvPr id="5" name="Content Placeholder 4">
+            <a:extLst>
+              <a:ext uri="{FF2B5EF4-FFF2-40B4-BE49-F238E27FC236}">
+                <a16:creationId xmlns:a16="http://schemas.microsoft.com/office/drawing/2014/main" id="{C4844F7C-CE52-EC46-9C0E-C76A27ADC00E}"/>
+              </a:ext>
+            </a:extLst>
+          </p:cNvPr>
+          <p:cNvPicPr>
+            <a:picLocks noGrp="1" noChangeAspect="1"/>
+          </p:cNvPicPr>
+          <p:nvPr>
+            <p:ph idx="1"/>
+          </p:nvPr>
+        </p:nvPicPr>
+        <p:blipFill>
+          <a:blip r:embed="rId2"/>
+          <a:stretch>
+            <a:fillRect/>
+          </a:stretch>
+        </p:blipFill>
+        <p:spPr>
+          <a:xfrm>
+            <a:off x="838200" y="2306582"/>
+            <a:ext cx="10515600" cy="3389424"/>
+          </a:xfrm>
+        </p:spPr>
+      </p:pic>
+    </p:spTree>
+    <p:extLst>
+      <p:ext uri="{BB962C8B-B14F-4D97-AF65-F5344CB8AC3E}">
+        <p14:creationId xmlns:p14="http://schemas.microsoft.com/office/powerpoint/2010/main" val="2055641866"/>
+      </p:ext>
+    </p:extLst>
+  </p:cSld>
+  <p:clrMapOvr>
+    <a:masterClrMapping/>
+  </p:clrMapOvr>
+</p:sld>
+</file>
+
+<file path=ppt/slides/slide32.xml><?xml version="1.0" encoding="utf-8"?>
+<p:sld xmlns:a="http://schemas.openxmlformats.org/drawingml/2006/main" xmlns:r="http://schemas.openxmlformats.org/officeDocument/2006/relationships" xmlns:p="http://schemas.openxmlformats.org/presentationml/2006/main">
+  <p:cSld>
+    <p:spTree>
+      <p:nvGrpSpPr>
+        <p:cNvPr id="1" name=""/>
+        <p:cNvGrpSpPr/>
+        <p:nvPr/>
+      </p:nvGrpSpPr>
+      <p:grpSpPr>
+        <a:xfrm>
+          <a:off x="0" y="0"/>
+          <a:ext cx="0" cy="0"/>
+          <a:chOff x="0" y="0"/>
+          <a:chExt cx="0" cy="0"/>
+        </a:xfrm>
+      </p:grpSpPr>
+      <p:sp>
+        <p:nvSpPr>
+          <p:cNvPr id="2" name="Title 1">
+            <a:extLst>
+              <a:ext uri="{FF2B5EF4-FFF2-40B4-BE49-F238E27FC236}">
+                <a16:creationId xmlns:a16="http://schemas.microsoft.com/office/drawing/2014/main" id="{1DBD55E1-BC98-804C-AD40-6E14621DBDD0}"/>
+              </a:ext>
+            </a:extLst>
+          </p:cNvPr>
+          <p:cNvSpPr>
+            <a:spLocks noGrp="1"/>
+          </p:cNvSpPr>
+          <p:nvPr>
+            <p:ph type="title"/>
+          </p:nvPr>
+        </p:nvSpPr>
+        <p:spPr/>
+        <p:txBody>
+          <a:bodyPr/>
+          <a:lstStyle/>
+          <a:p>
+            <a:r>
+              <a:rPr lang="en-GB" dirty="0"/>
+              <a:t>Further Reading</a:t>
+            </a:r>
+          </a:p>
+        </p:txBody>
+      </p:sp>
+      <p:sp>
+        <p:nvSpPr>
+          <p:cNvPr id="3" name="Content Placeholder 2">
+            <a:extLst>
+              <a:ext uri="{FF2B5EF4-FFF2-40B4-BE49-F238E27FC236}">
+                <a16:creationId xmlns:a16="http://schemas.microsoft.com/office/drawing/2014/main" id="{C8A75EE7-BC8D-024E-8788-032E2F51DBB7}"/>
+              </a:ext>
+            </a:extLst>
+          </p:cNvPr>
+          <p:cNvSpPr>
+            <a:spLocks noGrp="1"/>
+          </p:cNvSpPr>
+          <p:nvPr>
+            <p:ph idx="1"/>
+          </p:nvPr>
+        </p:nvSpPr>
+        <p:spPr/>
+        <p:txBody>
+          <a:bodyPr>
+            <a:normAutofit fontScale="55000" lnSpcReduction="20000"/>
+          </a:bodyPr>
+          <a:lstStyle/>
+          <a:p>
+            <a:r>
+              <a:rPr lang="en-GB" dirty="0"/>
+              <a:t>For a detailed review a range of spatial statistics and to learn more about the meth- </a:t>
+            </a:r>
+            <a:r>
+              <a:rPr lang="en-GB" dirty="0" err="1"/>
+              <a:t>ods</a:t>
+            </a:r>
+            <a:r>
+              <a:rPr lang="en-GB" dirty="0"/>
+              <a:t> presented here, readers are referred to: </a:t>
+            </a:r>
+          </a:p>
+          <a:p>
+            <a:r>
+              <a:rPr lang="en-GB" dirty="0"/>
+              <a:t>● O’Sullivan, D. and Unwin, D. (2010) Geographic Information Analysis (2nd </a:t>
+            </a:r>
+            <a:r>
+              <a:rPr lang="en-GB" dirty="0" err="1"/>
+              <a:t>edn</a:t>
+            </a:r>
+            <a:r>
+              <a:rPr lang="en-GB" dirty="0"/>
+              <a:t>). Hoboken, NJ: John Wiley &amp; Sons. </a:t>
+            </a:r>
+          </a:p>
+          <a:p>
+            <a:r>
+              <a:rPr lang="en-GB" dirty="0"/>
+              <a:t>For more details about the pros and cons of a number of the goodness-of-fit statistics discussed here, including the root mean square error and </a:t>
+            </a:r>
+            <a:r>
+              <a:rPr lang="en-GB" i="1" dirty="0"/>
+              <a:t>R</a:t>
+            </a:r>
+            <a:r>
+              <a:rPr lang="en-GB" dirty="0"/>
+              <a:t>2, readers are referred to the seminal paper: </a:t>
+            </a:r>
+          </a:p>
+          <a:p>
+            <a:r>
+              <a:rPr lang="en-GB" dirty="0"/>
+              <a:t>● Knudsen, D.C. and </a:t>
+            </a:r>
+            <a:r>
+              <a:rPr lang="en-GB" dirty="0" err="1"/>
+              <a:t>Fotheringham,A.S</a:t>
+            </a:r>
+            <a:r>
+              <a:rPr lang="en-GB" dirty="0"/>
+              <a:t>. (1986) Matrix comparison, goodness- of-fit, and spatial interaction modelling. </a:t>
+            </a:r>
+            <a:r>
+              <a:rPr lang="en-GB" i="1" dirty="0"/>
+              <a:t>International Regional Science Review</a:t>
+            </a:r>
+            <a:r>
+              <a:rPr lang="en-GB" dirty="0"/>
+              <a:t>, 10(2), 127–147. </a:t>
+            </a:r>
+          </a:p>
+          <a:p>
+            <a:r>
+              <a:rPr lang="en-GB" dirty="0"/>
+              <a:t>While targeted mainly at a crime analyst audience, the following book discusses a number of useful methods that can be used for mapping spatial data: </a:t>
+            </a:r>
+          </a:p>
+          <a:p>
+            <a:r>
+              <a:rPr lang="en-GB" dirty="0"/>
+              <a:t>● </a:t>
+            </a:r>
+            <a:r>
+              <a:rPr lang="en-GB" dirty="0" err="1"/>
+              <a:t>Chainey</a:t>
+            </a:r>
+            <a:r>
+              <a:rPr lang="en-GB" dirty="0"/>
+              <a:t>, S. and Ratcliffe, J. (2005) </a:t>
+            </a:r>
+            <a:r>
+              <a:rPr lang="en-GB" i="1" dirty="0"/>
+              <a:t>GIS and Crime Mapping</a:t>
+            </a:r>
+            <a:r>
+              <a:rPr lang="en-GB" dirty="0"/>
+              <a:t>. Chichester: John Wiley &amp; Sons. </a:t>
+            </a:r>
+          </a:p>
+          <a:p>
+            <a:r>
+              <a:rPr lang="en-GB" dirty="0"/>
+              <a:t>For a broad and up-to-date review of the difficulties in analysing agent-based model outputs and in particular the analysis of time, readers are referred to: </a:t>
+            </a:r>
+          </a:p>
+          <a:p>
+            <a:r>
+              <a:rPr lang="en-GB" dirty="0"/>
+              <a:t>● Lee, J.-S., </a:t>
+            </a:r>
+            <a:r>
+              <a:rPr lang="en-GB" dirty="0" err="1"/>
+              <a:t>Filatova,T</a:t>
+            </a:r>
+            <a:r>
+              <a:rPr lang="en-GB" dirty="0"/>
+              <a:t>., </a:t>
+            </a:r>
+            <a:r>
+              <a:rPr lang="en-GB" dirty="0" err="1"/>
+              <a:t>Ligmann-Zielinska,A</a:t>
+            </a:r>
+            <a:r>
+              <a:rPr lang="en-GB" dirty="0"/>
+              <a:t>., </a:t>
+            </a:r>
+            <a:r>
+              <a:rPr lang="en-GB" dirty="0" err="1"/>
+              <a:t>Hassani-Mahmooei</a:t>
+            </a:r>
+            <a:r>
+              <a:rPr lang="en-GB" dirty="0"/>
+              <a:t>, B., </a:t>
+            </a:r>
+            <a:r>
+              <a:rPr lang="en-GB" dirty="0" err="1"/>
+              <a:t>Stonedahl</a:t>
+            </a:r>
+            <a:r>
+              <a:rPr lang="en-GB" dirty="0"/>
+              <a:t>, F., </a:t>
+            </a:r>
+            <a:r>
+              <a:rPr lang="en-GB" dirty="0" err="1"/>
+              <a:t>Lorscheid</a:t>
+            </a:r>
+            <a:r>
+              <a:rPr lang="en-GB" dirty="0"/>
+              <a:t>, I.,</a:t>
+            </a:r>
+            <a:r>
+              <a:rPr lang="en-GB" dirty="0" err="1"/>
+              <a:t>Voinov</a:t>
+            </a:r>
+            <a:r>
+              <a:rPr lang="en-GB" dirty="0"/>
+              <a:t>, A., Polhill, G., Sun, Z. and Parker, D.C. (2015) The complexities of agent-based modelling output analysis. Journal of Artificial Societies and Social Simulation, 18(4), 4. Available at http:// </a:t>
+            </a:r>
+            <a:r>
+              <a:rPr lang="en-GB" dirty="0" err="1"/>
+              <a:t>jasss.soc.surrey.ac.uk</a:t>
+            </a:r>
+            <a:r>
+              <a:rPr lang="en-GB" dirty="0"/>
+              <a:t>/18/4/4.html. </a:t>
+            </a:r>
+          </a:p>
+          <a:p>
+            <a:r>
+              <a:rPr lang="en-GB" dirty="0"/>
+              <a:t>Much of the statistical analysis in this chapter was derived from the excellent textbook: </a:t>
+            </a:r>
+          </a:p>
+          <a:p>
+            <a:r>
+              <a:rPr lang="en-GB" dirty="0"/>
+              <a:t>● </a:t>
+            </a:r>
+            <a:r>
+              <a:rPr lang="en-GB" dirty="0" err="1"/>
+              <a:t>Brunsdon</a:t>
+            </a:r>
+            <a:r>
+              <a:rPr lang="en-GB" dirty="0"/>
+              <a:t>, C. and Comber, L. (2015) </a:t>
+            </a:r>
+            <a:r>
+              <a:rPr lang="en-GB" i="1" dirty="0"/>
+              <a:t>An Introduction to R for Spatial Analysis and Mapping</a:t>
+            </a:r>
+            <a:r>
+              <a:rPr lang="en-GB" dirty="0"/>
+              <a:t>. London: Sage. </a:t>
+            </a:r>
+          </a:p>
+          <a:p>
+            <a:endParaRPr lang="en-GB" dirty="0"/>
+          </a:p>
+        </p:txBody>
+      </p:sp>
+    </p:spTree>
+    <p:extLst>
+      <p:ext uri="{BB962C8B-B14F-4D97-AF65-F5344CB8AC3E}">
+        <p14:creationId xmlns:p14="http://schemas.microsoft.com/office/powerpoint/2010/main" val="296713156"/>
+      </p:ext>
+    </p:extLst>
+  </p:cSld>
+  <p:clrMapOvr>
+    <a:masterClrMapping/>
+  </p:clrMapOvr>
+</p:sld>
+</file>
+
+<file path=ppt/slides/slide33.xml><?xml version="1.0" encoding="utf-8"?>
 <p:sld xmlns:a="http://schemas.openxmlformats.org/drawingml/2006/main" xmlns:r="http://schemas.openxmlformats.org/officeDocument/2006/relationships" xmlns:p="http://schemas.openxmlformats.org/presentationml/2006/main">
   <p:cSld>
     <p:spTree>

--- a/Chapter09-SpatialStatistics/Chapter9.pptx
+++ b/Chapter09-SpatialStatistics/Chapter9.pptx
@@ -5,7 +5,7 @@
     <p:sldMasterId id="2147483648" r:id="rId1"/>
   </p:sldMasterIdLst>
   <p:notesMasterIdLst>
-    <p:notesMasterId r:id="rId35"/>
+    <p:notesMasterId r:id="rId38"/>
   </p:notesMasterIdLst>
   <p:sldIdLst>
     <p:sldId id="256" r:id="rId2"/>
@@ -25,22 +25,25 @@
     <p:sldId id="309" r:id="rId16"/>
     <p:sldId id="294" r:id="rId17"/>
     <p:sldId id="290" r:id="rId18"/>
-    <p:sldId id="291" r:id="rId19"/>
-    <p:sldId id="295" r:id="rId20"/>
-    <p:sldId id="292" r:id="rId21"/>
-    <p:sldId id="296" r:id="rId22"/>
-    <p:sldId id="301" r:id="rId23"/>
-    <p:sldId id="297" r:id="rId24"/>
-    <p:sldId id="298" r:id="rId25"/>
-    <p:sldId id="302" r:id="rId26"/>
-    <p:sldId id="299" r:id="rId27"/>
-    <p:sldId id="305" r:id="rId28"/>
-    <p:sldId id="303" r:id="rId29"/>
-    <p:sldId id="304" r:id="rId30"/>
-    <p:sldId id="300" r:id="rId31"/>
-    <p:sldId id="280" r:id="rId32"/>
-    <p:sldId id="281" r:id="rId33"/>
-    <p:sldId id="283" r:id="rId34"/>
+    <p:sldId id="310" r:id="rId19"/>
+    <p:sldId id="311" r:id="rId20"/>
+    <p:sldId id="295" r:id="rId21"/>
+    <p:sldId id="292" r:id="rId22"/>
+    <p:sldId id="296" r:id="rId23"/>
+    <p:sldId id="312" r:id="rId24"/>
+    <p:sldId id="313" r:id="rId25"/>
+    <p:sldId id="301" r:id="rId26"/>
+    <p:sldId id="297" r:id="rId27"/>
+    <p:sldId id="298" r:id="rId28"/>
+    <p:sldId id="302" r:id="rId29"/>
+    <p:sldId id="299" r:id="rId30"/>
+    <p:sldId id="305" r:id="rId31"/>
+    <p:sldId id="303" r:id="rId32"/>
+    <p:sldId id="304" r:id="rId33"/>
+    <p:sldId id="300" r:id="rId34"/>
+    <p:sldId id="280" r:id="rId35"/>
+    <p:sldId id="281" r:id="rId36"/>
+    <p:sldId id="283" r:id="rId37"/>
   </p:sldIdLst>
   <p:sldSz cx="12192000" cy="6858000"/>
   <p:notesSz cx="6858000" cy="9144000"/>
@@ -5730,35 +5733,61 @@
           <a:bodyPr/>
           <a:lstStyle/>
           <a:p>
-            <a:endParaRPr lang="en-GB"/>
-          </a:p>
-        </p:txBody>
-      </p:sp>
-      <p:sp>
-        <p:nvSpPr>
-          <p:cNvPr id="4" name="Content Placeholder 3">
-            <a:extLst>
-              <a:ext uri="{FF2B5EF4-FFF2-40B4-BE49-F238E27FC236}">
-                <a16:creationId xmlns:a16="http://schemas.microsoft.com/office/drawing/2014/main" id="{8D7F4392-8110-0F48-8318-C8D2A13461C4}"/>
-              </a:ext>
-            </a:extLst>
-          </p:cNvPr>
-          <p:cNvSpPr>
-            <a:spLocks noGrp="1"/>
-          </p:cNvSpPr>
+            <a:r>
+              <a:rPr lang="en-GB" dirty="0"/>
+              <a:t>Humans are very good at comparing images</a:t>
+            </a:r>
+          </a:p>
+          <a:p>
+            <a:r>
+              <a:rPr lang="en-GB" dirty="0"/>
+              <a:t>‘Face validation’: visualising model results and examining the patterns. </a:t>
+            </a:r>
+          </a:p>
+          <a:p>
+            <a:r>
+              <a:rPr lang="en-GB" dirty="0"/>
+              <a:t>Need to decide on the best way to display the data.</a:t>
+            </a:r>
+          </a:p>
+          <a:p>
+            <a:pPr lvl="1"/>
+            <a:r>
+              <a:rPr lang="en-GB" dirty="0"/>
+              <a:t>For large datasets, it is difficult (impossible?) to discern a spatial pattern from the raw points data</a:t>
+            </a:r>
+          </a:p>
+        </p:txBody>
+      </p:sp>
+      <p:pic>
+        <p:nvPicPr>
+          <p:cNvPr id="9" name="Content Placeholder 8">
+            <a:extLst>
+              <a:ext uri="{FF2B5EF4-FFF2-40B4-BE49-F238E27FC236}">
+                <a16:creationId xmlns:a16="http://schemas.microsoft.com/office/drawing/2014/main" id="{9599FAFE-911F-1740-9E89-8C50BC337195}"/>
+              </a:ext>
+            </a:extLst>
+          </p:cNvPr>
+          <p:cNvPicPr>
+            <a:picLocks noGrp="1" noChangeAspect="1"/>
+          </p:cNvPicPr>
           <p:nvPr>
             <p:ph sz="half" idx="2"/>
           </p:nvPr>
-        </p:nvSpPr>
-        <p:spPr/>
-        <p:txBody>
-          <a:bodyPr/>
-          <a:lstStyle/>
-          <a:p>
-            <a:endParaRPr lang="en-GB"/>
-          </a:p>
-        </p:txBody>
-      </p:sp>
+        </p:nvPicPr>
+        <p:blipFill>
+          <a:blip r:embed="rId2"/>
+          <a:stretch>
+            <a:fillRect/>
+          </a:stretch>
+        </p:blipFill>
+        <p:spPr>
+          <a:xfrm>
+            <a:off x="6345590" y="1825625"/>
+            <a:ext cx="4834820" cy="4351338"/>
+          </a:xfrm>
+        </p:spPr>
+      </p:pic>
     </p:spTree>
     <p:extLst>
       <p:ext uri="{BB962C8B-B14F-4D97-AF65-F5344CB8AC3E}">
@@ -5794,7 +5823,7 @@
           <p:cNvPr id="2" name="Title 1">
             <a:extLst>
               <a:ext uri="{FF2B5EF4-FFF2-40B4-BE49-F238E27FC236}">
-                <a16:creationId xmlns:a16="http://schemas.microsoft.com/office/drawing/2014/main" id="{20D06F70-8F9A-734F-A9EB-61C2E19F8589}"/>
+                <a16:creationId xmlns:a16="http://schemas.microsoft.com/office/drawing/2014/main" id="{46BC680D-537A-FD4A-847E-83E1232DED50}"/>
               </a:ext>
             </a:extLst>
           </p:cNvPr>
@@ -5810,7 +5839,10 @@
           <a:bodyPr/>
           <a:lstStyle/>
           <a:p>
-            <a:endParaRPr lang="en-GB"/>
+            <a:r>
+              <a:rPr lang="en-GB" dirty="0"/>
+              <a:t>Visual Comparisons: Choropleth Maps</a:t>
+            </a:r>
           </a:p>
         </p:txBody>
       </p:sp>
@@ -5819,7 +5851,7 @@
           <p:cNvPr id="3" name="Content Placeholder 2">
             <a:extLst>
               <a:ext uri="{FF2B5EF4-FFF2-40B4-BE49-F238E27FC236}">
-                <a16:creationId xmlns:a16="http://schemas.microsoft.com/office/drawing/2014/main" id="{FA8F4C28-1F43-9146-8309-68C475F6F25B}"/>
+                <a16:creationId xmlns:a16="http://schemas.microsoft.com/office/drawing/2014/main" id="{3DB4F571-AAE4-064D-AC8A-DE97D2ED56AC}"/>
               </a:ext>
             </a:extLst>
           </p:cNvPr>
@@ -5832,42 +5864,87 @@
         </p:nvSpPr>
         <p:spPr/>
         <p:txBody>
-          <a:bodyPr/>
-          <a:lstStyle/>
-          <a:p>
-            <a:endParaRPr lang="en-GB"/>
-          </a:p>
-        </p:txBody>
-      </p:sp>
-      <p:sp>
-        <p:nvSpPr>
-          <p:cNvPr id="4" name="Content Placeholder 3">
-            <a:extLst>
-              <a:ext uri="{FF2B5EF4-FFF2-40B4-BE49-F238E27FC236}">
-                <a16:creationId xmlns:a16="http://schemas.microsoft.com/office/drawing/2014/main" id="{6BEF9087-771B-9E4E-90DF-9D246F6479EC}"/>
-              </a:ext>
-            </a:extLst>
-          </p:cNvPr>
-          <p:cNvSpPr>
-            <a:spLocks noGrp="1"/>
-          </p:cNvSpPr>
+          <a:bodyPr>
+            <a:normAutofit fontScale="92500" lnSpcReduction="20000"/>
+          </a:bodyPr>
+          <a:lstStyle/>
+          <a:p>
+            <a:r>
+              <a:rPr lang="en-GB" dirty="0"/>
+              <a:t>Points can be aggregated to an administrative boundary </a:t>
+            </a:r>
+          </a:p>
+          <a:p>
+            <a:r>
+              <a:rPr lang="en-GB" dirty="0"/>
+              <a:t>Then a choropleth map can be produced</a:t>
+            </a:r>
+          </a:p>
+          <a:p>
+            <a:r>
+              <a:rPr lang="en-GB" dirty="0"/>
+              <a:t>Advantage: the aggregated data can be used directly by global statistics</a:t>
+            </a:r>
+          </a:p>
+          <a:p>
+            <a:r>
+              <a:rPr lang="en-GB" dirty="0"/>
+              <a:t>Disadvantages:</a:t>
+            </a:r>
+          </a:p>
+          <a:p>
+            <a:pPr lvl="1"/>
+            <a:r>
+              <a:rPr lang="en-GB" dirty="0"/>
+              <a:t>The eye can be drawn to large, bright areas disproportionately;</a:t>
+            </a:r>
+          </a:p>
+          <a:p>
+            <a:pPr lvl="1"/>
+            <a:r>
+              <a:rPr lang="en-GB" dirty="0"/>
+              <a:t>They are susceptible to the Modifiable Areal Unit Problem (MAUP: </a:t>
+            </a:r>
+          </a:p>
+          <a:p>
+            <a:pPr lvl="1"/>
+            <a:endParaRPr lang="en-GB" dirty="0"/>
+          </a:p>
+        </p:txBody>
+      </p:sp>
+      <p:pic>
+        <p:nvPicPr>
+          <p:cNvPr id="6" name="Content Placeholder 5">
+            <a:extLst>
+              <a:ext uri="{FF2B5EF4-FFF2-40B4-BE49-F238E27FC236}">
+                <a16:creationId xmlns:a16="http://schemas.microsoft.com/office/drawing/2014/main" id="{9CD28A6C-48E7-3C44-A062-353EC4BD5FCA}"/>
+              </a:ext>
+            </a:extLst>
+          </p:cNvPr>
+          <p:cNvPicPr>
+            <a:picLocks noGrp="1" noChangeAspect="1"/>
+          </p:cNvPicPr>
           <p:nvPr>
             <p:ph sz="half" idx="2"/>
           </p:nvPr>
-        </p:nvSpPr>
-        <p:spPr/>
-        <p:txBody>
-          <a:bodyPr/>
-          <a:lstStyle/>
-          <a:p>
-            <a:endParaRPr lang="en-GB"/>
-          </a:p>
-        </p:txBody>
-      </p:sp>
+        </p:nvPicPr>
+        <p:blipFill>
+          <a:blip r:embed="rId2"/>
+          <a:stretch>
+            <a:fillRect/>
+          </a:stretch>
+        </p:blipFill>
+        <p:spPr>
+          <a:xfrm>
+            <a:off x="6345590" y="1825625"/>
+            <a:ext cx="4834820" cy="4351338"/>
+          </a:xfrm>
+        </p:spPr>
+      </p:pic>
     </p:spTree>
     <p:extLst>
       <p:ext uri="{BB962C8B-B14F-4D97-AF65-F5344CB8AC3E}">
-        <p14:creationId xmlns:p14="http://schemas.microsoft.com/office/powerpoint/2010/main" val="1102435981"/>
+        <p14:creationId xmlns:p14="http://schemas.microsoft.com/office/powerpoint/2010/main" val="3081987905"/>
       </p:ext>
     </p:extLst>
   </p:cSld>
@@ -5899,7 +5976,7 @@
           <p:cNvPr id="2" name="Title 1">
             <a:extLst>
               <a:ext uri="{FF2B5EF4-FFF2-40B4-BE49-F238E27FC236}">
-                <a16:creationId xmlns:a16="http://schemas.microsoft.com/office/drawing/2014/main" id="{11B58DB4-C916-7B49-9A6D-9F6845C14BB2}"/>
+                <a16:creationId xmlns:a16="http://schemas.microsoft.com/office/drawing/2014/main" id="{46BC680D-537A-FD4A-847E-83E1232DED50}"/>
               </a:ext>
             </a:extLst>
           </p:cNvPr>
@@ -5916,8 +5993,8 @@
           <a:lstStyle/>
           <a:p>
             <a:r>
-              <a:rPr lang="en-US" dirty="0"/>
-              <a:t>Overview</a:t>
+              <a:rPr lang="en-GB" dirty="0"/>
+              <a:t>Visual Comparisons: KDE</a:t>
             </a:r>
           </a:p>
         </p:txBody>
@@ -5927,93 +6004,107 @@
           <p:cNvPr id="3" name="Content Placeholder 2">
             <a:extLst>
               <a:ext uri="{FF2B5EF4-FFF2-40B4-BE49-F238E27FC236}">
-                <a16:creationId xmlns:a16="http://schemas.microsoft.com/office/drawing/2014/main" id="{128AEB6D-95B4-1B4E-B689-57D1F84B35BC}"/>
-              </a:ext>
-            </a:extLst>
-          </p:cNvPr>
-          <p:cNvSpPr>
-            <a:spLocks noGrp="1"/>
-          </p:cNvSpPr>
-          <p:nvPr>
-            <p:ph idx="1"/>
-          </p:nvPr>
-        </p:nvSpPr>
-        <p:spPr/>
-        <p:txBody>
-          <a:bodyPr/>
-          <a:lstStyle/>
-          <a:p>
-            <a:r>
-              <a:rPr lang="en-US" dirty="0">
-                <a:solidFill>
-                  <a:schemeClr val="bg2">
-                    <a:lumMod val="90000"/>
-                  </a:schemeClr>
-                </a:solidFill>
-              </a:rPr>
-              <a:t>Goodness of fit and hypothetical data</a:t>
-            </a:r>
-          </a:p>
-          <a:p>
-            <a:r>
-              <a:rPr lang="en-US" dirty="0">
-                <a:solidFill>
-                  <a:schemeClr val="bg2">
-                    <a:lumMod val="90000"/>
-                  </a:schemeClr>
-                </a:solidFill>
-              </a:rPr>
-              <a:t>Global Statistics</a:t>
-            </a:r>
-          </a:p>
-          <a:p>
-            <a:r>
-              <a:rPr lang="en-US" dirty="0">
-                <a:solidFill>
-                  <a:schemeClr val="bg2">
-                    <a:lumMod val="90000"/>
-                  </a:schemeClr>
-                </a:solidFill>
-              </a:rPr>
-              <a:t>Visual Comparisons</a:t>
-            </a:r>
-          </a:p>
-          <a:p>
-            <a:r>
-              <a:rPr lang="en-US" dirty="0"/>
-              <a:t>Point Pattern Statistics</a:t>
-            </a:r>
-          </a:p>
-          <a:p>
-            <a:r>
-              <a:rPr lang="en-US" dirty="0">
-                <a:solidFill>
-                  <a:schemeClr val="bg2">
-                    <a:lumMod val="90000"/>
-                  </a:schemeClr>
-                </a:solidFill>
-              </a:rPr>
-              <a:t>Local Statistics (LISA)</a:t>
-            </a:r>
-          </a:p>
-          <a:p>
-            <a:r>
-              <a:rPr lang="en-US" dirty="0">
-                <a:solidFill>
-                  <a:schemeClr val="bg2">
-                    <a:lumMod val="90000"/>
-                  </a:schemeClr>
-                </a:solidFill>
-              </a:rPr>
-              <a:t>Multi-Scale Error Analysis</a:t>
-            </a:r>
-          </a:p>
-        </p:txBody>
-      </p:sp>
+                <a16:creationId xmlns:a16="http://schemas.microsoft.com/office/drawing/2014/main" id="{3DB4F571-AAE4-064D-AC8A-DE97D2ED56AC}"/>
+              </a:ext>
+            </a:extLst>
+          </p:cNvPr>
+          <p:cNvSpPr>
+            <a:spLocks noGrp="1"/>
+          </p:cNvSpPr>
+          <p:nvPr>
+            <p:ph sz="half" idx="1"/>
+          </p:nvPr>
+        </p:nvSpPr>
+        <p:spPr/>
+        <p:txBody>
+          <a:bodyPr>
+            <a:normAutofit/>
+          </a:bodyPr>
+          <a:lstStyle/>
+          <a:p>
+            <a:r>
+              <a:rPr lang="en-GB" dirty="0"/>
+              <a:t>Kernel Density Estimation (KDE)</a:t>
+            </a:r>
+          </a:p>
+          <a:p>
+            <a:r>
+              <a:rPr lang="en-GB" dirty="0"/>
+              <a:t>Place a regular grid over the point pattern</a:t>
+            </a:r>
+          </a:p>
+          <a:p>
+            <a:r>
+              <a:rPr lang="en-GB" dirty="0"/>
+              <a:t>Calculate the </a:t>
+            </a:r>
+            <a:r>
+              <a:rPr lang="en-GB" i="1" dirty="0"/>
+              <a:t>density</a:t>
+            </a:r>
+            <a:r>
+              <a:rPr lang="en-GB" dirty="0"/>
+              <a:t> of points in each cell that are within a distance (aka the ‘kernel’)</a:t>
+            </a:r>
+          </a:p>
+          <a:p>
+            <a:pPr lvl="1"/>
+            <a:r>
+              <a:rPr lang="en-GB" dirty="0"/>
+              <a:t>Large kernel: smooth surface</a:t>
+            </a:r>
+          </a:p>
+          <a:p>
+            <a:pPr lvl="1"/>
+            <a:r>
+              <a:rPr lang="en-GB" dirty="0"/>
+              <a:t>Small kernel: more variation</a:t>
+            </a:r>
+          </a:p>
+          <a:p>
+            <a:r>
+              <a:rPr lang="en-GB" dirty="0"/>
+              <a:t>Probably the best method for comparing point patterns</a:t>
+            </a:r>
+          </a:p>
+          <a:p>
+            <a:endParaRPr lang="en-GB" dirty="0"/>
+          </a:p>
+        </p:txBody>
+      </p:sp>
+      <p:pic>
+        <p:nvPicPr>
+          <p:cNvPr id="8" name="Content Placeholder 7">
+            <a:extLst>
+              <a:ext uri="{FF2B5EF4-FFF2-40B4-BE49-F238E27FC236}">
+                <a16:creationId xmlns:a16="http://schemas.microsoft.com/office/drawing/2014/main" id="{977E9754-23C1-1543-A5B9-46B98E266BA4}"/>
+              </a:ext>
+            </a:extLst>
+          </p:cNvPr>
+          <p:cNvPicPr>
+            <a:picLocks noGrp="1" noChangeAspect="1"/>
+          </p:cNvPicPr>
+          <p:nvPr>
+            <p:ph sz="half" idx="2"/>
+          </p:nvPr>
+        </p:nvPicPr>
+        <p:blipFill>
+          <a:blip r:embed="rId2"/>
+          <a:stretch>
+            <a:fillRect/>
+          </a:stretch>
+        </p:blipFill>
+        <p:spPr>
+          <a:xfrm>
+            <a:off x="6345590" y="1825625"/>
+            <a:ext cx="4834820" cy="4351338"/>
+          </a:xfrm>
+        </p:spPr>
+      </p:pic>
     </p:spTree>
     <p:extLst>
       <p:ext uri="{BB962C8B-B14F-4D97-AF65-F5344CB8AC3E}">
-        <p14:creationId xmlns:p14="http://schemas.microsoft.com/office/powerpoint/2010/main" val="3233748621"/>
+        <p14:creationId xmlns:p14="http://schemas.microsoft.com/office/powerpoint/2010/main" val="606203047"/>
       </p:ext>
     </p:extLst>
   </p:cSld>
@@ -6161,7 +6252,7 @@
           <p:cNvPr id="2" name="Title 1">
             <a:extLst>
               <a:ext uri="{FF2B5EF4-FFF2-40B4-BE49-F238E27FC236}">
-                <a16:creationId xmlns:a16="http://schemas.microsoft.com/office/drawing/2014/main" id="{9EF2A3A5-1182-864A-8827-26D1518A6394}"/>
+                <a16:creationId xmlns:a16="http://schemas.microsoft.com/office/drawing/2014/main" id="{11B58DB4-C916-7B49-9A6D-9F6845C14BB2}"/>
               </a:ext>
             </a:extLst>
           </p:cNvPr>
@@ -6178,66 +6269,104 @@
           <a:lstStyle/>
           <a:p>
             <a:r>
-              <a:rPr lang="en-GB" dirty="0"/>
+              <a:rPr lang="en-US" dirty="0"/>
+              <a:t>Overview</a:t>
+            </a:r>
+          </a:p>
+        </p:txBody>
+      </p:sp>
+      <p:sp>
+        <p:nvSpPr>
+          <p:cNvPr id="3" name="Content Placeholder 2">
+            <a:extLst>
+              <a:ext uri="{FF2B5EF4-FFF2-40B4-BE49-F238E27FC236}">
+                <a16:creationId xmlns:a16="http://schemas.microsoft.com/office/drawing/2014/main" id="{128AEB6D-95B4-1B4E-B689-57D1F84B35BC}"/>
+              </a:ext>
+            </a:extLst>
+          </p:cNvPr>
+          <p:cNvSpPr>
+            <a:spLocks noGrp="1"/>
+          </p:cNvSpPr>
+          <p:nvPr>
+            <p:ph idx="1"/>
+          </p:nvPr>
+        </p:nvSpPr>
+        <p:spPr/>
+        <p:txBody>
+          <a:bodyPr/>
+          <a:lstStyle/>
+          <a:p>
+            <a:r>
+              <a:rPr lang="en-US" dirty="0">
+                <a:solidFill>
+                  <a:schemeClr val="bg2">
+                    <a:lumMod val="90000"/>
+                  </a:schemeClr>
+                </a:solidFill>
+              </a:rPr>
+              <a:t>Goodness of fit and hypothetical data</a:t>
+            </a:r>
+          </a:p>
+          <a:p>
+            <a:r>
+              <a:rPr lang="en-US" dirty="0">
+                <a:solidFill>
+                  <a:schemeClr val="bg2">
+                    <a:lumMod val="90000"/>
+                  </a:schemeClr>
+                </a:solidFill>
+              </a:rPr>
+              <a:t>Global Statistics</a:t>
+            </a:r>
+          </a:p>
+          <a:p>
+            <a:r>
+              <a:rPr lang="en-US" dirty="0">
+                <a:solidFill>
+                  <a:schemeClr val="bg2">
+                    <a:lumMod val="90000"/>
+                  </a:schemeClr>
+                </a:solidFill>
+              </a:rPr>
+              <a:t>Visual Comparisons</a:t>
+            </a:r>
+          </a:p>
+          <a:p>
+            <a:r>
+              <a:rPr lang="en-US" dirty="0"/>
               <a:t>Point Pattern Statistics</a:t>
             </a:r>
           </a:p>
-        </p:txBody>
-      </p:sp>
-      <p:sp>
-        <p:nvSpPr>
-          <p:cNvPr id="3" name="Content Placeholder 2">
-            <a:extLst>
-              <a:ext uri="{FF2B5EF4-FFF2-40B4-BE49-F238E27FC236}">
-                <a16:creationId xmlns:a16="http://schemas.microsoft.com/office/drawing/2014/main" id="{2E888BA9-58D7-6849-BDD2-F73E4F362626}"/>
-              </a:ext>
-            </a:extLst>
-          </p:cNvPr>
-          <p:cNvSpPr>
-            <a:spLocks noGrp="1"/>
-          </p:cNvSpPr>
-          <p:nvPr>
-            <p:ph sz="half" idx="1"/>
-          </p:nvPr>
-        </p:nvSpPr>
-        <p:spPr/>
-        <p:txBody>
-          <a:bodyPr/>
-          <a:lstStyle/>
-          <a:p>
-            <a:endParaRPr lang="en-GB"/>
-          </a:p>
-        </p:txBody>
-      </p:sp>
-      <p:sp>
-        <p:nvSpPr>
-          <p:cNvPr id="4" name="Content Placeholder 3">
-            <a:extLst>
-              <a:ext uri="{FF2B5EF4-FFF2-40B4-BE49-F238E27FC236}">
-                <a16:creationId xmlns:a16="http://schemas.microsoft.com/office/drawing/2014/main" id="{5992EC1C-B4ED-9045-ADEE-88C0CD5D1912}"/>
-              </a:ext>
-            </a:extLst>
-          </p:cNvPr>
-          <p:cNvSpPr>
-            <a:spLocks noGrp="1"/>
-          </p:cNvSpPr>
-          <p:nvPr>
-            <p:ph sz="half" idx="2"/>
-          </p:nvPr>
-        </p:nvSpPr>
-        <p:spPr/>
-        <p:txBody>
-          <a:bodyPr/>
-          <a:lstStyle/>
-          <a:p>
-            <a:endParaRPr lang="en-GB"/>
+          <a:p>
+            <a:r>
+              <a:rPr lang="en-US" dirty="0">
+                <a:solidFill>
+                  <a:schemeClr val="bg2">
+                    <a:lumMod val="90000"/>
+                  </a:schemeClr>
+                </a:solidFill>
+              </a:rPr>
+              <a:t>Local Statistics (LISA)</a:t>
+            </a:r>
+          </a:p>
+          <a:p>
+            <a:r>
+              <a:rPr lang="en-US" dirty="0">
+                <a:solidFill>
+                  <a:schemeClr val="bg2">
+                    <a:lumMod val="90000"/>
+                  </a:schemeClr>
+                </a:solidFill>
+              </a:rPr>
+              <a:t>Multi-Scale Error Analysis</a:t>
+            </a:r>
           </a:p>
         </p:txBody>
       </p:sp>
     </p:spTree>
     <p:extLst>
       <p:ext uri="{BB962C8B-B14F-4D97-AF65-F5344CB8AC3E}">
-        <p14:creationId xmlns:p14="http://schemas.microsoft.com/office/powerpoint/2010/main" val="2501577883"/>
+        <p14:creationId xmlns:p14="http://schemas.microsoft.com/office/powerpoint/2010/main" val="3233748621"/>
       </p:ext>
     </p:extLst>
   </p:cSld>
@@ -6269,7 +6398,7 @@
           <p:cNvPr id="2" name="Title 1">
             <a:extLst>
               <a:ext uri="{FF2B5EF4-FFF2-40B4-BE49-F238E27FC236}">
-                <a16:creationId xmlns:a16="http://schemas.microsoft.com/office/drawing/2014/main" id="{A3087EA2-2DAB-3A49-A952-A331B67A7F75}"/>
+                <a16:creationId xmlns:a16="http://schemas.microsoft.com/office/drawing/2014/main" id="{9EF2A3A5-1182-864A-8827-26D1518A6394}"/>
               </a:ext>
             </a:extLst>
           </p:cNvPr>
@@ -6285,7 +6414,10 @@
           <a:bodyPr/>
           <a:lstStyle/>
           <a:p>
-            <a:endParaRPr lang="en-GB"/>
+            <a:r>
+              <a:rPr lang="en-GB" dirty="0"/>
+              <a:t>Describing the Properties of Point Patterns</a:t>
+            </a:r>
           </a:p>
         </p:txBody>
       </p:sp>
@@ -6294,55 +6426,82 @@
           <p:cNvPr id="3" name="Content Placeholder 2">
             <a:extLst>
               <a:ext uri="{FF2B5EF4-FFF2-40B4-BE49-F238E27FC236}">
-                <a16:creationId xmlns:a16="http://schemas.microsoft.com/office/drawing/2014/main" id="{C93AE24C-2856-BE4E-9B5F-542531A98BBE}"/>
-              </a:ext>
-            </a:extLst>
-          </p:cNvPr>
-          <p:cNvSpPr>
-            <a:spLocks noGrp="1"/>
-          </p:cNvSpPr>
-          <p:nvPr>
-            <p:ph sz="half" idx="1"/>
-          </p:nvPr>
-        </p:nvSpPr>
-        <p:spPr/>
-        <p:txBody>
-          <a:bodyPr/>
-          <a:lstStyle/>
-          <a:p>
-            <a:endParaRPr lang="en-GB"/>
-          </a:p>
-        </p:txBody>
-      </p:sp>
-      <p:sp>
-        <p:nvSpPr>
-          <p:cNvPr id="4" name="Content Placeholder 3">
-            <a:extLst>
-              <a:ext uri="{FF2B5EF4-FFF2-40B4-BE49-F238E27FC236}">
-                <a16:creationId xmlns:a16="http://schemas.microsoft.com/office/drawing/2014/main" id="{0DDCAF99-537E-4448-BE66-07E56A723E6E}"/>
-              </a:ext>
-            </a:extLst>
-          </p:cNvPr>
-          <p:cNvSpPr>
-            <a:spLocks noGrp="1"/>
-          </p:cNvSpPr>
-          <p:nvPr>
-            <p:ph sz="half" idx="2"/>
-          </p:nvPr>
-        </p:nvSpPr>
-        <p:spPr/>
-        <p:txBody>
-          <a:bodyPr/>
-          <a:lstStyle/>
-          <a:p>
-            <a:endParaRPr lang="en-GB"/>
+                <a16:creationId xmlns:a16="http://schemas.microsoft.com/office/drawing/2014/main" id="{2E888BA9-58D7-6849-BDD2-F73E4F362626}"/>
+              </a:ext>
+            </a:extLst>
+          </p:cNvPr>
+          <p:cNvSpPr>
+            <a:spLocks noGrp="1"/>
+          </p:cNvSpPr>
+          <p:nvPr>
+            <p:ph idx="1"/>
+          </p:nvPr>
+        </p:nvSpPr>
+        <p:spPr/>
+        <p:txBody>
+          <a:bodyPr>
+            <a:normAutofit/>
+          </a:bodyPr>
+          <a:lstStyle/>
+          <a:p>
+            <a:r>
+              <a:rPr lang="en-GB" dirty="0"/>
+              <a:t>Aggregating points to administrative areas means that we lose information</a:t>
+            </a:r>
+          </a:p>
+          <a:p>
+            <a:r>
+              <a:rPr lang="en-GB" dirty="0"/>
+              <a:t>It is preferable to work with point patterns </a:t>
+            </a:r>
+            <a:r>
+              <a:rPr lang="en-GB" i="1" dirty="0"/>
+              <a:t>directly.</a:t>
+            </a:r>
+            <a:endParaRPr lang="en-GB" dirty="0"/>
+          </a:p>
+          <a:p>
+            <a:r>
+              <a:rPr lang="en-GB" dirty="0"/>
+              <a:t>One way to do this is to examine the amount of </a:t>
+            </a:r>
+            <a:r>
+              <a:rPr lang="en-GB" i="1" dirty="0"/>
+              <a:t>clustering</a:t>
+            </a:r>
+            <a:r>
+              <a:rPr lang="en-GB" dirty="0"/>
+              <a:t> in two datasets.</a:t>
+            </a:r>
+          </a:p>
+          <a:p>
+            <a:r>
+              <a:rPr lang="en-GB" dirty="0"/>
+              <a:t>The methods wont say </a:t>
+            </a:r>
+            <a:r>
+              <a:rPr lang="en-GB" i="1" dirty="0"/>
+              <a:t>where</a:t>
+            </a:r>
+            <a:r>
+              <a:rPr lang="en-GB" dirty="0"/>
+              <a:t> the clusters are, but can estimate how </a:t>
+            </a:r>
+            <a:r>
+              <a:rPr lang="en-GB" i="1" dirty="0"/>
+              <a:t>much </a:t>
+            </a:r>
+            <a:r>
+              <a:rPr lang="en-GB" dirty="0"/>
+              <a:t>clustering there is.</a:t>
+            </a:r>
           </a:p>
         </p:txBody>
       </p:sp>
     </p:spTree>
     <p:extLst>
       <p:ext uri="{BB962C8B-B14F-4D97-AF65-F5344CB8AC3E}">
-        <p14:creationId xmlns:p14="http://schemas.microsoft.com/office/powerpoint/2010/main" val="1429789702"/>
+        <p14:creationId xmlns:p14="http://schemas.microsoft.com/office/powerpoint/2010/main" val="2501577883"/>
       </p:ext>
     </p:extLst>
   </p:cSld>
@@ -6374,7 +6533,7 @@
           <p:cNvPr id="2" name="Title 1">
             <a:extLst>
               <a:ext uri="{FF2B5EF4-FFF2-40B4-BE49-F238E27FC236}">
-                <a16:creationId xmlns:a16="http://schemas.microsoft.com/office/drawing/2014/main" id="{11B58DB4-C916-7B49-9A6D-9F6845C14BB2}"/>
+                <a16:creationId xmlns:a16="http://schemas.microsoft.com/office/drawing/2014/main" id="{A3087EA2-2DAB-3A49-A952-A331B67A7F75}"/>
               </a:ext>
             </a:extLst>
           </p:cNvPr>
@@ -6391,8 +6550,8 @@
           <a:lstStyle/>
           <a:p>
             <a:r>
-              <a:rPr lang="en-US" dirty="0"/>
-              <a:t>Overview</a:t>
+              <a:rPr lang="en-GB" dirty="0"/>
+              <a:t>Clustering in Point Patterns</a:t>
             </a:r>
           </a:p>
         </p:txBody>
@@ -6402,93 +6561,151 @@
           <p:cNvPr id="3" name="Content Placeholder 2">
             <a:extLst>
               <a:ext uri="{FF2B5EF4-FFF2-40B4-BE49-F238E27FC236}">
-                <a16:creationId xmlns:a16="http://schemas.microsoft.com/office/drawing/2014/main" id="{128AEB6D-95B4-1B4E-B689-57D1F84B35BC}"/>
-              </a:ext>
-            </a:extLst>
-          </p:cNvPr>
-          <p:cNvSpPr>
-            <a:spLocks noGrp="1"/>
-          </p:cNvSpPr>
-          <p:nvPr>
-            <p:ph idx="1"/>
-          </p:nvPr>
-        </p:nvSpPr>
-        <p:spPr/>
-        <p:txBody>
-          <a:bodyPr/>
-          <a:lstStyle/>
-          <a:p>
-            <a:r>
-              <a:rPr lang="en-US" dirty="0">
-                <a:solidFill>
-                  <a:schemeClr val="bg2">
-                    <a:lumMod val="90000"/>
-                  </a:schemeClr>
-                </a:solidFill>
+                <a16:creationId xmlns:a16="http://schemas.microsoft.com/office/drawing/2014/main" id="{C93AE24C-2856-BE4E-9B5F-542531A98BBE}"/>
+              </a:ext>
+            </a:extLst>
+          </p:cNvPr>
+          <p:cNvSpPr>
+            <a:spLocks noGrp="1"/>
+          </p:cNvSpPr>
+          <p:nvPr>
+            <p:ph sz="half" idx="1"/>
+          </p:nvPr>
+        </p:nvSpPr>
+        <p:spPr/>
+        <p:txBody>
+          <a:bodyPr/>
+          <a:lstStyle/>
+          <a:p>
+            <a:r>
+              <a:rPr lang="en-GB" dirty="0"/>
+              <a:t>Simplest way to quantify clustering is through </a:t>
+            </a:r>
+            <a:r>
+              <a:rPr lang="en-GB" i="1" dirty="0"/>
+              <a:t>nearest neighbour</a:t>
+            </a:r>
+            <a:r>
+              <a:rPr lang="en-GB" dirty="0"/>
+              <a:t> methods.</a:t>
+            </a:r>
+          </a:p>
+          <a:p>
+            <a:r>
+              <a:rPr lang="en-GB" dirty="0"/>
+              <a:t>Calculate the distance from each point to its nearest neighbour.</a:t>
+            </a:r>
+          </a:p>
+          <a:p>
+            <a:r>
+              <a:rPr lang="en-GB" dirty="0"/>
+              <a:t>In </a:t>
+            </a:r>
+            <a:r>
+              <a:rPr lang="en-GB" i="1" dirty="0"/>
+              <a:t>clustered </a:t>
+            </a:r>
+            <a:r>
+              <a:rPr lang="en-GB" dirty="0"/>
+              <a:t>data, points are usually close to their neighbours</a:t>
+            </a:r>
+          </a:p>
+          <a:p>
+            <a:r>
+              <a:rPr lang="en-GB" dirty="0"/>
+              <a:t>In uniform data, the distances are usually longer</a:t>
+            </a:r>
+          </a:p>
+        </p:txBody>
+      </p:sp>
+      <p:sp>
+        <p:nvSpPr>
+          <p:cNvPr id="7" name="Rectangle 6">
+            <a:extLst>
+              <a:ext uri="{FF2B5EF4-FFF2-40B4-BE49-F238E27FC236}">
+                <a16:creationId xmlns:a16="http://schemas.microsoft.com/office/drawing/2014/main" id="{796031D9-F5C1-9445-80E7-D117B7206915}"/>
+              </a:ext>
+            </a:extLst>
+          </p:cNvPr>
+          <p:cNvSpPr/>
+          <p:nvPr/>
+        </p:nvSpPr>
+        <p:spPr>
+          <a:xfrm>
+            <a:off x="6750708" y="6311900"/>
+            <a:ext cx="4024581" cy="461665"/>
+          </a:xfrm>
+          <a:prstGeom prst="rect">
+            <a:avLst/>
+          </a:prstGeom>
+        </p:spPr>
+        <p:txBody>
+          <a:bodyPr wrap="square">
+            <a:spAutoFit/>
+          </a:bodyPr>
+          <a:lstStyle/>
+          <a:p>
+            <a:pPr algn="ctr"/>
+            <a:r>
+              <a:rPr lang="en-GB" sz="1200" dirty="0"/>
+              <a:t>Point patterns attribution: </a:t>
+            </a:r>
+            <a:r>
+              <a:rPr lang="en-GB" sz="1200" dirty="0">
+                <a:hlinkClick r:id="rId2"/>
               </a:rPr>
-              <a:t>Goodness of fit and hypothetical data</a:t>
-            </a:r>
-          </a:p>
-          <a:p>
-            <a:r>
-              <a:rPr lang="en-US" dirty="0">
-                <a:solidFill>
-                  <a:schemeClr val="bg2">
-                    <a:lumMod val="90000"/>
-                  </a:schemeClr>
-                </a:solidFill>
+              <a:t>Yerpo</a:t>
+            </a:r>
+            <a:r>
+              <a:rPr lang="en-GB" sz="1200" dirty="0"/>
+              <a:t> </a:t>
+            </a:r>
+            <a:r>
+              <a:rPr lang="en-GB" sz="1200" dirty="0">
+                <a:hlinkClick r:id="rId3"/>
               </a:rPr>
-              <a:t>Global Statistics</a:t>
-            </a:r>
-          </a:p>
-          <a:p>
-            <a:r>
-              <a:rPr lang="en-US" dirty="0">
-                <a:solidFill>
-                  <a:schemeClr val="bg2">
-                    <a:lumMod val="90000"/>
-                  </a:schemeClr>
-                </a:solidFill>
-              </a:rPr>
-              <a:t>Visual Comparisons</a:t>
-            </a:r>
-          </a:p>
-          <a:p>
-            <a:r>
-              <a:rPr lang="en-US" dirty="0">
-                <a:solidFill>
-                  <a:schemeClr val="bg2">
-                    <a:lumMod val="90000"/>
-                  </a:schemeClr>
-                </a:solidFill>
-              </a:rPr>
-              <a:t>Point Pattern Statistics</a:t>
-            </a:r>
-          </a:p>
-          <a:p>
-            <a:r>
-              <a:rPr lang="en-US" dirty="0"/>
-              <a:t>Local Statistics (LISA)</a:t>
-            </a:r>
-          </a:p>
-          <a:p>
-            <a:r>
-              <a:rPr lang="en-US" dirty="0">
-                <a:solidFill>
-                  <a:schemeClr val="bg2">
-                    <a:lumMod val="90000"/>
-                  </a:schemeClr>
-                </a:solidFill>
-              </a:rPr>
-              <a:t>Multi-Scale Error Analysis</a:t>
-            </a:r>
-          </a:p>
-        </p:txBody>
-      </p:sp>
+              <a:t>CC BY-SA 4.0</a:t>
+            </a:r>
+            <a:r>
+              <a:rPr lang="en-GB" sz="1200" dirty="0"/>
+              <a:t>,  from Wikimedia Commons.</a:t>
+            </a:r>
+          </a:p>
+        </p:txBody>
+      </p:sp>
+      <p:pic>
+        <p:nvPicPr>
+          <p:cNvPr id="11" name="Content Placeholder 10">
+            <a:extLst>
+              <a:ext uri="{FF2B5EF4-FFF2-40B4-BE49-F238E27FC236}">
+                <a16:creationId xmlns:a16="http://schemas.microsoft.com/office/drawing/2014/main" id="{BAB97B9A-DD9E-8947-9DC0-245B26955DB3}"/>
+              </a:ext>
+            </a:extLst>
+          </p:cNvPr>
+          <p:cNvPicPr>
+            <a:picLocks noGrp="1" noChangeAspect="1"/>
+          </p:cNvPicPr>
+          <p:nvPr>
+            <p:ph sz="half" idx="2"/>
+          </p:nvPr>
+        </p:nvPicPr>
+        <p:blipFill>
+          <a:blip r:embed="rId4"/>
+          <a:stretch>
+            <a:fillRect/>
+          </a:stretch>
+        </p:blipFill>
+        <p:spPr>
+          <a:xfrm>
+            <a:off x="7180695" y="1825625"/>
+            <a:ext cx="3164609" cy="4351338"/>
+          </a:xfrm>
+        </p:spPr>
+      </p:pic>
     </p:spTree>
     <p:extLst>
       <p:ext uri="{BB962C8B-B14F-4D97-AF65-F5344CB8AC3E}">
-        <p14:creationId xmlns:p14="http://schemas.microsoft.com/office/powerpoint/2010/main" val="2647263730"/>
+        <p14:creationId xmlns:p14="http://schemas.microsoft.com/office/powerpoint/2010/main" val="1429789702"/>
       </p:ext>
     </p:extLst>
   </p:cSld>
@@ -6520,7 +6737,7 @@
           <p:cNvPr id="2" name="Title 1">
             <a:extLst>
               <a:ext uri="{FF2B5EF4-FFF2-40B4-BE49-F238E27FC236}">
-                <a16:creationId xmlns:a16="http://schemas.microsoft.com/office/drawing/2014/main" id="{A7C7FDD8-AB92-1D45-87F9-1B4DDE7E84D4}"/>
+                <a16:creationId xmlns:a16="http://schemas.microsoft.com/office/drawing/2014/main" id="{89D1FB8B-25D3-1C42-AF0F-4434A11866C0}"/>
               </a:ext>
             </a:extLst>
           </p:cNvPr>
@@ -6538,7 +6755,7 @@
           <a:p>
             <a:r>
               <a:rPr lang="en-GB" dirty="0"/>
-              <a:t>Local Indicators of Spatial Association (LISA)</a:t>
+              <a:t>Nearest Neighbour Index (NNI)</a:t>
             </a:r>
           </a:p>
         </p:txBody>
@@ -6548,7 +6765,7 @@
           <p:cNvPr id="3" name="Content Placeholder 2">
             <a:extLst>
               <a:ext uri="{FF2B5EF4-FFF2-40B4-BE49-F238E27FC236}">
-                <a16:creationId xmlns:a16="http://schemas.microsoft.com/office/drawing/2014/main" id="{0D7D14EE-8186-4F46-8C7C-04CEC1CC2757}"/>
+                <a16:creationId xmlns:a16="http://schemas.microsoft.com/office/drawing/2014/main" id="{47A5B418-791E-4C43-9897-845AFA33039C}"/>
               </a:ext>
             </a:extLst>
           </p:cNvPr>
@@ -6564,10 +6781,7 @@
           <a:bodyPr/>
           <a:lstStyle/>
           <a:p>
-            <a:r>
-              <a:rPr lang="en-GB" dirty="0"/>
-              <a:t>Local Statistics</a:t>
-            </a:r>
+            <a:endParaRPr lang="en-GB"/>
           </a:p>
         </p:txBody>
       </p:sp>
@@ -6576,7 +6790,7 @@
           <p:cNvPr id="4" name="Content Placeholder 3">
             <a:extLst>
               <a:ext uri="{FF2B5EF4-FFF2-40B4-BE49-F238E27FC236}">
-                <a16:creationId xmlns:a16="http://schemas.microsoft.com/office/drawing/2014/main" id="{246C46AF-48D1-2D44-93A0-EEBD968A6C70}"/>
+                <a16:creationId xmlns:a16="http://schemas.microsoft.com/office/drawing/2014/main" id="{62115F0B-8444-D845-9A8E-6524B0BD625C}"/>
               </a:ext>
             </a:extLst>
           </p:cNvPr>
@@ -6599,7 +6813,7 @@
     </p:spTree>
     <p:extLst>
       <p:ext uri="{BB962C8B-B14F-4D97-AF65-F5344CB8AC3E}">
-        <p14:creationId xmlns:p14="http://schemas.microsoft.com/office/powerpoint/2010/main" val="776096245"/>
+        <p14:creationId xmlns:p14="http://schemas.microsoft.com/office/powerpoint/2010/main" val="1146518079"/>
       </p:ext>
     </p:extLst>
   </p:cSld>
@@ -6631,7 +6845,7 @@
           <p:cNvPr id="2" name="Title 1">
             <a:extLst>
               <a:ext uri="{FF2B5EF4-FFF2-40B4-BE49-F238E27FC236}">
-                <a16:creationId xmlns:a16="http://schemas.microsoft.com/office/drawing/2014/main" id="{05C60279-5B8D-2F4A-A3EA-EAED0686F78F}"/>
+                <a16:creationId xmlns:a16="http://schemas.microsoft.com/office/drawing/2014/main" id="{EB2961AE-92E8-6F4B-893E-E72EDD7ED798}"/>
               </a:ext>
             </a:extLst>
           </p:cNvPr>
@@ -6647,41 +6861,41 @@
           <a:bodyPr/>
           <a:lstStyle/>
           <a:p>
+            <a:endParaRPr lang="en-GB" dirty="0"/>
+          </a:p>
+        </p:txBody>
+      </p:sp>
+      <p:sp>
+        <p:nvSpPr>
+          <p:cNvPr id="3" name="Content Placeholder 2">
+            <a:extLst>
+              <a:ext uri="{FF2B5EF4-FFF2-40B4-BE49-F238E27FC236}">
+                <a16:creationId xmlns:a16="http://schemas.microsoft.com/office/drawing/2014/main" id="{73D5C346-B2FA-B046-A8C0-34B9EBAB15EB}"/>
+              </a:ext>
+            </a:extLst>
+          </p:cNvPr>
+          <p:cNvSpPr>
+            <a:spLocks noGrp="1"/>
+          </p:cNvSpPr>
+          <p:nvPr>
+            <p:ph sz="half" idx="1"/>
+          </p:nvPr>
+        </p:nvSpPr>
+        <p:spPr/>
+        <p:txBody>
+          <a:bodyPr/>
+          <a:lstStyle/>
+          <a:p>
             <a:endParaRPr lang="en-GB"/>
           </a:p>
         </p:txBody>
       </p:sp>
       <p:sp>
         <p:nvSpPr>
-          <p:cNvPr id="3" name="Content Placeholder 2">
-            <a:extLst>
-              <a:ext uri="{FF2B5EF4-FFF2-40B4-BE49-F238E27FC236}">
-                <a16:creationId xmlns:a16="http://schemas.microsoft.com/office/drawing/2014/main" id="{D880E025-AF67-C243-BB71-BF9AF7C18A01}"/>
-              </a:ext>
-            </a:extLst>
-          </p:cNvPr>
-          <p:cNvSpPr>
-            <a:spLocks noGrp="1"/>
-          </p:cNvSpPr>
-          <p:nvPr>
-            <p:ph sz="half" idx="1"/>
-          </p:nvPr>
-        </p:nvSpPr>
-        <p:spPr/>
-        <p:txBody>
-          <a:bodyPr/>
-          <a:lstStyle/>
-          <a:p>
-            <a:endParaRPr lang="en-GB"/>
-          </a:p>
-        </p:txBody>
-      </p:sp>
-      <p:sp>
-        <p:nvSpPr>
           <p:cNvPr id="4" name="Content Placeholder 3">
             <a:extLst>
               <a:ext uri="{FF2B5EF4-FFF2-40B4-BE49-F238E27FC236}">
-                <a16:creationId xmlns:a16="http://schemas.microsoft.com/office/drawing/2014/main" id="{33FB9995-0D8A-D247-8BE6-1A697EC93972}"/>
+                <a16:creationId xmlns:a16="http://schemas.microsoft.com/office/drawing/2014/main" id="{2BF41AFC-779F-F04B-8D68-D31641D6DC9C}"/>
               </a:ext>
             </a:extLst>
           </p:cNvPr>
@@ -6704,7 +6918,7 @@
     </p:spTree>
     <p:extLst>
       <p:ext uri="{BB962C8B-B14F-4D97-AF65-F5344CB8AC3E}">
-        <p14:creationId xmlns:p14="http://schemas.microsoft.com/office/powerpoint/2010/main" val="1625925961"/>
+        <p14:creationId xmlns:p14="http://schemas.microsoft.com/office/powerpoint/2010/main" val="236663356"/>
       </p:ext>
     </p:extLst>
   </p:cSld>
@@ -6829,6 +7043,12 @@
           </a:p>
           <a:p>
             <a:r>
+              <a:rPr lang="en-US" dirty="0"/>
+              <a:t>Local Statistics (LISA)</a:t>
+            </a:r>
+          </a:p>
+          <a:p>
+            <a:r>
               <a:rPr lang="en-US" dirty="0">
                 <a:solidFill>
                   <a:schemeClr val="bg2">
@@ -6836,12 +7056,6 @@
                   </a:schemeClr>
                 </a:solidFill>
               </a:rPr>
-              <a:t>Local Statistics (LISA)</a:t>
-            </a:r>
-          </a:p>
-          <a:p>
-            <a:r>
-              <a:rPr lang="en-US" dirty="0"/>
               <a:t>Multi-Scale Error Analysis</a:t>
             </a:r>
           </a:p>
@@ -6850,7 +7064,7 @@
     </p:spTree>
     <p:extLst>
       <p:ext uri="{BB962C8B-B14F-4D97-AF65-F5344CB8AC3E}">
-        <p14:creationId xmlns:p14="http://schemas.microsoft.com/office/powerpoint/2010/main" val="4178601900"/>
+        <p14:creationId xmlns:p14="http://schemas.microsoft.com/office/powerpoint/2010/main" val="2647263730"/>
       </p:ext>
     </p:extLst>
   </p:cSld>
@@ -6882,7 +7096,7 @@
           <p:cNvPr id="2" name="Title 1">
             <a:extLst>
               <a:ext uri="{FF2B5EF4-FFF2-40B4-BE49-F238E27FC236}">
-                <a16:creationId xmlns:a16="http://schemas.microsoft.com/office/drawing/2014/main" id="{957C303A-575D-DC4B-97B5-74200DFB1D3C}"/>
+                <a16:creationId xmlns:a16="http://schemas.microsoft.com/office/drawing/2014/main" id="{A7C7FDD8-AB92-1D45-87F9-1B4DDE7E84D4}"/>
               </a:ext>
             </a:extLst>
           </p:cNvPr>
@@ -6900,7 +7114,7 @@
           <a:p>
             <a:r>
               <a:rPr lang="en-GB" dirty="0"/>
-              <a:t>Multi-Scale Error Analysis</a:t>
+              <a:t>Local Indicators of Spatial Association (LISA)</a:t>
             </a:r>
           </a:p>
         </p:txBody>
@@ -6910,7 +7124,7 @@
           <p:cNvPr id="3" name="Content Placeholder 2">
             <a:extLst>
               <a:ext uri="{FF2B5EF4-FFF2-40B4-BE49-F238E27FC236}">
-                <a16:creationId xmlns:a16="http://schemas.microsoft.com/office/drawing/2014/main" id="{39876AFC-095B-4447-93D0-023FECB71F81}"/>
+                <a16:creationId xmlns:a16="http://schemas.microsoft.com/office/drawing/2014/main" id="{0D7D14EE-8186-4F46-8C7C-04CEC1CC2757}"/>
               </a:ext>
             </a:extLst>
           </p:cNvPr>
@@ -6926,7 +7140,10 @@
           <a:bodyPr/>
           <a:lstStyle/>
           <a:p>
-            <a:endParaRPr lang="en-GB"/>
+            <a:r>
+              <a:rPr lang="en-GB" dirty="0"/>
+              <a:t>Local Statistics</a:t>
+            </a:r>
           </a:p>
         </p:txBody>
       </p:sp>
@@ -6935,7 +7152,7 @@
           <p:cNvPr id="4" name="Content Placeholder 3">
             <a:extLst>
               <a:ext uri="{FF2B5EF4-FFF2-40B4-BE49-F238E27FC236}">
-                <a16:creationId xmlns:a16="http://schemas.microsoft.com/office/drawing/2014/main" id="{B22F205F-AA01-7A40-8328-992044EB1AC4}"/>
+                <a16:creationId xmlns:a16="http://schemas.microsoft.com/office/drawing/2014/main" id="{246C46AF-48D1-2D44-93A0-EEBD968A6C70}"/>
               </a:ext>
             </a:extLst>
           </p:cNvPr>
@@ -6958,7 +7175,7 @@
     </p:spTree>
     <p:extLst>
       <p:ext uri="{BB962C8B-B14F-4D97-AF65-F5344CB8AC3E}">
-        <p14:creationId xmlns:p14="http://schemas.microsoft.com/office/powerpoint/2010/main" val="4152777916"/>
+        <p14:creationId xmlns:p14="http://schemas.microsoft.com/office/powerpoint/2010/main" val="776096245"/>
       </p:ext>
     </p:extLst>
   </p:cSld>
@@ -6990,7 +7207,7 @@
           <p:cNvPr id="2" name="Title 1">
             <a:extLst>
               <a:ext uri="{FF2B5EF4-FFF2-40B4-BE49-F238E27FC236}">
-                <a16:creationId xmlns:a16="http://schemas.microsoft.com/office/drawing/2014/main" id="{82661C56-B9D0-AD46-B310-6521C7BDD5B4}"/>
+                <a16:creationId xmlns:a16="http://schemas.microsoft.com/office/drawing/2014/main" id="{05C60279-5B8D-2F4A-A3EA-EAED0686F78F}"/>
               </a:ext>
             </a:extLst>
           </p:cNvPr>
@@ -7015,7 +7232,7 @@
           <p:cNvPr id="3" name="Content Placeholder 2">
             <a:extLst>
               <a:ext uri="{FF2B5EF4-FFF2-40B4-BE49-F238E27FC236}">
-                <a16:creationId xmlns:a16="http://schemas.microsoft.com/office/drawing/2014/main" id="{2F56E6C0-00DD-4846-81F4-8EF72734D407}"/>
+                <a16:creationId xmlns:a16="http://schemas.microsoft.com/office/drawing/2014/main" id="{D880E025-AF67-C243-BB71-BF9AF7C18A01}"/>
               </a:ext>
             </a:extLst>
           </p:cNvPr>
@@ -7040,7 +7257,7 @@
           <p:cNvPr id="4" name="Content Placeholder 3">
             <a:extLst>
               <a:ext uri="{FF2B5EF4-FFF2-40B4-BE49-F238E27FC236}">
-                <a16:creationId xmlns:a16="http://schemas.microsoft.com/office/drawing/2014/main" id="{7795AAFB-22C7-7645-BCB1-2CD98FF188B3}"/>
+                <a16:creationId xmlns:a16="http://schemas.microsoft.com/office/drawing/2014/main" id="{33FB9995-0D8A-D247-8BE6-1A697EC93972}"/>
               </a:ext>
             </a:extLst>
           </p:cNvPr>
@@ -7063,7 +7280,7 @@
     </p:spTree>
     <p:extLst>
       <p:ext uri="{BB962C8B-B14F-4D97-AF65-F5344CB8AC3E}">
-        <p14:creationId xmlns:p14="http://schemas.microsoft.com/office/powerpoint/2010/main" val="388184741"/>
+        <p14:creationId xmlns:p14="http://schemas.microsoft.com/office/powerpoint/2010/main" val="1625925961"/>
       </p:ext>
     </p:extLst>
   </p:cSld>
@@ -7095,7 +7312,7 @@
           <p:cNvPr id="2" name="Title 1">
             <a:extLst>
               <a:ext uri="{FF2B5EF4-FFF2-40B4-BE49-F238E27FC236}">
-                <a16:creationId xmlns:a16="http://schemas.microsoft.com/office/drawing/2014/main" id="{6E301968-1D4B-604C-8808-49E215F0F4B5}"/>
+                <a16:creationId xmlns:a16="http://schemas.microsoft.com/office/drawing/2014/main" id="{11B58DB4-C916-7B49-9A6D-9F6845C14BB2}"/>
               </a:ext>
             </a:extLst>
           </p:cNvPr>
@@ -7112,8 +7329,8 @@
           <a:lstStyle/>
           <a:p>
             <a:r>
-              <a:rPr lang="en-GB" dirty="0"/>
-              <a:t>Conclusion</a:t>
+              <a:rPr lang="en-US" dirty="0"/>
+              <a:t>Overview</a:t>
             </a:r>
           </a:p>
         </p:txBody>
@@ -7123,64 +7340,93 @@
           <p:cNvPr id="3" name="Content Placeholder 2">
             <a:extLst>
               <a:ext uri="{FF2B5EF4-FFF2-40B4-BE49-F238E27FC236}">
-                <a16:creationId xmlns:a16="http://schemas.microsoft.com/office/drawing/2014/main" id="{1DC996B5-6795-BA42-9178-521E9A658C26}"/>
-              </a:ext>
-            </a:extLst>
-          </p:cNvPr>
-          <p:cNvSpPr>
-            <a:spLocks noGrp="1"/>
-          </p:cNvSpPr>
-          <p:nvPr>
-            <p:ph sz="half" idx="1"/>
-          </p:nvPr>
-        </p:nvSpPr>
-        <p:spPr/>
-        <p:txBody>
-          <a:bodyPr/>
-          <a:lstStyle/>
-          <a:p>
-            <a:r>
-              <a:rPr lang="en-GB" dirty="0"/>
-              <a:t>XXXX</a:t>
-            </a:r>
-          </a:p>
-          <a:p>
-            <a:r>
-              <a:rPr lang="en-GB" dirty="0"/>
-              <a:t>R2 is not ideal for non-linear models, but (S)RMSE is difficult to interpret. Solution: use both!</a:t>
-            </a:r>
-          </a:p>
-        </p:txBody>
-      </p:sp>
-      <p:sp>
-        <p:nvSpPr>
-          <p:cNvPr id="4" name="Content Placeholder 3">
-            <a:extLst>
-              <a:ext uri="{FF2B5EF4-FFF2-40B4-BE49-F238E27FC236}">
-                <a16:creationId xmlns:a16="http://schemas.microsoft.com/office/drawing/2014/main" id="{E21A4C58-BC4D-B941-985E-821AA2EA22AD}"/>
-              </a:ext>
-            </a:extLst>
-          </p:cNvPr>
-          <p:cNvSpPr>
-            <a:spLocks noGrp="1"/>
-          </p:cNvSpPr>
-          <p:nvPr>
-            <p:ph sz="half" idx="2"/>
-          </p:nvPr>
-        </p:nvSpPr>
-        <p:spPr/>
-        <p:txBody>
-          <a:bodyPr/>
-          <a:lstStyle/>
-          <a:p>
-            <a:endParaRPr lang="en-GB"/>
+                <a16:creationId xmlns:a16="http://schemas.microsoft.com/office/drawing/2014/main" id="{128AEB6D-95B4-1B4E-B689-57D1F84B35BC}"/>
+              </a:ext>
+            </a:extLst>
+          </p:cNvPr>
+          <p:cNvSpPr>
+            <a:spLocks noGrp="1"/>
+          </p:cNvSpPr>
+          <p:nvPr>
+            <p:ph idx="1"/>
+          </p:nvPr>
+        </p:nvSpPr>
+        <p:spPr/>
+        <p:txBody>
+          <a:bodyPr/>
+          <a:lstStyle/>
+          <a:p>
+            <a:r>
+              <a:rPr lang="en-US" dirty="0">
+                <a:solidFill>
+                  <a:schemeClr val="bg2">
+                    <a:lumMod val="90000"/>
+                  </a:schemeClr>
+                </a:solidFill>
+              </a:rPr>
+              <a:t>Goodness of fit and hypothetical data</a:t>
+            </a:r>
+          </a:p>
+          <a:p>
+            <a:r>
+              <a:rPr lang="en-US" dirty="0">
+                <a:solidFill>
+                  <a:schemeClr val="bg2">
+                    <a:lumMod val="90000"/>
+                  </a:schemeClr>
+                </a:solidFill>
+              </a:rPr>
+              <a:t>Global Statistics</a:t>
+            </a:r>
+          </a:p>
+          <a:p>
+            <a:r>
+              <a:rPr lang="en-US" dirty="0">
+                <a:solidFill>
+                  <a:schemeClr val="bg2">
+                    <a:lumMod val="90000"/>
+                  </a:schemeClr>
+                </a:solidFill>
+              </a:rPr>
+              <a:t>Visual Comparisons</a:t>
+            </a:r>
+          </a:p>
+          <a:p>
+            <a:r>
+              <a:rPr lang="en-US" dirty="0">
+                <a:solidFill>
+                  <a:schemeClr val="bg2">
+                    <a:lumMod val="90000"/>
+                  </a:schemeClr>
+                </a:solidFill>
+              </a:rPr>
+              <a:t>Point Pattern Statistics</a:t>
+            </a:r>
+          </a:p>
+          <a:p>
+            <a:r>
+              <a:rPr lang="en-US" dirty="0">
+                <a:solidFill>
+                  <a:schemeClr val="bg2">
+                    <a:lumMod val="90000"/>
+                  </a:schemeClr>
+                </a:solidFill>
+              </a:rPr>
+              <a:t>Local Statistics (LISA)</a:t>
+            </a:r>
+          </a:p>
+          <a:p>
+            <a:r>
+              <a:rPr lang="en-US" dirty="0"/>
+              <a:t>Multi-Scale Error Analysis</a:t>
+            </a:r>
           </a:p>
         </p:txBody>
       </p:sp>
     </p:spTree>
     <p:extLst>
       <p:ext uri="{BB962C8B-B14F-4D97-AF65-F5344CB8AC3E}">
-        <p14:creationId xmlns:p14="http://schemas.microsoft.com/office/powerpoint/2010/main" val="3250417565"/>
+        <p14:creationId xmlns:p14="http://schemas.microsoft.com/office/powerpoint/2010/main" val="4178601900"/>
       </p:ext>
     </p:extLst>
   </p:cSld>
@@ -7212,7 +7458,7 @@
           <p:cNvPr id="2" name="Title 1">
             <a:extLst>
               <a:ext uri="{FF2B5EF4-FFF2-40B4-BE49-F238E27FC236}">
-                <a16:creationId xmlns:a16="http://schemas.microsoft.com/office/drawing/2014/main" id="{11B58DB4-C916-7B49-9A6D-9F6845C14BB2}"/>
+                <a16:creationId xmlns:a16="http://schemas.microsoft.com/office/drawing/2014/main" id="{957C303A-575D-DC4B-97B5-74200DFB1D3C}"/>
               </a:ext>
             </a:extLst>
           </p:cNvPr>
@@ -7229,8 +7475,8 @@
           <a:lstStyle/>
           <a:p>
             <a:r>
-              <a:rPr lang="en-US" dirty="0"/>
-              <a:t>Summary</a:t>
+              <a:rPr lang="en-GB" dirty="0"/>
+              <a:t>Multi-Scale Error Analysis</a:t>
             </a:r>
           </a:p>
         </p:txBody>
@@ -7240,63 +7486,55 @@
           <p:cNvPr id="3" name="Content Placeholder 2">
             <a:extLst>
               <a:ext uri="{FF2B5EF4-FFF2-40B4-BE49-F238E27FC236}">
-                <a16:creationId xmlns:a16="http://schemas.microsoft.com/office/drawing/2014/main" id="{128AEB6D-95B4-1B4E-B689-57D1F84B35BC}"/>
-              </a:ext>
-            </a:extLst>
-          </p:cNvPr>
-          <p:cNvSpPr>
-            <a:spLocks noGrp="1"/>
-          </p:cNvSpPr>
-          <p:nvPr>
-            <p:ph idx="1"/>
-          </p:nvPr>
-        </p:nvSpPr>
-        <p:spPr/>
-        <p:txBody>
-          <a:bodyPr/>
-          <a:lstStyle/>
-          <a:p>
-            <a:r>
-              <a:rPr lang="en-US" dirty="0"/>
-              <a:t>Goodness of fit and hypothetical data</a:t>
-            </a:r>
-          </a:p>
-          <a:p>
-            <a:r>
-              <a:rPr lang="en-US" dirty="0"/>
-              <a:t>Global Statistics</a:t>
-            </a:r>
-          </a:p>
-          <a:p>
-            <a:r>
-              <a:rPr lang="en-US" dirty="0"/>
-              <a:t>Visual Comparisons</a:t>
-            </a:r>
-          </a:p>
-          <a:p>
-            <a:r>
-              <a:rPr lang="en-US" dirty="0"/>
-              <a:t>Point Pattern Statistics</a:t>
-            </a:r>
-          </a:p>
-          <a:p>
-            <a:r>
-              <a:rPr lang="en-US" dirty="0"/>
-              <a:t>Local Statistics (LISA)</a:t>
-            </a:r>
-          </a:p>
-          <a:p>
-            <a:r>
-              <a:rPr lang="en-US" dirty="0"/>
-              <a:t>Multi-Scale Error Analysis</a:t>
-            </a:r>
+                <a16:creationId xmlns:a16="http://schemas.microsoft.com/office/drawing/2014/main" id="{39876AFC-095B-4447-93D0-023FECB71F81}"/>
+              </a:ext>
+            </a:extLst>
+          </p:cNvPr>
+          <p:cNvSpPr>
+            <a:spLocks noGrp="1"/>
+          </p:cNvSpPr>
+          <p:nvPr>
+            <p:ph sz="half" idx="1"/>
+          </p:nvPr>
+        </p:nvSpPr>
+        <p:spPr/>
+        <p:txBody>
+          <a:bodyPr/>
+          <a:lstStyle/>
+          <a:p>
+            <a:endParaRPr lang="en-GB"/>
+          </a:p>
+        </p:txBody>
+      </p:sp>
+      <p:sp>
+        <p:nvSpPr>
+          <p:cNvPr id="4" name="Content Placeholder 3">
+            <a:extLst>
+              <a:ext uri="{FF2B5EF4-FFF2-40B4-BE49-F238E27FC236}">
+                <a16:creationId xmlns:a16="http://schemas.microsoft.com/office/drawing/2014/main" id="{B22F205F-AA01-7A40-8328-992044EB1AC4}"/>
+              </a:ext>
+            </a:extLst>
+          </p:cNvPr>
+          <p:cNvSpPr>
+            <a:spLocks noGrp="1"/>
+          </p:cNvSpPr>
+          <p:nvPr>
+            <p:ph sz="half" idx="2"/>
+          </p:nvPr>
+        </p:nvSpPr>
+        <p:spPr/>
+        <p:txBody>
+          <a:bodyPr/>
+          <a:lstStyle/>
+          <a:p>
+            <a:endParaRPr lang="en-GB"/>
           </a:p>
         </p:txBody>
       </p:sp>
     </p:spTree>
     <p:extLst>
       <p:ext uri="{BB962C8B-B14F-4D97-AF65-F5344CB8AC3E}">
-        <p14:creationId xmlns:p14="http://schemas.microsoft.com/office/powerpoint/2010/main" val="4063815293"/>
+        <p14:creationId xmlns:p14="http://schemas.microsoft.com/office/powerpoint/2010/main" val="4152777916"/>
       </p:ext>
     </p:extLst>
   </p:cSld>
@@ -7480,6 +7718,344 @@
           <p:cNvPr id="2" name="Title 1">
             <a:extLst>
               <a:ext uri="{FF2B5EF4-FFF2-40B4-BE49-F238E27FC236}">
+                <a16:creationId xmlns:a16="http://schemas.microsoft.com/office/drawing/2014/main" id="{82661C56-B9D0-AD46-B310-6521C7BDD5B4}"/>
+              </a:ext>
+            </a:extLst>
+          </p:cNvPr>
+          <p:cNvSpPr>
+            <a:spLocks noGrp="1"/>
+          </p:cNvSpPr>
+          <p:nvPr>
+            <p:ph type="title"/>
+          </p:nvPr>
+        </p:nvSpPr>
+        <p:spPr/>
+        <p:txBody>
+          <a:bodyPr/>
+          <a:lstStyle/>
+          <a:p>
+            <a:endParaRPr lang="en-GB"/>
+          </a:p>
+        </p:txBody>
+      </p:sp>
+      <p:sp>
+        <p:nvSpPr>
+          <p:cNvPr id="3" name="Content Placeholder 2">
+            <a:extLst>
+              <a:ext uri="{FF2B5EF4-FFF2-40B4-BE49-F238E27FC236}">
+                <a16:creationId xmlns:a16="http://schemas.microsoft.com/office/drawing/2014/main" id="{2F56E6C0-00DD-4846-81F4-8EF72734D407}"/>
+              </a:ext>
+            </a:extLst>
+          </p:cNvPr>
+          <p:cNvSpPr>
+            <a:spLocks noGrp="1"/>
+          </p:cNvSpPr>
+          <p:nvPr>
+            <p:ph sz="half" idx="1"/>
+          </p:nvPr>
+        </p:nvSpPr>
+        <p:spPr/>
+        <p:txBody>
+          <a:bodyPr/>
+          <a:lstStyle/>
+          <a:p>
+            <a:endParaRPr lang="en-GB"/>
+          </a:p>
+        </p:txBody>
+      </p:sp>
+      <p:sp>
+        <p:nvSpPr>
+          <p:cNvPr id="4" name="Content Placeholder 3">
+            <a:extLst>
+              <a:ext uri="{FF2B5EF4-FFF2-40B4-BE49-F238E27FC236}">
+                <a16:creationId xmlns:a16="http://schemas.microsoft.com/office/drawing/2014/main" id="{7795AAFB-22C7-7645-BCB1-2CD98FF188B3}"/>
+              </a:ext>
+            </a:extLst>
+          </p:cNvPr>
+          <p:cNvSpPr>
+            <a:spLocks noGrp="1"/>
+          </p:cNvSpPr>
+          <p:nvPr>
+            <p:ph sz="half" idx="2"/>
+          </p:nvPr>
+        </p:nvSpPr>
+        <p:spPr/>
+        <p:txBody>
+          <a:bodyPr/>
+          <a:lstStyle/>
+          <a:p>
+            <a:endParaRPr lang="en-GB"/>
+          </a:p>
+        </p:txBody>
+      </p:sp>
+    </p:spTree>
+    <p:extLst>
+      <p:ext uri="{BB962C8B-B14F-4D97-AF65-F5344CB8AC3E}">
+        <p14:creationId xmlns:p14="http://schemas.microsoft.com/office/powerpoint/2010/main" val="388184741"/>
+      </p:ext>
+    </p:extLst>
+  </p:cSld>
+  <p:clrMapOvr>
+    <a:masterClrMapping/>
+  </p:clrMapOvr>
+</p:sld>
+</file>
+
+<file path=ppt/slides/slide31.xml><?xml version="1.0" encoding="utf-8"?>
+<p:sld xmlns:a="http://schemas.openxmlformats.org/drawingml/2006/main" xmlns:r="http://schemas.openxmlformats.org/officeDocument/2006/relationships" xmlns:p="http://schemas.openxmlformats.org/presentationml/2006/main">
+  <p:cSld>
+    <p:spTree>
+      <p:nvGrpSpPr>
+        <p:cNvPr id="1" name=""/>
+        <p:cNvGrpSpPr/>
+        <p:nvPr/>
+      </p:nvGrpSpPr>
+      <p:grpSpPr>
+        <a:xfrm>
+          <a:off x="0" y="0"/>
+          <a:ext cx="0" cy="0"/>
+          <a:chOff x="0" y="0"/>
+          <a:chExt cx="0" cy="0"/>
+        </a:xfrm>
+      </p:grpSpPr>
+      <p:sp>
+        <p:nvSpPr>
+          <p:cNvPr id="2" name="Title 1">
+            <a:extLst>
+              <a:ext uri="{FF2B5EF4-FFF2-40B4-BE49-F238E27FC236}">
+                <a16:creationId xmlns:a16="http://schemas.microsoft.com/office/drawing/2014/main" id="{6E301968-1D4B-604C-8808-49E215F0F4B5}"/>
+              </a:ext>
+            </a:extLst>
+          </p:cNvPr>
+          <p:cNvSpPr>
+            <a:spLocks noGrp="1"/>
+          </p:cNvSpPr>
+          <p:nvPr>
+            <p:ph type="title"/>
+          </p:nvPr>
+        </p:nvSpPr>
+        <p:spPr/>
+        <p:txBody>
+          <a:bodyPr/>
+          <a:lstStyle/>
+          <a:p>
+            <a:r>
+              <a:rPr lang="en-GB" dirty="0"/>
+              <a:t>Conclusion</a:t>
+            </a:r>
+          </a:p>
+        </p:txBody>
+      </p:sp>
+      <p:sp>
+        <p:nvSpPr>
+          <p:cNvPr id="3" name="Content Placeholder 2">
+            <a:extLst>
+              <a:ext uri="{FF2B5EF4-FFF2-40B4-BE49-F238E27FC236}">
+                <a16:creationId xmlns:a16="http://schemas.microsoft.com/office/drawing/2014/main" id="{1DC996B5-6795-BA42-9178-521E9A658C26}"/>
+              </a:ext>
+            </a:extLst>
+          </p:cNvPr>
+          <p:cNvSpPr>
+            <a:spLocks noGrp="1"/>
+          </p:cNvSpPr>
+          <p:nvPr>
+            <p:ph sz="half" idx="1"/>
+          </p:nvPr>
+        </p:nvSpPr>
+        <p:spPr/>
+        <p:txBody>
+          <a:bodyPr/>
+          <a:lstStyle/>
+          <a:p>
+            <a:r>
+              <a:rPr lang="en-GB" dirty="0"/>
+              <a:t>XXXX</a:t>
+            </a:r>
+          </a:p>
+          <a:p>
+            <a:r>
+              <a:rPr lang="en-GB" dirty="0"/>
+              <a:t>R2 is not ideal for non-linear models, but (S)RMSE is difficult to interpret. Solution: use both!</a:t>
+            </a:r>
+          </a:p>
+        </p:txBody>
+      </p:sp>
+      <p:sp>
+        <p:nvSpPr>
+          <p:cNvPr id="4" name="Content Placeholder 3">
+            <a:extLst>
+              <a:ext uri="{FF2B5EF4-FFF2-40B4-BE49-F238E27FC236}">
+                <a16:creationId xmlns:a16="http://schemas.microsoft.com/office/drawing/2014/main" id="{E21A4C58-BC4D-B941-985E-821AA2EA22AD}"/>
+              </a:ext>
+            </a:extLst>
+          </p:cNvPr>
+          <p:cNvSpPr>
+            <a:spLocks noGrp="1"/>
+          </p:cNvSpPr>
+          <p:nvPr>
+            <p:ph sz="half" idx="2"/>
+          </p:nvPr>
+        </p:nvSpPr>
+        <p:spPr/>
+        <p:txBody>
+          <a:bodyPr/>
+          <a:lstStyle/>
+          <a:p>
+            <a:endParaRPr lang="en-GB"/>
+          </a:p>
+        </p:txBody>
+      </p:sp>
+    </p:spTree>
+    <p:extLst>
+      <p:ext uri="{BB962C8B-B14F-4D97-AF65-F5344CB8AC3E}">
+        <p14:creationId xmlns:p14="http://schemas.microsoft.com/office/powerpoint/2010/main" val="3250417565"/>
+      </p:ext>
+    </p:extLst>
+  </p:cSld>
+  <p:clrMapOvr>
+    <a:masterClrMapping/>
+  </p:clrMapOvr>
+</p:sld>
+</file>
+
+<file path=ppt/slides/slide32.xml><?xml version="1.0" encoding="utf-8"?>
+<p:sld xmlns:a="http://schemas.openxmlformats.org/drawingml/2006/main" xmlns:r="http://schemas.openxmlformats.org/officeDocument/2006/relationships" xmlns:p="http://schemas.openxmlformats.org/presentationml/2006/main">
+  <p:cSld>
+    <p:spTree>
+      <p:nvGrpSpPr>
+        <p:cNvPr id="1" name=""/>
+        <p:cNvGrpSpPr/>
+        <p:nvPr/>
+      </p:nvGrpSpPr>
+      <p:grpSpPr>
+        <a:xfrm>
+          <a:off x="0" y="0"/>
+          <a:ext cx="0" cy="0"/>
+          <a:chOff x="0" y="0"/>
+          <a:chExt cx="0" cy="0"/>
+        </a:xfrm>
+      </p:grpSpPr>
+      <p:sp>
+        <p:nvSpPr>
+          <p:cNvPr id="2" name="Title 1">
+            <a:extLst>
+              <a:ext uri="{FF2B5EF4-FFF2-40B4-BE49-F238E27FC236}">
+                <a16:creationId xmlns:a16="http://schemas.microsoft.com/office/drawing/2014/main" id="{11B58DB4-C916-7B49-9A6D-9F6845C14BB2}"/>
+              </a:ext>
+            </a:extLst>
+          </p:cNvPr>
+          <p:cNvSpPr>
+            <a:spLocks noGrp="1"/>
+          </p:cNvSpPr>
+          <p:nvPr>
+            <p:ph type="title"/>
+          </p:nvPr>
+        </p:nvSpPr>
+        <p:spPr/>
+        <p:txBody>
+          <a:bodyPr/>
+          <a:lstStyle/>
+          <a:p>
+            <a:r>
+              <a:rPr lang="en-US" dirty="0"/>
+              <a:t>Summary</a:t>
+            </a:r>
+          </a:p>
+        </p:txBody>
+      </p:sp>
+      <p:sp>
+        <p:nvSpPr>
+          <p:cNvPr id="3" name="Content Placeholder 2">
+            <a:extLst>
+              <a:ext uri="{FF2B5EF4-FFF2-40B4-BE49-F238E27FC236}">
+                <a16:creationId xmlns:a16="http://schemas.microsoft.com/office/drawing/2014/main" id="{128AEB6D-95B4-1B4E-B689-57D1F84B35BC}"/>
+              </a:ext>
+            </a:extLst>
+          </p:cNvPr>
+          <p:cNvSpPr>
+            <a:spLocks noGrp="1"/>
+          </p:cNvSpPr>
+          <p:nvPr>
+            <p:ph idx="1"/>
+          </p:nvPr>
+        </p:nvSpPr>
+        <p:spPr/>
+        <p:txBody>
+          <a:bodyPr/>
+          <a:lstStyle/>
+          <a:p>
+            <a:r>
+              <a:rPr lang="en-US" dirty="0"/>
+              <a:t>Goodness of fit and hypothetical data</a:t>
+            </a:r>
+          </a:p>
+          <a:p>
+            <a:r>
+              <a:rPr lang="en-US" dirty="0"/>
+              <a:t>Global Statistics</a:t>
+            </a:r>
+          </a:p>
+          <a:p>
+            <a:r>
+              <a:rPr lang="en-US" dirty="0"/>
+              <a:t>Visual Comparisons</a:t>
+            </a:r>
+          </a:p>
+          <a:p>
+            <a:r>
+              <a:rPr lang="en-US" dirty="0"/>
+              <a:t>Point Pattern Statistics</a:t>
+            </a:r>
+          </a:p>
+          <a:p>
+            <a:r>
+              <a:rPr lang="en-US" dirty="0"/>
+              <a:t>Local Statistics (LISA)</a:t>
+            </a:r>
+          </a:p>
+          <a:p>
+            <a:r>
+              <a:rPr lang="en-US" dirty="0"/>
+              <a:t>Multi-Scale Error Analysis</a:t>
+            </a:r>
+          </a:p>
+        </p:txBody>
+      </p:sp>
+    </p:spTree>
+    <p:extLst>
+      <p:ext uri="{BB962C8B-B14F-4D97-AF65-F5344CB8AC3E}">
+        <p14:creationId xmlns:p14="http://schemas.microsoft.com/office/powerpoint/2010/main" val="4063815293"/>
+      </p:ext>
+    </p:extLst>
+  </p:cSld>
+  <p:clrMapOvr>
+    <a:masterClrMapping/>
+  </p:clrMapOvr>
+</p:sld>
+</file>
+
+<file path=ppt/slides/slide33.xml><?xml version="1.0" encoding="utf-8"?>
+<p:sld xmlns:a="http://schemas.openxmlformats.org/drawingml/2006/main" xmlns:r="http://schemas.openxmlformats.org/officeDocument/2006/relationships" xmlns:p="http://schemas.openxmlformats.org/presentationml/2006/main">
+  <p:cSld>
+    <p:spTree>
+      <p:nvGrpSpPr>
+        <p:cNvPr id="1" name=""/>
+        <p:cNvGrpSpPr/>
+        <p:nvPr/>
+      </p:nvGrpSpPr>
+      <p:grpSpPr>
+        <a:xfrm>
+          <a:off x="0" y="0"/>
+          <a:ext cx="0" cy="0"/>
+          <a:chOff x="0" y="0"/>
+          <a:chExt cx="0" cy="0"/>
+        </a:xfrm>
+      </p:grpSpPr>
+      <p:sp>
+        <p:nvSpPr>
+          <p:cNvPr id="2" name="Title 1">
+            <a:extLst>
+              <a:ext uri="{FF2B5EF4-FFF2-40B4-BE49-F238E27FC236}">
                 <a16:creationId xmlns:a16="http://schemas.microsoft.com/office/drawing/2014/main" id="{4B1F6C5C-80A3-D046-A7A0-FA67714AEB46}"/>
               </a:ext>
             </a:extLst>
@@ -7563,7 +8139,7 @@
 </p:sld>
 </file>
 
-<file path=ppt/slides/slide31.xml><?xml version="1.0" encoding="utf-8"?>
+<file path=ppt/slides/slide34.xml><?xml version="1.0" encoding="utf-8"?>
 <p:sld xmlns:a="http://schemas.openxmlformats.org/drawingml/2006/main" xmlns:r="http://schemas.openxmlformats.org/officeDocument/2006/relationships" xmlns:p="http://schemas.openxmlformats.org/presentationml/2006/main">
   <p:cSld>
     <p:spTree>
@@ -7647,7 +8223,7 @@
 </p:sld>
 </file>
 
-<file path=ppt/slides/slide32.xml><?xml version="1.0" encoding="utf-8"?>
+<file path=ppt/slides/slide35.xml><?xml version="1.0" encoding="utf-8"?>
 <p:sld xmlns:a="http://schemas.openxmlformats.org/drawingml/2006/main" xmlns:r="http://schemas.openxmlformats.org/officeDocument/2006/relationships" xmlns:p="http://schemas.openxmlformats.org/presentationml/2006/main">
   <p:cSld>
     <p:spTree>
@@ -7920,7 +8496,7 @@
 </p:sld>
 </file>
 
-<file path=ppt/slides/slide33.xml><?xml version="1.0" encoding="utf-8"?>
+<file path=ppt/slides/slide36.xml><?xml version="1.0" encoding="utf-8"?>
 <p:sld xmlns:a="http://schemas.openxmlformats.org/drawingml/2006/main" xmlns:r="http://schemas.openxmlformats.org/officeDocument/2006/relationships" xmlns:p="http://schemas.openxmlformats.org/presentationml/2006/main">
   <p:cSld>
     <p:spTree>
